--- a/slides/Week 1.pptx
+++ b/slides/Week 1.pptx
@@ -5,38 +5,39 @@
     <p:sldMasterId id="2147483649" r:id="rId1"/>
   </p:sldMasterIdLst>
   <p:notesMasterIdLst>
-    <p:notesMasterId r:id="rId28"/>
+    <p:notesMasterId r:id="rId29"/>
   </p:notesMasterIdLst>
   <p:handoutMasterIdLst>
-    <p:handoutMasterId r:id="rId29"/>
+    <p:handoutMasterId r:id="rId30"/>
   </p:handoutMasterIdLst>
   <p:sldIdLst>
     <p:sldId id="256" r:id="rId2"/>
-    <p:sldId id="292" r:id="rId3"/>
-    <p:sldId id="293" r:id="rId4"/>
-    <p:sldId id="257" r:id="rId5"/>
-    <p:sldId id="282" r:id="rId6"/>
-    <p:sldId id="284" r:id="rId7"/>
-    <p:sldId id="281" r:id="rId8"/>
-    <p:sldId id="294" r:id="rId9"/>
-    <p:sldId id="286" r:id="rId10"/>
-    <p:sldId id="285" r:id="rId11"/>
-    <p:sldId id="287" r:id="rId12"/>
-    <p:sldId id="275" r:id="rId13"/>
-    <p:sldId id="274" r:id="rId14"/>
-    <p:sldId id="276" r:id="rId15"/>
-    <p:sldId id="267" r:id="rId16"/>
-    <p:sldId id="273" r:id="rId17"/>
-    <p:sldId id="289" r:id="rId18"/>
-    <p:sldId id="288" r:id="rId19"/>
-    <p:sldId id="278" r:id="rId20"/>
-    <p:sldId id="277" r:id="rId21"/>
-    <p:sldId id="291" r:id="rId22"/>
-    <p:sldId id="280" r:id="rId23"/>
-    <p:sldId id="279" r:id="rId24"/>
-    <p:sldId id="266" r:id="rId25"/>
-    <p:sldId id="270" r:id="rId26"/>
-    <p:sldId id="283" r:id="rId27"/>
+    <p:sldId id="295" r:id="rId3"/>
+    <p:sldId id="292" r:id="rId4"/>
+    <p:sldId id="293" r:id="rId5"/>
+    <p:sldId id="257" r:id="rId6"/>
+    <p:sldId id="282" r:id="rId7"/>
+    <p:sldId id="284" r:id="rId8"/>
+    <p:sldId id="281" r:id="rId9"/>
+    <p:sldId id="294" r:id="rId10"/>
+    <p:sldId id="286" r:id="rId11"/>
+    <p:sldId id="285" r:id="rId12"/>
+    <p:sldId id="287" r:id="rId13"/>
+    <p:sldId id="275" r:id="rId14"/>
+    <p:sldId id="274" r:id="rId15"/>
+    <p:sldId id="276" r:id="rId16"/>
+    <p:sldId id="267" r:id="rId17"/>
+    <p:sldId id="273" r:id="rId18"/>
+    <p:sldId id="289" r:id="rId19"/>
+    <p:sldId id="288" r:id="rId20"/>
+    <p:sldId id="278" r:id="rId21"/>
+    <p:sldId id="277" r:id="rId22"/>
+    <p:sldId id="291" r:id="rId23"/>
+    <p:sldId id="280" r:id="rId24"/>
+    <p:sldId id="279" r:id="rId25"/>
+    <p:sldId id="266" r:id="rId26"/>
+    <p:sldId id="270" r:id="rId27"/>
+    <p:sldId id="283" r:id="rId28"/>
   </p:sldIdLst>
   <p:sldSz cx="9144000" cy="6858000" type="screen4x3"/>
   <p:notesSz cx="6858000" cy="9144000"/>
@@ -8690,140 +8691,535 @@
           <a:p>
             <a:r>
               <a:rPr lang="nl-NL" dirty="0" smtClean="0"/>
-              <a:t>Topics</a:t>
+              <a:t>Schedule</a:t>
             </a:r>
             <a:endParaRPr lang="nl-NL" dirty="0"/>
           </a:p>
         </p:txBody>
       </p:sp>
-      <p:sp>
-        <p:nvSpPr>
-          <p:cNvPr id="3" name="Tijdelijke aanduiding voor inhoud 2"/>
-          <p:cNvSpPr>
-            <a:spLocks noGrp="1"/>
-          </p:cNvSpPr>
+      <p:graphicFrame>
+        <p:nvGraphicFramePr>
+          <p:cNvPr id="4" name="Tijdelijke aanduiding voor inhoud 3"/>
+          <p:cNvGraphicFramePr>
+            <a:graphicFrameLocks noGrp="1"/>
+          </p:cNvGraphicFramePr>
           <p:nvPr>
             <p:ph idx="1"/>
+            <p:extLst>
+              <p:ext uri="{D42A27DB-BD31-4B8C-83A1-F6EECF244321}">
+                <p14:modId xmlns:p14="http://schemas.microsoft.com/office/powerpoint/2010/main" val="4136667673"/>
+              </p:ext>
+            </p:extLst>
           </p:nvPr>
-        </p:nvSpPr>
-        <p:spPr>
-          <a:xfrm>
-            <a:off x="762000" y="1762125"/>
-            <a:ext cx="7881938" cy="5115246"/>
-          </a:xfrm>
-        </p:spPr>
-        <p:txBody>
-          <a:bodyPr/>
-          <a:lstStyle/>
-          <a:p>
-            <a:r>
-              <a:rPr lang="nl-NL" sz="2400" dirty="0" err="1" smtClean="0">
-                <a:solidFill>
-                  <a:schemeClr val="tx1"/>
-                </a:solidFill>
-              </a:rPr>
-              <a:t>Example</a:t>
-            </a:r>
-            <a:endParaRPr lang="nl-NL" sz="2400" dirty="0" smtClean="0">
-              <a:solidFill>
-                <a:schemeClr val="tx1"/>
-              </a:solidFill>
-            </a:endParaRPr>
-          </a:p>
-          <a:p>
-            <a:endParaRPr lang="nl-NL" sz="2400" dirty="0"/>
-          </a:p>
-          <a:p>
-            <a:r>
-              <a:rPr lang="nl-NL" sz="2400" dirty="0" smtClean="0"/>
-              <a:t>Course </a:t>
-            </a:r>
-            <a:r>
-              <a:rPr lang="nl-NL" sz="2400" dirty="0" err="1" smtClean="0"/>
-              <a:t>overview</a:t>
-            </a:r>
-            <a:endParaRPr lang="nl-NL" sz="2400" dirty="0" smtClean="0"/>
-          </a:p>
-          <a:p>
-            <a:endParaRPr lang="nl-NL" sz="2400" dirty="0"/>
-          </a:p>
-          <a:p>
-            <a:r>
-              <a:rPr lang="nl-NL" sz="2400" dirty="0" smtClean="0"/>
-              <a:t>Data cleaning </a:t>
-            </a:r>
-            <a:r>
-              <a:rPr lang="nl-NL" sz="2400" dirty="0" err="1" smtClean="0"/>
-              <a:t>and</a:t>
-            </a:r>
-            <a:r>
-              <a:rPr lang="nl-NL" sz="2400" dirty="0" smtClean="0"/>
-              <a:t> ‘</a:t>
-            </a:r>
-            <a:r>
-              <a:rPr lang="nl-NL" sz="2400" dirty="0" err="1" smtClean="0"/>
-              <a:t>munging</a:t>
-            </a:r>
-            <a:r>
-              <a:rPr lang="nl-NL" sz="2400" dirty="0" smtClean="0"/>
-              <a:t>’</a:t>
-            </a:r>
-          </a:p>
-          <a:p>
-            <a:endParaRPr lang="nl-NL" sz="2400" dirty="0" smtClean="0"/>
-          </a:p>
-          <a:p>
-            <a:r>
-              <a:rPr lang="nl-NL" sz="2400" dirty="0" err="1" smtClean="0"/>
-              <a:t>Distributions</a:t>
-            </a:r>
-            <a:endParaRPr lang="nl-NL" sz="2400" dirty="0" smtClean="0"/>
-          </a:p>
-          <a:p>
-            <a:endParaRPr lang="nl-NL" sz="2400" dirty="0"/>
-          </a:p>
-          <a:p>
-            <a:r>
-              <a:rPr lang="nl-NL" sz="2400" dirty="0" smtClean="0"/>
-              <a:t>Sampling </a:t>
-            </a:r>
-            <a:r>
-              <a:rPr lang="nl-NL" sz="2400" dirty="0" err="1" smtClean="0"/>
-              <a:t>and</a:t>
-            </a:r>
-            <a:r>
-              <a:rPr lang="nl-NL" sz="2400" dirty="0" smtClean="0"/>
-              <a:t> the </a:t>
-            </a:r>
-            <a:r>
-              <a:rPr lang="nl-NL" sz="2400" dirty="0" err="1" smtClean="0"/>
-              <a:t>normal</a:t>
-            </a:r>
-            <a:r>
-              <a:rPr lang="nl-NL" sz="2400" dirty="0" smtClean="0"/>
-              <a:t> </a:t>
-            </a:r>
-            <a:r>
-              <a:rPr lang="nl-NL" sz="2400" dirty="0" err="1" smtClean="0"/>
-              <a:t>distribution</a:t>
-            </a:r>
-            <a:endParaRPr lang="nl-NL" sz="2400" dirty="0" smtClean="0"/>
-          </a:p>
-          <a:p>
-            <a:endParaRPr lang="nl-NL" sz="2000" dirty="0" smtClean="0"/>
-          </a:p>
-          <a:p>
-            <a:endParaRPr lang="nl-NL" sz="2000" dirty="0"/>
-          </a:p>
-          <a:p>
-            <a:endParaRPr lang="nl-NL" sz="2000" dirty="0"/>
-          </a:p>
-        </p:txBody>
-      </p:sp>
+        </p:nvGraphicFramePr>
+        <p:xfrm>
+          <a:off x="762000" y="1762125"/>
+          <a:ext cx="7881938" cy="4251960"/>
+        </p:xfrm>
+        <a:graphic>
+          <a:graphicData uri="http://schemas.openxmlformats.org/drawingml/2006/table">
+            <a:tbl>
+              <a:tblPr firstRow="1" bandRow="1">
+                <a:tableStyleId>{5C22544A-7EE6-4342-B048-85BDC9FD1C3A}</a:tableStyleId>
+              </a:tblPr>
+              <a:tblGrid>
+                <a:gridCol w="1001688">
+                  <a:extLst>
+                    <a:ext uri="{9D8B030D-6E8A-4147-A177-3AD203B41FA5}">
+                      <a16:colId xmlns:a16="http://schemas.microsoft.com/office/drawing/2014/main" val="2263402625"/>
+                    </a:ext>
+                  </a:extLst>
+                </a:gridCol>
+                <a:gridCol w="6880250">
+                  <a:extLst>
+                    <a:ext uri="{9D8B030D-6E8A-4147-A177-3AD203B41FA5}">
+                      <a16:colId xmlns:a16="http://schemas.microsoft.com/office/drawing/2014/main" val="625629966"/>
+                    </a:ext>
+                  </a:extLst>
+                </a:gridCol>
+              </a:tblGrid>
+              <a:tr h="370840">
+                <a:tc>
+                  <a:txBody>
+                    <a:bodyPr/>
+                    <a:lstStyle/>
+                    <a:p>
+                      <a:r>
+                        <a:rPr lang="nl-NL" dirty="0" smtClean="0"/>
+                        <a:t>Week</a:t>
+                      </a:r>
+                      <a:endParaRPr lang="nl-NL" dirty="0"/>
+                    </a:p>
+                  </a:txBody>
+                  <a:tcPr/>
+                </a:tc>
+                <a:tc>
+                  <a:txBody>
+                    <a:bodyPr/>
+                    <a:lstStyle/>
+                    <a:p>
+                      <a:r>
+                        <a:rPr lang="nl-NL" dirty="0" smtClean="0"/>
+                        <a:t>Topics</a:t>
+                      </a:r>
+                      <a:endParaRPr lang="nl-NL" dirty="0"/>
+                    </a:p>
+                  </a:txBody>
+                  <a:tcPr/>
+                </a:tc>
+                <a:extLst>
+                  <a:ext uri="{0D108BD9-81ED-4DB2-BD59-A6C34878D82A}">
+                    <a16:rowId xmlns:a16="http://schemas.microsoft.com/office/drawing/2014/main" val="954133154"/>
+                  </a:ext>
+                </a:extLst>
+              </a:tr>
+              <a:tr h="370840">
+                <a:tc>
+                  <a:txBody>
+                    <a:bodyPr/>
+                    <a:lstStyle/>
+                    <a:p>
+                      <a:r>
+                        <a:rPr lang="nl-NL" dirty="0" smtClean="0"/>
+                        <a:t>1</a:t>
+                      </a:r>
+                      <a:endParaRPr lang="nl-NL" dirty="0"/>
+                    </a:p>
+                  </a:txBody>
+                  <a:tcPr/>
+                </a:tc>
+                <a:tc>
+                  <a:txBody>
+                    <a:bodyPr/>
+                    <a:lstStyle/>
+                    <a:p>
+                      <a:r>
+                        <a:rPr lang="nl-NL" dirty="0" smtClean="0"/>
+                        <a:t>Data </a:t>
+                      </a:r>
+                      <a:r>
+                        <a:rPr lang="nl-NL" dirty="0" err="1" smtClean="0"/>
+                        <a:t>and</a:t>
+                      </a:r>
+                      <a:r>
+                        <a:rPr lang="nl-NL" baseline="0" dirty="0" smtClean="0"/>
+                        <a:t> </a:t>
+                      </a:r>
+                      <a:r>
+                        <a:rPr lang="nl-NL" baseline="0" dirty="0" err="1" smtClean="0"/>
+                        <a:t>distributions</a:t>
+                      </a:r>
+                      <a:endParaRPr lang="nl-NL" dirty="0"/>
+                    </a:p>
+                  </a:txBody>
+                  <a:tcPr/>
+                </a:tc>
+                <a:extLst>
+                  <a:ext uri="{0D108BD9-81ED-4DB2-BD59-A6C34878D82A}">
+                    <a16:rowId xmlns:a16="http://schemas.microsoft.com/office/drawing/2014/main" val="68125015"/>
+                  </a:ext>
+                </a:extLst>
+              </a:tr>
+              <a:tr h="370840">
+                <a:tc>
+                  <a:txBody>
+                    <a:bodyPr/>
+                    <a:lstStyle/>
+                    <a:p>
+                      <a:r>
+                        <a:rPr lang="nl-NL" dirty="0" smtClean="0"/>
+                        <a:t>2</a:t>
+                      </a:r>
+                      <a:endParaRPr lang="nl-NL" dirty="0"/>
+                    </a:p>
+                  </a:txBody>
+                  <a:tcPr/>
+                </a:tc>
+                <a:tc>
+                  <a:txBody>
+                    <a:bodyPr/>
+                    <a:lstStyle/>
+                    <a:p>
+                      <a:r>
+                        <a:rPr lang="nl-NL" dirty="0" err="1" smtClean="0"/>
+                        <a:t>Exploratory</a:t>
+                      </a:r>
+                      <a:r>
+                        <a:rPr lang="nl-NL" baseline="0" dirty="0" smtClean="0"/>
+                        <a:t> data analysis</a:t>
+                      </a:r>
+                    </a:p>
+                  </a:txBody>
+                  <a:tcPr/>
+                </a:tc>
+                <a:extLst>
+                  <a:ext uri="{0D108BD9-81ED-4DB2-BD59-A6C34878D82A}">
+                    <a16:rowId xmlns:a16="http://schemas.microsoft.com/office/drawing/2014/main" val="2009332889"/>
+                  </a:ext>
+                </a:extLst>
+              </a:tr>
+              <a:tr h="370840">
+                <a:tc>
+                  <a:txBody>
+                    <a:bodyPr/>
+                    <a:lstStyle/>
+                    <a:p>
+                      <a:r>
+                        <a:rPr lang="nl-NL" dirty="0" smtClean="0"/>
+                        <a:t>3</a:t>
+                      </a:r>
+                      <a:endParaRPr lang="nl-NL" dirty="0"/>
+                    </a:p>
+                  </a:txBody>
+                  <a:tcPr/>
+                </a:tc>
+                <a:tc>
+                  <a:txBody>
+                    <a:bodyPr/>
+                    <a:lstStyle/>
+                    <a:p>
+                      <a:r>
+                        <a:rPr lang="nl-NL" dirty="0" err="1" smtClean="0"/>
+                        <a:t>Linear</a:t>
+                      </a:r>
+                      <a:r>
+                        <a:rPr lang="nl-NL" dirty="0" smtClean="0"/>
+                        <a:t> </a:t>
+                      </a:r>
+                      <a:r>
+                        <a:rPr lang="nl-NL" dirty="0" err="1" smtClean="0"/>
+                        <a:t>regression</a:t>
+                      </a:r>
+                      <a:endParaRPr lang="nl-NL" dirty="0"/>
+                    </a:p>
+                  </a:txBody>
+                  <a:tcPr/>
+                </a:tc>
+                <a:extLst>
+                  <a:ext uri="{0D108BD9-81ED-4DB2-BD59-A6C34878D82A}">
+                    <a16:rowId xmlns:a16="http://schemas.microsoft.com/office/drawing/2014/main" val="1153920674"/>
+                  </a:ext>
+                </a:extLst>
+              </a:tr>
+              <a:tr h="370840">
+                <a:tc>
+                  <a:txBody>
+                    <a:bodyPr/>
+                    <a:lstStyle/>
+                    <a:p>
+                      <a:r>
+                        <a:rPr lang="nl-NL" dirty="0" smtClean="0"/>
+                        <a:t>4</a:t>
+                      </a:r>
+                      <a:endParaRPr lang="nl-NL" dirty="0"/>
+                    </a:p>
+                  </a:txBody>
+                  <a:tcPr/>
+                </a:tc>
+                <a:tc>
+                  <a:txBody>
+                    <a:bodyPr/>
+                    <a:lstStyle/>
+                    <a:p>
+                      <a:r>
+                        <a:rPr lang="nl-NL" dirty="0" smtClean="0"/>
+                        <a:t>Machine </a:t>
+                      </a:r>
+                      <a:r>
+                        <a:rPr lang="nl-NL" dirty="0" err="1" smtClean="0"/>
+                        <a:t>learning</a:t>
+                      </a:r>
+                      <a:endParaRPr lang="nl-NL" dirty="0"/>
+                    </a:p>
+                  </a:txBody>
+                  <a:tcPr/>
+                </a:tc>
+                <a:extLst>
+                  <a:ext uri="{0D108BD9-81ED-4DB2-BD59-A6C34878D82A}">
+                    <a16:rowId xmlns:a16="http://schemas.microsoft.com/office/drawing/2014/main" val="646979147"/>
+                  </a:ext>
+                </a:extLst>
+              </a:tr>
+              <a:tr h="370840">
+                <a:tc>
+                  <a:txBody>
+                    <a:bodyPr/>
+                    <a:lstStyle/>
+                    <a:p>
+                      <a:r>
+                        <a:rPr lang="nl-NL" dirty="0" smtClean="0"/>
+                        <a:t>5</a:t>
+                      </a:r>
+                      <a:endParaRPr lang="nl-NL" dirty="0"/>
+                    </a:p>
+                  </a:txBody>
+                  <a:tcPr/>
+                </a:tc>
+                <a:tc>
+                  <a:txBody>
+                    <a:bodyPr/>
+                    <a:lstStyle/>
+                    <a:p>
+                      <a:r>
+                        <a:rPr lang="nl-NL" dirty="0" smtClean="0"/>
+                        <a:t>Machine </a:t>
+                      </a:r>
+                      <a:r>
+                        <a:rPr lang="nl-NL" dirty="0" err="1" smtClean="0"/>
+                        <a:t>learning</a:t>
+                      </a:r>
+                      <a:endParaRPr lang="nl-NL" dirty="0"/>
+                    </a:p>
+                  </a:txBody>
+                  <a:tcPr/>
+                </a:tc>
+                <a:extLst>
+                  <a:ext uri="{0D108BD9-81ED-4DB2-BD59-A6C34878D82A}">
+                    <a16:rowId xmlns:a16="http://schemas.microsoft.com/office/drawing/2014/main" val="3191290804"/>
+                  </a:ext>
+                </a:extLst>
+              </a:tr>
+              <a:tr h="370840">
+                <a:tc>
+                  <a:txBody>
+                    <a:bodyPr/>
+                    <a:lstStyle/>
+                    <a:p>
+                      <a:r>
+                        <a:rPr lang="nl-NL" dirty="0" smtClean="0"/>
+                        <a:t>6</a:t>
+                      </a:r>
+                      <a:endParaRPr lang="nl-NL" dirty="0"/>
+                    </a:p>
+                  </a:txBody>
+                  <a:tcPr/>
+                </a:tc>
+                <a:tc>
+                  <a:txBody>
+                    <a:bodyPr/>
+                    <a:lstStyle/>
+                    <a:p>
+                      <a:pPr marL="0" marR="0" lvl="0" indent="0" algn="l" defTabSz="914400" rtl="0" eaLnBrk="1" fontAlgn="auto" latinLnBrk="0" hangingPunct="1">
+                        <a:lnSpc>
+                          <a:spcPct val="100000"/>
+                        </a:lnSpc>
+                        <a:spcBef>
+                          <a:spcPts val="0"/>
+                        </a:spcBef>
+                        <a:spcAft>
+                          <a:spcPts val="0"/>
+                        </a:spcAft>
+                        <a:buClrTx/>
+                        <a:buSzTx/>
+                        <a:buFontTx/>
+                        <a:buNone/>
+                        <a:tabLst/>
+                        <a:defRPr/>
+                      </a:pPr>
+                      <a:r>
+                        <a:rPr lang="nl-NL" dirty="0" smtClean="0"/>
+                        <a:t>Text</a:t>
+                      </a:r>
+                      <a:r>
+                        <a:rPr lang="nl-NL" baseline="0" dirty="0" smtClean="0"/>
+                        <a:t> </a:t>
+                      </a:r>
+                      <a:r>
+                        <a:rPr lang="nl-NL" baseline="0" dirty="0" err="1" smtClean="0"/>
+                        <a:t>mining</a:t>
+                      </a:r>
+                      <a:endParaRPr lang="nl-NL" dirty="0" smtClean="0"/>
+                    </a:p>
+                  </a:txBody>
+                  <a:tcPr/>
+                </a:tc>
+                <a:extLst>
+                  <a:ext uri="{0D108BD9-81ED-4DB2-BD59-A6C34878D82A}">
+                    <a16:rowId xmlns:a16="http://schemas.microsoft.com/office/drawing/2014/main" val="3669320408"/>
+                  </a:ext>
+                </a:extLst>
+              </a:tr>
+              <a:tr h="370840">
+                <a:tc>
+                  <a:txBody>
+                    <a:bodyPr/>
+                    <a:lstStyle/>
+                    <a:p>
+                      <a:r>
+                        <a:rPr lang="nl-NL" dirty="0" smtClean="0"/>
+                        <a:t>7</a:t>
+                      </a:r>
+                      <a:endParaRPr lang="nl-NL" dirty="0"/>
+                    </a:p>
+                  </a:txBody>
+                  <a:tcPr/>
+                </a:tc>
+                <a:tc>
+                  <a:txBody>
+                    <a:bodyPr/>
+                    <a:lstStyle/>
+                    <a:p>
+                      <a:r>
+                        <a:rPr lang="nl-NL" dirty="0" err="1" smtClean="0"/>
+                        <a:t>Unsupervised</a:t>
+                      </a:r>
+                      <a:r>
+                        <a:rPr lang="nl-NL" baseline="0" dirty="0" smtClean="0"/>
+                        <a:t> </a:t>
+                      </a:r>
+                      <a:r>
+                        <a:rPr lang="nl-NL" baseline="0" dirty="0" err="1" smtClean="0"/>
+                        <a:t>learning</a:t>
+                      </a:r>
+                      <a:endParaRPr lang="nl-NL" dirty="0"/>
+                    </a:p>
+                  </a:txBody>
+                  <a:tcPr/>
+                </a:tc>
+                <a:extLst>
+                  <a:ext uri="{0D108BD9-81ED-4DB2-BD59-A6C34878D82A}">
+                    <a16:rowId xmlns:a16="http://schemas.microsoft.com/office/drawing/2014/main" val="863875913"/>
+                  </a:ext>
+                </a:extLst>
+              </a:tr>
+              <a:tr h="370840">
+                <a:tc>
+                  <a:txBody>
+                    <a:bodyPr/>
+                    <a:lstStyle/>
+                    <a:p>
+                      <a:r>
+                        <a:rPr lang="nl-NL" dirty="0" smtClean="0"/>
+                        <a:t>8</a:t>
+                      </a:r>
+                      <a:endParaRPr lang="nl-NL" dirty="0"/>
+                    </a:p>
+                  </a:txBody>
+                  <a:tcPr/>
+                </a:tc>
+                <a:tc>
+                  <a:txBody>
+                    <a:bodyPr/>
+                    <a:lstStyle/>
+                    <a:p>
+                      <a:pPr marL="0" marR="0" lvl="0" indent="0" algn="l" defTabSz="914400" rtl="0" eaLnBrk="1" fontAlgn="auto" latinLnBrk="0" hangingPunct="1">
+                        <a:lnSpc>
+                          <a:spcPct val="100000"/>
+                        </a:lnSpc>
+                        <a:spcBef>
+                          <a:spcPts val="0"/>
+                        </a:spcBef>
+                        <a:spcAft>
+                          <a:spcPts val="0"/>
+                        </a:spcAft>
+                        <a:buClrTx/>
+                        <a:buSzTx/>
+                        <a:buFontTx/>
+                        <a:buNone/>
+                        <a:tabLst/>
+                        <a:defRPr/>
+                      </a:pPr>
+                      <a:r>
+                        <a:rPr lang="nl-NL" dirty="0" err="1" smtClean="0"/>
+                        <a:t>Work</a:t>
+                      </a:r>
+                      <a:r>
+                        <a:rPr lang="nl-NL" baseline="0" dirty="0" smtClean="0"/>
+                        <a:t> in class on project</a:t>
+                      </a:r>
+                      <a:endParaRPr lang="nl-NL" dirty="0" smtClean="0"/>
+                    </a:p>
+                  </a:txBody>
+                  <a:tcPr/>
+                </a:tc>
+                <a:extLst>
+                  <a:ext uri="{0D108BD9-81ED-4DB2-BD59-A6C34878D82A}">
+                    <a16:rowId xmlns:a16="http://schemas.microsoft.com/office/drawing/2014/main" val="4274217143"/>
+                  </a:ext>
+                </a:extLst>
+              </a:tr>
+              <a:tr h="370840">
+                <a:tc>
+                  <a:txBody>
+                    <a:bodyPr/>
+                    <a:lstStyle/>
+                    <a:p>
+                      <a:r>
+                        <a:rPr lang="nl-NL" dirty="0" smtClean="0"/>
+                        <a:t>9</a:t>
+                      </a:r>
+                      <a:endParaRPr lang="nl-NL" dirty="0"/>
+                    </a:p>
+                  </a:txBody>
+                  <a:tcPr/>
+                </a:tc>
+                <a:tc>
+                  <a:txBody>
+                    <a:bodyPr/>
+                    <a:lstStyle/>
+                    <a:p>
+                      <a:pPr marL="0" marR="0" lvl="0" indent="0" algn="l" defTabSz="914400" rtl="0" eaLnBrk="1" fontAlgn="auto" latinLnBrk="0" hangingPunct="1">
+                        <a:lnSpc>
+                          <a:spcPct val="100000"/>
+                        </a:lnSpc>
+                        <a:spcBef>
+                          <a:spcPts val="0"/>
+                        </a:spcBef>
+                        <a:spcAft>
+                          <a:spcPts val="0"/>
+                        </a:spcAft>
+                        <a:buClrTx/>
+                        <a:buSzTx/>
+                        <a:buFontTx/>
+                        <a:buNone/>
+                        <a:tabLst/>
+                        <a:defRPr/>
+                      </a:pPr>
+                      <a:r>
+                        <a:rPr lang="nl-NL" dirty="0" err="1" smtClean="0"/>
+                        <a:t>Work</a:t>
+                      </a:r>
+                      <a:r>
+                        <a:rPr lang="nl-NL" baseline="0" dirty="0" smtClean="0"/>
+                        <a:t> in class on project</a:t>
+                      </a:r>
+                      <a:endParaRPr lang="nl-NL" dirty="0" smtClean="0"/>
+                    </a:p>
+                    <a:p>
+                      <a:r>
+                        <a:rPr lang="nl-NL" dirty="0" smtClean="0"/>
+                        <a:t>Poster </a:t>
+                      </a:r>
+                      <a:r>
+                        <a:rPr lang="nl-NL" dirty="0" err="1" smtClean="0"/>
+                        <a:t>presentations</a:t>
+                      </a:r>
+                      <a:endParaRPr lang="nl-NL" dirty="0" smtClean="0"/>
+                    </a:p>
+                    <a:p>
+                      <a:r>
+                        <a:rPr lang="nl-NL" dirty="0" smtClean="0"/>
+                        <a:t>Deadline</a:t>
+                      </a:r>
+                      <a:endParaRPr lang="nl-NL" dirty="0"/>
+                    </a:p>
+                  </a:txBody>
+                  <a:tcPr/>
+                </a:tc>
+                <a:extLst>
+                  <a:ext uri="{0D108BD9-81ED-4DB2-BD59-A6C34878D82A}">
+                    <a16:rowId xmlns:a16="http://schemas.microsoft.com/office/drawing/2014/main" val="400350585"/>
+                  </a:ext>
+                </a:extLst>
+              </a:tr>
+            </a:tbl>
+          </a:graphicData>
+        </a:graphic>
+      </p:graphicFrame>
     </p:spTree>
     <p:extLst>
       <p:ext uri="{BB962C8B-B14F-4D97-AF65-F5344CB8AC3E}">
-        <p14:creationId xmlns:p14="http://schemas.microsoft.com/office/powerpoint/2010/main" val="869720996"/>
+        <p14:creationId xmlns:p14="http://schemas.microsoft.com/office/powerpoint/2010/main" val="2643987728"/>
       </p:ext>
     </p:extLst>
   </p:cSld>
@@ -8873,6 +9269,190 @@
           <a:lstStyle/>
           <a:p>
             <a:r>
+              <a:rPr lang="nl-NL" dirty="0" smtClean="0"/>
+              <a:t>Topics</a:t>
+            </a:r>
+            <a:endParaRPr lang="nl-NL" dirty="0"/>
+          </a:p>
+        </p:txBody>
+      </p:sp>
+      <p:sp>
+        <p:nvSpPr>
+          <p:cNvPr id="3" name="Tijdelijke aanduiding voor inhoud 2"/>
+          <p:cNvSpPr>
+            <a:spLocks noGrp="1"/>
+          </p:cNvSpPr>
+          <p:nvPr>
+            <p:ph idx="1"/>
+          </p:nvPr>
+        </p:nvSpPr>
+        <p:spPr>
+          <a:xfrm>
+            <a:off x="762000" y="1762125"/>
+            <a:ext cx="7881938" cy="5115246"/>
+          </a:xfrm>
+        </p:spPr>
+        <p:txBody>
+          <a:bodyPr/>
+          <a:lstStyle/>
+          <a:p>
+            <a:r>
+              <a:rPr lang="nl-NL" sz="2400" dirty="0" err="1" smtClean="0">
+                <a:solidFill>
+                  <a:schemeClr val="tx1"/>
+                </a:solidFill>
+              </a:rPr>
+              <a:t>Example</a:t>
+            </a:r>
+            <a:endParaRPr lang="nl-NL" sz="2400" dirty="0" smtClean="0">
+              <a:solidFill>
+                <a:schemeClr val="tx1"/>
+              </a:solidFill>
+            </a:endParaRPr>
+          </a:p>
+          <a:p>
+            <a:endParaRPr lang="nl-NL" sz="2400" dirty="0"/>
+          </a:p>
+          <a:p>
+            <a:r>
+              <a:rPr lang="nl-NL" sz="2400" dirty="0" smtClean="0"/>
+              <a:t>Course </a:t>
+            </a:r>
+            <a:r>
+              <a:rPr lang="nl-NL" sz="2400" dirty="0" err="1" smtClean="0"/>
+              <a:t>overview</a:t>
+            </a:r>
+            <a:endParaRPr lang="nl-NL" sz="2400" dirty="0" smtClean="0"/>
+          </a:p>
+          <a:p>
+            <a:endParaRPr lang="nl-NL" sz="2400" dirty="0"/>
+          </a:p>
+          <a:p>
+            <a:r>
+              <a:rPr lang="nl-NL" sz="2400" dirty="0" smtClean="0"/>
+              <a:t>Data cleaning </a:t>
+            </a:r>
+            <a:r>
+              <a:rPr lang="nl-NL" sz="2400" dirty="0" err="1" smtClean="0"/>
+              <a:t>and</a:t>
+            </a:r>
+            <a:r>
+              <a:rPr lang="nl-NL" sz="2400" dirty="0" smtClean="0"/>
+              <a:t> ‘</a:t>
+            </a:r>
+            <a:r>
+              <a:rPr lang="nl-NL" sz="2400" dirty="0" err="1" smtClean="0"/>
+              <a:t>munging</a:t>
+            </a:r>
+            <a:r>
+              <a:rPr lang="nl-NL" sz="2400" dirty="0" smtClean="0"/>
+              <a:t>’</a:t>
+            </a:r>
+          </a:p>
+          <a:p>
+            <a:endParaRPr lang="nl-NL" sz="2400" dirty="0" smtClean="0"/>
+          </a:p>
+          <a:p>
+            <a:r>
+              <a:rPr lang="nl-NL" sz="2400" dirty="0" err="1" smtClean="0"/>
+              <a:t>Distributions</a:t>
+            </a:r>
+            <a:endParaRPr lang="nl-NL" sz="2400" dirty="0" smtClean="0"/>
+          </a:p>
+          <a:p>
+            <a:endParaRPr lang="nl-NL" sz="2400" dirty="0"/>
+          </a:p>
+          <a:p>
+            <a:r>
+              <a:rPr lang="nl-NL" sz="2400" dirty="0" smtClean="0"/>
+              <a:t>Sampling </a:t>
+            </a:r>
+            <a:r>
+              <a:rPr lang="nl-NL" sz="2400" dirty="0" err="1" smtClean="0"/>
+              <a:t>and</a:t>
+            </a:r>
+            <a:r>
+              <a:rPr lang="nl-NL" sz="2400" dirty="0" smtClean="0"/>
+              <a:t> the </a:t>
+            </a:r>
+            <a:r>
+              <a:rPr lang="nl-NL" sz="2400" dirty="0" err="1" smtClean="0"/>
+              <a:t>normal</a:t>
+            </a:r>
+            <a:r>
+              <a:rPr lang="nl-NL" sz="2400" dirty="0" smtClean="0"/>
+              <a:t> </a:t>
+            </a:r>
+            <a:r>
+              <a:rPr lang="nl-NL" sz="2400" dirty="0" err="1" smtClean="0"/>
+              <a:t>distribution</a:t>
+            </a:r>
+            <a:endParaRPr lang="nl-NL" sz="2400" dirty="0" smtClean="0"/>
+          </a:p>
+          <a:p>
+            <a:endParaRPr lang="nl-NL" sz="2000" dirty="0" smtClean="0"/>
+          </a:p>
+          <a:p>
+            <a:endParaRPr lang="nl-NL" sz="2000" dirty="0"/>
+          </a:p>
+          <a:p>
+            <a:endParaRPr lang="nl-NL" sz="2000" dirty="0"/>
+          </a:p>
+        </p:txBody>
+      </p:sp>
+    </p:spTree>
+    <p:extLst>
+      <p:ext uri="{BB962C8B-B14F-4D97-AF65-F5344CB8AC3E}">
+        <p14:creationId xmlns:p14="http://schemas.microsoft.com/office/powerpoint/2010/main" val="869720996"/>
+      </p:ext>
+    </p:extLst>
+  </p:cSld>
+  <p:clrMapOvr>
+    <a:masterClrMapping/>
+  </p:clrMapOvr>
+  <p:timing>
+    <p:tnLst>
+      <p:par>
+        <p:cTn id="1" dur="indefinite" restart="never" nodeType="tmRoot"/>
+      </p:par>
+    </p:tnLst>
+  </p:timing>
+</p:sld>
+</file>
+
+<file path=ppt/slides/slide12.xml><?xml version="1.0" encoding="utf-8"?>
+<p:sld xmlns:a="http://schemas.openxmlformats.org/drawingml/2006/main" xmlns:r="http://schemas.openxmlformats.org/officeDocument/2006/relationships" xmlns:p="http://schemas.openxmlformats.org/presentationml/2006/main">
+  <p:cSld>
+    <p:spTree>
+      <p:nvGrpSpPr>
+        <p:cNvPr id="1" name=""/>
+        <p:cNvGrpSpPr/>
+        <p:nvPr/>
+      </p:nvGrpSpPr>
+      <p:grpSpPr>
+        <a:xfrm>
+          <a:off x="0" y="0"/>
+          <a:ext cx="0" cy="0"/>
+          <a:chOff x="0" y="0"/>
+          <a:chExt cx="0" cy="0"/>
+        </a:xfrm>
+      </p:grpSpPr>
+      <p:sp>
+        <p:nvSpPr>
+          <p:cNvPr id="2" name="Titel 1"/>
+          <p:cNvSpPr>
+            <a:spLocks noGrp="1"/>
+          </p:cNvSpPr>
+          <p:nvPr>
+            <p:ph type="title"/>
+          </p:nvPr>
+        </p:nvSpPr>
+        <p:spPr/>
+        <p:txBody>
+          <a:bodyPr/>
+          <a:lstStyle/>
+          <a:p>
+            <a:r>
               <a:rPr lang="nl-NL" dirty="0" err="1" smtClean="0"/>
               <a:t>Terminology</a:t>
             </a:r>
@@ -9403,7 +9983,7 @@
 </p:sld>
 </file>
 
-<file path=ppt/slides/slide12.xml><?xml version="1.0" encoding="utf-8"?>
+<file path=ppt/slides/slide13.xml><?xml version="1.0" encoding="utf-8"?>
 <p:sld xmlns:a="http://schemas.openxmlformats.org/drawingml/2006/main" xmlns:r="http://schemas.openxmlformats.org/officeDocument/2006/relationships" xmlns:p="http://schemas.openxmlformats.org/presentationml/2006/main">
   <p:cSld>
     <p:spTree>
@@ -9687,7 +10267,7 @@
 </p:sld>
 </file>
 
-<file path=ppt/slides/slide13.xml><?xml version="1.0" encoding="utf-8"?>
+<file path=ppt/slides/slide14.xml><?xml version="1.0" encoding="utf-8"?>
 <p:sld xmlns:a="http://schemas.openxmlformats.org/drawingml/2006/main" xmlns:r="http://schemas.openxmlformats.org/officeDocument/2006/relationships" xmlns:p="http://schemas.openxmlformats.org/presentationml/2006/main">
   <p:cSld>
     <p:spTree>
@@ -9937,378 +10517,6 @@
 </p:sld>
 </file>
 
-<file path=ppt/slides/slide14.xml><?xml version="1.0" encoding="utf-8"?>
-<p:sld xmlns:a="http://schemas.openxmlformats.org/drawingml/2006/main" xmlns:r="http://schemas.openxmlformats.org/officeDocument/2006/relationships" xmlns:p="http://schemas.openxmlformats.org/presentationml/2006/main">
-  <p:cSld>
-    <p:spTree>
-      <p:nvGrpSpPr>
-        <p:cNvPr id="1" name=""/>
-        <p:cNvGrpSpPr/>
-        <p:nvPr/>
-      </p:nvGrpSpPr>
-      <p:grpSpPr>
-        <a:xfrm>
-          <a:off x="0" y="0"/>
-          <a:ext cx="0" cy="0"/>
-          <a:chOff x="0" y="0"/>
-          <a:chExt cx="0" cy="0"/>
-        </a:xfrm>
-      </p:grpSpPr>
-      <p:sp>
-        <p:nvSpPr>
-          <p:cNvPr id="2" name="Titel 1"/>
-          <p:cNvSpPr>
-            <a:spLocks noGrp="1"/>
-          </p:cNvSpPr>
-          <p:nvPr>
-            <p:ph type="title"/>
-          </p:nvPr>
-        </p:nvSpPr>
-        <p:spPr/>
-        <p:txBody>
-          <a:bodyPr/>
-          <a:lstStyle/>
-          <a:p>
-            <a:r>
-              <a:rPr lang="nl-NL" dirty="0" err="1" smtClean="0"/>
-              <a:t>Outliers</a:t>
-            </a:r>
-            <a:endParaRPr lang="nl-NL" dirty="0"/>
-          </a:p>
-        </p:txBody>
-      </p:sp>
-      <p:sp>
-        <p:nvSpPr>
-          <p:cNvPr id="3" name="Tijdelijke aanduiding voor inhoud 2"/>
-          <p:cNvSpPr>
-            <a:spLocks noGrp="1"/>
-          </p:cNvSpPr>
-          <p:nvPr>
-            <p:ph idx="1"/>
-          </p:nvPr>
-        </p:nvSpPr>
-        <p:spPr>
-          <a:xfrm>
-            <a:off x="762000" y="1762125"/>
-            <a:ext cx="5106144" cy="4690515"/>
-          </a:xfrm>
-        </p:spPr>
-        <p:txBody>
-          <a:bodyPr/>
-          <a:lstStyle/>
-          <a:p>
-            <a:r>
-              <a:rPr lang="nl-NL" sz="2000" dirty="0" err="1" smtClean="0"/>
-              <a:t>Outliers</a:t>
-            </a:r>
-            <a:r>
-              <a:rPr lang="nl-NL" sz="2000" dirty="0" smtClean="0"/>
-              <a:t> </a:t>
-            </a:r>
-            <a:r>
-              <a:rPr lang="nl-NL" sz="2000" dirty="0" err="1" smtClean="0"/>
-              <a:t>lie</a:t>
-            </a:r>
-            <a:r>
-              <a:rPr lang="nl-NL" sz="2000" dirty="0" smtClean="0"/>
-              <a:t> far </a:t>
-            </a:r>
-            <a:r>
-              <a:rPr lang="nl-NL" sz="2000" dirty="0" err="1" smtClean="0"/>
-              <a:t>outside</a:t>
-            </a:r>
-            <a:r>
-              <a:rPr lang="nl-NL" sz="2000" dirty="0" smtClean="0"/>
-              <a:t> the trend</a:t>
-            </a:r>
-          </a:p>
-          <a:p>
-            <a:endParaRPr lang="nl-NL" sz="2000" dirty="0" smtClean="0"/>
-          </a:p>
-          <a:p>
-            <a:r>
-              <a:rPr lang="nl-NL" sz="2000" dirty="0" err="1" smtClean="0"/>
-              <a:t>Outliers</a:t>
-            </a:r>
-            <a:r>
-              <a:rPr lang="nl-NL" sz="2000" dirty="0" smtClean="0"/>
-              <a:t> </a:t>
-            </a:r>
-            <a:r>
-              <a:rPr lang="nl-NL" sz="2000" i="1" dirty="0" err="1"/>
-              <a:t>may</a:t>
-            </a:r>
-            <a:r>
-              <a:rPr lang="nl-NL" sz="2000" i="1" dirty="0"/>
-              <a:t> </a:t>
-            </a:r>
-            <a:r>
-              <a:rPr lang="nl-NL" sz="2000" dirty="0" err="1"/>
-              <a:t>indicate</a:t>
-            </a:r>
-            <a:r>
-              <a:rPr lang="nl-NL" sz="2000" dirty="0"/>
-              <a:t> </a:t>
-            </a:r>
-            <a:r>
-              <a:rPr lang="nl-NL" sz="2000" dirty="0" err="1"/>
-              <a:t>faulty</a:t>
-            </a:r>
-            <a:r>
-              <a:rPr lang="nl-NL" sz="2000" dirty="0"/>
-              <a:t> data </a:t>
-            </a:r>
-          </a:p>
-          <a:p>
-            <a:endParaRPr lang="nl-NL" sz="2000" dirty="0" smtClean="0"/>
-          </a:p>
-          <a:p>
-            <a:r>
-              <a:rPr lang="nl-NL" sz="2000" dirty="0" err="1" smtClean="0"/>
-              <a:t>They</a:t>
-            </a:r>
-            <a:r>
-              <a:rPr lang="nl-NL" sz="2000" dirty="0" smtClean="0"/>
-              <a:t> </a:t>
-            </a:r>
-            <a:r>
-              <a:rPr lang="nl-NL" sz="2000" i="1" dirty="0" err="1" smtClean="0"/>
-              <a:t>may</a:t>
-            </a:r>
-            <a:r>
-              <a:rPr lang="nl-NL" sz="2000" i="1" dirty="0" smtClean="0"/>
-              <a:t> </a:t>
-            </a:r>
-            <a:r>
-              <a:rPr lang="nl-NL" sz="2000" dirty="0" err="1" smtClean="0"/>
-              <a:t>also</a:t>
-            </a:r>
-            <a:r>
-              <a:rPr lang="nl-NL" sz="2000" dirty="0" smtClean="0"/>
-              <a:t> </a:t>
-            </a:r>
-            <a:r>
-              <a:rPr lang="nl-NL" sz="2000" dirty="0" err="1" smtClean="0"/>
-              <a:t>be</a:t>
-            </a:r>
-            <a:r>
-              <a:rPr lang="nl-NL" sz="2000" dirty="0" smtClean="0"/>
-              <a:t> </a:t>
-            </a:r>
-            <a:r>
-              <a:rPr lang="nl-NL" sz="2000" dirty="0" err="1" smtClean="0"/>
-              <a:t>interesting</a:t>
-            </a:r>
-            <a:r>
-              <a:rPr lang="nl-NL" sz="2000" dirty="0" smtClean="0"/>
-              <a:t> </a:t>
-            </a:r>
-            <a:r>
-              <a:rPr lang="nl-NL" sz="2000" dirty="0" err="1" smtClean="0"/>
-              <a:t>edge</a:t>
-            </a:r>
-            <a:r>
-              <a:rPr lang="nl-NL" sz="2000" dirty="0" smtClean="0"/>
-              <a:t> cases</a:t>
-            </a:r>
-          </a:p>
-          <a:p>
-            <a:endParaRPr lang="nl-NL" sz="2000" dirty="0"/>
-          </a:p>
-          <a:p>
-            <a:r>
-              <a:rPr lang="nl-NL" sz="2000" dirty="0" err="1" smtClean="0"/>
-              <a:t>They</a:t>
-            </a:r>
-            <a:r>
-              <a:rPr lang="nl-NL" sz="2000" dirty="0" smtClean="0"/>
-              <a:t> </a:t>
-            </a:r>
-            <a:r>
-              <a:rPr lang="nl-NL" sz="2000" i="1" dirty="0" err="1" smtClean="0"/>
-              <a:t>may</a:t>
-            </a:r>
-            <a:r>
-              <a:rPr lang="nl-NL" sz="2000" dirty="0" smtClean="0"/>
-              <a:t> </a:t>
-            </a:r>
-            <a:r>
-              <a:rPr lang="nl-NL" sz="2000" dirty="0" err="1" smtClean="0"/>
-              <a:t>also</a:t>
-            </a:r>
-            <a:r>
-              <a:rPr lang="nl-NL" sz="2000" dirty="0" smtClean="0"/>
-              <a:t> </a:t>
-            </a:r>
-            <a:r>
-              <a:rPr lang="nl-NL" sz="2000" dirty="0" err="1" smtClean="0"/>
-              <a:t>influence</a:t>
-            </a:r>
-            <a:r>
-              <a:rPr lang="nl-NL" sz="2000" dirty="0" smtClean="0"/>
-              <a:t> </a:t>
-            </a:r>
-            <a:r>
-              <a:rPr lang="nl-NL" sz="2000" dirty="0" err="1" smtClean="0"/>
-              <a:t>your</a:t>
-            </a:r>
-            <a:r>
-              <a:rPr lang="nl-NL" sz="2000" dirty="0" smtClean="0"/>
-              <a:t> </a:t>
-            </a:r>
-            <a:r>
-              <a:rPr lang="nl-NL" sz="2000" dirty="0" err="1" smtClean="0"/>
-              <a:t>models</a:t>
-            </a:r>
-            <a:r>
-              <a:rPr lang="nl-NL" sz="2000" dirty="0" smtClean="0"/>
-              <a:t> (</a:t>
-            </a:r>
-            <a:r>
-              <a:rPr lang="nl-NL" sz="2000" dirty="0" err="1" smtClean="0"/>
-              <a:t>too</a:t>
-            </a:r>
-            <a:r>
-              <a:rPr lang="nl-NL" sz="2000" dirty="0" smtClean="0"/>
-              <a:t>) </a:t>
-            </a:r>
-            <a:r>
-              <a:rPr lang="nl-NL" sz="2000" dirty="0" err="1" smtClean="0"/>
-              <a:t>strongly</a:t>
-            </a:r>
-            <a:r>
-              <a:rPr lang="nl-NL" sz="2000" dirty="0" smtClean="0"/>
-              <a:t>, or </a:t>
-            </a:r>
-            <a:r>
-              <a:rPr lang="nl-NL" sz="2000" dirty="0" err="1" smtClean="0"/>
-              <a:t>indicate</a:t>
-            </a:r>
-            <a:r>
-              <a:rPr lang="nl-NL" sz="2000" dirty="0" smtClean="0"/>
-              <a:t> </a:t>
-            </a:r>
-            <a:r>
-              <a:rPr lang="nl-NL" sz="2000" dirty="0" err="1" smtClean="0"/>
-              <a:t>limitations</a:t>
-            </a:r>
-            <a:r>
-              <a:rPr lang="nl-NL" sz="2000" dirty="0" smtClean="0"/>
-              <a:t> of </a:t>
-            </a:r>
-            <a:r>
-              <a:rPr lang="nl-NL" sz="2000" dirty="0" err="1" smtClean="0"/>
-              <a:t>your</a:t>
-            </a:r>
-            <a:r>
-              <a:rPr lang="nl-NL" sz="2000" dirty="0" smtClean="0"/>
-              <a:t> model</a:t>
-            </a:r>
-          </a:p>
-          <a:p>
-            <a:endParaRPr lang="nl-NL" sz="2000" dirty="0"/>
-          </a:p>
-          <a:p>
-            <a:r>
-              <a:rPr lang="nl-NL" sz="2000" dirty="0" err="1" smtClean="0"/>
-              <a:t>Inspect</a:t>
-            </a:r>
-            <a:r>
-              <a:rPr lang="nl-NL" sz="2000" dirty="0" smtClean="0"/>
-              <a:t> the </a:t>
-            </a:r>
-            <a:r>
-              <a:rPr lang="nl-NL" sz="2000" dirty="0" err="1" smtClean="0"/>
-              <a:t>outliers</a:t>
-            </a:r>
-            <a:r>
-              <a:rPr lang="nl-NL" sz="2000" dirty="0" smtClean="0"/>
-              <a:t>. Generally </a:t>
-            </a:r>
-            <a:r>
-              <a:rPr lang="nl-NL" sz="2000" dirty="0" err="1" smtClean="0"/>
-              <a:t>only</a:t>
-            </a:r>
-            <a:r>
-              <a:rPr lang="nl-NL" sz="2000" dirty="0" smtClean="0"/>
-              <a:t> </a:t>
-            </a:r>
-            <a:r>
-              <a:rPr lang="nl-NL" sz="2000" dirty="0" err="1" smtClean="0"/>
-              <a:t>remove</a:t>
-            </a:r>
-            <a:r>
-              <a:rPr lang="nl-NL" sz="2000" dirty="0" smtClean="0"/>
-              <a:t> </a:t>
-            </a:r>
-            <a:r>
-              <a:rPr lang="nl-NL" sz="2000" dirty="0" err="1" smtClean="0"/>
-              <a:t>with</a:t>
-            </a:r>
-            <a:r>
-              <a:rPr lang="nl-NL" sz="2000" dirty="0" smtClean="0"/>
-              <a:t> </a:t>
-            </a:r>
-            <a:r>
-              <a:rPr lang="nl-NL" sz="2000" dirty="0" err="1" smtClean="0"/>
-              <a:t>good</a:t>
-            </a:r>
-            <a:r>
-              <a:rPr lang="nl-NL" sz="2000" dirty="0" smtClean="0"/>
-              <a:t> </a:t>
-            </a:r>
-            <a:r>
-              <a:rPr lang="nl-NL" sz="2000" dirty="0" err="1" smtClean="0"/>
-              <a:t>reason</a:t>
-            </a:r>
-            <a:endParaRPr lang="nl-NL" sz="2000" dirty="0"/>
-          </a:p>
-        </p:txBody>
-      </p:sp>
-      <p:pic>
-        <p:nvPicPr>
-          <p:cNvPr id="5" name="Afbeelding 4"/>
-          <p:cNvPicPr>
-            <a:picLocks noChangeAspect="1"/>
-          </p:cNvPicPr>
-          <p:nvPr/>
-        </p:nvPicPr>
-        <p:blipFill>
-          <a:blip r:embed="rId2"/>
-          <a:stretch>
-            <a:fillRect/>
-          </a:stretch>
-        </p:blipFill>
-        <p:spPr>
-          <a:xfrm>
-            <a:off x="6228184" y="2420888"/>
-            <a:ext cx="2475570" cy="2384904"/>
-          </a:xfrm>
-          <a:prstGeom prst="rect">
-            <a:avLst/>
-          </a:prstGeom>
-        </p:spPr>
-      </p:pic>
-    </p:spTree>
-    <p:extLst>
-      <p:ext uri="{BB962C8B-B14F-4D97-AF65-F5344CB8AC3E}">
-        <p14:creationId xmlns:p14="http://schemas.microsoft.com/office/powerpoint/2010/main" val="1971997872"/>
-      </p:ext>
-    </p:extLst>
-  </p:cSld>
-  <p:clrMapOvr>
-    <a:masterClrMapping/>
-  </p:clrMapOvr>
-  <p:timing>
-    <p:tnLst>
-      <p:par>
-        <p:cTn id="1" dur="indefinite" restart="never" nodeType="tmRoot"/>
-      </p:par>
-    </p:tnLst>
-  </p:timing>
-</p:sld>
-</file>
-
 <file path=ppt/slides/slide15.xml><?xml version="1.0" encoding="utf-8"?>
 <p:sld xmlns:a="http://schemas.openxmlformats.org/drawingml/2006/main" xmlns:r="http://schemas.openxmlformats.org/officeDocument/2006/relationships" xmlns:p="http://schemas.openxmlformats.org/presentationml/2006/main">
   <p:cSld>
@@ -10343,11 +10551,7 @@
           <a:p>
             <a:r>
               <a:rPr lang="nl-NL" dirty="0" err="1" smtClean="0"/>
-              <a:t>Exercise</a:t>
-            </a:r>
-            <a:r>
-              <a:rPr lang="nl-NL" dirty="0" smtClean="0"/>
-              <a:t> 1: data cleaning</a:t>
+              <a:t>Outliers</a:t>
             </a:r>
             <a:endParaRPr lang="nl-NL" dirty="0"/>
           </a:p>
@@ -10365,932 +10569,310 @@
         </p:nvSpPr>
         <p:spPr>
           <a:xfrm>
-            <a:off x="683568" y="1700808"/>
-            <a:ext cx="7881938" cy="4425827"/>
+            <a:off x="762000" y="1762125"/>
+            <a:ext cx="5106144" cy="4690515"/>
           </a:xfrm>
         </p:spPr>
         <p:txBody>
           <a:bodyPr/>
           <a:lstStyle/>
           <a:p>
-            <a:pPr marL="0" indent="0">
-              <a:buNone/>
-            </a:pPr>
-            <a:r>
-              <a:rPr lang="nl-NL" sz="1600" dirty="0" smtClean="0">
-                <a:latin typeface="Courier New" panose="02070309020205020404" pitchFamily="49" charset="0"/>
-                <a:cs typeface="Courier New" panose="02070309020205020404" pitchFamily="49" charset="0"/>
-              </a:rPr>
-              <a:t>See </a:t>
-            </a:r>
-            <a:r>
-              <a:rPr lang="nl-NL" sz="1600" dirty="0" err="1">
-                <a:latin typeface="Courier New" panose="02070309020205020404" pitchFamily="49" charset="0"/>
-                <a:cs typeface="Courier New" panose="02070309020205020404" pitchFamily="49" charset="0"/>
-              </a:rPr>
-              <a:t>e</a:t>
-            </a:r>
-            <a:r>
-              <a:rPr lang="nl-NL" sz="1600" dirty="0" err="1" smtClean="0">
-                <a:latin typeface="Courier New" panose="02070309020205020404" pitchFamily="49" charset="0"/>
-                <a:cs typeface="Courier New" panose="02070309020205020404" pitchFamily="49" charset="0"/>
-              </a:rPr>
-              <a:t>xample</a:t>
-            </a:r>
-            <a:r>
-              <a:rPr lang="nl-NL" sz="1600" dirty="0" smtClean="0">
-                <a:latin typeface="Courier New" panose="02070309020205020404" pitchFamily="49" charset="0"/>
-                <a:cs typeface="Courier New" panose="02070309020205020404" pitchFamily="49" charset="0"/>
-              </a:rPr>
-              <a:t> Notebook: data cleaning</a:t>
-            </a:r>
-          </a:p>
-          <a:p>
-            <a:pPr marL="0" indent="0">
-              <a:buNone/>
-            </a:pPr>
-            <a:endParaRPr lang="nl-NL" sz="1600" dirty="0">
-              <a:latin typeface="Courier New" panose="02070309020205020404" pitchFamily="49" charset="0"/>
-              <a:cs typeface="Courier New" panose="02070309020205020404" pitchFamily="49" charset="0"/>
-            </a:endParaRPr>
-          </a:p>
-          <a:p>
-            <a:pPr marL="0" indent="0">
-              <a:buNone/>
-            </a:pPr>
-            <a:r>
-              <a:rPr lang="nl-NL" sz="1600" dirty="0" smtClean="0">
-                <a:latin typeface="Courier New" panose="02070309020205020404" pitchFamily="49" charset="0"/>
-                <a:cs typeface="Courier New" panose="02070309020205020404" pitchFamily="49" charset="0"/>
-              </a:rPr>
-              <a:t>Combine the </a:t>
-            </a:r>
-            <a:r>
-              <a:rPr lang="nl-NL" sz="1600" dirty="0" err="1" smtClean="0">
-                <a:latin typeface="Courier New" panose="02070309020205020404" pitchFamily="49" charset="0"/>
-                <a:cs typeface="Courier New" panose="02070309020205020404" pitchFamily="49" charset="0"/>
-              </a:rPr>
-              <a:t>two</a:t>
-            </a:r>
-            <a:r>
-              <a:rPr lang="nl-NL" sz="1600" dirty="0" smtClean="0">
-                <a:latin typeface="Courier New" panose="02070309020205020404" pitchFamily="49" charset="0"/>
-                <a:cs typeface="Courier New" panose="02070309020205020404" pitchFamily="49" charset="0"/>
-              </a:rPr>
-              <a:t> files from the </a:t>
-            </a:r>
-            <a:r>
-              <a:rPr lang="nl-NL" sz="1600" dirty="0" err="1" smtClean="0">
-                <a:latin typeface="Courier New" panose="02070309020205020404" pitchFamily="49" charset="0"/>
-                <a:cs typeface="Courier New" panose="02070309020205020404" pitchFamily="49" charset="0"/>
-              </a:rPr>
-              <a:t>Fitbit</a:t>
-            </a:r>
-            <a:r>
-              <a:rPr lang="nl-NL" sz="1600" dirty="0" smtClean="0">
-                <a:latin typeface="Courier New" panose="02070309020205020404" pitchFamily="49" charset="0"/>
-                <a:cs typeface="Courier New" panose="02070309020205020404" pitchFamily="49" charset="0"/>
-              </a:rPr>
-              <a:t> project (</a:t>
-            </a:r>
-            <a:r>
-              <a:rPr lang="nl-NL" sz="1600" i="1" dirty="0" smtClean="0">
-                <a:latin typeface="Courier New" panose="02070309020205020404" pitchFamily="49" charset="0"/>
-                <a:cs typeface="Courier New" panose="02070309020205020404" pitchFamily="49" charset="0"/>
-              </a:rPr>
-              <a:t>steps</a:t>
-            </a:r>
-            <a:r>
-              <a:rPr lang="nl-NL" sz="1600" dirty="0" smtClean="0">
-                <a:latin typeface="Courier New" panose="02070309020205020404" pitchFamily="49" charset="0"/>
-                <a:cs typeface="Courier New" panose="02070309020205020404" pitchFamily="49" charset="0"/>
-              </a:rPr>
+            <a:r>
+              <a:rPr lang="nl-NL" sz="2000" dirty="0" err="1" smtClean="0"/>
+              <a:t>Outliers</a:t>
+            </a:r>
+            <a:r>
+              <a:rPr lang="nl-NL" sz="2000" dirty="0" smtClean="0"/>
               <a:t> </a:t>
             </a:r>
             <a:r>
-              <a:rPr lang="nl-NL" sz="1600" dirty="0" err="1" smtClean="0">
-                <a:latin typeface="Courier New" panose="02070309020205020404" pitchFamily="49" charset="0"/>
-                <a:cs typeface="Courier New" panose="02070309020205020404" pitchFamily="49" charset="0"/>
-              </a:rPr>
-              <a:t>and</a:t>
-            </a:r>
-            <a:r>
-              <a:rPr lang="nl-NL" sz="1600" dirty="0" smtClean="0">
-                <a:latin typeface="Courier New" panose="02070309020205020404" pitchFamily="49" charset="0"/>
-                <a:cs typeface="Courier New" panose="02070309020205020404" pitchFamily="49" charset="0"/>
-              </a:rPr>
+              <a:rPr lang="nl-NL" sz="2000" dirty="0" err="1" smtClean="0"/>
+              <a:t>lie</a:t>
+            </a:r>
+            <a:r>
+              <a:rPr lang="nl-NL" sz="2000" dirty="0" smtClean="0"/>
+              <a:t> far </a:t>
+            </a:r>
+            <a:r>
+              <a:rPr lang="nl-NL" sz="2000" dirty="0" err="1" smtClean="0"/>
+              <a:t>outside</a:t>
+            </a:r>
+            <a:r>
+              <a:rPr lang="nl-NL" sz="2000" dirty="0" smtClean="0"/>
+              <a:t> the trend</a:t>
+            </a:r>
+          </a:p>
+          <a:p>
+            <a:endParaRPr lang="nl-NL" sz="2000" dirty="0" smtClean="0"/>
+          </a:p>
+          <a:p>
+            <a:r>
+              <a:rPr lang="nl-NL" sz="2000" dirty="0" err="1" smtClean="0"/>
+              <a:t>Outliers</a:t>
+            </a:r>
+            <a:r>
+              <a:rPr lang="nl-NL" sz="2000" dirty="0" smtClean="0"/>
               <a:t> </a:t>
             </a:r>
             <a:r>
-              <a:rPr lang="nl-NL" sz="1600" i="1" dirty="0" smtClean="0">
-                <a:latin typeface="Courier New" panose="02070309020205020404" pitchFamily="49" charset="0"/>
-                <a:cs typeface="Courier New" panose="02070309020205020404" pitchFamily="49" charset="0"/>
-              </a:rPr>
-              <a:t>survey data</a:t>
-            </a:r>
-            <a:r>
-              <a:rPr lang="nl-NL" sz="1600" dirty="0" smtClean="0">
-                <a:latin typeface="Courier New" panose="02070309020205020404" pitchFamily="49" charset="0"/>
-                <a:cs typeface="Courier New" panose="02070309020205020404" pitchFamily="49" charset="0"/>
-              </a:rPr>
+              <a:rPr lang="nl-NL" sz="2000" i="1" dirty="0" err="1"/>
+              <a:t>may</a:t>
+            </a:r>
+            <a:r>
+              <a:rPr lang="nl-NL" sz="2000" i="1" dirty="0"/>
+              <a:t> </a:t>
+            </a:r>
+            <a:r>
+              <a:rPr lang="nl-NL" sz="2000" dirty="0" err="1"/>
+              <a:t>indicate</a:t>
+            </a:r>
+            <a:r>
+              <a:rPr lang="nl-NL" sz="2000" dirty="0"/>
+              <a:t> </a:t>
+            </a:r>
+            <a:r>
+              <a:rPr lang="nl-NL" sz="2000" dirty="0" err="1"/>
+              <a:t>faulty</a:t>
+            </a:r>
+            <a:r>
+              <a:rPr lang="nl-NL" sz="2000" dirty="0"/>
+              <a:t> data </a:t>
+            </a:r>
+          </a:p>
+          <a:p>
+            <a:endParaRPr lang="nl-NL" sz="2000" dirty="0" smtClean="0"/>
+          </a:p>
+          <a:p>
+            <a:r>
+              <a:rPr lang="nl-NL" sz="2000" dirty="0" err="1" smtClean="0"/>
+              <a:t>They</a:t>
+            </a:r>
+            <a:r>
+              <a:rPr lang="nl-NL" sz="2000" dirty="0" smtClean="0"/>
+              <a:t> </a:t>
+            </a:r>
+            <a:r>
+              <a:rPr lang="nl-NL" sz="2000" i="1" dirty="0" err="1" smtClean="0"/>
+              <a:t>may</a:t>
+            </a:r>
+            <a:r>
+              <a:rPr lang="nl-NL" sz="2000" i="1" dirty="0" smtClean="0"/>
+              <a:t> </a:t>
+            </a:r>
+            <a:r>
+              <a:rPr lang="nl-NL" sz="2000" dirty="0" err="1" smtClean="0"/>
+              <a:t>also</a:t>
+            </a:r>
+            <a:r>
+              <a:rPr lang="nl-NL" sz="2000" dirty="0" smtClean="0"/>
+              <a:t> </a:t>
+            </a:r>
+            <a:r>
+              <a:rPr lang="nl-NL" sz="2000" dirty="0" err="1" smtClean="0"/>
+              <a:t>be</a:t>
+            </a:r>
+            <a:r>
+              <a:rPr lang="nl-NL" sz="2000" dirty="0" smtClean="0"/>
+              <a:t> </a:t>
+            </a:r>
+            <a:r>
+              <a:rPr lang="nl-NL" sz="2000" dirty="0" err="1" smtClean="0"/>
+              <a:t>interesting</a:t>
+            </a:r>
+            <a:r>
+              <a:rPr lang="nl-NL" sz="2000" dirty="0" smtClean="0"/>
+              <a:t> </a:t>
+            </a:r>
+            <a:r>
+              <a:rPr lang="nl-NL" sz="2000" dirty="0" err="1" smtClean="0"/>
+              <a:t>edge</a:t>
+            </a:r>
+            <a:r>
+              <a:rPr lang="nl-NL" sz="2000" dirty="0" smtClean="0"/>
+              <a:t> cases</a:t>
+            </a:r>
+          </a:p>
+          <a:p>
+            <a:endParaRPr lang="nl-NL" sz="2000" dirty="0"/>
+          </a:p>
+          <a:p>
+            <a:r>
+              <a:rPr lang="nl-NL" sz="2000" dirty="0" err="1" smtClean="0"/>
+              <a:t>They</a:t>
+            </a:r>
+            <a:r>
+              <a:rPr lang="nl-NL" sz="2000" dirty="0" smtClean="0"/>
+              <a:t> </a:t>
+            </a:r>
+            <a:r>
+              <a:rPr lang="nl-NL" sz="2000" i="1" dirty="0" err="1" smtClean="0"/>
+              <a:t>may</a:t>
+            </a:r>
+            <a:r>
+              <a:rPr lang="nl-NL" sz="2000" dirty="0" smtClean="0"/>
+              <a:t> </a:t>
+            </a:r>
+            <a:r>
+              <a:rPr lang="nl-NL" sz="2000" dirty="0" err="1" smtClean="0"/>
+              <a:t>also</a:t>
+            </a:r>
+            <a:r>
+              <a:rPr lang="nl-NL" sz="2000" dirty="0" smtClean="0"/>
+              <a:t> </a:t>
+            </a:r>
+            <a:r>
+              <a:rPr lang="nl-NL" sz="2000" dirty="0" err="1" smtClean="0"/>
+              <a:t>influence</a:t>
+            </a:r>
+            <a:r>
+              <a:rPr lang="nl-NL" sz="2000" dirty="0" smtClean="0"/>
+              <a:t> </a:t>
+            </a:r>
+            <a:r>
+              <a:rPr lang="nl-NL" sz="2000" dirty="0" err="1" smtClean="0"/>
+              <a:t>your</a:t>
+            </a:r>
+            <a:r>
+              <a:rPr lang="nl-NL" sz="2000" dirty="0" smtClean="0"/>
+              <a:t> </a:t>
+            </a:r>
+            <a:r>
+              <a:rPr lang="nl-NL" sz="2000" dirty="0" err="1" smtClean="0"/>
+              <a:t>models</a:t>
+            </a:r>
+            <a:r>
+              <a:rPr lang="nl-NL" sz="2000" dirty="0" smtClean="0"/>
+              <a:t> (</a:t>
+            </a:r>
+            <a:r>
+              <a:rPr lang="nl-NL" sz="2000" dirty="0" err="1" smtClean="0"/>
+              <a:t>too</a:t>
+            </a:r>
+            <a:r>
+              <a:rPr lang="nl-NL" sz="2000" dirty="0" smtClean="0"/>
               <a:t>) </a:t>
             </a:r>
             <a:r>
-              <a:rPr lang="nl-NL" sz="1600" dirty="0" err="1" smtClean="0">
-                <a:latin typeface="Courier New" panose="02070309020205020404" pitchFamily="49" charset="0"/>
-                <a:cs typeface="Courier New" panose="02070309020205020404" pitchFamily="49" charset="0"/>
-              </a:rPr>
-              <a:t>into</a:t>
-            </a:r>
-            <a:r>
-              <a:rPr lang="nl-NL" sz="1600" dirty="0" smtClean="0">
-                <a:latin typeface="Courier New" panose="02070309020205020404" pitchFamily="49" charset="0"/>
-                <a:cs typeface="Courier New" panose="02070309020205020404" pitchFamily="49" charset="0"/>
-              </a:rPr>
-              <a:t> a single </a:t>
-            </a:r>
-            <a:r>
-              <a:rPr lang="nl-NL" sz="1600" dirty="0" err="1" smtClean="0">
-                <a:latin typeface="Courier New" panose="02070309020205020404" pitchFamily="49" charset="0"/>
-                <a:cs typeface="Courier New" panose="02070309020205020404" pitchFamily="49" charset="0"/>
-              </a:rPr>
-              <a:t>csv</a:t>
-            </a:r>
-            <a:r>
-              <a:rPr lang="nl-NL" sz="1600" dirty="0" smtClean="0">
-                <a:latin typeface="Courier New" panose="02070309020205020404" pitchFamily="49" charset="0"/>
-                <a:cs typeface="Courier New" panose="02070309020205020404" pitchFamily="49" charset="0"/>
-              </a:rPr>
-              <a:t> file, </a:t>
-            </a:r>
-            <a:r>
-              <a:rPr lang="nl-NL" sz="1600" dirty="0" err="1" smtClean="0">
-                <a:latin typeface="Courier New" panose="02070309020205020404" pitchFamily="49" charset="0"/>
-                <a:cs typeface="Courier New" panose="02070309020205020404" pitchFamily="49" charset="0"/>
-              </a:rPr>
-              <a:t>and</a:t>
-            </a:r>
-            <a:r>
-              <a:rPr lang="nl-NL" sz="1600" dirty="0" smtClean="0">
-                <a:latin typeface="Courier New" panose="02070309020205020404" pitchFamily="49" charset="0"/>
-                <a:cs typeface="Courier New" panose="02070309020205020404" pitchFamily="49" charset="0"/>
-              </a:rPr>
-              <a:t> clean up the </a:t>
-            </a:r>
-            <a:r>
-              <a:rPr lang="nl-NL" sz="1600" dirty="0" err="1" smtClean="0">
-                <a:latin typeface="Courier New" panose="02070309020205020404" pitchFamily="49" charset="0"/>
-                <a:cs typeface="Courier New" panose="02070309020205020404" pitchFamily="49" charset="0"/>
-              </a:rPr>
-              <a:t>variable</a:t>
-            </a:r>
-            <a:r>
-              <a:rPr lang="nl-NL" sz="1600" dirty="0" smtClean="0">
-                <a:latin typeface="Courier New" panose="02070309020205020404" pitchFamily="49" charset="0"/>
-                <a:cs typeface="Courier New" panose="02070309020205020404" pitchFamily="49" charset="0"/>
-              </a:rPr>
+              <a:rPr lang="nl-NL" sz="2000" dirty="0" err="1" smtClean="0"/>
+              <a:t>strongly</a:t>
+            </a:r>
+            <a:r>
+              <a:rPr lang="nl-NL" sz="2000" dirty="0" smtClean="0"/>
+              <a:t>, or </a:t>
+            </a:r>
+            <a:r>
+              <a:rPr lang="nl-NL" sz="2000" dirty="0" err="1" smtClean="0"/>
+              <a:t>indicate</a:t>
+            </a:r>
+            <a:r>
+              <a:rPr lang="nl-NL" sz="2000" dirty="0" smtClean="0"/>
               <a:t> </a:t>
             </a:r>
             <a:r>
-              <a:rPr lang="nl-NL" sz="1600" i="1" dirty="0" err="1" smtClean="0">
-                <a:latin typeface="Courier New" panose="02070309020205020404" pitchFamily="49" charset="0"/>
-                <a:cs typeface="Courier New" panose="02070309020205020404" pitchFamily="49" charset="0"/>
-              </a:rPr>
-              <a:t>waist</a:t>
-            </a:r>
-            <a:r>
-              <a:rPr lang="nl-NL" sz="1600" i="1" dirty="0" smtClean="0">
-                <a:latin typeface="Courier New" panose="02070309020205020404" pitchFamily="49" charset="0"/>
-                <a:cs typeface="Courier New" panose="02070309020205020404" pitchFamily="49" charset="0"/>
-              </a:rPr>
+              <a:rPr lang="nl-NL" sz="2000" dirty="0" err="1" smtClean="0"/>
+              <a:t>limitations</a:t>
+            </a:r>
+            <a:r>
+              <a:rPr lang="nl-NL" sz="2000" dirty="0" smtClean="0"/>
+              <a:t> of </a:t>
+            </a:r>
+            <a:r>
+              <a:rPr lang="nl-NL" sz="2000" dirty="0" err="1" smtClean="0"/>
+              <a:t>your</a:t>
+            </a:r>
+            <a:r>
+              <a:rPr lang="nl-NL" sz="2000" dirty="0" smtClean="0"/>
+              <a:t> model</a:t>
+            </a:r>
+          </a:p>
+          <a:p>
+            <a:endParaRPr lang="nl-NL" sz="2000" dirty="0"/>
+          </a:p>
+          <a:p>
+            <a:r>
+              <a:rPr lang="nl-NL" sz="2000" dirty="0" err="1" smtClean="0"/>
+              <a:t>Inspect</a:t>
+            </a:r>
+            <a:r>
+              <a:rPr lang="nl-NL" sz="2000" dirty="0" smtClean="0"/>
+              <a:t> the </a:t>
+            </a:r>
+            <a:r>
+              <a:rPr lang="nl-NL" sz="2000" dirty="0" err="1" smtClean="0"/>
+              <a:t>outliers</a:t>
+            </a:r>
+            <a:r>
+              <a:rPr lang="nl-NL" sz="2000" dirty="0" smtClean="0"/>
+              <a:t>. Generally </a:t>
+            </a:r>
+            <a:r>
+              <a:rPr lang="nl-NL" sz="2000" dirty="0" err="1" smtClean="0"/>
+              <a:t>only</a:t>
+            </a:r>
+            <a:r>
+              <a:rPr lang="nl-NL" sz="2000" dirty="0" smtClean="0"/>
               <a:t> </a:t>
             </a:r>
             <a:r>
-              <a:rPr lang="nl-NL" sz="1600" dirty="0" smtClean="0">
-                <a:latin typeface="Courier New" panose="02070309020205020404" pitchFamily="49" charset="0"/>
-                <a:cs typeface="Courier New" panose="02070309020205020404" pitchFamily="49" charset="0"/>
-              </a:rPr>
-              <a:t>(</a:t>
-            </a:r>
-            <a:r>
-              <a:rPr lang="nl-NL" sz="1600" dirty="0" err="1" smtClean="0">
-                <a:latin typeface="Courier New" panose="02070309020205020404" pitchFamily="49" charset="0"/>
-                <a:cs typeface="Courier New" panose="02070309020205020404" pitchFamily="49" charset="0"/>
-              </a:rPr>
-              <a:t>waist</a:t>
-            </a:r>
-            <a:r>
-              <a:rPr lang="nl-NL" sz="1600" dirty="0" smtClean="0">
-                <a:latin typeface="Courier New" panose="02070309020205020404" pitchFamily="49" charset="0"/>
-                <a:cs typeface="Courier New" panose="02070309020205020404" pitchFamily="49" charset="0"/>
-              </a:rPr>
+              <a:rPr lang="nl-NL" sz="2000" dirty="0" err="1" smtClean="0"/>
+              <a:t>remove</a:t>
+            </a:r>
+            <a:r>
+              <a:rPr lang="nl-NL" sz="2000" dirty="0" smtClean="0"/>
               <a:t> </a:t>
             </a:r>
             <a:r>
-              <a:rPr lang="nl-NL" sz="1600" dirty="0" err="1" smtClean="0">
-                <a:latin typeface="Courier New" panose="02070309020205020404" pitchFamily="49" charset="0"/>
-                <a:cs typeface="Courier New" panose="02070309020205020404" pitchFamily="49" charset="0"/>
-              </a:rPr>
-              <a:t>circumference</a:t>
-            </a:r>
-            <a:r>
-              <a:rPr lang="nl-NL" sz="1600" dirty="0" smtClean="0">
-                <a:latin typeface="Courier New" panose="02070309020205020404" pitchFamily="49" charset="0"/>
-                <a:cs typeface="Courier New" panose="02070309020205020404" pitchFamily="49" charset="0"/>
-              </a:rPr>
-              <a:t>). </a:t>
-            </a:r>
-            <a:r>
-              <a:rPr lang="nl-NL" sz="1600" dirty="0" err="1" smtClean="0">
-                <a:latin typeface="Courier New" panose="02070309020205020404" pitchFamily="49" charset="0"/>
-                <a:cs typeface="Courier New" panose="02070309020205020404" pitchFamily="49" charset="0"/>
-              </a:rPr>
-              <a:t>You</a:t>
-            </a:r>
-            <a:r>
-              <a:rPr lang="nl-NL" sz="1600" dirty="0" smtClean="0">
-                <a:latin typeface="Courier New" panose="02070309020205020404" pitchFamily="49" charset="0"/>
-                <a:cs typeface="Courier New" panose="02070309020205020404" pitchFamily="49" charset="0"/>
-              </a:rPr>
+              <a:rPr lang="nl-NL" sz="2000" dirty="0" err="1" smtClean="0"/>
+              <a:t>with</a:t>
+            </a:r>
+            <a:r>
+              <a:rPr lang="nl-NL" sz="2000" dirty="0" smtClean="0"/>
               <a:t> </a:t>
             </a:r>
             <a:r>
-              <a:rPr lang="nl-NL" sz="1600" dirty="0" err="1" smtClean="0">
-                <a:latin typeface="Courier New" panose="02070309020205020404" pitchFamily="49" charset="0"/>
-                <a:cs typeface="Courier New" panose="02070309020205020404" pitchFamily="49" charset="0"/>
-              </a:rPr>
-              <a:t>will</a:t>
-            </a:r>
-            <a:r>
-              <a:rPr lang="nl-NL" sz="1600" dirty="0" smtClean="0">
-                <a:latin typeface="Courier New" panose="02070309020205020404" pitchFamily="49" charset="0"/>
-                <a:cs typeface="Courier New" panose="02070309020205020404" pitchFamily="49" charset="0"/>
-              </a:rPr>
+              <a:rPr lang="nl-NL" sz="2000" dirty="0" err="1" smtClean="0"/>
+              <a:t>good</a:t>
+            </a:r>
+            <a:r>
+              <a:rPr lang="nl-NL" sz="2000" dirty="0" smtClean="0"/>
               <a:t> </a:t>
             </a:r>
             <a:r>
-              <a:rPr lang="nl-NL" sz="1600" dirty="0" err="1" smtClean="0">
-                <a:latin typeface="Courier New" panose="02070309020205020404" pitchFamily="49" charset="0"/>
-                <a:cs typeface="Courier New" panose="02070309020205020404" pitchFamily="49" charset="0"/>
-              </a:rPr>
-              <a:t>also</a:t>
-            </a:r>
-            <a:r>
-              <a:rPr lang="nl-NL" sz="1600" dirty="0" smtClean="0">
-                <a:latin typeface="Courier New" panose="02070309020205020404" pitchFamily="49" charset="0"/>
-                <a:cs typeface="Courier New" panose="02070309020205020404" pitchFamily="49" charset="0"/>
-              </a:rPr>
-              <a:t> </a:t>
-            </a:r>
-            <a:r>
-              <a:rPr lang="nl-NL" sz="1600" dirty="0" err="1" smtClean="0">
-                <a:latin typeface="Courier New" panose="02070309020205020404" pitchFamily="49" charset="0"/>
-                <a:cs typeface="Courier New" panose="02070309020205020404" pitchFamily="49" charset="0"/>
-              </a:rPr>
-              <a:t>need</a:t>
-            </a:r>
-            <a:r>
-              <a:rPr lang="nl-NL" sz="1600" dirty="0" smtClean="0">
-                <a:latin typeface="Courier New" panose="02070309020205020404" pitchFamily="49" charset="0"/>
-                <a:cs typeface="Courier New" panose="02070309020205020404" pitchFamily="49" charset="0"/>
-              </a:rPr>
-              <a:t> these </a:t>
-            </a:r>
-            <a:r>
-              <a:rPr lang="nl-NL" sz="1600" dirty="0" err="1" smtClean="0">
-                <a:latin typeface="Courier New" panose="02070309020205020404" pitchFamily="49" charset="0"/>
-                <a:cs typeface="Courier New" panose="02070309020205020404" pitchFamily="49" charset="0"/>
-              </a:rPr>
-              <a:t>cleaned</a:t>
-            </a:r>
-            <a:r>
-              <a:rPr lang="nl-NL" sz="1600" dirty="0" smtClean="0">
-                <a:latin typeface="Courier New" panose="02070309020205020404" pitchFamily="49" charset="0"/>
-                <a:cs typeface="Courier New" panose="02070309020205020404" pitchFamily="49" charset="0"/>
-              </a:rPr>
-              <a:t> data </a:t>
-            </a:r>
-            <a:r>
-              <a:rPr lang="nl-NL" sz="1600" dirty="0" err="1" smtClean="0">
-                <a:latin typeface="Courier New" panose="02070309020205020404" pitchFamily="49" charset="0"/>
-                <a:cs typeface="Courier New" panose="02070309020205020404" pitchFamily="49" charset="0"/>
-              </a:rPr>
-              <a:t>for</a:t>
-            </a:r>
-            <a:r>
-              <a:rPr lang="nl-NL" sz="1600" dirty="0" smtClean="0">
-                <a:latin typeface="Courier New" panose="02070309020205020404" pitchFamily="49" charset="0"/>
-                <a:cs typeface="Courier New" panose="02070309020205020404" pitchFamily="49" charset="0"/>
-              </a:rPr>
-              <a:t> </a:t>
-            </a:r>
-            <a:r>
-              <a:rPr lang="nl-NL" sz="1600" dirty="0" err="1" smtClean="0">
-                <a:latin typeface="Courier New" panose="02070309020205020404" pitchFamily="49" charset="0"/>
-                <a:cs typeface="Courier New" panose="02070309020205020404" pitchFamily="49" charset="0"/>
-              </a:rPr>
-              <a:t>Assignment</a:t>
-            </a:r>
-            <a:r>
-              <a:rPr lang="nl-NL" sz="1600" dirty="0" smtClean="0">
-                <a:latin typeface="Courier New" panose="02070309020205020404" pitchFamily="49" charset="0"/>
-                <a:cs typeface="Courier New" panose="02070309020205020404" pitchFamily="49" charset="0"/>
-              </a:rPr>
-              <a:t> 1. See </a:t>
-            </a:r>
-            <a:r>
-              <a:rPr lang="nl-NL" sz="1600" dirty="0" smtClean="0">
-                <a:latin typeface="Courier New" panose="02070309020205020404" pitchFamily="49" charset="0"/>
-                <a:cs typeface="Courier New" panose="02070309020205020404" pitchFamily="49" charset="0"/>
-              </a:rPr>
-              <a:t>Canvas </a:t>
-            </a:r>
-            <a:r>
-              <a:rPr lang="nl-NL" sz="1600" dirty="0" smtClean="0">
-                <a:latin typeface="Courier New" panose="02070309020205020404" pitchFamily="49" charset="0"/>
-                <a:cs typeface="Courier New" panose="02070309020205020404" pitchFamily="49" charset="0"/>
-              </a:rPr>
-              <a:t>for the data.</a:t>
-            </a:r>
-          </a:p>
-          <a:p>
-            <a:pPr marL="0" indent="0">
-              <a:buNone/>
-            </a:pPr>
-            <a:endParaRPr lang="nl-NL" sz="1600" dirty="0" smtClean="0">
-              <a:latin typeface="Courier New" panose="02070309020205020404" pitchFamily="49" charset="0"/>
-              <a:cs typeface="Courier New" panose="02070309020205020404" pitchFamily="49" charset="0"/>
-            </a:endParaRPr>
-          </a:p>
-          <a:p>
-            <a:pPr marL="0" indent="0">
-              <a:buNone/>
-            </a:pPr>
-            <a:r>
-              <a:rPr lang="nl-NL" sz="1600" dirty="0" err="1" smtClean="0">
-                <a:latin typeface="Courier New" panose="02070309020205020404" pitchFamily="49" charset="0"/>
-                <a:cs typeface="Courier New" panose="02070309020205020404" pitchFamily="49" charset="0"/>
-              </a:rPr>
-              <a:t>You</a:t>
-            </a:r>
-            <a:r>
-              <a:rPr lang="nl-NL" sz="1600" dirty="0" smtClean="0">
-                <a:latin typeface="Courier New" panose="02070309020205020404" pitchFamily="49" charset="0"/>
-                <a:cs typeface="Courier New" panose="02070309020205020404" pitchFamily="49" charset="0"/>
-              </a:rPr>
-              <a:t> </a:t>
-            </a:r>
-            <a:r>
-              <a:rPr lang="nl-NL" sz="1600" dirty="0" err="1" smtClean="0">
-                <a:latin typeface="Courier New" panose="02070309020205020404" pitchFamily="49" charset="0"/>
-                <a:cs typeface="Courier New" panose="02070309020205020404" pitchFamily="49" charset="0"/>
-              </a:rPr>
-              <a:t>will</a:t>
-            </a:r>
-            <a:r>
-              <a:rPr lang="nl-NL" sz="1600" dirty="0" smtClean="0">
-                <a:latin typeface="Courier New" panose="02070309020205020404" pitchFamily="49" charset="0"/>
-                <a:cs typeface="Courier New" panose="02070309020205020404" pitchFamily="49" charset="0"/>
-              </a:rPr>
-              <a:t> run </a:t>
-            </a:r>
-            <a:r>
-              <a:rPr lang="nl-NL" sz="1600" dirty="0" err="1" smtClean="0">
-                <a:latin typeface="Courier New" panose="02070309020205020404" pitchFamily="49" charset="0"/>
-                <a:cs typeface="Courier New" panose="02070309020205020404" pitchFamily="49" charset="0"/>
-              </a:rPr>
-              <a:t>into</a:t>
-            </a:r>
-            <a:r>
-              <a:rPr lang="nl-NL" sz="1600" dirty="0" smtClean="0">
-                <a:latin typeface="Courier New" panose="02070309020205020404" pitchFamily="49" charset="0"/>
-                <a:cs typeface="Courier New" panose="02070309020205020404" pitchFamily="49" charset="0"/>
-              </a:rPr>
-              <a:t> </a:t>
-            </a:r>
-            <a:r>
-              <a:rPr lang="nl-NL" sz="1600" dirty="0" err="1" smtClean="0">
-                <a:latin typeface="Courier New" panose="02070309020205020404" pitchFamily="49" charset="0"/>
-                <a:cs typeface="Courier New" panose="02070309020205020404" pitchFamily="49" charset="0"/>
-              </a:rPr>
-              <a:t>several</a:t>
-            </a:r>
-            <a:r>
-              <a:rPr lang="nl-NL" sz="1600" dirty="0" smtClean="0">
-                <a:latin typeface="Courier New" panose="02070309020205020404" pitchFamily="49" charset="0"/>
-                <a:cs typeface="Courier New" panose="02070309020205020404" pitchFamily="49" charset="0"/>
-              </a:rPr>
-              <a:t> issues. </a:t>
-            </a:r>
-            <a:r>
-              <a:rPr lang="nl-NL" sz="1600" dirty="0" err="1" smtClean="0">
-                <a:latin typeface="Courier New" panose="02070309020205020404" pitchFamily="49" charset="0"/>
-                <a:cs typeface="Courier New" panose="02070309020205020404" pitchFamily="49" charset="0"/>
-              </a:rPr>
-              <a:t>Try</a:t>
-            </a:r>
-            <a:r>
-              <a:rPr lang="nl-NL" sz="1600" dirty="0" smtClean="0">
-                <a:latin typeface="Courier New" panose="02070309020205020404" pitchFamily="49" charset="0"/>
-                <a:cs typeface="Courier New" panose="02070309020205020404" pitchFamily="49" charset="0"/>
-              </a:rPr>
-              <a:t> </a:t>
-            </a:r>
-            <a:r>
-              <a:rPr lang="nl-NL" sz="1600" dirty="0" err="1" smtClean="0">
-                <a:latin typeface="Courier New" panose="02070309020205020404" pitchFamily="49" charset="0"/>
-                <a:cs typeface="Courier New" panose="02070309020205020404" pitchFamily="49" charset="0"/>
-              </a:rPr>
-              <a:t>and</a:t>
-            </a:r>
-            <a:r>
-              <a:rPr lang="nl-NL" sz="1600" dirty="0" smtClean="0">
-                <a:latin typeface="Courier New" panose="02070309020205020404" pitchFamily="49" charset="0"/>
-                <a:cs typeface="Courier New" panose="02070309020205020404" pitchFamily="49" charset="0"/>
-              </a:rPr>
-              <a:t> </a:t>
-            </a:r>
-            <a:r>
-              <a:rPr lang="nl-NL" sz="1600" dirty="0" err="1" smtClean="0">
-                <a:latin typeface="Courier New" panose="02070309020205020404" pitchFamily="49" charset="0"/>
-                <a:cs typeface="Courier New" panose="02070309020205020404" pitchFamily="49" charset="0"/>
-              </a:rPr>
-              <a:t>solve</a:t>
-            </a:r>
-            <a:r>
-              <a:rPr lang="nl-NL" sz="1600" dirty="0" smtClean="0">
-                <a:latin typeface="Courier New" panose="02070309020205020404" pitchFamily="49" charset="0"/>
-                <a:cs typeface="Courier New" panose="02070309020205020404" pitchFamily="49" charset="0"/>
-              </a:rPr>
-              <a:t> </a:t>
-            </a:r>
-            <a:r>
-              <a:rPr lang="nl-NL" sz="1600" dirty="0" err="1" smtClean="0">
-                <a:latin typeface="Courier New" panose="02070309020205020404" pitchFamily="49" charset="0"/>
-                <a:cs typeface="Courier New" panose="02070309020205020404" pitchFamily="49" charset="0"/>
-              </a:rPr>
-              <a:t>them</a:t>
-            </a:r>
-            <a:r>
-              <a:rPr lang="nl-NL" sz="1600" dirty="0" smtClean="0">
-                <a:latin typeface="Courier New" panose="02070309020205020404" pitchFamily="49" charset="0"/>
-                <a:cs typeface="Courier New" panose="02070309020205020404" pitchFamily="49" charset="0"/>
-              </a:rPr>
-              <a:t>. Here are </a:t>
-            </a:r>
-            <a:r>
-              <a:rPr lang="nl-NL" sz="1600" dirty="0" err="1" smtClean="0">
-                <a:latin typeface="Courier New" panose="02070309020205020404" pitchFamily="49" charset="0"/>
-                <a:cs typeface="Courier New" panose="02070309020205020404" pitchFamily="49" charset="0"/>
-              </a:rPr>
-              <a:t>some</a:t>
-            </a:r>
-            <a:r>
-              <a:rPr lang="nl-NL" sz="1600" dirty="0" smtClean="0">
-                <a:latin typeface="Courier New" panose="02070309020205020404" pitchFamily="49" charset="0"/>
-                <a:cs typeface="Courier New" panose="02070309020205020404" pitchFamily="49" charset="0"/>
-              </a:rPr>
-              <a:t> hints:</a:t>
-            </a:r>
-          </a:p>
-          <a:p>
-            <a:pPr marL="0" indent="0">
-              <a:buNone/>
-            </a:pPr>
-            <a:endParaRPr lang="nl-NL" sz="1600" dirty="0" smtClean="0">
-              <a:latin typeface="Courier New" panose="02070309020205020404" pitchFamily="49" charset="0"/>
-              <a:cs typeface="Courier New" panose="02070309020205020404" pitchFamily="49" charset="0"/>
-            </a:endParaRPr>
-          </a:p>
-          <a:p>
-            <a:r>
-              <a:rPr lang="nl-NL" sz="1600" dirty="0" smtClean="0">
-                <a:latin typeface="Courier New" panose="02070309020205020404" pitchFamily="49" charset="0"/>
-                <a:cs typeface="Courier New" panose="02070309020205020404" pitchFamily="49" charset="0"/>
-              </a:rPr>
-              <a:t>Different </a:t>
-            </a:r>
-            <a:r>
-              <a:rPr lang="nl-NL" sz="1600" dirty="0" err="1" smtClean="0">
-                <a:latin typeface="Courier New" panose="02070309020205020404" pitchFamily="49" charset="0"/>
-                <a:cs typeface="Courier New" panose="02070309020205020404" pitchFamily="49" charset="0"/>
-              </a:rPr>
-              <a:t>world</a:t>
-            </a:r>
-            <a:r>
-              <a:rPr lang="nl-NL" sz="1600" dirty="0" smtClean="0">
-                <a:latin typeface="Courier New" panose="02070309020205020404" pitchFamily="49" charset="0"/>
-                <a:cs typeface="Courier New" panose="02070309020205020404" pitchFamily="49" charset="0"/>
-              </a:rPr>
-              <a:t> </a:t>
-            </a:r>
-            <a:r>
-              <a:rPr lang="nl-NL" sz="1600" dirty="0" err="1" smtClean="0">
-                <a:latin typeface="Courier New" panose="02070309020205020404" pitchFamily="49" charset="0"/>
-                <a:cs typeface="Courier New" panose="02070309020205020404" pitchFamily="49" charset="0"/>
-              </a:rPr>
-              <a:t>regions</a:t>
-            </a:r>
-            <a:r>
-              <a:rPr lang="nl-NL" sz="1600" dirty="0" smtClean="0">
-                <a:latin typeface="Courier New" panose="02070309020205020404" pitchFamily="49" charset="0"/>
-                <a:cs typeface="Courier New" panose="02070309020205020404" pitchFamily="49" charset="0"/>
-              </a:rPr>
-              <a:t> </a:t>
-            </a:r>
-            <a:r>
-              <a:rPr lang="nl-NL" sz="1600" dirty="0" err="1" smtClean="0">
-                <a:latin typeface="Courier New" panose="02070309020205020404" pitchFamily="49" charset="0"/>
-                <a:cs typeface="Courier New" panose="02070309020205020404" pitchFamily="49" charset="0"/>
-              </a:rPr>
-              <a:t>use</a:t>
-            </a:r>
-            <a:r>
-              <a:rPr lang="nl-NL" sz="1600" dirty="0" smtClean="0">
-                <a:latin typeface="Courier New" panose="02070309020205020404" pitchFamily="49" charset="0"/>
-                <a:cs typeface="Courier New" panose="02070309020205020404" pitchFamily="49" charset="0"/>
-              </a:rPr>
-              <a:t> different </a:t>
-            </a:r>
-            <a:r>
-              <a:rPr lang="nl-NL" sz="1600" dirty="0" err="1" smtClean="0">
-                <a:latin typeface="Courier New" panose="02070309020205020404" pitchFamily="49" charset="0"/>
-                <a:cs typeface="Courier New" panose="02070309020205020404" pitchFamily="49" charset="0"/>
-              </a:rPr>
-              <a:t>encodings</a:t>
-            </a:r>
-            <a:r>
-              <a:rPr lang="nl-NL" sz="1600" dirty="0" smtClean="0">
-                <a:latin typeface="Courier New" panose="02070309020205020404" pitchFamily="49" charset="0"/>
-                <a:cs typeface="Courier New" panose="02070309020205020404" pitchFamily="49" charset="0"/>
-              </a:rPr>
-              <a:t>. How </a:t>
-            </a:r>
-            <a:r>
-              <a:rPr lang="nl-NL" sz="1600" dirty="0">
-                <a:latin typeface="Courier New" panose="02070309020205020404" pitchFamily="49" charset="0"/>
-                <a:cs typeface="Courier New" panose="02070309020205020404" pitchFamily="49" charset="0"/>
-              </a:rPr>
-              <a:t>do </a:t>
-            </a:r>
-            <a:r>
-              <a:rPr lang="nl-NL" sz="1600" dirty="0" err="1">
-                <a:latin typeface="Courier New" panose="02070309020205020404" pitchFamily="49" charset="0"/>
-                <a:cs typeface="Courier New" panose="02070309020205020404" pitchFamily="49" charset="0"/>
-              </a:rPr>
-              <a:t>you</a:t>
-            </a:r>
-            <a:r>
-              <a:rPr lang="nl-NL" sz="1600" dirty="0">
-                <a:latin typeface="Courier New" panose="02070309020205020404" pitchFamily="49" charset="0"/>
-                <a:cs typeface="Courier New" panose="02070309020205020404" pitchFamily="49" charset="0"/>
-              </a:rPr>
-              <a:t> </a:t>
-            </a:r>
-            <a:r>
-              <a:rPr lang="nl-NL" sz="1600" dirty="0" err="1">
-                <a:latin typeface="Courier New" panose="02070309020205020404" pitchFamily="49" charset="0"/>
-                <a:cs typeface="Courier New" panose="02070309020205020404" pitchFamily="49" charset="0"/>
-              </a:rPr>
-              <a:t>see</a:t>
-            </a:r>
-            <a:r>
-              <a:rPr lang="nl-NL" sz="1600" dirty="0">
-                <a:latin typeface="Courier New" panose="02070309020205020404" pitchFamily="49" charset="0"/>
-                <a:cs typeface="Courier New" panose="02070309020205020404" pitchFamily="49" charset="0"/>
-              </a:rPr>
-              <a:t> </a:t>
-            </a:r>
-            <a:r>
-              <a:rPr lang="nl-NL" sz="1600" dirty="0" err="1">
-                <a:latin typeface="Courier New" panose="02070309020205020404" pitchFamily="49" charset="0"/>
-                <a:cs typeface="Courier New" panose="02070309020205020404" pitchFamily="49" charset="0"/>
-              </a:rPr>
-              <a:t>this</a:t>
-            </a:r>
-            <a:r>
-              <a:rPr lang="nl-NL" sz="1600" dirty="0">
-                <a:latin typeface="Courier New" panose="02070309020205020404" pitchFamily="49" charset="0"/>
-                <a:cs typeface="Courier New" panose="02070309020205020404" pitchFamily="49" charset="0"/>
-              </a:rPr>
-              <a:t> in the files? Look in the </a:t>
-            </a:r>
-            <a:r>
-              <a:rPr lang="nl-NL" sz="1600" dirty="0" err="1">
-                <a:latin typeface="Courier New" panose="02070309020205020404" pitchFamily="49" charset="0"/>
-                <a:cs typeface="Courier New" panose="02070309020205020404" pitchFamily="49" charset="0"/>
-              </a:rPr>
-              <a:t>documentation</a:t>
-            </a:r>
-            <a:r>
-              <a:rPr lang="nl-NL" sz="1600" dirty="0">
-                <a:latin typeface="Courier New" panose="02070309020205020404" pitchFamily="49" charset="0"/>
-                <a:cs typeface="Courier New" panose="02070309020205020404" pitchFamily="49" charset="0"/>
-              </a:rPr>
-              <a:t> </a:t>
-            </a:r>
-            <a:r>
-              <a:rPr lang="nl-NL" sz="1600" dirty="0" smtClean="0">
-                <a:latin typeface="Courier New" panose="02070309020205020404" pitchFamily="49" charset="0"/>
-                <a:cs typeface="Courier New" panose="02070309020205020404" pitchFamily="49" charset="0"/>
-              </a:rPr>
-              <a:t>of </a:t>
-            </a:r>
-            <a:r>
-              <a:rPr lang="nl-NL" sz="1600" i="1" dirty="0" err="1" smtClean="0">
-                <a:latin typeface="Courier New" panose="02070309020205020404" pitchFamily="49" charset="0"/>
-                <a:cs typeface="Courier New" panose="02070309020205020404" pitchFamily="49" charset="0"/>
-              </a:rPr>
-              <a:t>pd.read_csv</a:t>
-            </a:r>
-            <a:r>
-              <a:rPr lang="nl-NL" sz="1600" i="1" dirty="0" smtClean="0">
-                <a:latin typeface="Courier New" panose="02070309020205020404" pitchFamily="49" charset="0"/>
-                <a:cs typeface="Courier New" panose="02070309020205020404" pitchFamily="49" charset="0"/>
-              </a:rPr>
-              <a:t>()</a:t>
-            </a:r>
-            <a:r>
-              <a:rPr lang="nl-NL" sz="1600" dirty="0">
-                <a:latin typeface="Courier New" panose="02070309020205020404" pitchFamily="49" charset="0"/>
-                <a:cs typeface="Courier New" panose="02070309020205020404" pitchFamily="49" charset="0"/>
-              </a:rPr>
-              <a:t> </a:t>
-            </a:r>
-            <a:r>
-              <a:rPr lang="nl-NL" sz="1600" dirty="0" err="1" smtClean="0">
-                <a:latin typeface="Courier New" panose="02070309020205020404" pitchFamily="49" charset="0"/>
-                <a:cs typeface="Courier New" panose="02070309020205020404" pitchFamily="49" charset="0"/>
-              </a:rPr>
-              <a:t>to</a:t>
-            </a:r>
-            <a:r>
-              <a:rPr lang="nl-NL" sz="1600" dirty="0" smtClean="0">
-                <a:latin typeface="Courier New" panose="02070309020205020404" pitchFamily="49" charset="0"/>
-                <a:cs typeface="Courier New" panose="02070309020205020404" pitchFamily="49" charset="0"/>
-              </a:rPr>
-              <a:t> load </a:t>
-            </a:r>
-            <a:r>
-              <a:rPr lang="nl-NL" sz="1600" dirty="0" err="1" smtClean="0">
-                <a:latin typeface="Courier New" panose="02070309020205020404" pitchFamily="49" charset="0"/>
-                <a:cs typeface="Courier New" panose="02070309020205020404" pitchFamily="49" charset="0"/>
-              </a:rPr>
-              <a:t>both</a:t>
-            </a:r>
-            <a:r>
-              <a:rPr lang="nl-NL" sz="1600" dirty="0" smtClean="0">
-                <a:latin typeface="Courier New" panose="02070309020205020404" pitchFamily="49" charset="0"/>
-                <a:cs typeface="Courier New" panose="02070309020205020404" pitchFamily="49" charset="0"/>
-              </a:rPr>
-              <a:t> files </a:t>
-            </a:r>
-            <a:r>
-              <a:rPr lang="nl-NL" sz="1600" dirty="0" err="1" smtClean="0">
-                <a:latin typeface="Courier New" panose="02070309020205020404" pitchFamily="49" charset="0"/>
-                <a:cs typeface="Courier New" panose="02070309020205020404" pitchFamily="49" charset="0"/>
-              </a:rPr>
-              <a:t>correctly</a:t>
-            </a:r>
-            <a:r>
-              <a:rPr lang="nl-NL" sz="1600" dirty="0" smtClean="0">
-                <a:latin typeface="Courier New" panose="02070309020205020404" pitchFamily="49" charset="0"/>
-                <a:cs typeface="Courier New" panose="02070309020205020404" pitchFamily="49" charset="0"/>
-              </a:rPr>
-              <a:t>. </a:t>
-            </a:r>
-            <a:endParaRPr lang="nl-NL" sz="1600" dirty="0">
-              <a:latin typeface="Courier New" panose="02070309020205020404" pitchFamily="49" charset="0"/>
-              <a:cs typeface="Courier New" panose="02070309020205020404" pitchFamily="49" charset="0"/>
-            </a:endParaRPr>
-          </a:p>
-          <a:p>
-            <a:r>
-              <a:rPr lang="nl-NL" sz="1600" dirty="0" err="1" smtClean="0">
-                <a:latin typeface="Courier New" panose="02070309020205020404" pitchFamily="49" charset="0"/>
-                <a:cs typeface="Courier New" panose="02070309020205020404" pitchFamily="49" charset="0"/>
-              </a:rPr>
-              <a:t>Which</a:t>
-            </a:r>
-            <a:r>
-              <a:rPr lang="nl-NL" sz="1600" dirty="0" smtClean="0">
-                <a:latin typeface="Courier New" panose="02070309020205020404" pitchFamily="49" charset="0"/>
-                <a:cs typeface="Courier New" panose="02070309020205020404" pitchFamily="49" charset="0"/>
-              </a:rPr>
-              <a:t> </a:t>
-            </a:r>
-            <a:r>
-              <a:rPr lang="nl-NL" sz="1600" dirty="0" err="1" smtClean="0">
-                <a:latin typeface="Courier New" panose="02070309020205020404" pitchFamily="49" charset="0"/>
-                <a:cs typeface="Courier New" panose="02070309020205020404" pitchFamily="49" charset="0"/>
-              </a:rPr>
-              <a:t>variable</a:t>
-            </a:r>
-            <a:r>
-              <a:rPr lang="nl-NL" sz="1600" dirty="0" smtClean="0">
-                <a:latin typeface="Courier New" panose="02070309020205020404" pitchFamily="49" charset="0"/>
-                <a:cs typeface="Courier New" panose="02070309020205020404" pitchFamily="49" charset="0"/>
-              </a:rPr>
-              <a:t> is the </a:t>
-            </a:r>
-            <a:r>
-              <a:rPr lang="nl-NL" sz="1600" dirty="0" err="1" smtClean="0">
-                <a:latin typeface="Courier New" panose="02070309020205020404" pitchFamily="49" charset="0"/>
-                <a:cs typeface="Courier New" panose="02070309020205020404" pitchFamily="49" charset="0"/>
-              </a:rPr>
-              <a:t>key</a:t>
-            </a:r>
-            <a:r>
-              <a:rPr lang="nl-NL" sz="1600" dirty="0" smtClean="0">
-                <a:latin typeface="Courier New" panose="02070309020205020404" pitchFamily="49" charset="0"/>
-                <a:cs typeface="Courier New" panose="02070309020205020404" pitchFamily="49" charset="0"/>
-              </a:rPr>
-              <a:t> </a:t>
-            </a:r>
-            <a:r>
-              <a:rPr lang="nl-NL" sz="1600" dirty="0" err="1" smtClean="0">
-                <a:latin typeface="Courier New" panose="02070309020205020404" pitchFamily="49" charset="0"/>
-                <a:cs typeface="Courier New" panose="02070309020205020404" pitchFamily="49" charset="0"/>
-              </a:rPr>
-              <a:t>to</a:t>
-            </a:r>
-            <a:r>
-              <a:rPr lang="nl-NL" sz="1600" dirty="0" smtClean="0">
-                <a:latin typeface="Courier New" panose="02070309020205020404" pitchFamily="49" charset="0"/>
-                <a:cs typeface="Courier New" panose="02070309020205020404" pitchFamily="49" charset="0"/>
-              </a:rPr>
-              <a:t> combine </a:t>
-            </a:r>
-            <a:r>
-              <a:rPr lang="nl-NL" sz="1600" dirty="0" err="1" smtClean="0">
-                <a:latin typeface="Courier New" panose="02070309020205020404" pitchFamily="49" charset="0"/>
-                <a:cs typeface="Courier New" panose="02070309020205020404" pitchFamily="49" charset="0"/>
-              </a:rPr>
-              <a:t>both</a:t>
-            </a:r>
-            <a:r>
-              <a:rPr lang="nl-NL" sz="1600" dirty="0" smtClean="0">
-                <a:latin typeface="Courier New" panose="02070309020205020404" pitchFamily="49" charset="0"/>
-                <a:cs typeface="Courier New" panose="02070309020205020404" pitchFamily="49" charset="0"/>
-              </a:rPr>
-              <a:t> files?</a:t>
-            </a:r>
-          </a:p>
-          <a:p>
-            <a:r>
-              <a:rPr lang="nl-NL" sz="1600" dirty="0" smtClean="0">
-                <a:latin typeface="Courier New" panose="02070309020205020404" pitchFamily="49" charset="0"/>
-                <a:cs typeface="Courier New" panose="02070309020205020404" pitchFamily="49" charset="0"/>
-              </a:rPr>
-              <a:t>Are </a:t>
-            </a:r>
-            <a:r>
-              <a:rPr lang="nl-NL" sz="1600" dirty="0" err="1" smtClean="0">
-                <a:latin typeface="Courier New" panose="02070309020205020404" pitchFamily="49" charset="0"/>
-                <a:cs typeface="Courier New" panose="02070309020205020404" pitchFamily="49" charset="0"/>
-              </a:rPr>
-              <a:t>all</a:t>
-            </a:r>
-            <a:r>
-              <a:rPr lang="nl-NL" sz="1600" dirty="0" smtClean="0">
-                <a:latin typeface="Courier New" panose="02070309020205020404" pitchFamily="49" charset="0"/>
-                <a:cs typeface="Courier New" panose="02070309020205020404" pitchFamily="49" charset="0"/>
-              </a:rPr>
-              <a:t> </a:t>
-            </a:r>
-            <a:r>
-              <a:rPr lang="nl-NL" sz="1600" dirty="0" err="1" smtClean="0">
-                <a:latin typeface="Courier New" panose="02070309020205020404" pitchFamily="49" charset="0"/>
-                <a:cs typeface="Courier New" panose="02070309020205020404" pitchFamily="49" charset="0"/>
-              </a:rPr>
-              <a:t>values</a:t>
-            </a:r>
-            <a:r>
-              <a:rPr lang="nl-NL" sz="1600" dirty="0" smtClean="0">
-                <a:latin typeface="Courier New" panose="02070309020205020404" pitchFamily="49" charset="0"/>
-                <a:cs typeface="Courier New" panose="02070309020205020404" pitchFamily="49" charset="0"/>
-              </a:rPr>
-              <a:t> of </a:t>
-            </a:r>
-            <a:r>
-              <a:rPr lang="nl-NL" sz="1600" i="1" dirty="0" err="1" smtClean="0">
-                <a:latin typeface="Courier New" panose="02070309020205020404" pitchFamily="49" charset="0"/>
-                <a:cs typeface="Courier New" panose="02070309020205020404" pitchFamily="49" charset="0"/>
-              </a:rPr>
-              <a:t>waist</a:t>
-            </a:r>
-            <a:r>
-              <a:rPr lang="nl-NL" sz="1600" i="1" dirty="0" smtClean="0">
-                <a:latin typeface="Courier New" panose="02070309020205020404" pitchFamily="49" charset="0"/>
-                <a:cs typeface="Courier New" panose="02070309020205020404" pitchFamily="49" charset="0"/>
-              </a:rPr>
-              <a:t> </a:t>
-            </a:r>
-            <a:r>
-              <a:rPr lang="nl-NL" sz="1600" dirty="0" err="1" smtClean="0">
-                <a:latin typeface="Courier New" panose="02070309020205020404" pitchFamily="49" charset="0"/>
-                <a:cs typeface="Courier New" panose="02070309020205020404" pitchFamily="49" charset="0"/>
-              </a:rPr>
-              <a:t>plausible</a:t>
-            </a:r>
-            <a:r>
-              <a:rPr lang="nl-NL" sz="1600" dirty="0" smtClean="0">
-                <a:latin typeface="Courier New" panose="02070309020205020404" pitchFamily="49" charset="0"/>
-                <a:cs typeface="Courier New" panose="02070309020205020404" pitchFamily="49" charset="0"/>
-              </a:rPr>
-              <a:t>? </a:t>
-            </a:r>
-            <a:r>
-              <a:rPr lang="nl-NL" sz="1600" dirty="0" err="1" smtClean="0">
-                <a:latin typeface="Courier New" panose="02070309020205020404" pitchFamily="49" charset="0"/>
-                <a:cs typeface="Courier New" panose="02070309020205020404" pitchFamily="49" charset="0"/>
-              </a:rPr>
-              <a:t>What</a:t>
-            </a:r>
-            <a:r>
-              <a:rPr lang="nl-NL" sz="1600" dirty="0" smtClean="0">
-                <a:latin typeface="Courier New" panose="02070309020205020404" pitchFamily="49" charset="0"/>
-                <a:cs typeface="Courier New" panose="02070309020205020404" pitchFamily="49" charset="0"/>
-              </a:rPr>
-              <a:t> are </a:t>
-            </a:r>
-            <a:r>
-              <a:rPr lang="nl-NL" sz="1600" dirty="0" err="1" smtClean="0">
-                <a:latin typeface="Courier New" panose="02070309020205020404" pitchFamily="49" charset="0"/>
-                <a:cs typeface="Courier New" panose="02070309020205020404" pitchFamily="49" charset="0"/>
-              </a:rPr>
-              <a:t>you</a:t>
-            </a:r>
-            <a:r>
-              <a:rPr lang="nl-NL" sz="1600" dirty="0" smtClean="0">
-                <a:latin typeface="Courier New" panose="02070309020205020404" pitchFamily="49" charset="0"/>
-                <a:cs typeface="Courier New" panose="02070309020205020404" pitchFamily="49" charset="0"/>
-              </a:rPr>
-              <a:t> </a:t>
-            </a:r>
-            <a:r>
-              <a:rPr lang="nl-NL" sz="1600" dirty="0" err="1" smtClean="0">
-                <a:latin typeface="Courier New" panose="02070309020205020404" pitchFamily="49" charset="0"/>
-                <a:cs typeface="Courier New" panose="02070309020205020404" pitchFamily="49" charset="0"/>
-              </a:rPr>
-              <a:t>going</a:t>
-            </a:r>
-            <a:r>
-              <a:rPr lang="nl-NL" sz="1600" dirty="0" smtClean="0">
-                <a:latin typeface="Courier New" panose="02070309020205020404" pitchFamily="49" charset="0"/>
-                <a:cs typeface="Courier New" panose="02070309020205020404" pitchFamily="49" charset="0"/>
-              </a:rPr>
-              <a:t> </a:t>
-            </a:r>
-            <a:r>
-              <a:rPr lang="nl-NL" sz="1600" dirty="0" err="1" smtClean="0">
-                <a:latin typeface="Courier New" panose="02070309020205020404" pitchFamily="49" charset="0"/>
-                <a:cs typeface="Courier New" panose="02070309020205020404" pitchFamily="49" charset="0"/>
-              </a:rPr>
-              <a:t>to</a:t>
-            </a:r>
-            <a:r>
-              <a:rPr lang="nl-NL" sz="1600" dirty="0" smtClean="0">
-                <a:latin typeface="Courier New" panose="02070309020205020404" pitchFamily="49" charset="0"/>
-                <a:cs typeface="Courier New" panose="02070309020205020404" pitchFamily="49" charset="0"/>
-              </a:rPr>
-              <a:t> do </a:t>
-            </a:r>
-            <a:r>
-              <a:rPr lang="nl-NL" sz="1600" dirty="0" err="1" smtClean="0">
-                <a:latin typeface="Courier New" panose="02070309020205020404" pitchFamily="49" charset="0"/>
-                <a:cs typeface="Courier New" panose="02070309020205020404" pitchFamily="49" charset="0"/>
-              </a:rPr>
-              <a:t>about</a:t>
-            </a:r>
-            <a:r>
-              <a:rPr lang="nl-NL" sz="1600" dirty="0" smtClean="0">
-                <a:latin typeface="Courier New" panose="02070309020205020404" pitchFamily="49" charset="0"/>
-                <a:cs typeface="Courier New" panose="02070309020205020404" pitchFamily="49" charset="0"/>
-              </a:rPr>
-              <a:t> </a:t>
-            </a:r>
-            <a:r>
-              <a:rPr lang="nl-NL" sz="1600" dirty="0" err="1" smtClean="0">
-                <a:latin typeface="Courier New" panose="02070309020205020404" pitchFamily="49" charset="0"/>
-                <a:cs typeface="Courier New" panose="02070309020205020404" pitchFamily="49" charset="0"/>
-              </a:rPr>
-              <a:t>this</a:t>
-            </a:r>
-            <a:r>
-              <a:rPr lang="nl-NL" sz="1600" dirty="0" smtClean="0">
-                <a:latin typeface="Courier New" panose="02070309020205020404" pitchFamily="49" charset="0"/>
-                <a:cs typeface="Courier New" panose="02070309020205020404" pitchFamily="49" charset="0"/>
-              </a:rPr>
-              <a:t>?</a:t>
-            </a:r>
+              <a:rPr lang="nl-NL" sz="2000" dirty="0" err="1" smtClean="0"/>
+              <a:t>reason</a:t>
+            </a:r>
+            <a:endParaRPr lang="nl-NL" sz="2000" dirty="0"/>
           </a:p>
         </p:txBody>
       </p:sp>
+      <p:pic>
+        <p:nvPicPr>
+          <p:cNvPr id="5" name="Afbeelding 4"/>
+          <p:cNvPicPr>
+            <a:picLocks noChangeAspect="1"/>
+          </p:cNvPicPr>
+          <p:nvPr/>
+        </p:nvPicPr>
+        <p:blipFill>
+          <a:blip r:embed="rId2"/>
+          <a:stretch>
+            <a:fillRect/>
+          </a:stretch>
+        </p:blipFill>
+        <p:spPr>
+          <a:xfrm>
+            <a:off x="6228184" y="2420888"/>
+            <a:ext cx="2475570" cy="2384904"/>
+          </a:xfrm>
+          <a:prstGeom prst="rect">
+            <a:avLst/>
+          </a:prstGeom>
+        </p:spPr>
+      </p:pic>
     </p:spTree>
     <p:extLst>
       <p:ext uri="{BB962C8B-B14F-4D97-AF65-F5344CB8AC3E}">
-        <p14:creationId xmlns:p14="http://schemas.microsoft.com/office/powerpoint/2010/main" val="3688754064"/>
+        <p14:creationId xmlns:p14="http://schemas.microsoft.com/office/powerpoint/2010/main" val="1971997872"/>
       </p:ext>
     </p:extLst>
   </p:cSld>
@@ -11340,6 +10922,990 @@
           <a:lstStyle/>
           <a:p>
             <a:r>
+              <a:rPr lang="nl-NL" dirty="0" err="1" smtClean="0"/>
+              <a:t>Exercise</a:t>
+            </a:r>
+            <a:r>
+              <a:rPr lang="nl-NL" dirty="0" smtClean="0"/>
+              <a:t> 1: data cleaning</a:t>
+            </a:r>
+            <a:endParaRPr lang="nl-NL" dirty="0"/>
+          </a:p>
+        </p:txBody>
+      </p:sp>
+      <p:sp>
+        <p:nvSpPr>
+          <p:cNvPr id="3" name="Tijdelijke aanduiding voor inhoud 2"/>
+          <p:cNvSpPr>
+            <a:spLocks noGrp="1"/>
+          </p:cNvSpPr>
+          <p:nvPr>
+            <p:ph idx="1"/>
+          </p:nvPr>
+        </p:nvSpPr>
+        <p:spPr>
+          <a:xfrm>
+            <a:off x="683568" y="1700808"/>
+            <a:ext cx="7881938" cy="4425827"/>
+          </a:xfrm>
+        </p:spPr>
+        <p:txBody>
+          <a:bodyPr/>
+          <a:lstStyle/>
+          <a:p>
+            <a:pPr marL="0" indent="0">
+              <a:buNone/>
+            </a:pPr>
+            <a:r>
+              <a:rPr lang="nl-NL" sz="1600" dirty="0" smtClean="0">
+                <a:latin typeface="Courier New" panose="02070309020205020404" pitchFamily="49" charset="0"/>
+                <a:cs typeface="Courier New" panose="02070309020205020404" pitchFamily="49" charset="0"/>
+              </a:rPr>
+              <a:t>See </a:t>
+            </a:r>
+            <a:r>
+              <a:rPr lang="nl-NL" sz="1600" dirty="0" err="1">
+                <a:latin typeface="Courier New" panose="02070309020205020404" pitchFamily="49" charset="0"/>
+                <a:cs typeface="Courier New" panose="02070309020205020404" pitchFamily="49" charset="0"/>
+              </a:rPr>
+              <a:t>e</a:t>
+            </a:r>
+            <a:r>
+              <a:rPr lang="nl-NL" sz="1600" dirty="0" err="1" smtClean="0">
+                <a:latin typeface="Courier New" panose="02070309020205020404" pitchFamily="49" charset="0"/>
+                <a:cs typeface="Courier New" panose="02070309020205020404" pitchFamily="49" charset="0"/>
+              </a:rPr>
+              <a:t>xample</a:t>
+            </a:r>
+            <a:r>
+              <a:rPr lang="nl-NL" sz="1600" dirty="0" smtClean="0">
+                <a:latin typeface="Courier New" panose="02070309020205020404" pitchFamily="49" charset="0"/>
+                <a:cs typeface="Courier New" panose="02070309020205020404" pitchFamily="49" charset="0"/>
+              </a:rPr>
+              <a:t> Notebook: data cleaning</a:t>
+            </a:r>
+          </a:p>
+          <a:p>
+            <a:pPr marL="0" indent="0">
+              <a:buNone/>
+            </a:pPr>
+            <a:endParaRPr lang="nl-NL" sz="1600" dirty="0">
+              <a:latin typeface="Courier New" panose="02070309020205020404" pitchFamily="49" charset="0"/>
+              <a:cs typeface="Courier New" panose="02070309020205020404" pitchFamily="49" charset="0"/>
+            </a:endParaRPr>
+          </a:p>
+          <a:p>
+            <a:pPr marL="0" indent="0">
+              <a:buNone/>
+            </a:pPr>
+            <a:r>
+              <a:rPr lang="nl-NL" sz="1600" dirty="0" smtClean="0">
+                <a:latin typeface="Courier New" panose="02070309020205020404" pitchFamily="49" charset="0"/>
+                <a:cs typeface="Courier New" panose="02070309020205020404" pitchFamily="49" charset="0"/>
+              </a:rPr>
+              <a:t>Combine the </a:t>
+            </a:r>
+            <a:r>
+              <a:rPr lang="nl-NL" sz="1600" dirty="0" err="1" smtClean="0">
+                <a:latin typeface="Courier New" panose="02070309020205020404" pitchFamily="49" charset="0"/>
+                <a:cs typeface="Courier New" panose="02070309020205020404" pitchFamily="49" charset="0"/>
+              </a:rPr>
+              <a:t>two</a:t>
+            </a:r>
+            <a:r>
+              <a:rPr lang="nl-NL" sz="1600" dirty="0" smtClean="0">
+                <a:latin typeface="Courier New" panose="02070309020205020404" pitchFamily="49" charset="0"/>
+                <a:cs typeface="Courier New" panose="02070309020205020404" pitchFamily="49" charset="0"/>
+              </a:rPr>
+              <a:t> files from the </a:t>
+            </a:r>
+            <a:r>
+              <a:rPr lang="nl-NL" sz="1600" dirty="0" err="1" smtClean="0">
+                <a:latin typeface="Courier New" panose="02070309020205020404" pitchFamily="49" charset="0"/>
+                <a:cs typeface="Courier New" panose="02070309020205020404" pitchFamily="49" charset="0"/>
+              </a:rPr>
+              <a:t>Fitbit</a:t>
+            </a:r>
+            <a:r>
+              <a:rPr lang="nl-NL" sz="1600" dirty="0" smtClean="0">
+                <a:latin typeface="Courier New" panose="02070309020205020404" pitchFamily="49" charset="0"/>
+                <a:cs typeface="Courier New" panose="02070309020205020404" pitchFamily="49" charset="0"/>
+              </a:rPr>
+              <a:t> project (</a:t>
+            </a:r>
+            <a:r>
+              <a:rPr lang="nl-NL" sz="1600" i="1" dirty="0" smtClean="0">
+                <a:latin typeface="Courier New" panose="02070309020205020404" pitchFamily="49" charset="0"/>
+                <a:cs typeface="Courier New" panose="02070309020205020404" pitchFamily="49" charset="0"/>
+              </a:rPr>
+              <a:t>steps</a:t>
+            </a:r>
+            <a:r>
+              <a:rPr lang="nl-NL" sz="1600" dirty="0" smtClean="0">
+                <a:latin typeface="Courier New" panose="02070309020205020404" pitchFamily="49" charset="0"/>
+                <a:cs typeface="Courier New" panose="02070309020205020404" pitchFamily="49" charset="0"/>
+              </a:rPr>
+              <a:t> </a:t>
+            </a:r>
+            <a:r>
+              <a:rPr lang="nl-NL" sz="1600" dirty="0" err="1" smtClean="0">
+                <a:latin typeface="Courier New" panose="02070309020205020404" pitchFamily="49" charset="0"/>
+                <a:cs typeface="Courier New" panose="02070309020205020404" pitchFamily="49" charset="0"/>
+              </a:rPr>
+              <a:t>and</a:t>
+            </a:r>
+            <a:r>
+              <a:rPr lang="nl-NL" sz="1600" dirty="0" smtClean="0">
+                <a:latin typeface="Courier New" panose="02070309020205020404" pitchFamily="49" charset="0"/>
+                <a:cs typeface="Courier New" panose="02070309020205020404" pitchFamily="49" charset="0"/>
+              </a:rPr>
+              <a:t> </a:t>
+            </a:r>
+            <a:r>
+              <a:rPr lang="nl-NL" sz="1600" i="1" dirty="0" smtClean="0">
+                <a:latin typeface="Courier New" panose="02070309020205020404" pitchFamily="49" charset="0"/>
+                <a:cs typeface="Courier New" panose="02070309020205020404" pitchFamily="49" charset="0"/>
+              </a:rPr>
+              <a:t>survey data</a:t>
+            </a:r>
+            <a:r>
+              <a:rPr lang="nl-NL" sz="1600" dirty="0" smtClean="0">
+                <a:latin typeface="Courier New" panose="02070309020205020404" pitchFamily="49" charset="0"/>
+                <a:cs typeface="Courier New" panose="02070309020205020404" pitchFamily="49" charset="0"/>
+              </a:rPr>
+              <a:t>) </a:t>
+            </a:r>
+            <a:r>
+              <a:rPr lang="nl-NL" sz="1600" dirty="0" err="1" smtClean="0">
+                <a:latin typeface="Courier New" panose="02070309020205020404" pitchFamily="49" charset="0"/>
+                <a:cs typeface="Courier New" panose="02070309020205020404" pitchFamily="49" charset="0"/>
+              </a:rPr>
+              <a:t>into</a:t>
+            </a:r>
+            <a:r>
+              <a:rPr lang="nl-NL" sz="1600" dirty="0" smtClean="0">
+                <a:latin typeface="Courier New" panose="02070309020205020404" pitchFamily="49" charset="0"/>
+                <a:cs typeface="Courier New" panose="02070309020205020404" pitchFamily="49" charset="0"/>
+              </a:rPr>
+              <a:t> a single </a:t>
+            </a:r>
+            <a:r>
+              <a:rPr lang="nl-NL" sz="1600" dirty="0" err="1" smtClean="0">
+                <a:latin typeface="Courier New" panose="02070309020205020404" pitchFamily="49" charset="0"/>
+                <a:cs typeface="Courier New" panose="02070309020205020404" pitchFamily="49" charset="0"/>
+              </a:rPr>
+              <a:t>csv</a:t>
+            </a:r>
+            <a:r>
+              <a:rPr lang="nl-NL" sz="1600" dirty="0" smtClean="0">
+                <a:latin typeface="Courier New" panose="02070309020205020404" pitchFamily="49" charset="0"/>
+                <a:cs typeface="Courier New" panose="02070309020205020404" pitchFamily="49" charset="0"/>
+              </a:rPr>
+              <a:t> file, </a:t>
+            </a:r>
+            <a:r>
+              <a:rPr lang="nl-NL" sz="1600" dirty="0" err="1" smtClean="0">
+                <a:latin typeface="Courier New" panose="02070309020205020404" pitchFamily="49" charset="0"/>
+                <a:cs typeface="Courier New" panose="02070309020205020404" pitchFamily="49" charset="0"/>
+              </a:rPr>
+              <a:t>and</a:t>
+            </a:r>
+            <a:r>
+              <a:rPr lang="nl-NL" sz="1600" dirty="0" smtClean="0">
+                <a:latin typeface="Courier New" panose="02070309020205020404" pitchFamily="49" charset="0"/>
+                <a:cs typeface="Courier New" panose="02070309020205020404" pitchFamily="49" charset="0"/>
+              </a:rPr>
+              <a:t> clean up the </a:t>
+            </a:r>
+            <a:r>
+              <a:rPr lang="nl-NL" sz="1600" dirty="0" err="1" smtClean="0">
+                <a:latin typeface="Courier New" panose="02070309020205020404" pitchFamily="49" charset="0"/>
+                <a:cs typeface="Courier New" panose="02070309020205020404" pitchFamily="49" charset="0"/>
+              </a:rPr>
+              <a:t>variable</a:t>
+            </a:r>
+            <a:r>
+              <a:rPr lang="nl-NL" sz="1600" dirty="0" smtClean="0">
+                <a:latin typeface="Courier New" panose="02070309020205020404" pitchFamily="49" charset="0"/>
+                <a:cs typeface="Courier New" panose="02070309020205020404" pitchFamily="49" charset="0"/>
+              </a:rPr>
+              <a:t> </a:t>
+            </a:r>
+            <a:r>
+              <a:rPr lang="nl-NL" sz="1600" i="1" dirty="0" err="1" smtClean="0">
+                <a:latin typeface="Courier New" panose="02070309020205020404" pitchFamily="49" charset="0"/>
+                <a:cs typeface="Courier New" panose="02070309020205020404" pitchFamily="49" charset="0"/>
+              </a:rPr>
+              <a:t>waist</a:t>
+            </a:r>
+            <a:r>
+              <a:rPr lang="nl-NL" sz="1600" i="1" dirty="0" smtClean="0">
+                <a:latin typeface="Courier New" panose="02070309020205020404" pitchFamily="49" charset="0"/>
+                <a:cs typeface="Courier New" panose="02070309020205020404" pitchFamily="49" charset="0"/>
+              </a:rPr>
+              <a:t> </a:t>
+            </a:r>
+            <a:r>
+              <a:rPr lang="nl-NL" sz="1600" dirty="0" smtClean="0">
+                <a:latin typeface="Courier New" panose="02070309020205020404" pitchFamily="49" charset="0"/>
+                <a:cs typeface="Courier New" panose="02070309020205020404" pitchFamily="49" charset="0"/>
+              </a:rPr>
+              <a:t>(</a:t>
+            </a:r>
+            <a:r>
+              <a:rPr lang="nl-NL" sz="1600" dirty="0" err="1" smtClean="0">
+                <a:latin typeface="Courier New" panose="02070309020205020404" pitchFamily="49" charset="0"/>
+                <a:cs typeface="Courier New" panose="02070309020205020404" pitchFamily="49" charset="0"/>
+              </a:rPr>
+              <a:t>waist</a:t>
+            </a:r>
+            <a:r>
+              <a:rPr lang="nl-NL" sz="1600" dirty="0" smtClean="0">
+                <a:latin typeface="Courier New" panose="02070309020205020404" pitchFamily="49" charset="0"/>
+                <a:cs typeface="Courier New" panose="02070309020205020404" pitchFamily="49" charset="0"/>
+              </a:rPr>
+              <a:t> </a:t>
+            </a:r>
+            <a:r>
+              <a:rPr lang="nl-NL" sz="1600" dirty="0" err="1" smtClean="0">
+                <a:latin typeface="Courier New" panose="02070309020205020404" pitchFamily="49" charset="0"/>
+                <a:cs typeface="Courier New" panose="02070309020205020404" pitchFamily="49" charset="0"/>
+              </a:rPr>
+              <a:t>circumference</a:t>
+            </a:r>
+            <a:r>
+              <a:rPr lang="nl-NL" sz="1600" dirty="0" smtClean="0">
+                <a:latin typeface="Courier New" panose="02070309020205020404" pitchFamily="49" charset="0"/>
+                <a:cs typeface="Courier New" panose="02070309020205020404" pitchFamily="49" charset="0"/>
+              </a:rPr>
+              <a:t>). </a:t>
+            </a:r>
+            <a:r>
+              <a:rPr lang="nl-NL" sz="1600" dirty="0" err="1" smtClean="0">
+                <a:latin typeface="Courier New" panose="02070309020205020404" pitchFamily="49" charset="0"/>
+                <a:cs typeface="Courier New" panose="02070309020205020404" pitchFamily="49" charset="0"/>
+              </a:rPr>
+              <a:t>You</a:t>
+            </a:r>
+            <a:r>
+              <a:rPr lang="nl-NL" sz="1600" dirty="0" smtClean="0">
+                <a:latin typeface="Courier New" panose="02070309020205020404" pitchFamily="49" charset="0"/>
+                <a:cs typeface="Courier New" panose="02070309020205020404" pitchFamily="49" charset="0"/>
+              </a:rPr>
+              <a:t> </a:t>
+            </a:r>
+            <a:r>
+              <a:rPr lang="nl-NL" sz="1600" dirty="0" err="1" smtClean="0">
+                <a:latin typeface="Courier New" panose="02070309020205020404" pitchFamily="49" charset="0"/>
+                <a:cs typeface="Courier New" panose="02070309020205020404" pitchFamily="49" charset="0"/>
+              </a:rPr>
+              <a:t>will</a:t>
+            </a:r>
+            <a:r>
+              <a:rPr lang="nl-NL" sz="1600" dirty="0" smtClean="0">
+                <a:latin typeface="Courier New" panose="02070309020205020404" pitchFamily="49" charset="0"/>
+                <a:cs typeface="Courier New" panose="02070309020205020404" pitchFamily="49" charset="0"/>
+              </a:rPr>
+              <a:t> </a:t>
+            </a:r>
+            <a:r>
+              <a:rPr lang="nl-NL" sz="1600" dirty="0" err="1" smtClean="0">
+                <a:latin typeface="Courier New" panose="02070309020205020404" pitchFamily="49" charset="0"/>
+                <a:cs typeface="Courier New" panose="02070309020205020404" pitchFamily="49" charset="0"/>
+              </a:rPr>
+              <a:t>also</a:t>
+            </a:r>
+            <a:r>
+              <a:rPr lang="nl-NL" sz="1600" dirty="0" smtClean="0">
+                <a:latin typeface="Courier New" panose="02070309020205020404" pitchFamily="49" charset="0"/>
+                <a:cs typeface="Courier New" panose="02070309020205020404" pitchFamily="49" charset="0"/>
+              </a:rPr>
+              <a:t> </a:t>
+            </a:r>
+            <a:r>
+              <a:rPr lang="nl-NL" sz="1600" dirty="0" err="1" smtClean="0">
+                <a:latin typeface="Courier New" panose="02070309020205020404" pitchFamily="49" charset="0"/>
+                <a:cs typeface="Courier New" panose="02070309020205020404" pitchFamily="49" charset="0"/>
+              </a:rPr>
+              <a:t>need</a:t>
+            </a:r>
+            <a:r>
+              <a:rPr lang="nl-NL" sz="1600" dirty="0" smtClean="0">
+                <a:latin typeface="Courier New" panose="02070309020205020404" pitchFamily="49" charset="0"/>
+                <a:cs typeface="Courier New" panose="02070309020205020404" pitchFamily="49" charset="0"/>
+              </a:rPr>
+              <a:t> these </a:t>
+            </a:r>
+            <a:r>
+              <a:rPr lang="nl-NL" sz="1600" dirty="0" err="1" smtClean="0">
+                <a:latin typeface="Courier New" panose="02070309020205020404" pitchFamily="49" charset="0"/>
+                <a:cs typeface="Courier New" panose="02070309020205020404" pitchFamily="49" charset="0"/>
+              </a:rPr>
+              <a:t>cleaned</a:t>
+            </a:r>
+            <a:r>
+              <a:rPr lang="nl-NL" sz="1600" dirty="0" smtClean="0">
+                <a:latin typeface="Courier New" panose="02070309020205020404" pitchFamily="49" charset="0"/>
+                <a:cs typeface="Courier New" panose="02070309020205020404" pitchFamily="49" charset="0"/>
+              </a:rPr>
+              <a:t> data </a:t>
+            </a:r>
+            <a:r>
+              <a:rPr lang="nl-NL" sz="1600" dirty="0" err="1" smtClean="0">
+                <a:latin typeface="Courier New" panose="02070309020205020404" pitchFamily="49" charset="0"/>
+                <a:cs typeface="Courier New" panose="02070309020205020404" pitchFamily="49" charset="0"/>
+              </a:rPr>
+              <a:t>for</a:t>
+            </a:r>
+            <a:r>
+              <a:rPr lang="nl-NL" sz="1600" dirty="0" smtClean="0">
+                <a:latin typeface="Courier New" panose="02070309020205020404" pitchFamily="49" charset="0"/>
+                <a:cs typeface="Courier New" panose="02070309020205020404" pitchFamily="49" charset="0"/>
+              </a:rPr>
+              <a:t> </a:t>
+            </a:r>
+            <a:r>
+              <a:rPr lang="nl-NL" sz="1600" dirty="0" err="1" smtClean="0">
+                <a:latin typeface="Courier New" panose="02070309020205020404" pitchFamily="49" charset="0"/>
+                <a:cs typeface="Courier New" panose="02070309020205020404" pitchFamily="49" charset="0"/>
+              </a:rPr>
+              <a:t>Assignment</a:t>
+            </a:r>
+            <a:r>
+              <a:rPr lang="nl-NL" sz="1600" dirty="0" smtClean="0">
+                <a:latin typeface="Courier New" panose="02070309020205020404" pitchFamily="49" charset="0"/>
+                <a:cs typeface="Courier New" panose="02070309020205020404" pitchFamily="49" charset="0"/>
+              </a:rPr>
+              <a:t> 1. See Canvas for the data.</a:t>
+            </a:r>
+          </a:p>
+          <a:p>
+            <a:pPr marL="0" indent="0">
+              <a:buNone/>
+            </a:pPr>
+            <a:endParaRPr lang="nl-NL" sz="1600" dirty="0" smtClean="0">
+              <a:latin typeface="Courier New" panose="02070309020205020404" pitchFamily="49" charset="0"/>
+              <a:cs typeface="Courier New" panose="02070309020205020404" pitchFamily="49" charset="0"/>
+            </a:endParaRPr>
+          </a:p>
+          <a:p>
+            <a:pPr marL="0" indent="0">
+              <a:buNone/>
+            </a:pPr>
+            <a:r>
+              <a:rPr lang="nl-NL" sz="1600" dirty="0" err="1" smtClean="0">
+                <a:latin typeface="Courier New" panose="02070309020205020404" pitchFamily="49" charset="0"/>
+                <a:cs typeface="Courier New" panose="02070309020205020404" pitchFamily="49" charset="0"/>
+              </a:rPr>
+              <a:t>You</a:t>
+            </a:r>
+            <a:r>
+              <a:rPr lang="nl-NL" sz="1600" dirty="0" smtClean="0">
+                <a:latin typeface="Courier New" panose="02070309020205020404" pitchFamily="49" charset="0"/>
+                <a:cs typeface="Courier New" panose="02070309020205020404" pitchFamily="49" charset="0"/>
+              </a:rPr>
+              <a:t> </a:t>
+            </a:r>
+            <a:r>
+              <a:rPr lang="nl-NL" sz="1600" dirty="0" err="1" smtClean="0">
+                <a:latin typeface="Courier New" panose="02070309020205020404" pitchFamily="49" charset="0"/>
+                <a:cs typeface="Courier New" panose="02070309020205020404" pitchFamily="49" charset="0"/>
+              </a:rPr>
+              <a:t>will</a:t>
+            </a:r>
+            <a:r>
+              <a:rPr lang="nl-NL" sz="1600" dirty="0" smtClean="0">
+                <a:latin typeface="Courier New" panose="02070309020205020404" pitchFamily="49" charset="0"/>
+                <a:cs typeface="Courier New" panose="02070309020205020404" pitchFamily="49" charset="0"/>
+              </a:rPr>
+              <a:t> run </a:t>
+            </a:r>
+            <a:r>
+              <a:rPr lang="nl-NL" sz="1600" dirty="0" err="1" smtClean="0">
+                <a:latin typeface="Courier New" panose="02070309020205020404" pitchFamily="49" charset="0"/>
+                <a:cs typeface="Courier New" panose="02070309020205020404" pitchFamily="49" charset="0"/>
+              </a:rPr>
+              <a:t>into</a:t>
+            </a:r>
+            <a:r>
+              <a:rPr lang="nl-NL" sz="1600" dirty="0" smtClean="0">
+                <a:latin typeface="Courier New" panose="02070309020205020404" pitchFamily="49" charset="0"/>
+                <a:cs typeface="Courier New" panose="02070309020205020404" pitchFamily="49" charset="0"/>
+              </a:rPr>
+              <a:t> </a:t>
+            </a:r>
+            <a:r>
+              <a:rPr lang="nl-NL" sz="1600" dirty="0" err="1" smtClean="0">
+                <a:latin typeface="Courier New" panose="02070309020205020404" pitchFamily="49" charset="0"/>
+                <a:cs typeface="Courier New" panose="02070309020205020404" pitchFamily="49" charset="0"/>
+              </a:rPr>
+              <a:t>several</a:t>
+            </a:r>
+            <a:r>
+              <a:rPr lang="nl-NL" sz="1600" dirty="0" smtClean="0">
+                <a:latin typeface="Courier New" panose="02070309020205020404" pitchFamily="49" charset="0"/>
+                <a:cs typeface="Courier New" panose="02070309020205020404" pitchFamily="49" charset="0"/>
+              </a:rPr>
+              <a:t> issues. </a:t>
+            </a:r>
+            <a:r>
+              <a:rPr lang="nl-NL" sz="1600" dirty="0" err="1" smtClean="0">
+                <a:latin typeface="Courier New" panose="02070309020205020404" pitchFamily="49" charset="0"/>
+                <a:cs typeface="Courier New" panose="02070309020205020404" pitchFamily="49" charset="0"/>
+              </a:rPr>
+              <a:t>Try</a:t>
+            </a:r>
+            <a:r>
+              <a:rPr lang="nl-NL" sz="1600" dirty="0" smtClean="0">
+                <a:latin typeface="Courier New" panose="02070309020205020404" pitchFamily="49" charset="0"/>
+                <a:cs typeface="Courier New" panose="02070309020205020404" pitchFamily="49" charset="0"/>
+              </a:rPr>
+              <a:t> </a:t>
+            </a:r>
+            <a:r>
+              <a:rPr lang="nl-NL" sz="1600" dirty="0" err="1" smtClean="0">
+                <a:latin typeface="Courier New" panose="02070309020205020404" pitchFamily="49" charset="0"/>
+                <a:cs typeface="Courier New" panose="02070309020205020404" pitchFamily="49" charset="0"/>
+              </a:rPr>
+              <a:t>and</a:t>
+            </a:r>
+            <a:r>
+              <a:rPr lang="nl-NL" sz="1600" dirty="0" smtClean="0">
+                <a:latin typeface="Courier New" panose="02070309020205020404" pitchFamily="49" charset="0"/>
+                <a:cs typeface="Courier New" panose="02070309020205020404" pitchFamily="49" charset="0"/>
+              </a:rPr>
+              <a:t> </a:t>
+            </a:r>
+            <a:r>
+              <a:rPr lang="nl-NL" sz="1600" dirty="0" err="1" smtClean="0">
+                <a:latin typeface="Courier New" panose="02070309020205020404" pitchFamily="49" charset="0"/>
+                <a:cs typeface="Courier New" panose="02070309020205020404" pitchFamily="49" charset="0"/>
+              </a:rPr>
+              <a:t>solve</a:t>
+            </a:r>
+            <a:r>
+              <a:rPr lang="nl-NL" sz="1600" dirty="0" smtClean="0">
+                <a:latin typeface="Courier New" panose="02070309020205020404" pitchFamily="49" charset="0"/>
+                <a:cs typeface="Courier New" panose="02070309020205020404" pitchFamily="49" charset="0"/>
+              </a:rPr>
+              <a:t> </a:t>
+            </a:r>
+            <a:r>
+              <a:rPr lang="nl-NL" sz="1600" dirty="0" err="1" smtClean="0">
+                <a:latin typeface="Courier New" panose="02070309020205020404" pitchFamily="49" charset="0"/>
+                <a:cs typeface="Courier New" panose="02070309020205020404" pitchFamily="49" charset="0"/>
+              </a:rPr>
+              <a:t>them</a:t>
+            </a:r>
+            <a:r>
+              <a:rPr lang="nl-NL" sz="1600" dirty="0" smtClean="0">
+                <a:latin typeface="Courier New" panose="02070309020205020404" pitchFamily="49" charset="0"/>
+                <a:cs typeface="Courier New" panose="02070309020205020404" pitchFamily="49" charset="0"/>
+              </a:rPr>
+              <a:t>. Here are </a:t>
+            </a:r>
+            <a:r>
+              <a:rPr lang="nl-NL" sz="1600" dirty="0" err="1" smtClean="0">
+                <a:latin typeface="Courier New" panose="02070309020205020404" pitchFamily="49" charset="0"/>
+                <a:cs typeface="Courier New" panose="02070309020205020404" pitchFamily="49" charset="0"/>
+              </a:rPr>
+              <a:t>some</a:t>
+            </a:r>
+            <a:r>
+              <a:rPr lang="nl-NL" sz="1600" dirty="0" smtClean="0">
+                <a:latin typeface="Courier New" panose="02070309020205020404" pitchFamily="49" charset="0"/>
+                <a:cs typeface="Courier New" panose="02070309020205020404" pitchFamily="49" charset="0"/>
+              </a:rPr>
+              <a:t> hints:</a:t>
+            </a:r>
+          </a:p>
+          <a:p>
+            <a:pPr marL="0" indent="0">
+              <a:buNone/>
+            </a:pPr>
+            <a:endParaRPr lang="nl-NL" sz="1600" dirty="0" smtClean="0">
+              <a:latin typeface="Courier New" panose="02070309020205020404" pitchFamily="49" charset="0"/>
+              <a:cs typeface="Courier New" panose="02070309020205020404" pitchFamily="49" charset="0"/>
+            </a:endParaRPr>
+          </a:p>
+          <a:p>
+            <a:r>
+              <a:rPr lang="nl-NL" sz="1600" dirty="0" smtClean="0">
+                <a:latin typeface="Courier New" panose="02070309020205020404" pitchFamily="49" charset="0"/>
+                <a:cs typeface="Courier New" panose="02070309020205020404" pitchFamily="49" charset="0"/>
+              </a:rPr>
+              <a:t>Different </a:t>
+            </a:r>
+            <a:r>
+              <a:rPr lang="nl-NL" sz="1600" dirty="0" err="1" smtClean="0">
+                <a:latin typeface="Courier New" panose="02070309020205020404" pitchFamily="49" charset="0"/>
+                <a:cs typeface="Courier New" panose="02070309020205020404" pitchFamily="49" charset="0"/>
+              </a:rPr>
+              <a:t>world</a:t>
+            </a:r>
+            <a:r>
+              <a:rPr lang="nl-NL" sz="1600" dirty="0" smtClean="0">
+                <a:latin typeface="Courier New" panose="02070309020205020404" pitchFamily="49" charset="0"/>
+                <a:cs typeface="Courier New" panose="02070309020205020404" pitchFamily="49" charset="0"/>
+              </a:rPr>
+              <a:t> </a:t>
+            </a:r>
+            <a:r>
+              <a:rPr lang="nl-NL" sz="1600" dirty="0" err="1" smtClean="0">
+                <a:latin typeface="Courier New" panose="02070309020205020404" pitchFamily="49" charset="0"/>
+                <a:cs typeface="Courier New" panose="02070309020205020404" pitchFamily="49" charset="0"/>
+              </a:rPr>
+              <a:t>regions</a:t>
+            </a:r>
+            <a:r>
+              <a:rPr lang="nl-NL" sz="1600" dirty="0" smtClean="0">
+                <a:latin typeface="Courier New" panose="02070309020205020404" pitchFamily="49" charset="0"/>
+                <a:cs typeface="Courier New" panose="02070309020205020404" pitchFamily="49" charset="0"/>
+              </a:rPr>
+              <a:t> </a:t>
+            </a:r>
+            <a:r>
+              <a:rPr lang="nl-NL" sz="1600" dirty="0" err="1" smtClean="0">
+                <a:latin typeface="Courier New" panose="02070309020205020404" pitchFamily="49" charset="0"/>
+                <a:cs typeface="Courier New" panose="02070309020205020404" pitchFamily="49" charset="0"/>
+              </a:rPr>
+              <a:t>use</a:t>
+            </a:r>
+            <a:r>
+              <a:rPr lang="nl-NL" sz="1600" dirty="0" smtClean="0">
+                <a:latin typeface="Courier New" panose="02070309020205020404" pitchFamily="49" charset="0"/>
+                <a:cs typeface="Courier New" panose="02070309020205020404" pitchFamily="49" charset="0"/>
+              </a:rPr>
+              <a:t> different </a:t>
+            </a:r>
+            <a:r>
+              <a:rPr lang="nl-NL" sz="1600" dirty="0" err="1" smtClean="0">
+                <a:latin typeface="Courier New" panose="02070309020205020404" pitchFamily="49" charset="0"/>
+                <a:cs typeface="Courier New" panose="02070309020205020404" pitchFamily="49" charset="0"/>
+              </a:rPr>
+              <a:t>encodings</a:t>
+            </a:r>
+            <a:r>
+              <a:rPr lang="nl-NL" sz="1600" dirty="0" smtClean="0">
+                <a:latin typeface="Courier New" panose="02070309020205020404" pitchFamily="49" charset="0"/>
+                <a:cs typeface="Courier New" panose="02070309020205020404" pitchFamily="49" charset="0"/>
+              </a:rPr>
+              <a:t>. How </a:t>
+            </a:r>
+            <a:r>
+              <a:rPr lang="nl-NL" sz="1600" dirty="0">
+                <a:latin typeface="Courier New" panose="02070309020205020404" pitchFamily="49" charset="0"/>
+                <a:cs typeface="Courier New" panose="02070309020205020404" pitchFamily="49" charset="0"/>
+              </a:rPr>
+              <a:t>do </a:t>
+            </a:r>
+            <a:r>
+              <a:rPr lang="nl-NL" sz="1600" dirty="0" err="1">
+                <a:latin typeface="Courier New" panose="02070309020205020404" pitchFamily="49" charset="0"/>
+                <a:cs typeface="Courier New" panose="02070309020205020404" pitchFamily="49" charset="0"/>
+              </a:rPr>
+              <a:t>you</a:t>
+            </a:r>
+            <a:r>
+              <a:rPr lang="nl-NL" sz="1600" dirty="0">
+                <a:latin typeface="Courier New" panose="02070309020205020404" pitchFamily="49" charset="0"/>
+                <a:cs typeface="Courier New" panose="02070309020205020404" pitchFamily="49" charset="0"/>
+              </a:rPr>
+              <a:t> </a:t>
+            </a:r>
+            <a:r>
+              <a:rPr lang="nl-NL" sz="1600" dirty="0" err="1">
+                <a:latin typeface="Courier New" panose="02070309020205020404" pitchFamily="49" charset="0"/>
+                <a:cs typeface="Courier New" panose="02070309020205020404" pitchFamily="49" charset="0"/>
+              </a:rPr>
+              <a:t>see</a:t>
+            </a:r>
+            <a:r>
+              <a:rPr lang="nl-NL" sz="1600" dirty="0">
+                <a:latin typeface="Courier New" panose="02070309020205020404" pitchFamily="49" charset="0"/>
+                <a:cs typeface="Courier New" panose="02070309020205020404" pitchFamily="49" charset="0"/>
+              </a:rPr>
+              <a:t> </a:t>
+            </a:r>
+            <a:r>
+              <a:rPr lang="nl-NL" sz="1600" dirty="0" err="1">
+                <a:latin typeface="Courier New" panose="02070309020205020404" pitchFamily="49" charset="0"/>
+                <a:cs typeface="Courier New" panose="02070309020205020404" pitchFamily="49" charset="0"/>
+              </a:rPr>
+              <a:t>this</a:t>
+            </a:r>
+            <a:r>
+              <a:rPr lang="nl-NL" sz="1600" dirty="0">
+                <a:latin typeface="Courier New" panose="02070309020205020404" pitchFamily="49" charset="0"/>
+                <a:cs typeface="Courier New" panose="02070309020205020404" pitchFamily="49" charset="0"/>
+              </a:rPr>
+              <a:t> in the files? Look in the </a:t>
+            </a:r>
+            <a:r>
+              <a:rPr lang="nl-NL" sz="1600" dirty="0" err="1">
+                <a:latin typeface="Courier New" panose="02070309020205020404" pitchFamily="49" charset="0"/>
+                <a:cs typeface="Courier New" panose="02070309020205020404" pitchFamily="49" charset="0"/>
+              </a:rPr>
+              <a:t>documentation</a:t>
+            </a:r>
+            <a:r>
+              <a:rPr lang="nl-NL" sz="1600" dirty="0">
+                <a:latin typeface="Courier New" panose="02070309020205020404" pitchFamily="49" charset="0"/>
+                <a:cs typeface="Courier New" panose="02070309020205020404" pitchFamily="49" charset="0"/>
+              </a:rPr>
+              <a:t> </a:t>
+            </a:r>
+            <a:r>
+              <a:rPr lang="nl-NL" sz="1600" dirty="0" smtClean="0">
+                <a:latin typeface="Courier New" panose="02070309020205020404" pitchFamily="49" charset="0"/>
+                <a:cs typeface="Courier New" panose="02070309020205020404" pitchFamily="49" charset="0"/>
+              </a:rPr>
+              <a:t>of </a:t>
+            </a:r>
+            <a:r>
+              <a:rPr lang="nl-NL" sz="1600" i="1" dirty="0" err="1" smtClean="0">
+                <a:latin typeface="Courier New" panose="02070309020205020404" pitchFamily="49" charset="0"/>
+                <a:cs typeface="Courier New" panose="02070309020205020404" pitchFamily="49" charset="0"/>
+              </a:rPr>
+              <a:t>pd.read_csv</a:t>
+            </a:r>
+            <a:r>
+              <a:rPr lang="nl-NL" sz="1600" i="1" dirty="0" smtClean="0">
+                <a:latin typeface="Courier New" panose="02070309020205020404" pitchFamily="49" charset="0"/>
+                <a:cs typeface="Courier New" panose="02070309020205020404" pitchFamily="49" charset="0"/>
+              </a:rPr>
+              <a:t>()</a:t>
+            </a:r>
+            <a:r>
+              <a:rPr lang="nl-NL" sz="1600" dirty="0">
+                <a:latin typeface="Courier New" panose="02070309020205020404" pitchFamily="49" charset="0"/>
+                <a:cs typeface="Courier New" panose="02070309020205020404" pitchFamily="49" charset="0"/>
+              </a:rPr>
+              <a:t> </a:t>
+            </a:r>
+            <a:r>
+              <a:rPr lang="nl-NL" sz="1600" dirty="0" err="1" smtClean="0">
+                <a:latin typeface="Courier New" panose="02070309020205020404" pitchFamily="49" charset="0"/>
+                <a:cs typeface="Courier New" panose="02070309020205020404" pitchFamily="49" charset="0"/>
+              </a:rPr>
+              <a:t>to</a:t>
+            </a:r>
+            <a:r>
+              <a:rPr lang="nl-NL" sz="1600" dirty="0" smtClean="0">
+                <a:latin typeface="Courier New" panose="02070309020205020404" pitchFamily="49" charset="0"/>
+                <a:cs typeface="Courier New" panose="02070309020205020404" pitchFamily="49" charset="0"/>
+              </a:rPr>
+              <a:t> load </a:t>
+            </a:r>
+            <a:r>
+              <a:rPr lang="nl-NL" sz="1600" dirty="0" err="1" smtClean="0">
+                <a:latin typeface="Courier New" panose="02070309020205020404" pitchFamily="49" charset="0"/>
+                <a:cs typeface="Courier New" panose="02070309020205020404" pitchFamily="49" charset="0"/>
+              </a:rPr>
+              <a:t>both</a:t>
+            </a:r>
+            <a:r>
+              <a:rPr lang="nl-NL" sz="1600" dirty="0" smtClean="0">
+                <a:latin typeface="Courier New" panose="02070309020205020404" pitchFamily="49" charset="0"/>
+                <a:cs typeface="Courier New" panose="02070309020205020404" pitchFamily="49" charset="0"/>
+              </a:rPr>
+              <a:t> files </a:t>
+            </a:r>
+            <a:r>
+              <a:rPr lang="nl-NL" sz="1600" dirty="0" err="1" smtClean="0">
+                <a:latin typeface="Courier New" panose="02070309020205020404" pitchFamily="49" charset="0"/>
+                <a:cs typeface="Courier New" panose="02070309020205020404" pitchFamily="49" charset="0"/>
+              </a:rPr>
+              <a:t>correctly</a:t>
+            </a:r>
+            <a:r>
+              <a:rPr lang="nl-NL" sz="1600" dirty="0" smtClean="0">
+                <a:latin typeface="Courier New" panose="02070309020205020404" pitchFamily="49" charset="0"/>
+                <a:cs typeface="Courier New" panose="02070309020205020404" pitchFamily="49" charset="0"/>
+              </a:rPr>
+              <a:t>. </a:t>
+            </a:r>
+            <a:endParaRPr lang="nl-NL" sz="1600" dirty="0">
+              <a:latin typeface="Courier New" panose="02070309020205020404" pitchFamily="49" charset="0"/>
+              <a:cs typeface="Courier New" panose="02070309020205020404" pitchFamily="49" charset="0"/>
+            </a:endParaRPr>
+          </a:p>
+          <a:p>
+            <a:r>
+              <a:rPr lang="nl-NL" sz="1600" dirty="0" err="1" smtClean="0">
+                <a:latin typeface="Courier New" panose="02070309020205020404" pitchFamily="49" charset="0"/>
+                <a:cs typeface="Courier New" panose="02070309020205020404" pitchFamily="49" charset="0"/>
+              </a:rPr>
+              <a:t>Which</a:t>
+            </a:r>
+            <a:r>
+              <a:rPr lang="nl-NL" sz="1600" dirty="0" smtClean="0">
+                <a:latin typeface="Courier New" panose="02070309020205020404" pitchFamily="49" charset="0"/>
+                <a:cs typeface="Courier New" panose="02070309020205020404" pitchFamily="49" charset="0"/>
+              </a:rPr>
+              <a:t> </a:t>
+            </a:r>
+            <a:r>
+              <a:rPr lang="nl-NL" sz="1600" dirty="0" err="1" smtClean="0">
+                <a:latin typeface="Courier New" panose="02070309020205020404" pitchFamily="49" charset="0"/>
+                <a:cs typeface="Courier New" panose="02070309020205020404" pitchFamily="49" charset="0"/>
+              </a:rPr>
+              <a:t>variable</a:t>
+            </a:r>
+            <a:r>
+              <a:rPr lang="nl-NL" sz="1600" dirty="0" smtClean="0">
+                <a:latin typeface="Courier New" panose="02070309020205020404" pitchFamily="49" charset="0"/>
+                <a:cs typeface="Courier New" panose="02070309020205020404" pitchFamily="49" charset="0"/>
+              </a:rPr>
+              <a:t> is the </a:t>
+            </a:r>
+            <a:r>
+              <a:rPr lang="nl-NL" sz="1600" dirty="0" err="1" smtClean="0">
+                <a:latin typeface="Courier New" panose="02070309020205020404" pitchFamily="49" charset="0"/>
+                <a:cs typeface="Courier New" panose="02070309020205020404" pitchFamily="49" charset="0"/>
+              </a:rPr>
+              <a:t>key</a:t>
+            </a:r>
+            <a:r>
+              <a:rPr lang="nl-NL" sz="1600" dirty="0" smtClean="0">
+                <a:latin typeface="Courier New" panose="02070309020205020404" pitchFamily="49" charset="0"/>
+                <a:cs typeface="Courier New" panose="02070309020205020404" pitchFamily="49" charset="0"/>
+              </a:rPr>
+              <a:t> </a:t>
+            </a:r>
+            <a:r>
+              <a:rPr lang="nl-NL" sz="1600" dirty="0" err="1" smtClean="0">
+                <a:latin typeface="Courier New" panose="02070309020205020404" pitchFamily="49" charset="0"/>
+                <a:cs typeface="Courier New" panose="02070309020205020404" pitchFamily="49" charset="0"/>
+              </a:rPr>
+              <a:t>to</a:t>
+            </a:r>
+            <a:r>
+              <a:rPr lang="nl-NL" sz="1600" dirty="0" smtClean="0">
+                <a:latin typeface="Courier New" panose="02070309020205020404" pitchFamily="49" charset="0"/>
+                <a:cs typeface="Courier New" panose="02070309020205020404" pitchFamily="49" charset="0"/>
+              </a:rPr>
+              <a:t> combine </a:t>
+            </a:r>
+            <a:r>
+              <a:rPr lang="nl-NL" sz="1600" dirty="0" err="1" smtClean="0">
+                <a:latin typeface="Courier New" panose="02070309020205020404" pitchFamily="49" charset="0"/>
+                <a:cs typeface="Courier New" panose="02070309020205020404" pitchFamily="49" charset="0"/>
+              </a:rPr>
+              <a:t>both</a:t>
+            </a:r>
+            <a:r>
+              <a:rPr lang="nl-NL" sz="1600" dirty="0" smtClean="0">
+                <a:latin typeface="Courier New" panose="02070309020205020404" pitchFamily="49" charset="0"/>
+                <a:cs typeface="Courier New" panose="02070309020205020404" pitchFamily="49" charset="0"/>
+              </a:rPr>
+              <a:t> files?</a:t>
+            </a:r>
+          </a:p>
+          <a:p>
+            <a:r>
+              <a:rPr lang="nl-NL" sz="1600" dirty="0" smtClean="0">
+                <a:latin typeface="Courier New" panose="02070309020205020404" pitchFamily="49" charset="0"/>
+                <a:cs typeface="Courier New" panose="02070309020205020404" pitchFamily="49" charset="0"/>
+              </a:rPr>
+              <a:t>Are </a:t>
+            </a:r>
+            <a:r>
+              <a:rPr lang="nl-NL" sz="1600" dirty="0" err="1" smtClean="0">
+                <a:latin typeface="Courier New" panose="02070309020205020404" pitchFamily="49" charset="0"/>
+                <a:cs typeface="Courier New" panose="02070309020205020404" pitchFamily="49" charset="0"/>
+              </a:rPr>
+              <a:t>all</a:t>
+            </a:r>
+            <a:r>
+              <a:rPr lang="nl-NL" sz="1600" dirty="0" smtClean="0">
+                <a:latin typeface="Courier New" panose="02070309020205020404" pitchFamily="49" charset="0"/>
+                <a:cs typeface="Courier New" panose="02070309020205020404" pitchFamily="49" charset="0"/>
+              </a:rPr>
+              <a:t> </a:t>
+            </a:r>
+            <a:r>
+              <a:rPr lang="nl-NL" sz="1600" dirty="0" err="1" smtClean="0">
+                <a:latin typeface="Courier New" panose="02070309020205020404" pitchFamily="49" charset="0"/>
+                <a:cs typeface="Courier New" panose="02070309020205020404" pitchFamily="49" charset="0"/>
+              </a:rPr>
+              <a:t>values</a:t>
+            </a:r>
+            <a:r>
+              <a:rPr lang="nl-NL" sz="1600" dirty="0" smtClean="0">
+                <a:latin typeface="Courier New" panose="02070309020205020404" pitchFamily="49" charset="0"/>
+                <a:cs typeface="Courier New" panose="02070309020205020404" pitchFamily="49" charset="0"/>
+              </a:rPr>
+              <a:t> of </a:t>
+            </a:r>
+            <a:r>
+              <a:rPr lang="nl-NL" sz="1600" i="1" dirty="0" err="1" smtClean="0">
+                <a:latin typeface="Courier New" panose="02070309020205020404" pitchFamily="49" charset="0"/>
+                <a:cs typeface="Courier New" panose="02070309020205020404" pitchFamily="49" charset="0"/>
+              </a:rPr>
+              <a:t>waist</a:t>
+            </a:r>
+            <a:r>
+              <a:rPr lang="nl-NL" sz="1600" i="1" dirty="0" smtClean="0">
+                <a:latin typeface="Courier New" panose="02070309020205020404" pitchFamily="49" charset="0"/>
+                <a:cs typeface="Courier New" panose="02070309020205020404" pitchFamily="49" charset="0"/>
+              </a:rPr>
+              <a:t> </a:t>
+            </a:r>
+            <a:r>
+              <a:rPr lang="nl-NL" sz="1600" dirty="0" err="1" smtClean="0">
+                <a:latin typeface="Courier New" panose="02070309020205020404" pitchFamily="49" charset="0"/>
+                <a:cs typeface="Courier New" panose="02070309020205020404" pitchFamily="49" charset="0"/>
+              </a:rPr>
+              <a:t>plausible</a:t>
+            </a:r>
+            <a:r>
+              <a:rPr lang="nl-NL" sz="1600" dirty="0" smtClean="0">
+                <a:latin typeface="Courier New" panose="02070309020205020404" pitchFamily="49" charset="0"/>
+                <a:cs typeface="Courier New" panose="02070309020205020404" pitchFamily="49" charset="0"/>
+              </a:rPr>
+              <a:t>? </a:t>
+            </a:r>
+            <a:r>
+              <a:rPr lang="nl-NL" sz="1600" dirty="0" err="1" smtClean="0">
+                <a:latin typeface="Courier New" panose="02070309020205020404" pitchFamily="49" charset="0"/>
+                <a:cs typeface="Courier New" panose="02070309020205020404" pitchFamily="49" charset="0"/>
+              </a:rPr>
+              <a:t>What</a:t>
+            </a:r>
+            <a:r>
+              <a:rPr lang="nl-NL" sz="1600" dirty="0" smtClean="0">
+                <a:latin typeface="Courier New" panose="02070309020205020404" pitchFamily="49" charset="0"/>
+                <a:cs typeface="Courier New" panose="02070309020205020404" pitchFamily="49" charset="0"/>
+              </a:rPr>
+              <a:t> are </a:t>
+            </a:r>
+            <a:r>
+              <a:rPr lang="nl-NL" sz="1600" dirty="0" err="1" smtClean="0">
+                <a:latin typeface="Courier New" panose="02070309020205020404" pitchFamily="49" charset="0"/>
+                <a:cs typeface="Courier New" panose="02070309020205020404" pitchFamily="49" charset="0"/>
+              </a:rPr>
+              <a:t>you</a:t>
+            </a:r>
+            <a:r>
+              <a:rPr lang="nl-NL" sz="1600" dirty="0" smtClean="0">
+                <a:latin typeface="Courier New" panose="02070309020205020404" pitchFamily="49" charset="0"/>
+                <a:cs typeface="Courier New" panose="02070309020205020404" pitchFamily="49" charset="0"/>
+              </a:rPr>
+              <a:t> </a:t>
+            </a:r>
+            <a:r>
+              <a:rPr lang="nl-NL" sz="1600" dirty="0" err="1" smtClean="0">
+                <a:latin typeface="Courier New" panose="02070309020205020404" pitchFamily="49" charset="0"/>
+                <a:cs typeface="Courier New" panose="02070309020205020404" pitchFamily="49" charset="0"/>
+              </a:rPr>
+              <a:t>going</a:t>
+            </a:r>
+            <a:r>
+              <a:rPr lang="nl-NL" sz="1600" dirty="0" smtClean="0">
+                <a:latin typeface="Courier New" panose="02070309020205020404" pitchFamily="49" charset="0"/>
+                <a:cs typeface="Courier New" panose="02070309020205020404" pitchFamily="49" charset="0"/>
+              </a:rPr>
+              <a:t> </a:t>
+            </a:r>
+            <a:r>
+              <a:rPr lang="nl-NL" sz="1600" dirty="0" err="1" smtClean="0">
+                <a:latin typeface="Courier New" panose="02070309020205020404" pitchFamily="49" charset="0"/>
+                <a:cs typeface="Courier New" panose="02070309020205020404" pitchFamily="49" charset="0"/>
+              </a:rPr>
+              <a:t>to</a:t>
+            </a:r>
+            <a:r>
+              <a:rPr lang="nl-NL" sz="1600" dirty="0" smtClean="0">
+                <a:latin typeface="Courier New" panose="02070309020205020404" pitchFamily="49" charset="0"/>
+                <a:cs typeface="Courier New" panose="02070309020205020404" pitchFamily="49" charset="0"/>
+              </a:rPr>
+              <a:t> do </a:t>
+            </a:r>
+            <a:r>
+              <a:rPr lang="nl-NL" sz="1600" dirty="0" err="1" smtClean="0">
+                <a:latin typeface="Courier New" panose="02070309020205020404" pitchFamily="49" charset="0"/>
+                <a:cs typeface="Courier New" panose="02070309020205020404" pitchFamily="49" charset="0"/>
+              </a:rPr>
+              <a:t>about</a:t>
+            </a:r>
+            <a:r>
+              <a:rPr lang="nl-NL" sz="1600" dirty="0" smtClean="0">
+                <a:latin typeface="Courier New" panose="02070309020205020404" pitchFamily="49" charset="0"/>
+                <a:cs typeface="Courier New" panose="02070309020205020404" pitchFamily="49" charset="0"/>
+              </a:rPr>
+              <a:t> </a:t>
+            </a:r>
+            <a:r>
+              <a:rPr lang="nl-NL" sz="1600" dirty="0" err="1" smtClean="0">
+                <a:latin typeface="Courier New" panose="02070309020205020404" pitchFamily="49" charset="0"/>
+                <a:cs typeface="Courier New" panose="02070309020205020404" pitchFamily="49" charset="0"/>
+              </a:rPr>
+              <a:t>this</a:t>
+            </a:r>
+            <a:r>
+              <a:rPr lang="nl-NL" sz="1600" dirty="0" smtClean="0">
+                <a:latin typeface="Courier New" panose="02070309020205020404" pitchFamily="49" charset="0"/>
+                <a:cs typeface="Courier New" panose="02070309020205020404" pitchFamily="49" charset="0"/>
+              </a:rPr>
+              <a:t>?</a:t>
+            </a:r>
+          </a:p>
+        </p:txBody>
+      </p:sp>
+    </p:spTree>
+    <p:extLst>
+      <p:ext uri="{BB962C8B-B14F-4D97-AF65-F5344CB8AC3E}">
+        <p14:creationId xmlns:p14="http://schemas.microsoft.com/office/powerpoint/2010/main" val="3688754064"/>
+      </p:ext>
+    </p:extLst>
+  </p:cSld>
+  <p:clrMapOvr>
+    <a:masterClrMapping/>
+  </p:clrMapOvr>
+  <p:timing>
+    <p:tnLst>
+      <p:par>
+        <p:cTn id="1" dur="indefinite" restart="never" nodeType="tmRoot"/>
+      </p:par>
+    </p:tnLst>
+  </p:timing>
+</p:sld>
+</file>
+
+<file path=ppt/slides/slide17.xml><?xml version="1.0" encoding="utf-8"?>
+<p:sld xmlns:a="http://schemas.openxmlformats.org/drawingml/2006/main" xmlns:r="http://schemas.openxmlformats.org/officeDocument/2006/relationships" xmlns:p="http://schemas.openxmlformats.org/presentationml/2006/main">
+  <p:cSld>
+    <p:spTree>
+      <p:nvGrpSpPr>
+        <p:cNvPr id="1" name=""/>
+        <p:cNvGrpSpPr/>
+        <p:nvPr/>
+      </p:nvGrpSpPr>
+      <p:grpSpPr>
+        <a:xfrm>
+          <a:off x="0" y="0"/>
+          <a:ext cx="0" cy="0"/>
+          <a:chOff x="0" y="0"/>
+          <a:chExt cx="0" cy="0"/>
+        </a:xfrm>
+      </p:grpSpPr>
+      <p:sp>
+        <p:nvSpPr>
+          <p:cNvPr id="2" name="Titel 1"/>
+          <p:cNvSpPr>
+            <a:spLocks noGrp="1"/>
+          </p:cNvSpPr>
+          <p:nvPr>
+            <p:ph type="title"/>
+          </p:nvPr>
+        </p:nvSpPr>
+        <p:spPr/>
+        <p:txBody>
+          <a:bodyPr/>
+          <a:lstStyle/>
+          <a:p>
+            <a:r>
               <a:rPr lang="nl-NL" dirty="0" smtClean="0"/>
               <a:t>Topics</a:t>
             </a:r>
@@ -11491,7 +12057,7 @@
 </p:sld>
 </file>
 
-<file path=ppt/slides/slide17.xml><?xml version="1.0" encoding="utf-8"?>
+<file path=ppt/slides/slide18.xml><?xml version="1.0" encoding="utf-8"?>
 <p:sld xmlns:a="http://schemas.openxmlformats.org/drawingml/2006/main" xmlns:r="http://schemas.openxmlformats.org/officeDocument/2006/relationships" xmlns:p="http://schemas.openxmlformats.org/presentationml/2006/main">
   <p:cSld>
     <p:spTree>
@@ -11577,7 +12143,7 @@
 </p:sld>
 </file>
 
-<file path=ppt/slides/slide18.xml><?xml version="1.0" encoding="utf-8"?>
+<file path=ppt/slides/slide19.xml><?xml version="1.0" encoding="utf-8"?>
 <p:sld xmlns:a="http://schemas.openxmlformats.org/drawingml/2006/main" xmlns:r="http://schemas.openxmlformats.org/officeDocument/2006/relationships" xmlns:p="http://schemas.openxmlformats.org/presentationml/2006/main">
   <p:cSld>
     <p:spTree>
@@ -14508,302 +15074,6 @@
 </p:sld>
 </file>
 
-<file path=ppt/slides/slide19.xml><?xml version="1.0" encoding="utf-8"?>
-<p:sld xmlns:a="http://schemas.openxmlformats.org/drawingml/2006/main" xmlns:r="http://schemas.openxmlformats.org/officeDocument/2006/relationships" xmlns:p="http://schemas.openxmlformats.org/presentationml/2006/main">
-  <p:cSld>
-    <p:spTree>
-      <p:nvGrpSpPr>
-        <p:cNvPr id="1" name=""/>
-        <p:cNvGrpSpPr/>
-        <p:nvPr/>
-      </p:nvGrpSpPr>
-      <p:grpSpPr>
-        <a:xfrm>
-          <a:off x="0" y="0"/>
-          <a:ext cx="0" cy="0"/>
-          <a:chOff x="0" y="0"/>
-          <a:chExt cx="0" cy="0"/>
-        </a:xfrm>
-      </p:grpSpPr>
-      <p:sp>
-        <p:nvSpPr>
-          <p:cNvPr id="2" name="Titel 1"/>
-          <p:cNvSpPr>
-            <a:spLocks noGrp="1"/>
-          </p:cNvSpPr>
-          <p:nvPr>
-            <p:ph type="title"/>
-          </p:nvPr>
-        </p:nvSpPr>
-        <p:spPr/>
-        <p:txBody>
-          <a:bodyPr/>
-          <a:lstStyle/>
-          <a:p>
-            <a:r>
-              <a:rPr lang="nl-NL" dirty="0" smtClean="0"/>
-              <a:t>Mean, </a:t>
-            </a:r>
-            <a:r>
-              <a:rPr lang="nl-NL" dirty="0" err="1" smtClean="0"/>
-              <a:t>median</a:t>
-            </a:r>
-            <a:r>
-              <a:rPr lang="nl-NL" dirty="0" smtClean="0"/>
-              <a:t> </a:t>
-            </a:r>
-            <a:r>
-              <a:rPr lang="nl-NL" dirty="0" err="1" smtClean="0"/>
-              <a:t>and</a:t>
-            </a:r>
-            <a:r>
-              <a:rPr lang="nl-NL" dirty="0" smtClean="0"/>
-              <a:t> mode</a:t>
-            </a:r>
-            <a:endParaRPr lang="nl-NL" dirty="0"/>
-          </a:p>
-        </p:txBody>
-      </p:sp>
-      <p:sp>
-        <p:nvSpPr>
-          <p:cNvPr id="3" name="Tijdelijke aanduiding voor inhoud 2"/>
-          <p:cNvSpPr>
-            <a:spLocks noGrp="1"/>
-          </p:cNvSpPr>
-          <p:nvPr>
-            <p:ph idx="1"/>
-          </p:nvPr>
-        </p:nvSpPr>
-        <p:spPr>
-          <a:xfrm>
-            <a:off x="762000" y="1762125"/>
-            <a:ext cx="7881938" cy="4992136"/>
-          </a:xfrm>
-        </p:spPr>
-        <p:txBody>
-          <a:bodyPr/>
-          <a:lstStyle/>
-          <a:p>
-            <a:r>
-              <a:rPr lang="nl-NL" dirty="0" smtClean="0"/>
-              <a:t>Mean: well, </a:t>
-            </a:r>
-            <a:r>
-              <a:rPr lang="nl-NL" dirty="0" err="1" smtClean="0"/>
-              <a:t>it’s</a:t>
-            </a:r>
-            <a:r>
-              <a:rPr lang="nl-NL" dirty="0" smtClean="0"/>
-              <a:t> the mean</a:t>
-            </a:r>
-          </a:p>
-          <a:p>
-            <a:pPr lvl="1"/>
-            <a:r>
-              <a:rPr lang="nl-NL" dirty="0" err="1" smtClean="0"/>
-              <a:t>Influenced</a:t>
-            </a:r>
-            <a:r>
-              <a:rPr lang="nl-NL" dirty="0" smtClean="0"/>
-              <a:t> </a:t>
-            </a:r>
-            <a:r>
-              <a:rPr lang="nl-NL" dirty="0" err="1" smtClean="0"/>
-              <a:t>by</a:t>
-            </a:r>
-            <a:r>
-              <a:rPr lang="nl-NL" dirty="0" smtClean="0"/>
-              <a:t> extreme </a:t>
-            </a:r>
-            <a:r>
-              <a:rPr lang="nl-NL" dirty="0" err="1" smtClean="0"/>
-              <a:t>values</a:t>
-            </a:r>
-            <a:endParaRPr lang="nl-NL" dirty="0" smtClean="0"/>
-          </a:p>
-          <a:p>
-            <a:endParaRPr lang="nl-NL" dirty="0"/>
-          </a:p>
-          <a:p>
-            <a:r>
-              <a:rPr lang="nl-NL" dirty="0" err="1" smtClean="0"/>
-              <a:t>Median</a:t>
-            </a:r>
-            <a:r>
-              <a:rPr lang="nl-NL" dirty="0" smtClean="0"/>
-              <a:t>: </a:t>
-            </a:r>
-            <a:r>
-              <a:rPr lang="nl-NL" dirty="0" err="1" smtClean="0"/>
-              <a:t>middle</a:t>
-            </a:r>
-            <a:r>
-              <a:rPr lang="nl-NL" dirty="0" smtClean="0"/>
-              <a:t> </a:t>
-            </a:r>
-            <a:r>
-              <a:rPr lang="nl-NL" dirty="0" err="1" smtClean="0"/>
-              <a:t>value</a:t>
-            </a:r>
-            <a:endParaRPr lang="nl-NL" dirty="0" smtClean="0"/>
-          </a:p>
-          <a:p>
-            <a:pPr lvl="1"/>
-            <a:r>
-              <a:rPr lang="nl-NL" dirty="0" err="1" smtClean="0"/>
-              <a:t>Less</a:t>
-            </a:r>
-            <a:r>
-              <a:rPr lang="nl-NL" dirty="0" smtClean="0"/>
-              <a:t> </a:t>
-            </a:r>
-            <a:r>
-              <a:rPr lang="nl-NL" dirty="0" err="1" smtClean="0"/>
-              <a:t>influenced</a:t>
-            </a:r>
-            <a:r>
-              <a:rPr lang="nl-NL" dirty="0" smtClean="0"/>
-              <a:t> </a:t>
-            </a:r>
-            <a:r>
-              <a:rPr lang="nl-NL" dirty="0" err="1" smtClean="0"/>
-              <a:t>by</a:t>
-            </a:r>
-            <a:r>
-              <a:rPr lang="nl-NL" dirty="0" smtClean="0"/>
-              <a:t> extreme </a:t>
-            </a:r>
-            <a:r>
-              <a:rPr lang="nl-NL" dirty="0" err="1" smtClean="0"/>
-              <a:t>values</a:t>
-            </a:r>
-            <a:endParaRPr lang="nl-NL" dirty="0" smtClean="0"/>
-          </a:p>
-          <a:p>
-            <a:pPr lvl="1"/>
-            <a:r>
-              <a:rPr lang="nl-NL" dirty="0" err="1" smtClean="0"/>
-              <a:t>Two</a:t>
-            </a:r>
-            <a:r>
-              <a:rPr lang="nl-NL" dirty="0" smtClean="0"/>
-              <a:t> </a:t>
-            </a:r>
-            <a:r>
-              <a:rPr lang="nl-NL" dirty="0" err="1" smtClean="0"/>
-              <a:t>middle</a:t>
-            </a:r>
-            <a:r>
-              <a:rPr lang="nl-NL" dirty="0" smtClean="0"/>
-              <a:t> </a:t>
-            </a:r>
-            <a:r>
-              <a:rPr lang="nl-NL" dirty="0" err="1" smtClean="0"/>
-              <a:t>values</a:t>
-            </a:r>
-            <a:r>
-              <a:rPr lang="nl-NL" dirty="0" smtClean="0"/>
-              <a:t>: mean of </a:t>
-            </a:r>
-            <a:r>
-              <a:rPr lang="nl-NL" dirty="0" err="1" smtClean="0"/>
-              <a:t>those</a:t>
-            </a:r>
-            <a:r>
-              <a:rPr lang="nl-NL" dirty="0" smtClean="0"/>
-              <a:t> </a:t>
-            </a:r>
-            <a:r>
-              <a:rPr lang="nl-NL" dirty="0" err="1" smtClean="0"/>
-              <a:t>two</a:t>
-            </a:r>
-            <a:endParaRPr lang="nl-NL" dirty="0" smtClean="0"/>
-          </a:p>
-          <a:p>
-            <a:pPr lvl="1"/>
-            <a:endParaRPr lang="nl-NL" dirty="0"/>
-          </a:p>
-          <a:p>
-            <a:r>
-              <a:rPr lang="nl-NL" dirty="0" smtClean="0"/>
-              <a:t>Mode: most frequent </a:t>
-            </a:r>
-            <a:r>
-              <a:rPr lang="nl-NL" dirty="0" err="1" smtClean="0"/>
-              <a:t>value</a:t>
-            </a:r>
-            <a:endParaRPr lang="nl-NL" dirty="0" smtClean="0"/>
-          </a:p>
-          <a:p>
-            <a:pPr lvl="1"/>
-            <a:r>
-              <a:rPr lang="nl-NL" dirty="0" smtClean="0"/>
-              <a:t>Multiple modes </a:t>
-            </a:r>
-            <a:r>
-              <a:rPr lang="nl-NL" dirty="0" err="1" smtClean="0"/>
-              <a:t>possible</a:t>
-            </a:r>
-            <a:endParaRPr lang="nl-NL" dirty="0" smtClean="0"/>
-          </a:p>
-          <a:p>
-            <a:pPr lvl="1"/>
-            <a:r>
-              <a:rPr lang="nl-NL" dirty="0" err="1" smtClean="0"/>
-              <a:t>Not</a:t>
-            </a:r>
-            <a:r>
-              <a:rPr lang="nl-NL" dirty="0" smtClean="0"/>
-              <a:t> </a:t>
-            </a:r>
-            <a:r>
-              <a:rPr lang="nl-NL" dirty="0" err="1" smtClean="0"/>
-              <a:t>always</a:t>
-            </a:r>
-            <a:r>
-              <a:rPr lang="nl-NL" dirty="0" smtClean="0"/>
-              <a:t> </a:t>
-            </a:r>
-            <a:r>
-              <a:rPr lang="nl-NL" dirty="0" err="1" smtClean="0"/>
-              <a:t>useful</a:t>
-            </a:r>
-            <a:r>
-              <a:rPr lang="nl-NL" dirty="0" smtClean="0"/>
-              <a:t> / </a:t>
-            </a:r>
-            <a:r>
-              <a:rPr lang="nl-NL" dirty="0" err="1" smtClean="0"/>
-              <a:t>defined</a:t>
-            </a:r>
-            <a:r>
-              <a:rPr lang="nl-NL" dirty="0" smtClean="0"/>
-              <a:t> </a:t>
-            </a:r>
-            <a:endParaRPr lang="nl-NL" dirty="0"/>
-          </a:p>
-        </p:txBody>
-      </p:sp>
-    </p:spTree>
-    <p:extLst>
-      <p:ext uri="{BB962C8B-B14F-4D97-AF65-F5344CB8AC3E}">
-        <p14:creationId xmlns:p14="http://schemas.microsoft.com/office/powerpoint/2010/main" val="702328837"/>
-      </p:ext>
-    </p:extLst>
-  </p:cSld>
-  <p:clrMapOvr>
-    <a:masterClrMapping/>
-  </p:clrMapOvr>
-  <p:timing>
-    <p:tnLst>
-      <p:par>
-        <p:cTn id="1" dur="indefinite" restart="never" nodeType="tmRoot"/>
-      </p:par>
-    </p:tnLst>
-  </p:timing>
-</p:sld>
-</file>
-
 <file path=ppt/slides/slide2.xml><?xml version="1.0" encoding="utf-8"?>
 <p:sld xmlns:a="http://schemas.openxmlformats.org/drawingml/2006/main" xmlns:r="http://schemas.openxmlformats.org/officeDocument/2006/relationships" xmlns:p="http://schemas.openxmlformats.org/presentationml/2006/main">
   <p:cSld>
@@ -14836,99 +15106,63 @@
           <a:bodyPr/>
           <a:lstStyle/>
           <a:p>
-            <a:r>
-              <a:rPr lang="nl-NL" dirty="0" smtClean="0"/>
-              <a:t>Check-in</a:t>
-            </a:r>
-            <a:endParaRPr lang="nl-NL" dirty="0"/>
-          </a:p>
-        </p:txBody>
-      </p:sp>
-      <p:sp>
-        <p:nvSpPr>
-          <p:cNvPr id="9" name="Tijdelijke aanduiding voor inhoud 8"/>
-          <p:cNvSpPr>
-            <a:spLocks noGrp="1"/>
-          </p:cNvSpPr>
-          <p:nvPr>
-            <p:ph idx="1"/>
-          </p:nvPr>
-        </p:nvSpPr>
-        <p:spPr/>
-        <p:txBody>
-          <a:bodyPr/>
-          <a:lstStyle/>
-          <a:p>
             <a:endParaRPr lang="nl-NL"/>
           </a:p>
         </p:txBody>
       </p:sp>
       <p:pic>
         <p:nvPicPr>
-          <p:cNvPr id="12" name="Afbeelding 11"/>
+          <p:cNvPr id="4" name="Tijdelijke aanduiding voor inhoud 3"/>
+          <p:cNvPicPr>
+            <a:picLocks noGrp="1" noChangeAspect="1"/>
+          </p:cNvPicPr>
+          <p:nvPr>
+            <p:ph idx="1"/>
+          </p:nvPr>
+        </p:nvPicPr>
+        <p:blipFill>
+          <a:blip r:embed="rId2">
+            <a:extLst>
+              <a:ext uri="{28A0092B-C50C-407E-A947-70E740481C1C}">
+                <a14:useLocalDpi xmlns:a14="http://schemas.microsoft.com/office/drawing/2010/main" val="0"/>
+              </a:ext>
+            </a:extLst>
+          </a:blip>
+          <a:stretch>
+            <a:fillRect/>
+          </a:stretch>
+        </p:blipFill>
+        <p:spPr>
+          <a:xfrm>
+            <a:off x="2159503" y="3789040"/>
+            <a:ext cx="4657078" cy="2627313"/>
+          </a:xfrm>
+        </p:spPr>
+      </p:pic>
+      <p:pic>
+        <p:nvPicPr>
+          <p:cNvPr id="5" name="Afbeelding 4"/>
           <p:cNvPicPr>
             <a:picLocks noChangeAspect="1"/>
           </p:cNvPicPr>
           <p:nvPr/>
         </p:nvPicPr>
         <p:blipFill>
-          <a:blip r:embed="rId2"/>
+          <a:blip r:embed="rId3">
+            <a:extLst>
+              <a:ext uri="{28A0092B-C50C-407E-A947-70E740481C1C}">
+                <a14:useLocalDpi xmlns:a14="http://schemas.microsoft.com/office/drawing/2010/main" val="0"/>
+              </a:ext>
+            </a:extLst>
+          </a:blip>
           <a:stretch>
             <a:fillRect/>
           </a:stretch>
         </p:blipFill>
         <p:spPr>
           <a:xfrm>
-            <a:off x="6156176" y="2492896"/>
-            <a:ext cx="2253070" cy="2016224"/>
-          </a:xfrm>
-          <a:prstGeom prst="rect">
-            <a:avLst/>
-          </a:prstGeom>
-        </p:spPr>
-      </p:pic>
-      <p:pic>
-        <p:nvPicPr>
-          <p:cNvPr id="13" name="Afbeelding 12"/>
-          <p:cNvPicPr>
-            <a:picLocks noChangeAspect="1"/>
-          </p:cNvPicPr>
-          <p:nvPr/>
-        </p:nvPicPr>
-        <p:blipFill>
-          <a:blip r:embed="rId3"/>
-          <a:stretch>
-            <a:fillRect/>
-          </a:stretch>
-        </p:blipFill>
-        <p:spPr>
-          <a:xfrm>
-            <a:off x="3491880" y="2616786"/>
-            <a:ext cx="2129219" cy="1988089"/>
-          </a:xfrm>
-          <a:prstGeom prst="rect">
-            <a:avLst/>
-          </a:prstGeom>
-        </p:spPr>
-      </p:pic>
-      <p:pic>
-        <p:nvPicPr>
-          <p:cNvPr id="14" name="Afbeelding 13"/>
-          <p:cNvPicPr>
-            <a:picLocks noChangeAspect="1"/>
-          </p:cNvPicPr>
-          <p:nvPr/>
-        </p:nvPicPr>
-        <p:blipFill>
-          <a:blip r:embed="rId4"/>
-          <a:stretch>
-            <a:fillRect/>
-          </a:stretch>
-        </p:blipFill>
-        <p:spPr>
-          <a:xfrm>
-            <a:off x="869217" y="2712543"/>
-            <a:ext cx="1873659" cy="1796577"/>
+            <a:off x="2267744" y="1052736"/>
+            <a:ext cx="4577443" cy="2356037"/>
           </a:xfrm>
           <a:prstGeom prst="rect">
             <a:avLst/>
@@ -14938,7 +15172,416 @@
     </p:spTree>
     <p:extLst>
       <p:ext uri="{BB962C8B-B14F-4D97-AF65-F5344CB8AC3E}">
-        <p14:creationId xmlns:p14="http://schemas.microsoft.com/office/powerpoint/2010/main" val="3898658124"/>
+        <p14:creationId xmlns:p14="http://schemas.microsoft.com/office/powerpoint/2010/main" val="3651140958"/>
+      </p:ext>
+    </p:extLst>
+  </p:cSld>
+  <p:clrMapOvr>
+    <a:masterClrMapping/>
+  </p:clrMapOvr>
+  <p:timing>
+    <p:tnLst>
+      <p:par>
+        <p:cTn id="1" dur="indefinite" restart="never" nodeType="tmRoot">
+          <p:childTnLst>
+            <p:seq concurrent="1" nextAc="seek">
+              <p:cTn id="2" dur="indefinite" nodeType="mainSeq">
+                <p:childTnLst>
+                  <p:par>
+                    <p:cTn id="3" fill="hold">
+                      <p:stCondLst>
+                        <p:cond delay="indefinite"/>
+                      </p:stCondLst>
+                      <p:childTnLst>
+                        <p:par>
+                          <p:cTn id="4" fill="hold">
+                            <p:stCondLst>
+                              <p:cond delay="0"/>
+                            </p:stCondLst>
+                            <p:childTnLst>
+                              <p:par>
+                                <p:cTn id="5" presetID="1" presetClass="entr" presetSubtype="0" fill="hold" nodeType="clickEffect">
+                                  <p:stCondLst>
+                                    <p:cond delay="0"/>
+                                  </p:stCondLst>
+                                  <p:childTnLst>
+                                    <p:set>
+                                      <p:cBhvr>
+                                        <p:cTn id="6" dur="1" fill="hold">
+                                          <p:stCondLst>
+                                            <p:cond delay="0"/>
+                                          </p:stCondLst>
+                                        </p:cTn>
+                                        <p:tgtEl>
+                                          <p:spTgt spid="5"/>
+                                        </p:tgtEl>
+                                        <p:attrNameLst>
+                                          <p:attrName>style.visibility</p:attrName>
+                                        </p:attrNameLst>
+                                      </p:cBhvr>
+                                      <p:to>
+                                        <p:strVal val="visible"/>
+                                      </p:to>
+                                    </p:set>
+                                  </p:childTnLst>
+                                </p:cTn>
+                              </p:par>
+                            </p:childTnLst>
+                          </p:cTn>
+                        </p:par>
+                      </p:childTnLst>
+                    </p:cTn>
+                  </p:par>
+                  <p:par>
+                    <p:cTn id="7" fill="hold">
+                      <p:stCondLst>
+                        <p:cond delay="indefinite"/>
+                      </p:stCondLst>
+                      <p:childTnLst>
+                        <p:par>
+                          <p:cTn id="8" fill="hold">
+                            <p:stCondLst>
+                              <p:cond delay="0"/>
+                            </p:stCondLst>
+                            <p:childTnLst>
+                              <p:par>
+                                <p:cTn id="9" presetID="1" presetClass="entr" presetSubtype="0" fill="hold" nodeType="clickEffect">
+                                  <p:stCondLst>
+                                    <p:cond delay="0"/>
+                                  </p:stCondLst>
+                                  <p:childTnLst>
+                                    <p:set>
+                                      <p:cBhvr>
+                                        <p:cTn id="10" dur="1" fill="hold">
+                                          <p:stCondLst>
+                                            <p:cond delay="0"/>
+                                          </p:stCondLst>
+                                        </p:cTn>
+                                        <p:tgtEl>
+                                          <p:spTgt spid="4"/>
+                                        </p:tgtEl>
+                                        <p:attrNameLst>
+                                          <p:attrName>style.visibility</p:attrName>
+                                        </p:attrNameLst>
+                                      </p:cBhvr>
+                                      <p:to>
+                                        <p:strVal val="visible"/>
+                                      </p:to>
+                                    </p:set>
+                                  </p:childTnLst>
+                                </p:cTn>
+                              </p:par>
+                            </p:childTnLst>
+                          </p:cTn>
+                        </p:par>
+                      </p:childTnLst>
+                    </p:cTn>
+                  </p:par>
+                </p:childTnLst>
+              </p:cTn>
+              <p:prevCondLst>
+                <p:cond evt="onPrev" delay="0">
+                  <p:tgtEl>
+                    <p:sldTgt/>
+                  </p:tgtEl>
+                </p:cond>
+              </p:prevCondLst>
+              <p:nextCondLst>
+                <p:cond evt="onNext" delay="0">
+                  <p:tgtEl>
+                    <p:sldTgt/>
+                  </p:tgtEl>
+                </p:cond>
+              </p:nextCondLst>
+            </p:seq>
+          </p:childTnLst>
+        </p:cTn>
+      </p:par>
+    </p:tnLst>
+  </p:timing>
+</p:sld>
+</file>
+
+<file path=ppt/slides/slide20.xml><?xml version="1.0" encoding="utf-8"?>
+<p:sld xmlns:a="http://schemas.openxmlformats.org/drawingml/2006/main" xmlns:r="http://schemas.openxmlformats.org/officeDocument/2006/relationships" xmlns:p="http://schemas.openxmlformats.org/presentationml/2006/main">
+  <p:cSld>
+    <p:spTree>
+      <p:nvGrpSpPr>
+        <p:cNvPr id="1" name=""/>
+        <p:cNvGrpSpPr/>
+        <p:nvPr/>
+      </p:nvGrpSpPr>
+      <p:grpSpPr>
+        <a:xfrm>
+          <a:off x="0" y="0"/>
+          <a:ext cx="0" cy="0"/>
+          <a:chOff x="0" y="0"/>
+          <a:chExt cx="0" cy="0"/>
+        </a:xfrm>
+      </p:grpSpPr>
+      <p:sp>
+        <p:nvSpPr>
+          <p:cNvPr id="2" name="Titel 1"/>
+          <p:cNvSpPr>
+            <a:spLocks noGrp="1"/>
+          </p:cNvSpPr>
+          <p:nvPr>
+            <p:ph type="title"/>
+          </p:nvPr>
+        </p:nvSpPr>
+        <p:spPr/>
+        <p:txBody>
+          <a:bodyPr/>
+          <a:lstStyle/>
+          <a:p>
+            <a:r>
+              <a:rPr lang="nl-NL" dirty="0" smtClean="0"/>
+              <a:t>Mean, </a:t>
+            </a:r>
+            <a:r>
+              <a:rPr lang="nl-NL" dirty="0" err="1" smtClean="0"/>
+              <a:t>median</a:t>
+            </a:r>
+            <a:r>
+              <a:rPr lang="nl-NL" dirty="0" smtClean="0"/>
+              <a:t> </a:t>
+            </a:r>
+            <a:r>
+              <a:rPr lang="nl-NL" dirty="0" err="1" smtClean="0"/>
+              <a:t>and</a:t>
+            </a:r>
+            <a:r>
+              <a:rPr lang="nl-NL" dirty="0" smtClean="0"/>
+              <a:t> mode</a:t>
+            </a:r>
+            <a:endParaRPr lang="nl-NL" dirty="0"/>
+          </a:p>
+        </p:txBody>
+      </p:sp>
+      <p:sp>
+        <p:nvSpPr>
+          <p:cNvPr id="3" name="Tijdelijke aanduiding voor inhoud 2"/>
+          <p:cNvSpPr>
+            <a:spLocks noGrp="1"/>
+          </p:cNvSpPr>
+          <p:nvPr>
+            <p:ph idx="1"/>
+          </p:nvPr>
+        </p:nvSpPr>
+        <p:spPr>
+          <a:xfrm>
+            <a:off x="762000" y="1762125"/>
+            <a:ext cx="7881938" cy="4992136"/>
+          </a:xfrm>
+        </p:spPr>
+        <p:txBody>
+          <a:bodyPr/>
+          <a:lstStyle/>
+          <a:p>
+            <a:r>
+              <a:rPr lang="nl-NL" dirty="0" smtClean="0"/>
+              <a:t>Mean: well, </a:t>
+            </a:r>
+            <a:r>
+              <a:rPr lang="nl-NL" dirty="0" err="1" smtClean="0"/>
+              <a:t>it’s</a:t>
+            </a:r>
+            <a:r>
+              <a:rPr lang="nl-NL" dirty="0" smtClean="0"/>
+              <a:t> the mean</a:t>
+            </a:r>
+          </a:p>
+          <a:p>
+            <a:pPr lvl="1"/>
+            <a:r>
+              <a:rPr lang="nl-NL" dirty="0" err="1" smtClean="0"/>
+              <a:t>Influenced</a:t>
+            </a:r>
+            <a:r>
+              <a:rPr lang="nl-NL" dirty="0" smtClean="0"/>
+              <a:t> </a:t>
+            </a:r>
+            <a:r>
+              <a:rPr lang="nl-NL" dirty="0" err="1" smtClean="0"/>
+              <a:t>by</a:t>
+            </a:r>
+            <a:r>
+              <a:rPr lang="nl-NL" dirty="0" smtClean="0"/>
+              <a:t> extreme </a:t>
+            </a:r>
+            <a:r>
+              <a:rPr lang="nl-NL" dirty="0" err="1" smtClean="0"/>
+              <a:t>values</a:t>
+            </a:r>
+            <a:endParaRPr lang="nl-NL" dirty="0" smtClean="0"/>
+          </a:p>
+          <a:p>
+            <a:endParaRPr lang="nl-NL" dirty="0"/>
+          </a:p>
+          <a:p>
+            <a:r>
+              <a:rPr lang="nl-NL" dirty="0" err="1" smtClean="0"/>
+              <a:t>Median</a:t>
+            </a:r>
+            <a:r>
+              <a:rPr lang="nl-NL" dirty="0" smtClean="0"/>
+              <a:t>: </a:t>
+            </a:r>
+            <a:r>
+              <a:rPr lang="nl-NL" dirty="0" err="1" smtClean="0"/>
+              <a:t>middle</a:t>
+            </a:r>
+            <a:r>
+              <a:rPr lang="nl-NL" dirty="0" smtClean="0"/>
+              <a:t> </a:t>
+            </a:r>
+            <a:r>
+              <a:rPr lang="nl-NL" dirty="0" err="1" smtClean="0"/>
+              <a:t>value</a:t>
+            </a:r>
+            <a:endParaRPr lang="nl-NL" dirty="0" smtClean="0"/>
+          </a:p>
+          <a:p>
+            <a:pPr lvl="1"/>
+            <a:r>
+              <a:rPr lang="nl-NL" dirty="0" err="1" smtClean="0"/>
+              <a:t>Less</a:t>
+            </a:r>
+            <a:r>
+              <a:rPr lang="nl-NL" dirty="0" smtClean="0"/>
+              <a:t> </a:t>
+            </a:r>
+            <a:r>
+              <a:rPr lang="nl-NL" dirty="0" err="1" smtClean="0"/>
+              <a:t>influenced</a:t>
+            </a:r>
+            <a:r>
+              <a:rPr lang="nl-NL" dirty="0" smtClean="0"/>
+              <a:t> </a:t>
+            </a:r>
+            <a:r>
+              <a:rPr lang="nl-NL" dirty="0" err="1" smtClean="0"/>
+              <a:t>by</a:t>
+            </a:r>
+            <a:r>
+              <a:rPr lang="nl-NL" dirty="0" smtClean="0"/>
+              <a:t> extreme </a:t>
+            </a:r>
+            <a:r>
+              <a:rPr lang="nl-NL" dirty="0" err="1" smtClean="0"/>
+              <a:t>values</a:t>
+            </a:r>
+            <a:endParaRPr lang="nl-NL" dirty="0" smtClean="0"/>
+          </a:p>
+          <a:p>
+            <a:pPr lvl="1"/>
+            <a:r>
+              <a:rPr lang="nl-NL" dirty="0" err="1" smtClean="0"/>
+              <a:t>Two</a:t>
+            </a:r>
+            <a:r>
+              <a:rPr lang="nl-NL" dirty="0" smtClean="0"/>
+              <a:t> </a:t>
+            </a:r>
+            <a:r>
+              <a:rPr lang="nl-NL" dirty="0" err="1" smtClean="0"/>
+              <a:t>middle</a:t>
+            </a:r>
+            <a:r>
+              <a:rPr lang="nl-NL" dirty="0" smtClean="0"/>
+              <a:t> </a:t>
+            </a:r>
+            <a:r>
+              <a:rPr lang="nl-NL" dirty="0" err="1" smtClean="0"/>
+              <a:t>values</a:t>
+            </a:r>
+            <a:r>
+              <a:rPr lang="nl-NL" dirty="0" smtClean="0"/>
+              <a:t>: mean of </a:t>
+            </a:r>
+            <a:r>
+              <a:rPr lang="nl-NL" dirty="0" err="1" smtClean="0"/>
+              <a:t>those</a:t>
+            </a:r>
+            <a:r>
+              <a:rPr lang="nl-NL" dirty="0" smtClean="0"/>
+              <a:t> </a:t>
+            </a:r>
+            <a:r>
+              <a:rPr lang="nl-NL" dirty="0" err="1" smtClean="0"/>
+              <a:t>two</a:t>
+            </a:r>
+            <a:endParaRPr lang="nl-NL" dirty="0" smtClean="0"/>
+          </a:p>
+          <a:p>
+            <a:pPr lvl="1"/>
+            <a:endParaRPr lang="nl-NL" dirty="0"/>
+          </a:p>
+          <a:p>
+            <a:r>
+              <a:rPr lang="nl-NL" dirty="0" smtClean="0"/>
+              <a:t>Mode: most frequent </a:t>
+            </a:r>
+            <a:r>
+              <a:rPr lang="nl-NL" dirty="0" err="1" smtClean="0"/>
+              <a:t>value</a:t>
+            </a:r>
+            <a:endParaRPr lang="nl-NL" dirty="0" smtClean="0"/>
+          </a:p>
+          <a:p>
+            <a:pPr lvl="1"/>
+            <a:r>
+              <a:rPr lang="nl-NL" dirty="0" smtClean="0"/>
+              <a:t>Multiple modes </a:t>
+            </a:r>
+            <a:r>
+              <a:rPr lang="nl-NL" dirty="0" err="1" smtClean="0"/>
+              <a:t>possible</a:t>
+            </a:r>
+            <a:endParaRPr lang="nl-NL" dirty="0" smtClean="0"/>
+          </a:p>
+          <a:p>
+            <a:pPr lvl="1"/>
+            <a:r>
+              <a:rPr lang="nl-NL" dirty="0" err="1" smtClean="0"/>
+              <a:t>Not</a:t>
+            </a:r>
+            <a:r>
+              <a:rPr lang="nl-NL" dirty="0" smtClean="0"/>
+              <a:t> </a:t>
+            </a:r>
+            <a:r>
+              <a:rPr lang="nl-NL" dirty="0" err="1" smtClean="0"/>
+              <a:t>always</a:t>
+            </a:r>
+            <a:r>
+              <a:rPr lang="nl-NL" dirty="0" smtClean="0"/>
+              <a:t> </a:t>
+            </a:r>
+            <a:r>
+              <a:rPr lang="nl-NL" dirty="0" err="1" smtClean="0"/>
+              <a:t>useful</a:t>
+            </a:r>
+            <a:r>
+              <a:rPr lang="nl-NL" dirty="0" smtClean="0"/>
+              <a:t> / </a:t>
+            </a:r>
+            <a:r>
+              <a:rPr lang="nl-NL" dirty="0" err="1" smtClean="0"/>
+              <a:t>defined</a:t>
+            </a:r>
+            <a:r>
+              <a:rPr lang="nl-NL" dirty="0" smtClean="0"/>
+              <a:t> </a:t>
+            </a:r>
+            <a:endParaRPr lang="nl-NL" dirty="0"/>
+          </a:p>
+        </p:txBody>
+      </p:sp>
+    </p:spTree>
+    <p:extLst>
+      <p:ext uri="{BB962C8B-B14F-4D97-AF65-F5344CB8AC3E}">
+        <p14:creationId xmlns:p14="http://schemas.microsoft.com/office/powerpoint/2010/main" val="702328837"/>
       </p:ext>
     </p:extLst>
   </p:cSld>
@@ -14955,7 +15598,7 @@
 </p:sld>
 </file>
 
-<file path=ppt/slides/slide20.xml><?xml version="1.0" encoding="utf-8"?>
+<file path=ppt/slides/slide21.xml><?xml version="1.0" encoding="utf-8"?>
 <p:sld xmlns:a="http://schemas.openxmlformats.org/drawingml/2006/main" xmlns:r="http://schemas.openxmlformats.org/officeDocument/2006/relationships" xmlns:p="http://schemas.openxmlformats.org/presentationml/2006/main">
   <p:cSld>
     <p:spTree>
@@ -15042,7 +15685,7 @@
           <a:graphicData uri="http://schemas.openxmlformats.org/presentationml/2006/ole">
             <mc:AlternateContent xmlns:mc="http://schemas.openxmlformats.org/markup-compatibility/2006">
               <mc:Choice xmlns:v="urn:schemas-microsoft-com:vml" Requires="v">
-                <p:oleObj spid="_x0000_s1092" name="Vergelijking" r:id="rId3" imgW="3454200" imgH="1193760" progId="Equation.3">
+                <p:oleObj spid="_x0000_s1094" name="Vergelijking" r:id="rId3" imgW="3454200" imgH="1193760" progId="Equation.3">
                   <p:embed/>
                 </p:oleObj>
               </mc:Choice>
@@ -15348,7 +15991,7 @@
           <a:graphicData uri="http://schemas.openxmlformats.org/presentationml/2006/ole">
             <mc:AlternateContent xmlns:mc="http://schemas.openxmlformats.org/markup-compatibility/2006">
               <mc:Choice xmlns:v="urn:schemas-microsoft-com:vml" Requires="v">
-                <p:oleObj spid="_x0000_s1093" name="Vergelijking" r:id="rId5" imgW="672840" imgH="317160" progId="Equation.3">
+                <p:oleObj spid="_x0000_s1095" name="Vergelijking" r:id="rId5" imgW="672840" imgH="317160" progId="Equation.3">
                   <p:embed/>
                 </p:oleObj>
               </mc:Choice>
@@ -15442,7 +16085,7 @@
 </p:sld>
 </file>
 
-<file path=ppt/slides/slide21.xml><?xml version="1.0" encoding="utf-8"?>
+<file path=ppt/slides/slide22.xml><?xml version="1.0" encoding="utf-8"?>
 <p:sld xmlns:a="http://schemas.openxmlformats.org/drawingml/2006/main" xmlns:r="http://schemas.openxmlformats.org/officeDocument/2006/relationships" xmlns:p="http://schemas.openxmlformats.org/presentationml/2006/main">
   <p:cSld>
     <p:spTree>
@@ -16064,7 +16707,7 @@
 </p:sld>
 </file>
 
-<file path=ppt/slides/slide22.xml><?xml version="1.0" encoding="utf-8"?>
+<file path=ppt/slides/slide23.xml><?xml version="1.0" encoding="utf-8"?>
 <p:sld xmlns:a="http://schemas.openxmlformats.org/drawingml/2006/main" xmlns:r="http://schemas.openxmlformats.org/officeDocument/2006/relationships" xmlns:p="http://schemas.openxmlformats.org/presentationml/2006/main">
   <p:cSld>
     <p:spTree>
@@ -17862,7 +18505,7 @@
 </p:sld>
 </file>
 
-<file path=ppt/slides/slide23.xml><?xml version="1.0" encoding="utf-8"?>
+<file path=ppt/slides/slide24.xml><?xml version="1.0" encoding="utf-8"?>
 <p:sld xmlns:a="http://schemas.openxmlformats.org/drawingml/2006/main" xmlns:r="http://schemas.openxmlformats.org/officeDocument/2006/relationships" xmlns:p="http://schemas.openxmlformats.org/presentationml/2006/main">
   <p:cSld>
     <p:spTree>
@@ -18193,1032 +18836,6 @@
 </p:sld>
 </file>
 
-<file path=ppt/slides/slide24.xml><?xml version="1.0" encoding="utf-8"?>
-<p:sld xmlns:a="http://schemas.openxmlformats.org/drawingml/2006/main" xmlns:r="http://schemas.openxmlformats.org/officeDocument/2006/relationships" xmlns:p="http://schemas.openxmlformats.org/presentationml/2006/main">
-  <p:cSld>
-    <p:spTree>
-      <p:nvGrpSpPr>
-        <p:cNvPr id="1" name=""/>
-        <p:cNvGrpSpPr/>
-        <p:nvPr/>
-      </p:nvGrpSpPr>
-      <p:grpSpPr>
-        <a:xfrm>
-          <a:off x="0" y="0"/>
-          <a:ext cx="0" cy="0"/>
-          <a:chOff x="0" y="0"/>
-          <a:chExt cx="0" cy="0"/>
-        </a:xfrm>
-      </p:grpSpPr>
-      <p:sp>
-        <p:nvSpPr>
-          <p:cNvPr id="2" name="Titel 1"/>
-          <p:cNvSpPr>
-            <a:spLocks noGrp="1"/>
-          </p:cNvSpPr>
-          <p:nvPr>
-            <p:ph type="title"/>
-          </p:nvPr>
-        </p:nvSpPr>
-        <p:spPr/>
-        <p:txBody>
-          <a:bodyPr/>
-          <a:lstStyle/>
-          <a:p>
-            <a:r>
-              <a:rPr lang="nl-NL" dirty="0" err="1" smtClean="0"/>
-              <a:t>Exercise</a:t>
-            </a:r>
-            <a:r>
-              <a:rPr lang="nl-NL" dirty="0" smtClean="0"/>
-              <a:t> 2: </a:t>
-            </a:r>
-            <a:r>
-              <a:rPr lang="nl-NL" dirty="0" err="1" smtClean="0"/>
-              <a:t>distributions</a:t>
-            </a:r>
-            <a:r>
-              <a:rPr lang="nl-NL" dirty="0" smtClean="0"/>
-              <a:t> </a:t>
-            </a:r>
-            <a:endParaRPr lang="nl-NL" dirty="0"/>
-          </a:p>
-        </p:txBody>
-      </p:sp>
-      <p:sp>
-        <p:nvSpPr>
-          <p:cNvPr id="3" name="Tijdelijke aanduiding voor inhoud 2"/>
-          <p:cNvSpPr>
-            <a:spLocks noGrp="1"/>
-          </p:cNvSpPr>
-          <p:nvPr>
-            <p:ph idx="1"/>
-          </p:nvPr>
-        </p:nvSpPr>
-        <p:spPr>
-          <a:xfrm>
-            <a:off x="816464" y="1484784"/>
-            <a:ext cx="7881938" cy="5977021"/>
-          </a:xfrm>
-        </p:spPr>
-        <p:txBody>
-          <a:bodyPr/>
-          <a:lstStyle/>
-          <a:p>
-            <a:pPr marL="0" indent="0">
-              <a:buNone/>
-            </a:pPr>
-            <a:r>
-              <a:rPr lang="nl-NL" sz="1400" dirty="0" smtClean="0">
-                <a:latin typeface="Courier New" panose="02070309020205020404" pitchFamily="49" charset="0"/>
-                <a:cs typeface="Courier New" panose="02070309020205020404" pitchFamily="49" charset="0"/>
-              </a:rPr>
-              <a:t>See </a:t>
-            </a:r>
-            <a:r>
-              <a:rPr lang="nl-NL" sz="1400" dirty="0" err="1" smtClean="0">
-                <a:latin typeface="Courier New" panose="02070309020205020404" pitchFamily="49" charset="0"/>
-                <a:cs typeface="Courier New" panose="02070309020205020404" pitchFamily="49" charset="0"/>
-              </a:rPr>
-              <a:t>example</a:t>
-            </a:r>
-            <a:r>
-              <a:rPr lang="nl-NL" sz="1400" dirty="0" smtClean="0">
-                <a:latin typeface="Courier New" panose="02070309020205020404" pitchFamily="49" charset="0"/>
-                <a:cs typeface="Courier New" panose="02070309020205020404" pitchFamily="49" charset="0"/>
-              </a:rPr>
-              <a:t> Notebook: </a:t>
-            </a:r>
-            <a:r>
-              <a:rPr lang="nl-NL" sz="1400" dirty="0" err="1" smtClean="0">
-                <a:latin typeface="Courier New" panose="02070309020205020404" pitchFamily="49" charset="0"/>
-                <a:cs typeface="Courier New" panose="02070309020205020404" pitchFamily="49" charset="0"/>
-              </a:rPr>
-              <a:t>distributions</a:t>
-            </a:r>
-            <a:endParaRPr lang="nl-NL" sz="1400" dirty="0" smtClean="0">
-              <a:latin typeface="Courier New" panose="02070309020205020404" pitchFamily="49" charset="0"/>
-              <a:cs typeface="Courier New" panose="02070309020205020404" pitchFamily="49" charset="0"/>
-            </a:endParaRPr>
-          </a:p>
-          <a:p>
-            <a:pPr>
-              <a:buAutoNum type="arabicPeriod"/>
-            </a:pPr>
-            <a:endParaRPr lang="nl-NL" sz="1400" dirty="0">
-              <a:latin typeface="Courier New" panose="02070309020205020404" pitchFamily="49" charset="0"/>
-              <a:cs typeface="Courier New" panose="02070309020205020404" pitchFamily="49" charset="0"/>
-            </a:endParaRPr>
-          </a:p>
-          <a:p>
-            <a:pPr>
-              <a:buAutoNum type="arabicPeriod"/>
-            </a:pPr>
-            <a:r>
-              <a:rPr lang="nl-NL" sz="1400" dirty="0" err="1" smtClean="0">
-                <a:latin typeface="Courier New" panose="02070309020205020404" pitchFamily="49" charset="0"/>
-                <a:cs typeface="Courier New" panose="02070309020205020404" pitchFamily="49" charset="0"/>
-              </a:rPr>
-              <a:t>Fill</a:t>
-            </a:r>
-            <a:r>
-              <a:rPr lang="nl-NL" sz="1400" dirty="0" smtClean="0">
-                <a:latin typeface="Courier New" panose="02070309020205020404" pitchFamily="49" charset="0"/>
-                <a:cs typeface="Courier New" panose="02070309020205020404" pitchFamily="49" charset="0"/>
-              </a:rPr>
-              <a:t> in </a:t>
-            </a:r>
-            <a:r>
-              <a:rPr lang="nl-NL" sz="1400" dirty="0" smtClean="0">
-                <a:solidFill>
-                  <a:schemeClr val="tx1"/>
-                </a:solidFill>
-                <a:latin typeface="Courier New" panose="02070309020205020404" pitchFamily="49" charset="0"/>
-                <a:cs typeface="Courier New" panose="02070309020205020404" pitchFamily="49" charset="0"/>
-              </a:rPr>
-              <a:t>the Google Sheets </a:t>
-            </a:r>
-            <a:r>
-              <a:rPr lang="nl-NL" sz="1400" dirty="0" err="1" smtClean="0">
-                <a:solidFill>
-                  <a:schemeClr val="tx1"/>
-                </a:solidFill>
-                <a:latin typeface="Courier New" panose="02070309020205020404" pitchFamily="49" charset="0"/>
-                <a:cs typeface="Courier New" panose="02070309020205020404" pitchFamily="49" charset="0"/>
-              </a:rPr>
-              <a:t>table</a:t>
-            </a:r>
-            <a:r>
-              <a:rPr lang="nl-NL" sz="1400" dirty="0" smtClean="0">
-                <a:solidFill>
-                  <a:schemeClr val="tx1"/>
-                </a:solidFill>
-                <a:latin typeface="Courier New" panose="02070309020205020404" pitchFamily="49" charset="0"/>
-                <a:cs typeface="Courier New" panose="02070309020205020404" pitchFamily="49" charset="0"/>
-              </a:rPr>
-              <a:t> </a:t>
-            </a:r>
-            <a:r>
-              <a:rPr lang="nl-NL" sz="1400" dirty="0" smtClean="0">
-                <a:solidFill>
-                  <a:schemeClr val="tx1"/>
-                </a:solidFill>
-                <a:latin typeface="Courier New" panose="02070309020205020404" pitchFamily="49" charset="0"/>
-                <a:cs typeface="Courier New" panose="02070309020205020404" pitchFamily="49" charset="0"/>
-              </a:rPr>
-              <a:t>() </a:t>
-            </a:r>
-            <a:r>
-              <a:rPr lang="nl-NL" sz="1400" dirty="0" err="1" smtClean="0">
-                <a:latin typeface="Courier New" panose="02070309020205020404" pitchFamily="49" charset="0"/>
-                <a:cs typeface="Courier New" panose="02070309020205020404" pitchFamily="49" charset="0"/>
-              </a:rPr>
-              <a:t>with</a:t>
-            </a:r>
-            <a:r>
-              <a:rPr lang="nl-NL" sz="1400" dirty="0" smtClean="0">
-                <a:latin typeface="Courier New" panose="02070309020205020404" pitchFamily="49" charset="0"/>
-                <a:cs typeface="Courier New" panose="02070309020205020404" pitchFamily="49" charset="0"/>
-              </a:rPr>
-              <a:t> </a:t>
-            </a:r>
-            <a:r>
-              <a:rPr lang="nl-NL" sz="1400" dirty="0" err="1" smtClean="0">
-                <a:latin typeface="Courier New" panose="02070309020205020404" pitchFamily="49" charset="0"/>
-                <a:cs typeface="Courier New" panose="02070309020205020404" pitchFamily="49" charset="0"/>
-              </a:rPr>
-              <a:t>your</a:t>
-            </a:r>
-            <a:r>
-              <a:rPr lang="nl-NL" sz="1400" dirty="0" smtClean="0">
-                <a:latin typeface="Courier New" panose="02070309020205020404" pitchFamily="49" charset="0"/>
-                <a:cs typeface="Courier New" panose="02070309020205020404" pitchFamily="49" charset="0"/>
-              </a:rPr>
-              <a:t> data. </a:t>
-            </a:r>
-            <a:r>
-              <a:rPr lang="nl-NL" sz="1400" dirty="0" err="1" smtClean="0">
-                <a:latin typeface="Courier New" panose="02070309020205020404" pitchFamily="49" charset="0"/>
-                <a:cs typeface="Courier New" panose="02070309020205020404" pitchFamily="49" charset="0"/>
-              </a:rPr>
-              <a:t>Please</a:t>
-            </a:r>
-            <a:r>
-              <a:rPr lang="nl-NL" sz="1400" dirty="0" smtClean="0">
-                <a:latin typeface="Courier New" panose="02070309020205020404" pitchFamily="49" charset="0"/>
-                <a:cs typeface="Courier New" panose="02070309020205020404" pitchFamily="49" charset="0"/>
-              </a:rPr>
-              <a:t> </a:t>
-            </a:r>
-            <a:r>
-              <a:rPr lang="nl-NL" sz="1400" dirty="0" err="1" smtClean="0">
-                <a:latin typeface="Courier New" panose="02070309020205020404" pitchFamily="49" charset="0"/>
-                <a:cs typeface="Courier New" panose="02070309020205020404" pitchFamily="49" charset="0"/>
-              </a:rPr>
-              <a:t>leave</a:t>
-            </a:r>
-            <a:r>
-              <a:rPr lang="nl-NL" sz="1400" dirty="0" smtClean="0">
-                <a:latin typeface="Courier New" panose="02070309020205020404" pitchFamily="49" charset="0"/>
-                <a:cs typeface="Courier New" panose="02070309020205020404" pitchFamily="49" charset="0"/>
-              </a:rPr>
-              <a:t> blank </a:t>
-            </a:r>
-            <a:r>
-              <a:rPr lang="nl-NL" sz="1400" dirty="0" err="1" smtClean="0">
-                <a:latin typeface="Courier New" panose="02070309020205020404" pitchFamily="49" charset="0"/>
-                <a:cs typeface="Courier New" panose="02070309020205020404" pitchFamily="49" charset="0"/>
-              </a:rPr>
-              <a:t>any</a:t>
-            </a:r>
-            <a:r>
-              <a:rPr lang="nl-NL" sz="1400" dirty="0">
-                <a:latin typeface="Courier New" panose="02070309020205020404" pitchFamily="49" charset="0"/>
-                <a:cs typeface="Courier New" panose="02070309020205020404" pitchFamily="49" charset="0"/>
-              </a:rPr>
-              <a:t> </a:t>
-            </a:r>
-            <a:r>
-              <a:rPr lang="nl-NL" sz="1400" dirty="0" smtClean="0">
-                <a:latin typeface="Courier New" panose="02070309020205020404" pitchFamily="49" charset="0"/>
-                <a:cs typeface="Courier New" panose="02070309020205020404" pitchFamily="49" charset="0"/>
-              </a:rPr>
-              <a:t>columns </a:t>
-            </a:r>
-            <a:r>
-              <a:rPr lang="nl-NL" sz="1400" dirty="0" err="1" smtClean="0">
-                <a:latin typeface="Courier New" panose="02070309020205020404" pitchFamily="49" charset="0"/>
-                <a:cs typeface="Courier New" panose="02070309020205020404" pitchFamily="49" charset="0"/>
-              </a:rPr>
-              <a:t>that</a:t>
-            </a:r>
-            <a:r>
-              <a:rPr lang="nl-NL" sz="1400" dirty="0" smtClean="0">
-                <a:latin typeface="Courier New" panose="02070309020205020404" pitchFamily="49" charset="0"/>
-                <a:cs typeface="Courier New" panose="02070309020205020404" pitchFamily="49" charset="0"/>
-              </a:rPr>
-              <a:t> </a:t>
-            </a:r>
-            <a:r>
-              <a:rPr lang="nl-NL" sz="1400" dirty="0" err="1" smtClean="0">
-                <a:latin typeface="Courier New" panose="02070309020205020404" pitchFamily="49" charset="0"/>
-                <a:cs typeface="Courier New" panose="02070309020205020404" pitchFamily="49" charset="0"/>
-              </a:rPr>
-              <a:t>you</a:t>
-            </a:r>
-            <a:r>
-              <a:rPr lang="nl-NL" sz="1400" dirty="0" smtClean="0">
-                <a:latin typeface="Courier New" panose="02070309020205020404" pitchFamily="49" charset="0"/>
-                <a:cs typeface="Courier New" panose="02070309020205020404" pitchFamily="49" charset="0"/>
-              </a:rPr>
-              <a:t> feel </a:t>
-            </a:r>
-            <a:r>
-              <a:rPr lang="nl-NL" sz="1400" dirty="0" err="1" smtClean="0">
-                <a:latin typeface="Courier New" panose="02070309020205020404" pitchFamily="49" charset="0"/>
-                <a:cs typeface="Courier New" panose="02070309020205020404" pitchFamily="49" charset="0"/>
-              </a:rPr>
-              <a:t>uncomfortable</a:t>
-            </a:r>
-            <a:r>
-              <a:rPr lang="nl-NL" sz="1400" dirty="0" smtClean="0">
-                <a:latin typeface="Courier New" panose="02070309020205020404" pitchFamily="49" charset="0"/>
-                <a:cs typeface="Courier New" panose="02070309020205020404" pitchFamily="49" charset="0"/>
-              </a:rPr>
-              <a:t> </a:t>
-            </a:r>
-            <a:r>
-              <a:rPr lang="nl-NL" sz="1400" dirty="0" err="1" smtClean="0">
-                <a:latin typeface="Courier New" panose="02070309020205020404" pitchFamily="49" charset="0"/>
-                <a:cs typeface="Courier New" panose="02070309020205020404" pitchFamily="49" charset="0"/>
-              </a:rPr>
-              <a:t>answering</a:t>
-            </a:r>
-            <a:r>
-              <a:rPr lang="nl-NL" sz="1400" dirty="0" smtClean="0">
-                <a:latin typeface="Courier New" panose="02070309020205020404" pitchFamily="49" charset="0"/>
-                <a:cs typeface="Courier New" panose="02070309020205020404" pitchFamily="49" charset="0"/>
-              </a:rPr>
-              <a:t>.</a:t>
-            </a:r>
-          </a:p>
-          <a:p>
-            <a:pPr>
-              <a:buAutoNum type="arabicPeriod"/>
-            </a:pPr>
-            <a:r>
-              <a:rPr lang="nl-NL" sz="1400" dirty="0" err="1" smtClean="0">
-                <a:latin typeface="Courier New" panose="02070309020205020404" pitchFamily="49" charset="0"/>
-                <a:cs typeface="Courier New" panose="02070309020205020404" pitchFamily="49" charset="0"/>
-              </a:rPr>
-              <a:t>Create</a:t>
-            </a:r>
-            <a:r>
-              <a:rPr lang="nl-NL" sz="1400" dirty="0" smtClean="0">
-                <a:latin typeface="Courier New" panose="02070309020205020404" pitchFamily="49" charset="0"/>
-                <a:cs typeface="Courier New" panose="02070309020205020404" pitchFamily="49" charset="0"/>
-              </a:rPr>
-              <a:t> </a:t>
-            </a:r>
-            <a:r>
-              <a:rPr lang="nl-NL" sz="1400" dirty="0">
-                <a:latin typeface="Courier New" panose="02070309020205020404" pitchFamily="49" charset="0"/>
-                <a:cs typeface="Courier New" panose="02070309020205020404" pitchFamily="49" charset="0"/>
-              </a:rPr>
-              <a:t>a </a:t>
-            </a:r>
-            <a:r>
-              <a:rPr lang="nl-NL" sz="1400" dirty="0" err="1">
-                <a:latin typeface="Courier New" panose="02070309020205020404" pitchFamily="49" charset="0"/>
-                <a:cs typeface="Courier New" panose="02070309020205020404" pitchFamily="49" charset="0"/>
-              </a:rPr>
-              <a:t>csv</a:t>
-            </a:r>
-            <a:r>
-              <a:rPr lang="nl-NL" sz="1400" dirty="0">
-                <a:latin typeface="Courier New" panose="02070309020205020404" pitchFamily="49" charset="0"/>
-                <a:cs typeface="Courier New" panose="02070309020205020404" pitchFamily="49" charset="0"/>
-              </a:rPr>
-              <a:t> file from </a:t>
-            </a:r>
-            <a:r>
-              <a:rPr lang="nl-NL" sz="1400" dirty="0" smtClean="0">
-                <a:latin typeface="Courier New" panose="02070309020205020404" pitchFamily="49" charset="0"/>
-                <a:cs typeface="Courier New" panose="02070309020205020404" pitchFamily="49" charset="0"/>
-              </a:rPr>
-              <a:t>the data</a:t>
-            </a:r>
-          </a:p>
-          <a:p>
-            <a:pPr>
-              <a:buAutoNum type="arabicPeriod"/>
-            </a:pPr>
-            <a:r>
-              <a:rPr lang="nl-NL" sz="1400" dirty="0" err="1" smtClean="0">
-                <a:latin typeface="Courier New" panose="02070309020205020404" pitchFamily="49" charset="0"/>
-                <a:cs typeface="Courier New" panose="02070309020205020404" pitchFamily="49" charset="0"/>
-              </a:rPr>
-              <a:t>Choose</a:t>
-            </a:r>
-            <a:r>
-              <a:rPr lang="nl-NL" sz="1400" dirty="0" smtClean="0">
-                <a:latin typeface="Courier New" panose="02070309020205020404" pitchFamily="49" charset="0"/>
-                <a:cs typeface="Courier New" panose="02070309020205020404" pitchFamily="49" charset="0"/>
-              </a:rPr>
-              <a:t> a different </a:t>
-            </a:r>
-            <a:r>
-              <a:rPr lang="nl-NL" sz="1400" dirty="0" err="1" smtClean="0">
-                <a:latin typeface="Courier New" panose="02070309020205020404" pitchFamily="49" charset="0"/>
-                <a:cs typeface="Courier New" panose="02070309020205020404" pitchFamily="49" charset="0"/>
-              </a:rPr>
-              <a:t>variable</a:t>
-            </a:r>
-            <a:r>
-              <a:rPr lang="nl-NL" sz="1400" dirty="0" smtClean="0">
-                <a:latin typeface="Courier New" panose="02070309020205020404" pitchFamily="49" charset="0"/>
-                <a:cs typeface="Courier New" panose="02070309020205020404" pitchFamily="49" charset="0"/>
-              </a:rPr>
-              <a:t> </a:t>
-            </a:r>
-            <a:r>
-              <a:rPr lang="nl-NL" sz="1400" dirty="0" err="1" smtClean="0">
-                <a:latin typeface="Courier New" panose="02070309020205020404" pitchFamily="49" charset="0"/>
-                <a:cs typeface="Courier New" panose="02070309020205020404" pitchFamily="49" charset="0"/>
-              </a:rPr>
-              <a:t>for</a:t>
-            </a:r>
-            <a:r>
-              <a:rPr lang="nl-NL" sz="1400" dirty="0" smtClean="0">
-                <a:latin typeface="Courier New" panose="02070309020205020404" pitchFamily="49" charset="0"/>
-                <a:cs typeface="Courier New" panose="02070309020205020404" pitchFamily="49" charset="0"/>
-              </a:rPr>
-              <a:t> </a:t>
-            </a:r>
-            <a:r>
-              <a:rPr lang="nl-NL" sz="1400" dirty="0" err="1" smtClean="0">
-                <a:latin typeface="Courier New" panose="02070309020205020404" pitchFamily="49" charset="0"/>
-                <a:cs typeface="Courier New" panose="02070309020205020404" pitchFamily="49" charset="0"/>
-              </a:rPr>
-              <a:t>each</a:t>
-            </a:r>
-            <a:r>
-              <a:rPr lang="nl-NL" sz="1400" dirty="0" smtClean="0">
-                <a:latin typeface="Courier New" panose="02070309020205020404" pitchFamily="49" charset="0"/>
-                <a:cs typeface="Courier New" panose="02070309020205020404" pitchFamily="49" charset="0"/>
-              </a:rPr>
-              <a:t> of the </a:t>
-            </a:r>
-            <a:r>
-              <a:rPr lang="nl-NL" sz="1400" dirty="0" err="1" smtClean="0">
-                <a:latin typeface="Courier New" panose="02070309020205020404" pitchFamily="49" charset="0"/>
-                <a:cs typeface="Courier New" panose="02070309020205020404" pitchFamily="49" charset="0"/>
-              </a:rPr>
-              <a:t>reports</a:t>
-            </a:r>
-            <a:r>
-              <a:rPr lang="nl-NL" sz="1400" dirty="0" smtClean="0">
-                <a:latin typeface="Courier New" panose="02070309020205020404" pitchFamily="49" charset="0"/>
-                <a:cs typeface="Courier New" panose="02070309020205020404" pitchFamily="49" charset="0"/>
-              </a:rPr>
-              <a:t> below:</a:t>
-            </a:r>
-          </a:p>
-          <a:p>
-            <a:pPr marL="876300" lvl="1" indent="-342900">
-              <a:buFont typeface="+mj-lt"/>
-              <a:buAutoNum type="arabicPeriod"/>
-            </a:pPr>
-            <a:r>
-              <a:rPr lang="nl-NL" sz="1200" dirty="0" err="1" smtClean="0">
-                <a:latin typeface="Courier New" panose="02070309020205020404" pitchFamily="49" charset="0"/>
-                <a:cs typeface="Courier New" panose="02070309020205020404" pitchFamily="49" charset="0"/>
-              </a:rPr>
-              <a:t>Measures</a:t>
-            </a:r>
-            <a:r>
-              <a:rPr lang="nl-NL" sz="1200" dirty="0" smtClean="0">
-                <a:latin typeface="Courier New" panose="02070309020205020404" pitchFamily="49" charset="0"/>
-                <a:cs typeface="Courier New" panose="02070309020205020404" pitchFamily="49" charset="0"/>
-              </a:rPr>
-              <a:t> of </a:t>
-            </a:r>
-            <a:r>
-              <a:rPr lang="nl-NL" sz="1200" dirty="0" err="1" smtClean="0">
-                <a:latin typeface="Courier New" panose="02070309020205020404" pitchFamily="49" charset="0"/>
-                <a:cs typeface="Courier New" panose="02070309020205020404" pitchFamily="49" charset="0"/>
-              </a:rPr>
-              <a:t>variation</a:t>
-            </a:r>
-            <a:r>
-              <a:rPr lang="nl-NL" sz="1200" dirty="0" smtClean="0">
-                <a:latin typeface="Courier New" panose="02070309020205020404" pitchFamily="49" charset="0"/>
-                <a:cs typeface="Courier New" panose="02070309020205020404" pitchFamily="49" charset="0"/>
-              </a:rPr>
-              <a:t> </a:t>
-            </a:r>
-            <a:r>
-              <a:rPr lang="nl-NL" sz="1200" dirty="0" err="1" smtClean="0">
-                <a:latin typeface="Courier New" panose="02070309020205020404" pitchFamily="49" charset="0"/>
-                <a:cs typeface="Courier New" panose="02070309020205020404" pitchFamily="49" charset="0"/>
-              </a:rPr>
-              <a:t>and</a:t>
-            </a:r>
-            <a:r>
-              <a:rPr lang="nl-NL" sz="1200" dirty="0" smtClean="0">
-                <a:latin typeface="Courier New" panose="02070309020205020404" pitchFamily="49" charset="0"/>
-                <a:cs typeface="Courier New" panose="02070309020205020404" pitchFamily="49" charset="0"/>
-              </a:rPr>
-              <a:t> </a:t>
-            </a:r>
-            <a:r>
-              <a:rPr lang="nl-NL" sz="1200" dirty="0" err="1" smtClean="0">
-                <a:latin typeface="Courier New" panose="02070309020205020404" pitchFamily="49" charset="0"/>
-                <a:cs typeface="Courier New" panose="02070309020205020404" pitchFamily="49" charset="0"/>
-              </a:rPr>
-              <a:t>central</a:t>
-            </a:r>
-            <a:r>
-              <a:rPr lang="nl-NL" sz="1200" dirty="0" smtClean="0">
-                <a:latin typeface="Courier New" panose="02070309020205020404" pitchFamily="49" charset="0"/>
-                <a:cs typeface="Courier New" panose="02070309020205020404" pitchFamily="49" charset="0"/>
-              </a:rPr>
-              <a:t> </a:t>
-            </a:r>
-            <a:r>
-              <a:rPr lang="nl-NL" sz="1200" dirty="0" err="1" smtClean="0">
-                <a:latin typeface="Courier New" panose="02070309020205020404" pitchFamily="49" charset="0"/>
-                <a:cs typeface="Courier New" panose="02070309020205020404" pitchFamily="49" charset="0"/>
-              </a:rPr>
-              <a:t>tendency</a:t>
-            </a:r>
-            <a:endParaRPr lang="nl-NL" sz="1200" dirty="0" smtClean="0">
-              <a:latin typeface="Courier New" panose="02070309020205020404" pitchFamily="49" charset="0"/>
-              <a:cs typeface="Courier New" panose="02070309020205020404" pitchFamily="49" charset="0"/>
-            </a:endParaRPr>
-          </a:p>
-          <a:p>
-            <a:pPr marL="876300" lvl="1" indent="-342900">
-              <a:buFont typeface="+mj-lt"/>
-              <a:buAutoNum type="arabicPeriod"/>
-            </a:pPr>
-            <a:r>
-              <a:rPr lang="nl-NL" sz="1200" dirty="0" err="1">
-                <a:latin typeface="Courier New" panose="02070309020205020404" pitchFamily="49" charset="0"/>
-                <a:cs typeface="Courier New" panose="02070309020205020404" pitchFamily="49" charset="0"/>
-              </a:rPr>
-              <a:t>Boxplot</a:t>
-            </a:r>
-            <a:endParaRPr lang="nl-NL" sz="1200" dirty="0">
-              <a:latin typeface="Courier New" panose="02070309020205020404" pitchFamily="49" charset="0"/>
-              <a:cs typeface="Courier New" panose="02070309020205020404" pitchFamily="49" charset="0"/>
-            </a:endParaRPr>
-          </a:p>
-          <a:p>
-            <a:pPr marL="876300" lvl="1" indent="-342900">
-              <a:buFont typeface="+mj-lt"/>
-              <a:buAutoNum type="arabicPeriod"/>
-            </a:pPr>
-            <a:r>
-              <a:rPr lang="nl-NL" sz="1200" dirty="0" smtClean="0">
-                <a:latin typeface="Courier New" panose="02070309020205020404" pitchFamily="49" charset="0"/>
-                <a:cs typeface="Courier New" panose="02070309020205020404" pitchFamily="49" charset="0"/>
-              </a:rPr>
-              <a:t>Histogram</a:t>
-            </a:r>
-          </a:p>
-          <a:p>
-            <a:pPr marL="876300" lvl="1" indent="-342900">
-              <a:buFont typeface="+mj-lt"/>
-              <a:buAutoNum type="arabicPeriod"/>
-            </a:pPr>
-            <a:r>
-              <a:rPr lang="nl-NL" sz="1200" dirty="0" err="1" smtClean="0">
-                <a:latin typeface="Courier New" panose="02070309020205020404" pitchFamily="49" charset="0"/>
-                <a:cs typeface="Courier New" panose="02070309020205020404" pitchFamily="49" charset="0"/>
-              </a:rPr>
-              <a:t>Density</a:t>
-            </a:r>
-            <a:r>
-              <a:rPr lang="nl-NL" sz="1200" dirty="0" smtClean="0">
-                <a:latin typeface="Courier New" panose="02070309020205020404" pitchFamily="49" charset="0"/>
-                <a:cs typeface="Courier New" panose="02070309020205020404" pitchFamily="49" charset="0"/>
-              </a:rPr>
-              <a:t> plot</a:t>
-            </a:r>
-          </a:p>
-          <a:p>
-            <a:pPr marL="876300" lvl="1" indent="-342900">
-              <a:buFont typeface="+mj-lt"/>
-              <a:buAutoNum type="arabicPeriod"/>
-            </a:pPr>
-            <a:r>
-              <a:rPr lang="nl-NL" sz="1200" dirty="0" err="1" smtClean="0">
-                <a:latin typeface="Courier New" panose="02070309020205020404" pitchFamily="49" charset="0"/>
-                <a:cs typeface="Courier New" panose="02070309020205020404" pitchFamily="49" charset="0"/>
-              </a:rPr>
-              <a:t>Violin</a:t>
-            </a:r>
-            <a:r>
-              <a:rPr lang="nl-NL" sz="1200" dirty="0" smtClean="0">
-                <a:latin typeface="Courier New" panose="02070309020205020404" pitchFamily="49" charset="0"/>
-                <a:cs typeface="Courier New" panose="02070309020205020404" pitchFamily="49" charset="0"/>
-              </a:rPr>
-              <a:t> plot</a:t>
-            </a:r>
-          </a:p>
-          <a:p>
-            <a:pPr marL="400050">
-              <a:buFont typeface="+mj-lt"/>
-              <a:buAutoNum type="arabicPeriod"/>
-            </a:pPr>
-            <a:r>
-              <a:rPr lang="nl-NL" sz="1400" dirty="0" smtClean="0">
-                <a:latin typeface="Courier New" panose="02070309020205020404" pitchFamily="49" charset="0"/>
-                <a:cs typeface="Courier New" panose="02070309020205020404" pitchFamily="49" charset="0"/>
-              </a:rPr>
-              <a:t>For </a:t>
-            </a:r>
-            <a:r>
-              <a:rPr lang="nl-NL" sz="1400" dirty="0" err="1" smtClean="0">
-                <a:latin typeface="Courier New" panose="02070309020205020404" pitchFamily="49" charset="0"/>
-                <a:cs typeface="Courier New" panose="02070309020205020404" pitchFamily="49" charset="0"/>
-              </a:rPr>
-              <a:t>two</a:t>
-            </a:r>
-            <a:r>
-              <a:rPr lang="nl-NL" sz="1400" dirty="0" smtClean="0">
-                <a:latin typeface="Courier New" panose="02070309020205020404" pitchFamily="49" charset="0"/>
-                <a:cs typeface="Courier New" panose="02070309020205020404" pitchFamily="49" charset="0"/>
-              </a:rPr>
-              <a:t> of the variables, </a:t>
-            </a:r>
-            <a:r>
-              <a:rPr lang="nl-NL" sz="1400" dirty="0" err="1" smtClean="0">
-                <a:latin typeface="Courier New" panose="02070309020205020404" pitchFamily="49" charset="0"/>
-                <a:cs typeface="Courier New" panose="02070309020205020404" pitchFamily="49" charset="0"/>
-              </a:rPr>
-              <a:t>comment</a:t>
-            </a:r>
-            <a:r>
-              <a:rPr lang="nl-NL" sz="1400" dirty="0" smtClean="0">
-                <a:latin typeface="Courier New" panose="02070309020205020404" pitchFamily="49" charset="0"/>
-                <a:cs typeface="Courier New" panose="02070309020205020404" pitchFamily="49" charset="0"/>
-              </a:rPr>
-              <a:t> on </a:t>
-            </a:r>
-            <a:r>
-              <a:rPr lang="nl-NL" sz="1400" dirty="0" err="1" smtClean="0">
-                <a:latin typeface="Courier New" panose="02070309020205020404" pitchFamily="49" charset="0"/>
-                <a:cs typeface="Courier New" panose="02070309020205020404" pitchFamily="49" charset="0"/>
-              </a:rPr>
-              <a:t>modality</a:t>
-            </a:r>
-            <a:r>
-              <a:rPr lang="nl-NL" sz="1400" dirty="0">
-                <a:latin typeface="Courier New" panose="02070309020205020404" pitchFamily="49" charset="0"/>
-                <a:cs typeface="Courier New" panose="02070309020205020404" pitchFamily="49" charset="0"/>
-              </a:rPr>
-              <a:t> </a:t>
-            </a:r>
-            <a:r>
-              <a:rPr lang="nl-NL" sz="1400" dirty="0" err="1" smtClean="0">
-                <a:latin typeface="Courier New" panose="02070309020205020404" pitchFamily="49" charset="0"/>
-                <a:cs typeface="Courier New" panose="02070309020205020404" pitchFamily="49" charset="0"/>
-              </a:rPr>
-              <a:t>and</a:t>
-            </a:r>
-            <a:r>
-              <a:rPr lang="nl-NL" sz="1400" dirty="0" smtClean="0">
-                <a:latin typeface="Courier New" panose="02070309020205020404" pitchFamily="49" charset="0"/>
-                <a:cs typeface="Courier New" panose="02070309020205020404" pitchFamily="49" charset="0"/>
-              </a:rPr>
-              <a:t> </a:t>
-            </a:r>
-            <a:r>
-              <a:rPr lang="nl-NL" sz="1400" dirty="0" err="1" smtClean="0">
-                <a:latin typeface="Courier New" panose="02070309020205020404" pitchFamily="49" charset="0"/>
-                <a:cs typeface="Courier New" panose="02070309020205020404" pitchFamily="49" charset="0"/>
-              </a:rPr>
-              <a:t>skewness</a:t>
-            </a:r>
-            <a:r>
-              <a:rPr lang="nl-NL" sz="1400" dirty="0" smtClean="0">
-                <a:latin typeface="Courier New" panose="02070309020205020404" pitchFamily="49" charset="0"/>
-                <a:cs typeface="Courier New" panose="02070309020205020404" pitchFamily="49" charset="0"/>
-              </a:rPr>
-              <a:t>, </a:t>
-            </a:r>
-            <a:r>
-              <a:rPr lang="nl-NL" sz="1400" dirty="0" err="1" smtClean="0">
-                <a:latin typeface="Courier New" panose="02070309020205020404" pitchFamily="49" charset="0"/>
-                <a:cs typeface="Courier New" panose="02070309020205020404" pitchFamily="49" charset="0"/>
-              </a:rPr>
-              <a:t>outliers</a:t>
-            </a:r>
-            <a:endParaRPr lang="nl-NL" sz="1400" dirty="0" smtClean="0">
-              <a:latin typeface="Courier New" panose="02070309020205020404" pitchFamily="49" charset="0"/>
-              <a:cs typeface="Courier New" panose="02070309020205020404" pitchFamily="49" charset="0"/>
-            </a:endParaRPr>
-          </a:p>
-          <a:p>
-            <a:pPr lvl="1"/>
-            <a:endParaRPr lang="nl-NL" sz="1200" dirty="0">
-              <a:latin typeface="Courier New" panose="02070309020205020404" pitchFamily="49" charset="0"/>
-              <a:cs typeface="Courier New" panose="02070309020205020404" pitchFamily="49" charset="0"/>
-            </a:endParaRPr>
-          </a:p>
-          <a:p>
-            <a:pPr marL="0" indent="0">
-              <a:buNone/>
-            </a:pPr>
-            <a:r>
-              <a:rPr lang="nl-NL" sz="1400" dirty="0" err="1" smtClean="0">
-                <a:latin typeface="Courier New" panose="02070309020205020404" pitchFamily="49" charset="0"/>
-                <a:cs typeface="Courier New" panose="02070309020205020404" pitchFamily="49" charset="0"/>
-              </a:rPr>
-              <a:t>Notes</a:t>
-            </a:r>
-            <a:r>
-              <a:rPr lang="nl-NL" sz="1400" dirty="0" smtClean="0">
-                <a:latin typeface="Courier New" panose="02070309020205020404" pitchFamily="49" charset="0"/>
-                <a:cs typeface="Courier New" panose="02070309020205020404" pitchFamily="49" charset="0"/>
-              </a:rPr>
-              <a:t>:</a:t>
-            </a:r>
-          </a:p>
-          <a:p>
-            <a:r>
-              <a:rPr lang="nl-NL" sz="1400" dirty="0" err="1" smtClean="0">
-                <a:latin typeface="Courier New" panose="02070309020205020404" pitchFamily="49" charset="0"/>
-                <a:cs typeface="Courier New" panose="02070309020205020404" pitchFamily="49" charset="0"/>
-              </a:rPr>
-              <a:t>Use</a:t>
-            </a:r>
-            <a:r>
-              <a:rPr lang="nl-NL" sz="1400" dirty="0" smtClean="0">
-                <a:latin typeface="Courier New" panose="02070309020205020404" pitchFamily="49" charset="0"/>
-                <a:cs typeface="Courier New" panose="02070309020205020404" pitchFamily="49" charset="0"/>
-              </a:rPr>
-              <a:t> Seaborn </a:t>
-            </a:r>
-            <a:r>
-              <a:rPr lang="nl-NL" sz="1400" dirty="0" err="1" smtClean="0">
-                <a:latin typeface="Courier New" panose="02070309020205020404" pitchFamily="49" charset="0"/>
-                <a:cs typeface="Courier New" panose="02070309020205020404" pitchFamily="49" charset="0"/>
-              </a:rPr>
-              <a:t>for</a:t>
-            </a:r>
-            <a:r>
-              <a:rPr lang="nl-NL" sz="1400" dirty="0" smtClean="0">
-                <a:latin typeface="Courier New" panose="02070309020205020404" pitchFamily="49" charset="0"/>
-                <a:cs typeface="Courier New" panose="02070309020205020404" pitchFamily="49" charset="0"/>
-              </a:rPr>
-              <a:t> </a:t>
-            </a:r>
-            <a:r>
-              <a:rPr lang="nl-NL" sz="1400" dirty="0" err="1" smtClean="0">
-                <a:latin typeface="Courier New" panose="02070309020205020404" pitchFamily="49" charset="0"/>
-                <a:cs typeface="Courier New" panose="02070309020205020404" pitchFamily="49" charset="0"/>
-              </a:rPr>
-              <a:t>all</a:t>
-            </a:r>
-            <a:r>
-              <a:rPr lang="nl-NL" sz="1400" dirty="0" smtClean="0">
-                <a:latin typeface="Courier New" panose="02070309020205020404" pitchFamily="49" charset="0"/>
-                <a:cs typeface="Courier New" panose="02070309020205020404" pitchFamily="49" charset="0"/>
-              </a:rPr>
-              <a:t> </a:t>
-            </a:r>
-            <a:r>
-              <a:rPr lang="nl-NL" sz="1400" dirty="0" err="1" smtClean="0">
-                <a:latin typeface="Courier New" panose="02070309020205020404" pitchFamily="49" charset="0"/>
-                <a:cs typeface="Courier New" panose="02070309020205020404" pitchFamily="49" charset="0"/>
-              </a:rPr>
-              <a:t>visualizations</a:t>
-            </a:r>
-            <a:endParaRPr lang="nl-NL" sz="1400" dirty="0" smtClean="0">
-              <a:latin typeface="Courier New" panose="02070309020205020404" pitchFamily="49" charset="0"/>
-              <a:cs typeface="Courier New" panose="02070309020205020404" pitchFamily="49" charset="0"/>
-            </a:endParaRPr>
-          </a:p>
-          <a:p>
-            <a:r>
-              <a:rPr lang="nl-NL" sz="1400" dirty="0" smtClean="0">
-                <a:latin typeface="Courier New" panose="02070309020205020404" pitchFamily="49" charset="0"/>
-                <a:cs typeface="Courier New" panose="02070309020205020404" pitchFamily="49" charset="0"/>
-              </a:rPr>
-              <a:t>Label </a:t>
-            </a:r>
-            <a:r>
-              <a:rPr lang="nl-NL" sz="1400" dirty="0" err="1" smtClean="0">
-                <a:latin typeface="Courier New" panose="02070309020205020404" pitchFamily="49" charset="0"/>
-                <a:cs typeface="Courier New" panose="02070309020205020404" pitchFamily="49" charset="0"/>
-              </a:rPr>
-              <a:t>your</a:t>
-            </a:r>
-            <a:r>
-              <a:rPr lang="nl-NL" sz="1400" dirty="0" smtClean="0">
-                <a:latin typeface="Courier New" panose="02070309020205020404" pitchFamily="49" charset="0"/>
-                <a:cs typeface="Courier New" panose="02070309020205020404" pitchFamily="49" charset="0"/>
-              </a:rPr>
-              <a:t> </a:t>
-            </a:r>
-            <a:r>
-              <a:rPr lang="nl-NL" sz="1400" dirty="0" err="1" smtClean="0">
-                <a:latin typeface="Courier New" panose="02070309020205020404" pitchFamily="49" charset="0"/>
-                <a:cs typeface="Courier New" panose="02070309020205020404" pitchFamily="49" charset="0"/>
-              </a:rPr>
-              <a:t>axes</a:t>
-            </a:r>
-            <a:r>
-              <a:rPr lang="nl-NL" sz="1400" dirty="0" smtClean="0">
-                <a:latin typeface="Courier New" panose="02070309020205020404" pitchFamily="49" charset="0"/>
-                <a:cs typeface="Courier New" panose="02070309020205020404" pitchFamily="49" charset="0"/>
-              </a:rPr>
-              <a:t> </a:t>
-            </a:r>
-            <a:r>
-              <a:rPr lang="nl-NL" sz="1400" dirty="0" err="1" smtClean="0">
-                <a:latin typeface="Courier New" panose="02070309020205020404" pitchFamily="49" charset="0"/>
-                <a:cs typeface="Courier New" panose="02070309020205020404" pitchFamily="49" charset="0"/>
-              </a:rPr>
-              <a:t>and</a:t>
-            </a:r>
-            <a:r>
-              <a:rPr lang="nl-NL" sz="1400" dirty="0">
-                <a:latin typeface="Courier New" panose="02070309020205020404" pitchFamily="49" charset="0"/>
-                <a:cs typeface="Courier New" panose="02070309020205020404" pitchFamily="49" charset="0"/>
-              </a:rPr>
-              <a:t> </a:t>
-            </a:r>
-            <a:r>
-              <a:rPr lang="nl-NL" sz="1400" dirty="0" err="1" smtClean="0">
-                <a:latin typeface="Courier New" panose="02070309020205020404" pitchFamily="49" charset="0"/>
-                <a:cs typeface="Courier New" panose="02070309020205020404" pitchFamily="49" charset="0"/>
-              </a:rPr>
-              <a:t>give</a:t>
-            </a:r>
-            <a:r>
-              <a:rPr lang="nl-NL" sz="1400" dirty="0" smtClean="0">
-                <a:latin typeface="Courier New" panose="02070309020205020404" pitchFamily="49" charset="0"/>
-                <a:cs typeface="Courier New" panose="02070309020205020404" pitchFamily="49" charset="0"/>
-              </a:rPr>
-              <a:t> </a:t>
-            </a:r>
-            <a:r>
-              <a:rPr lang="nl-NL" sz="1400" dirty="0" err="1" smtClean="0">
-                <a:latin typeface="Courier New" panose="02070309020205020404" pitchFamily="49" charset="0"/>
-                <a:cs typeface="Courier New" panose="02070309020205020404" pitchFamily="49" charset="0"/>
-              </a:rPr>
-              <a:t>your</a:t>
-            </a:r>
-            <a:r>
-              <a:rPr lang="nl-NL" sz="1400" dirty="0" smtClean="0">
-                <a:latin typeface="Courier New" panose="02070309020205020404" pitchFamily="49" charset="0"/>
-                <a:cs typeface="Courier New" panose="02070309020205020404" pitchFamily="49" charset="0"/>
-              </a:rPr>
-              <a:t> </a:t>
-            </a:r>
-            <a:r>
-              <a:rPr lang="nl-NL" sz="1400" dirty="0" err="1" smtClean="0">
-                <a:latin typeface="Courier New" panose="02070309020205020404" pitchFamily="49" charset="0"/>
-                <a:cs typeface="Courier New" panose="02070309020205020404" pitchFamily="49" charset="0"/>
-              </a:rPr>
-              <a:t>figures</a:t>
-            </a:r>
-            <a:r>
-              <a:rPr lang="nl-NL" sz="1400" dirty="0" smtClean="0">
-                <a:latin typeface="Courier New" panose="02070309020205020404" pitchFamily="49" charset="0"/>
-                <a:cs typeface="Courier New" panose="02070309020205020404" pitchFamily="49" charset="0"/>
-              </a:rPr>
-              <a:t> a </a:t>
-            </a:r>
-            <a:r>
-              <a:rPr lang="nl-NL" sz="1400" dirty="0" err="1" smtClean="0">
-                <a:latin typeface="Courier New" panose="02070309020205020404" pitchFamily="49" charset="0"/>
-                <a:cs typeface="Courier New" panose="02070309020205020404" pitchFamily="49" charset="0"/>
-              </a:rPr>
-              <a:t>title</a:t>
-            </a:r>
-            <a:endParaRPr lang="nl-NL" sz="1400" dirty="0" smtClean="0">
-              <a:latin typeface="Courier New" panose="02070309020205020404" pitchFamily="49" charset="0"/>
-              <a:cs typeface="Courier New" panose="02070309020205020404" pitchFamily="49" charset="0"/>
-            </a:endParaRPr>
-          </a:p>
-          <a:p>
-            <a:r>
-              <a:rPr lang="nl-NL" sz="1400" dirty="0" smtClean="0">
-                <a:latin typeface="Courier New" panose="02070309020205020404" pitchFamily="49" charset="0"/>
-                <a:cs typeface="Courier New" panose="02070309020205020404" pitchFamily="49" charset="0"/>
-              </a:rPr>
-              <a:t>Plot the data points in </a:t>
-            </a:r>
-            <a:r>
-              <a:rPr lang="nl-NL" sz="1400" dirty="0" err="1" smtClean="0">
-                <a:latin typeface="Courier New" panose="02070309020205020404" pitchFamily="49" charset="0"/>
-                <a:cs typeface="Courier New" panose="02070309020205020404" pitchFamily="49" charset="0"/>
-              </a:rPr>
-              <a:t>some</a:t>
-            </a:r>
-            <a:r>
-              <a:rPr lang="nl-NL" sz="1400" dirty="0" smtClean="0">
-                <a:latin typeface="Courier New" panose="02070309020205020404" pitchFamily="49" charset="0"/>
-                <a:cs typeface="Courier New" panose="02070309020205020404" pitchFamily="49" charset="0"/>
-              </a:rPr>
-              <a:t> </a:t>
-            </a:r>
-            <a:r>
-              <a:rPr lang="nl-NL" sz="1400" dirty="0" err="1" smtClean="0">
-                <a:latin typeface="Courier New" panose="02070309020205020404" pitchFamily="49" charset="0"/>
-                <a:cs typeface="Courier New" panose="02070309020205020404" pitchFamily="49" charset="0"/>
-              </a:rPr>
-              <a:t>visualizations</a:t>
-            </a:r>
-            <a:r>
-              <a:rPr lang="nl-NL" sz="1400" dirty="0" smtClean="0">
-                <a:latin typeface="Courier New" panose="02070309020205020404" pitchFamily="49" charset="0"/>
-                <a:cs typeface="Courier New" panose="02070309020205020404" pitchFamily="49" charset="0"/>
-              </a:rPr>
-              <a:t>.</a:t>
-            </a:r>
-          </a:p>
-          <a:p>
-            <a:r>
-              <a:rPr lang="nl-NL" sz="1400" dirty="0" smtClean="0">
-                <a:latin typeface="Courier New" panose="02070309020205020404" pitchFamily="49" charset="0"/>
-                <a:cs typeface="Courier New" panose="02070309020205020404" pitchFamily="49" charset="0"/>
-              </a:rPr>
-              <a:t>Extra </a:t>
-            </a:r>
-            <a:r>
-              <a:rPr lang="nl-NL" sz="1400" dirty="0" err="1" smtClean="0">
-                <a:latin typeface="Courier New" panose="02070309020205020404" pitchFamily="49" charset="0"/>
-                <a:cs typeface="Courier New" panose="02070309020205020404" pitchFamily="49" charset="0"/>
-              </a:rPr>
-              <a:t>challenge</a:t>
-            </a:r>
-            <a:r>
-              <a:rPr lang="nl-NL" sz="1400" dirty="0" smtClean="0">
-                <a:latin typeface="Courier New" panose="02070309020205020404" pitchFamily="49" charset="0"/>
-                <a:cs typeface="Courier New" panose="02070309020205020404" pitchFamily="49" charset="0"/>
-              </a:rPr>
-              <a:t>: </a:t>
-            </a:r>
-            <a:r>
-              <a:rPr lang="nl-NL" sz="1400" dirty="0" err="1" smtClean="0">
-                <a:latin typeface="Courier New" panose="02070309020205020404" pitchFamily="49" charset="0"/>
-                <a:cs typeface="Courier New" panose="02070309020205020404" pitchFamily="49" charset="0"/>
-              </a:rPr>
-              <a:t>investigate</a:t>
-            </a:r>
-            <a:r>
-              <a:rPr lang="nl-NL" sz="1400" dirty="0" smtClean="0">
-                <a:latin typeface="Courier New" panose="02070309020205020404" pitchFamily="49" charset="0"/>
-                <a:cs typeface="Courier New" panose="02070309020205020404" pitchFamily="49" charset="0"/>
-              </a:rPr>
-              <a:t> relations </a:t>
-            </a:r>
-            <a:r>
-              <a:rPr lang="nl-NL" sz="1400" dirty="0" err="1" smtClean="0">
-                <a:latin typeface="Courier New" panose="02070309020205020404" pitchFamily="49" charset="0"/>
-                <a:cs typeface="Courier New" panose="02070309020205020404" pitchFamily="49" charset="0"/>
-              </a:rPr>
-              <a:t>between</a:t>
-            </a:r>
-            <a:r>
-              <a:rPr lang="nl-NL" sz="1400" dirty="0" smtClean="0">
-                <a:latin typeface="Courier New" panose="02070309020205020404" pitchFamily="49" charset="0"/>
-                <a:cs typeface="Courier New" panose="02070309020205020404" pitchFamily="49" charset="0"/>
-              </a:rPr>
-              <a:t> variables (we </a:t>
-            </a:r>
-            <a:r>
-              <a:rPr lang="nl-NL" sz="1400" dirty="0" err="1" smtClean="0">
-                <a:latin typeface="Courier New" panose="02070309020205020404" pitchFamily="49" charset="0"/>
-                <a:cs typeface="Courier New" panose="02070309020205020404" pitchFamily="49" charset="0"/>
-              </a:rPr>
-              <a:t>will</a:t>
-            </a:r>
-            <a:r>
-              <a:rPr lang="nl-NL" sz="1400" dirty="0" smtClean="0">
-                <a:latin typeface="Courier New" panose="02070309020205020404" pitchFamily="49" charset="0"/>
-                <a:cs typeface="Courier New" panose="02070309020205020404" pitchFamily="49" charset="0"/>
-              </a:rPr>
-              <a:t> continue </a:t>
-            </a:r>
-            <a:r>
-              <a:rPr lang="nl-NL" sz="1400" dirty="0" err="1" smtClean="0">
-                <a:latin typeface="Courier New" panose="02070309020205020404" pitchFamily="49" charset="0"/>
-                <a:cs typeface="Courier New" panose="02070309020205020404" pitchFamily="49" charset="0"/>
-              </a:rPr>
-              <a:t>with</a:t>
-            </a:r>
-            <a:r>
-              <a:rPr lang="nl-NL" sz="1400" dirty="0" smtClean="0">
-                <a:latin typeface="Courier New" panose="02070309020205020404" pitchFamily="49" charset="0"/>
-                <a:cs typeface="Courier New" panose="02070309020205020404" pitchFamily="49" charset="0"/>
-              </a:rPr>
-              <a:t> this </a:t>
-            </a:r>
-            <a:r>
-              <a:rPr lang="nl-NL" sz="1400" dirty="0" smtClean="0">
-                <a:latin typeface="Courier New" panose="02070309020205020404" pitchFamily="49" charset="0"/>
-                <a:cs typeface="Courier New" panose="02070309020205020404" pitchFamily="49" charset="0"/>
-              </a:rPr>
-              <a:t>next week)</a:t>
-            </a:r>
-            <a:endParaRPr lang="nl-NL" sz="1400" dirty="0" smtClean="0">
-              <a:latin typeface="Courier New" panose="02070309020205020404" pitchFamily="49" charset="0"/>
-              <a:cs typeface="Courier New" panose="02070309020205020404" pitchFamily="49" charset="0"/>
-            </a:endParaRPr>
-          </a:p>
-          <a:p>
-            <a:pPr marL="0" indent="0">
-              <a:buNone/>
-            </a:pPr>
-            <a:endParaRPr lang="nl-NL" sz="1400" dirty="0" smtClean="0">
-              <a:latin typeface="Courier New" panose="02070309020205020404" pitchFamily="49" charset="0"/>
-              <a:cs typeface="Courier New" panose="02070309020205020404" pitchFamily="49" charset="0"/>
-            </a:endParaRPr>
-          </a:p>
-          <a:p>
-            <a:endParaRPr lang="nl-NL" sz="1400" dirty="0" smtClean="0">
-              <a:latin typeface="Courier New" panose="02070309020205020404" pitchFamily="49" charset="0"/>
-              <a:cs typeface="Courier New" panose="02070309020205020404" pitchFamily="49" charset="0"/>
-            </a:endParaRPr>
-          </a:p>
-          <a:p>
-            <a:endParaRPr lang="nl-NL" sz="1400" dirty="0">
-              <a:latin typeface="Courier New" panose="02070309020205020404" pitchFamily="49" charset="0"/>
-              <a:cs typeface="Courier New" panose="02070309020205020404" pitchFamily="49" charset="0"/>
-            </a:endParaRPr>
-          </a:p>
-          <a:p>
-            <a:endParaRPr lang="nl-NL" sz="1800" dirty="0"/>
-          </a:p>
-        </p:txBody>
-      </p:sp>
-    </p:spTree>
-    <p:extLst>
-      <p:ext uri="{BB962C8B-B14F-4D97-AF65-F5344CB8AC3E}">
-        <p14:creationId xmlns:p14="http://schemas.microsoft.com/office/powerpoint/2010/main" val="1247411762"/>
-      </p:ext>
-    </p:extLst>
-  </p:cSld>
-  <p:clrMapOvr>
-    <a:masterClrMapping/>
-  </p:clrMapOvr>
-  <p:timing>
-    <p:tnLst>
-      <p:par>
-        <p:cTn id="1" dur="indefinite" restart="never" nodeType="tmRoot"/>
-      </p:par>
-    </p:tnLst>
-  </p:timing>
-</p:sld>
-</file>
-
 <file path=ppt/slides/slide25.xml><?xml version="1.0" encoding="utf-8"?>
 <p:sld xmlns:a="http://schemas.openxmlformats.org/drawingml/2006/main" xmlns:r="http://schemas.openxmlformats.org/officeDocument/2006/relationships" xmlns:p="http://schemas.openxmlformats.org/presentationml/2006/main">
   <p:cSld>
@@ -19252,6 +18869,1011 @@
           <a:lstStyle/>
           <a:p>
             <a:r>
+              <a:rPr lang="nl-NL" dirty="0" err="1" smtClean="0"/>
+              <a:t>Exercise</a:t>
+            </a:r>
+            <a:r>
+              <a:rPr lang="nl-NL" dirty="0" smtClean="0"/>
+              <a:t> 2: </a:t>
+            </a:r>
+            <a:r>
+              <a:rPr lang="nl-NL" dirty="0" err="1" smtClean="0"/>
+              <a:t>distributions</a:t>
+            </a:r>
+            <a:r>
+              <a:rPr lang="nl-NL" dirty="0" smtClean="0"/>
+              <a:t> </a:t>
+            </a:r>
+            <a:endParaRPr lang="nl-NL" dirty="0"/>
+          </a:p>
+        </p:txBody>
+      </p:sp>
+      <p:sp>
+        <p:nvSpPr>
+          <p:cNvPr id="3" name="Tijdelijke aanduiding voor inhoud 2"/>
+          <p:cNvSpPr>
+            <a:spLocks noGrp="1"/>
+          </p:cNvSpPr>
+          <p:nvPr>
+            <p:ph idx="1"/>
+          </p:nvPr>
+        </p:nvSpPr>
+        <p:spPr>
+          <a:xfrm>
+            <a:off x="816464" y="1484784"/>
+            <a:ext cx="7881938" cy="5977021"/>
+          </a:xfrm>
+        </p:spPr>
+        <p:txBody>
+          <a:bodyPr/>
+          <a:lstStyle/>
+          <a:p>
+            <a:pPr marL="0" indent="0">
+              <a:buNone/>
+            </a:pPr>
+            <a:r>
+              <a:rPr lang="nl-NL" sz="1400" dirty="0" smtClean="0">
+                <a:latin typeface="Courier New" panose="02070309020205020404" pitchFamily="49" charset="0"/>
+                <a:cs typeface="Courier New" panose="02070309020205020404" pitchFamily="49" charset="0"/>
+              </a:rPr>
+              <a:t>See </a:t>
+            </a:r>
+            <a:r>
+              <a:rPr lang="nl-NL" sz="1400" dirty="0" err="1" smtClean="0">
+                <a:latin typeface="Courier New" panose="02070309020205020404" pitchFamily="49" charset="0"/>
+                <a:cs typeface="Courier New" panose="02070309020205020404" pitchFamily="49" charset="0"/>
+              </a:rPr>
+              <a:t>example</a:t>
+            </a:r>
+            <a:r>
+              <a:rPr lang="nl-NL" sz="1400" dirty="0" smtClean="0">
+                <a:latin typeface="Courier New" panose="02070309020205020404" pitchFamily="49" charset="0"/>
+                <a:cs typeface="Courier New" panose="02070309020205020404" pitchFamily="49" charset="0"/>
+              </a:rPr>
+              <a:t> Notebook: </a:t>
+            </a:r>
+            <a:r>
+              <a:rPr lang="nl-NL" sz="1400" dirty="0" err="1" smtClean="0">
+                <a:latin typeface="Courier New" panose="02070309020205020404" pitchFamily="49" charset="0"/>
+                <a:cs typeface="Courier New" panose="02070309020205020404" pitchFamily="49" charset="0"/>
+              </a:rPr>
+              <a:t>distributions</a:t>
+            </a:r>
+            <a:endParaRPr lang="nl-NL" sz="1400" dirty="0" smtClean="0">
+              <a:latin typeface="Courier New" panose="02070309020205020404" pitchFamily="49" charset="0"/>
+              <a:cs typeface="Courier New" panose="02070309020205020404" pitchFamily="49" charset="0"/>
+            </a:endParaRPr>
+          </a:p>
+          <a:p>
+            <a:pPr>
+              <a:buAutoNum type="arabicPeriod"/>
+            </a:pPr>
+            <a:endParaRPr lang="nl-NL" sz="1400" dirty="0">
+              <a:latin typeface="Courier New" panose="02070309020205020404" pitchFamily="49" charset="0"/>
+              <a:cs typeface="Courier New" panose="02070309020205020404" pitchFamily="49" charset="0"/>
+            </a:endParaRPr>
+          </a:p>
+          <a:p>
+            <a:pPr>
+              <a:buAutoNum type="arabicPeriod"/>
+            </a:pPr>
+            <a:r>
+              <a:rPr lang="nl-NL" sz="1400" dirty="0" err="1" smtClean="0">
+                <a:latin typeface="Courier New" panose="02070309020205020404" pitchFamily="49" charset="0"/>
+                <a:cs typeface="Courier New" panose="02070309020205020404" pitchFamily="49" charset="0"/>
+              </a:rPr>
+              <a:t>Fill</a:t>
+            </a:r>
+            <a:r>
+              <a:rPr lang="nl-NL" sz="1400" dirty="0" smtClean="0">
+                <a:latin typeface="Courier New" panose="02070309020205020404" pitchFamily="49" charset="0"/>
+                <a:cs typeface="Courier New" panose="02070309020205020404" pitchFamily="49" charset="0"/>
+              </a:rPr>
+              <a:t> in </a:t>
+            </a:r>
+            <a:r>
+              <a:rPr lang="nl-NL" sz="1400" dirty="0" smtClean="0">
+                <a:solidFill>
+                  <a:schemeClr val="tx1"/>
+                </a:solidFill>
+                <a:latin typeface="Courier New" panose="02070309020205020404" pitchFamily="49" charset="0"/>
+                <a:cs typeface="Courier New" panose="02070309020205020404" pitchFamily="49" charset="0"/>
+              </a:rPr>
+              <a:t>the Google Sheets </a:t>
+            </a:r>
+            <a:r>
+              <a:rPr lang="nl-NL" sz="1400" dirty="0" err="1" smtClean="0">
+                <a:solidFill>
+                  <a:schemeClr val="tx1"/>
+                </a:solidFill>
+                <a:latin typeface="Courier New" panose="02070309020205020404" pitchFamily="49" charset="0"/>
+                <a:cs typeface="Courier New" panose="02070309020205020404" pitchFamily="49" charset="0"/>
+              </a:rPr>
+              <a:t>table</a:t>
+            </a:r>
+            <a:r>
+              <a:rPr lang="nl-NL" sz="1400" dirty="0" smtClean="0">
+                <a:solidFill>
+                  <a:schemeClr val="tx1"/>
+                </a:solidFill>
+                <a:latin typeface="Courier New" panose="02070309020205020404" pitchFamily="49" charset="0"/>
+                <a:cs typeface="Courier New" panose="02070309020205020404" pitchFamily="49" charset="0"/>
+              </a:rPr>
+              <a:t> () </a:t>
+            </a:r>
+            <a:r>
+              <a:rPr lang="nl-NL" sz="1400" dirty="0" err="1" smtClean="0">
+                <a:latin typeface="Courier New" panose="02070309020205020404" pitchFamily="49" charset="0"/>
+                <a:cs typeface="Courier New" panose="02070309020205020404" pitchFamily="49" charset="0"/>
+              </a:rPr>
+              <a:t>with</a:t>
+            </a:r>
+            <a:r>
+              <a:rPr lang="nl-NL" sz="1400" dirty="0" smtClean="0">
+                <a:latin typeface="Courier New" panose="02070309020205020404" pitchFamily="49" charset="0"/>
+                <a:cs typeface="Courier New" panose="02070309020205020404" pitchFamily="49" charset="0"/>
+              </a:rPr>
+              <a:t> </a:t>
+            </a:r>
+            <a:r>
+              <a:rPr lang="nl-NL" sz="1400" dirty="0" err="1" smtClean="0">
+                <a:latin typeface="Courier New" panose="02070309020205020404" pitchFamily="49" charset="0"/>
+                <a:cs typeface="Courier New" panose="02070309020205020404" pitchFamily="49" charset="0"/>
+              </a:rPr>
+              <a:t>your</a:t>
+            </a:r>
+            <a:r>
+              <a:rPr lang="nl-NL" sz="1400" dirty="0" smtClean="0">
+                <a:latin typeface="Courier New" panose="02070309020205020404" pitchFamily="49" charset="0"/>
+                <a:cs typeface="Courier New" panose="02070309020205020404" pitchFamily="49" charset="0"/>
+              </a:rPr>
+              <a:t> data. </a:t>
+            </a:r>
+            <a:r>
+              <a:rPr lang="nl-NL" sz="1400" dirty="0" err="1" smtClean="0">
+                <a:latin typeface="Courier New" panose="02070309020205020404" pitchFamily="49" charset="0"/>
+                <a:cs typeface="Courier New" panose="02070309020205020404" pitchFamily="49" charset="0"/>
+              </a:rPr>
+              <a:t>Please</a:t>
+            </a:r>
+            <a:r>
+              <a:rPr lang="nl-NL" sz="1400" dirty="0" smtClean="0">
+                <a:latin typeface="Courier New" panose="02070309020205020404" pitchFamily="49" charset="0"/>
+                <a:cs typeface="Courier New" panose="02070309020205020404" pitchFamily="49" charset="0"/>
+              </a:rPr>
+              <a:t> </a:t>
+            </a:r>
+            <a:r>
+              <a:rPr lang="nl-NL" sz="1400" dirty="0" err="1" smtClean="0">
+                <a:latin typeface="Courier New" panose="02070309020205020404" pitchFamily="49" charset="0"/>
+                <a:cs typeface="Courier New" panose="02070309020205020404" pitchFamily="49" charset="0"/>
+              </a:rPr>
+              <a:t>leave</a:t>
+            </a:r>
+            <a:r>
+              <a:rPr lang="nl-NL" sz="1400" dirty="0" smtClean="0">
+                <a:latin typeface="Courier New" panose="02070309020205020404" pitchFamily="49" charset="0"/>
+                <a:cs typeface="Courier New" panose="02070309020205020404" pitchFamily="49" charset="0"/>
+              </a:rPr>
+              <a:t> blank </a:t>
+            </a:r>
+            <a:r>
+              <a:rPr lang="nl-NL" sz="1400" dirty="0" err="1" smtClean="0">
+                <a:latin typeface="Courier New" panose="02070309020205020404" pitchFamily="49" charset="0"/>
+                <a:cs typeface="Courier New" panose="02070309020205020404" pitchFamily="49" charset="0"/>
+              </a:rPr>
+              <a:t>any</a:t>
+            </a:r>
+            <a:r>
+              <a:rPr lang="nl-NL" sz="1400" dirty="0">
+                <a:latin typeface="Courier New" panose="02070309020205020404" pitchFamily="49" charset="0"/>
+                <a:cs typeface="Courier New" panose="02070309020205020404" pitchFamily="49" charset="0"/>
+              </a:rPr>
+              <a:t> </a:t>
+            </a:r>
+            <a:r>
+              <a:rPr lang="nl-NL" sz="1400" dirty="0" smtClean="0">
+                <a:latin typeface="Courier New" panose="02070309020205020404" pitchFamily="49" charset="0"/>
+                <a:cs typeface="Courier New" panose="02070309020205020404" pitchFamily="49" charset="0"/>
+              </a:rPr>
+              <a:t>columns </a:t>
+            </a:r>
+            <a:r>
+              <a:rPr lang="nl-NL" sz="1400" dirty="0" err="1" smtClean="0">
+                <a:latin typeface="Courier New" panose="02070309020205020404" pitchFamily="49" charset="0"/>
+                <a:cs typeface="Courier New" panose="02070309020205020404" pitchFamily="49" charset="0"/>
+              </a:rPr>
+              <a:t>that</a:t>
+            </a:r>
+            <a:r>
+              <a:rPr lang="nl-NL" sz="1400" dirty="0" smtClean="0">
+                <a:latin typeface="Courier New" panose="02070309020205020404" pitchFamily="49" charset="0"/>
+                <a:cs typeface="Courier New" panose="02070309020205020404" pitchFamily="49" charset="0"/>
+              </a:rPr>
+              <a:t> </a:t>
+            </a:r>
+            <a:r>
+              <a:rPr lang="nl-NL" sz="1400" dirty="0" err="1" smtClean="0">
+                <a:latin typeface="Courier New" panose="02070309020205020404" pitchFamily="49" charset="0"/>
+                <a:cs typeface="Courier New" panose="02070309020205020404" pitchFamily="49" charset="0"/>
+              </a:rPr>
+              <a:t>you</a:t>
+            </a:r>
+            <a:r>
+              <a:rPr lang="nl-NL" sz="1400" dirty="0" smtClean="0">
+                <a:latin typeface="Courier New" panose="02070309020205020404" pitchFamily="49" charset="0"/>
+                <a:cs typeface="Courier New" panose="02070309020205020404" pitchFamily="49" charset="0"/>
+              </a:rPr>
+              <a:t> feel </a:t>
+            </a:r>
+            <a:r>
+              <a:rPr lang="nl-NL" sz="1400" dirty="0" err="1" smtClean="0">
+                <a:latin typeface="Courier New" panose="02070309020205020404" pitchFamily="49" charset="0"/>
+                <a:cs typeface="Courier New" panose="02070309020205020404" pitchFamily="49" charset="0"/>
+              </a:rPr>
+              <a:t>uncomfortable</a:t>
+            </a:r>
+            <a:r>
+              <a:rPr lang="nl-NL" sz="1400" dirty="0" smtClean="0">
+                <a:latin typeface="Courier New" panose="02070309020205020404" pitchFamily="49" charset="0"/>
+                <a:cs typeface="Courier New" panose="02070309020205020404" pitchFamily="49" charset="0"/>
+              </a:rPr>
+              <a:t> </a:t>
+            </a:r>
+            <a:r>
+              <a:rPr lang="nl-NL" sz="1400" dirty="0" err="1" smtClean="0">
+                <a:latin typeface="Courier New" panose="02070309020205020404" pitchFamily="49" charset="0"/>
+                <a:cs typeface="Courier New" panose="02070309020205020404" pitchFamily="49" charset="0"/>
+              </a:rPr>
+              <a:t>answering</a:t>
+            </a:r>
+            <a:r>
+              <a:rPr lang="nl-NL" sz="1400" dirty="0" smtClean="0">
+                <a:latin typeface="Courier New" panose="02070309020205020404" pitchFamily="49" charset="0"/>
+                <a:cs typeface="Courier New" panose="02070309020205020404" pitchFamily="49" charset="0"/>
+              </a:rPr>
+              <a:t>.</a:t>
+            </a:r>
+          </a:p>
+          <a:p>
+            <a:pPr>
+              <a:buAutoNum type="arabicPeriod"/>
+            </a:pPr>
+            <a:r>
+              <a:rPr lang="nl-NL" sz="1400" dirty="0" err="1" smtClean="0">
+                <a:latin typeface="Courier New" panose="02070309020205020404" pitchFamily="49" charset="0"/>
+                <a:cs typeface="Courier New" panose="02070309020205020404" pitchFamily="49" charset="0"/>
+              </a:rPr>
+              <a:t>Create</a:t>
+            </a:r>
+            <a:r>
+              <a:rPr lang="nl-NL" sz="1400" dirty="0" smtClean="0">
+                <a:latin typeface="Courier New" panose="02070309020205020404" pitchFamily="49" charset="0"/>
+                <a:cs typeface="Courier New" panose="02070309020205020404" pitchFamily="49" charset="0"/>
+              </a:rPr>
+              <a:t> </a:t>
+            </a:r>
+            <a:r>
+              <a:rPr lang="nl-NL" sz="1400" dirty="0">
+                <a:latin typeface="Courier New" panose="02070309020205020404" pitchFamily="49" charset="0"/>
+                <a:cs typeface="Courier New" panose="02070309020205020404" pitchFamily="49" charset="0"/>
+              </a:rPr>
+              <a:t>a </a:t>
+            </a:r>
+            <a:r>
+              <a:rPr lang="nl-NL" sz="1400" dirty="0" err="1">
+                <a:latin typeface="Courier New" panose="02070309020205020404" pitchFamily="49" charset="0"/>
+                <a:cs typeface="Courier New" panose="02070309020205020404" pitchFamily="49" charset="0"/>
+              </a:rPr>
+              <a:t>csv</a:t>
+            </a:r>
+            <a:r>
+              <a:rPr lang="nl-NL" sz="1400" dirty="0">
+                <a:latin typeface="Courier New" panose="02070309020205020404" pitchFamily="49" charset="0"/>
+                <a:cs typeface="Courier New" panose="02070309020205020404" pitchFamily="49" charset="0"/>
+              </a:rPr>
+              <a:t> file from </a:t>
+            </a:r>
+            <a:r>
+              <a:rPr lang="nl-NL" sz="1400" dirty="0" smtClean="0">
+                <a:latin typeface="Courier New" panose="02070309020205020404" pitchFamily="49" charset="0"/>
+                <a:cs typeface="Courier New" panose="02070309020205020404" pitchFamily="49" charset="0"/>
+              </a:rPr>
+              <a:t>the data</a:t>
+            </a:r>
+          </a:p>
+          <a:p>
+            <a:pPr>
+              <a:buAutoNum type="arabicPeriod"/>
+            </a:pPr>
+            <a:r>
+              <a:rPr lang="nl-NL" sz="1400" dirty="0" err="1" smtClean="0">
+                <a:latin typeface="Courier New" panose="02070309020205020404" pitchFamily="49" charset="0"/>
+                <a:cs typeface="Courier New" panose="02070309020205020404" pitchFamily="49" charset="0"/>
+              </a:rPr>
+              <a:t>Choose</a:t>
+            </a:r>
+            <a:r>
+              <a:rPr lang="nl-NL" sz="1400" dirty="0" smtClean="0">
+                <a:latin typeface="Courier New" panose="02070309020205020404" pitchFamily="49" charset="0"/>
+                <a:cs typeface="Courier New" panose="02070309020205020404" pitchFamily="49" charset="0"/>
+              </a:rPr>
+              <a:t> a different </a:t>
+            </a:r>
+            <a:r>
+              <a:rPr lang="nl-NL" sz="1400" dirty="0" err="1" smtClean="0">
+                <a:latin typeface="Courier New" panose="02070309020205020404" pitchFamily="49" charset="0"/>
+                <a:cs typeface="Courier New" panose="02070309020205020404" pitchFamily="49" charset="0"/>
+              </a:rPr>
+              <a:t>variable</a:t>
+            </a:r>
+            <a:r>
+              <a:rPr lang="nl-NL" sz="1400" dirty="0" smtClean="0">
+                <a:latin typeface="Courier New" panose="02070309020205020404" pitchFamily="49" charset="0"/>
+                <a:cs typeface="Courier New" panose="02070309020205020404" pitchFamily="49" charset="0"/>
+              </a:rPr>
+              <a:t> </a:t>
+            </a:r>
+            <a:r>
+              <a:rPr lang="nl-NL" sz="1400" dirty="0" err="1" smtClean="0">
+                <a:latin typeface="Courier New" panose="02070309020205020404" pitchFamily="49" charset="0"/>
+                <a:cs typeface="Courier New" panose="02070309020205020404" pitchFamily="49" charset="0"/>
+              </a:rPr>
+              <a:t>for</a:t>
+            </a:r>
+            <a:r>
+              <a:rPr lang="nl-NL" sz="1400" dirty="0" smtClean="0">
+                <a:latin typeface="Courier New" panose="02070309020205020404" pitchFamily="49" charset="0"/>
+                <a:cs typeface="Courier New" panose="02070309020205020404" pitchFamily="49" charset="0"/>
+              </a:rPr>
+              <a:t> </a:t>
+            </a:r>
+            <a:r>
+              <a:rPr lang="nl-NL" sz="1400" dirty="0" err="1" smtClean="0">
+                <a:latin typeface="Courier New" panose="02070309020205020404" pitchFamily="49" charset="0"/>
+                <a:cs typeface="Courier New" panose="02070309020205020404" pitchFamily="49" charset="0"/>
+              </a:rPr>
+              <a:t>each</a:t>
+            </a:r>
+            <a:r>
+              <a:rPr lang="nl-NL" sz="1400" dirty="0" smtClean="0">
+                <a:latin typeface="Courier New" panose="02070309020205020404" pitchFamily="49" charset="0"/>
+                <a:cs typeface="Courier New" panose="02070309020205020404" pitchFamily="49" charset="0"/>
+              </a:rPr>
+              <a:t> of the </a:t>
+            </a:r>
+            <a:r>
+              <a:rPr lang="nl-NL" sz="1400" dirty="0" err="1" smtClean="0">
+                <a:latin typeface="Courier New" panose="02070309020205020404" pitchFamily="49" charset="0"/>
+                <a:cs typeface="Courier New" panose="02070309020205020404" pitchFamily="49" charset="0"/>
+              </a:rPr>
+              <a:t>reports</a:t>
+            </a:r>
+            <a:r>
+              <a:rPr lang="nl-NL" sz="1400" dirty="0" smtClean="0">
+                <a:latin typeface="Courier New" panose="02070309020205020404" pitchFamily="49" charset="0"/>
+                <a:cs typeface="Courier New" panose="02070309020205020404" pitchFamily="49" charset="0"/>
+              </a:rPr>
+              <a:t> below:</a:t>
+            </a:r>
+          </a:p>
+          <a:p>
+            <a:pPr marL="876300" lvl="1" indent="-342900">
+              <a:buFont typeface="+mj-lt"/>
+              <a:buAutoNum type="arabicPeriod"/>
+            </a:pPr>
+            <a:r>
+              <a:rPr lang="nl-NL" sz="1200" dirty="0" err="1" smtClean="0">
+                <a:latin typeface="Courier New" panose="02070309020205020404" pitchFamily="49" charset="0"/>
+                <a:cs typeface="Courier New" panose="02070309020205020404" pitchFamily="49" charset="0"/>
+              </a:rPr>
+              <a:t>Measures</a:t>
+            </a:r>
+            <a:r>
+              <a:rPr lang="nl-NL" sz="1200" dirty="0" smtClean="0">
+                <a:latin typeface="Courier New" panose="02070309020205020404" pitchFamily="49" charset="0"/>
+                <a:cs typeface="Courier New" panose="02070309020205020404" pitchFamily="49" charset="0"/>
+              </a:rPr>
+              <a:t> of </a:t>
+            </a:r>
+            <a:r>
+              <a:rPr lang="nl-NL" sz="1200" dirty="0" err="1" smtClean="0">
+                <a:latin typeface="Courier New" panose="02070309020205020404" pitchFamily="49" charset="0"/>
+                <a:cs typeface="Courier New" panose="02070309020205020404" pitchFamily="49" charset="0"/>
+              </a:rPr>
+              <a:t>variation</a:t>
+            </a:r>
+            <a:r>
+              <a:rPr lang="nl-NL" sz="1200" dirty="0" smtClean="0">
+                <a:latin typeface="Courier New" panose="02070309020205020404" pitchFamily="49" charset="0"/>
+                <a:cs typeface="Courier New" panose="02070309020205020404" pitchFamily="49" charset="0"/>
+              </a:rPr>
+              <a:t> </a:t>
+            </a:r>
+            <a:r>
+              <a:rPr lang="nl-NL" sz="1200" dirty="0" err="1" smtClean="0">
+                <a:latin typeface="Courier New" panose="02070309020205020404" pitchFamily="49" charset="0"/>
+                <a:cs typeface="Courier New" panose="02070309020205020404" pitchFamily="49" charset="0"/>
+              </a:rPr>
+              <a:t>and</a:t>
+            </a:r>
+            <a:r>
+              <a:rPr lang="nl-NL" sz="1200" dirty="0" smtClean="0">
+                <a:latin typeface="Courier New" panose="02070309020205020404" pitchFamily="49" charset="0"/>
+                <a:cs typeface="Courier New" panose="02070309020205020404" pitchFamily="49" charset="0"/>
+              </a:rPr>
+              <a:t> </a:t>
+            </a:r>
+            <a:r>
+              <a:rPr lang="nl-NL" sz="1200" dirty="0" err="1" smtClean="0">
+                <a:latin typeface="Courier New" panose="02070309020205020404" pitchFamily="49" charset="0"/>
+                <a:cs typeface="Courier New" panose="02070309020205020404" pitchFamily="49" charset="0"/>
+              </a:rPr>
+              <a:t>central</a:t>
+            </a:r>
+            <a:r>
+              <a:rPr lang="nl-NL" sz="1200" dirty="0" smtClean="0">
+                <a:latin typeface="Courier New" panose="02070309020205020404" pitchFamily="49" charset="0"/>
+                <a:cs typeface="Courier New" panose="02070309020205020404" pitchFamily="49" charset="0"/>
+              </a:rPr>
+              <a:t> </a:t>
+            </a:r>
+            <a:r>
+              <a:rPr lang="nl-NL" sz="1200" dirty="0" err="1" smtClean="0">
+                <a:latin typeface="Courier New" panose="02070309020205020404" pitchFamily="49" charset="0"/>
+                <a:cs typeface="Courier New" panose="02070309020205020404" pitchFamily="49" charset="0"/>
+              </a:rPr>
+              <a:t>tendency</a:t>
+            </a:r>
+            <a:endParaRPr lang="nl-NL" sz="1200" dirty="0" smtClean="0">
+              <a:latin typeface="Courier New" panose="02070309020205020404" pitchFamily="49" charset="0"/>
+              <a:cs typeface="Courier New" panose="02070309020205020404" pitchFamily="49" charset="0"/>
+            </a:endParaRPr>
+          </a:p>
+          <a:p>
+            <a:pPr marL="876300" lvl="1" indent="-342900">
+              <a:buFont typeface="+mj-lt"/>
+              <a:buAutoNum type="arabicPeriod"/>
+            </a:pPr>
+            <a:r>
+              <a:rPr lang="nl-NL" sz="1200" dirty="0" err="1">
+                <a:latin typeface="Courier New" panose="02070309020205020404" pitchFamily="49" charset="0"/>
+                <a:cs typeface="Courier New" panose="02070309020205020404" pitchFamily="49" charset="0"/>
+              </a:rPr>
+              <a:t>Boxplot</a:t>
+            </a:r>
+            <a:endParaRPr lang="nl-NL" sz="1200" dirty="0">
+              <a:latin typeface="Courier New" panose="02070309020205020404" pitchFamily="49" charset="0"/>
+              <a:cs typeface="Courier New" panose="02070309020205020404" pitchFamily="49" charset="0"/>
+            </a:endParaRPr>
+          </a:p>
+          <a:p>
+            <a:pPr marL="876300" lvl="1" indent="-342900">
+              <a:buFont typeface="+mj-lt"/>
+              <a:buAutoNum type="arabicPeriod"/>
+            </a:pPr>
+            <a:r>
+              <a:rPr lang="nl-NL" sz="1200" dirty="0" smtClean="0">
+                <a:latin typeface="Courier New" panose="02070309020205020404" pitchFamily="49" charset="0"/>
+                <a:cs typeface="Courier New" panose="02070309020205020404" pitchFamily="49" charset="0"/>
+              </a:rPr>
+              <a:t>Histogram</a:t>
+            </a:r>
+          </a:p>
+          <a:p>
+            <a:pPr marL="876300" lvl="1" indent="-342900">
+              <a:buFont typeface="+mj-lt"/>
+              <a:buAutoNum type="arabicPeriod"/>
+            </a:pPr>
+            <a:r>
+              <a:rPr lang="nl-NL" sz="1200" dirty="0" err="1" smtClean="0">
+                <a:latin typeface="Courier New" panose="02070309020205020404" pitchFamily="49" charset="0"/>
+                <a:cs typeface="Courier New" panose="02070309020205020404" pitchFamily="49" charset="0"/>
+              </a:rPr>
+              <a:t>Density</a:t>
+            </a:r>
+            <a:r>
+              <a:rPr lang="nl-NL" sz="1200" dirty="0" smtClean="0">
+                <a:latin typeface="Courier New" panose="02070309020205020404" pitchFamily="49" charset="0"/>
+                <a:cs typeface="Courier New" panose="02070309020205020404" pitchFamily="49" charset="0"/>
+              </a:rPr>
+              <a:t> plot</a:t>
+            </a:r>
+          </a:p>
+          <a:p>
+            <a:pPr marL="876300" lvl="1" indent="-342900">
+              <a:buFont typeface="+mj-lt"/>
+              <a:buAutoNum type="arabicPeriod"/>
+            </a:pPr>
+            <a:r>
+              <a:rPr lang="nl-NL" sz="1200" dirty="0" err="1" smtClean="0">
+                <a:latin typeface="Courier New" panose="02070309020205020404" pitchFamily="49" charset="0"/>
+                <a:cs typeface="Courier New" panose="02070309020205020404" pitchFamily="49" charset="0"/>
+              </a:rPr>
+              <a:t>Violin</a:t>
+            </a:r>
+            <a:r>
+              <a:rPr lang="nl-NL" sz="1200" dirty="0" smtClean="0">
+                <a:latin typeface="Courier New" panose="02070309020205020404" pitchFamily="49" charset="0"/>
+                <a:cs typeface="Courier New" panose="02070309020205020404" pitchFamily="49" charset="0"/>
+              </a:rPr>
+              <a:t> plot</a:t>
+            </a:r>
+          </a:p>
+          <a:p>
+            <a:pPr marL="400050">
+              <a:buFont typeface="+mj-lt"/>
+              <a:buAutoNum type="arabicPeriod"/>
+            </a:pPr>
+            <a:r>
+              <a:rPr lang="nl-NL" sz="1400" dirty="0" smtClean="0">
+                <a:latin typeface="Courier New" panose="02070309020205020404" pitchFamily="49" charset="0"/>
+                <a:cs typeface="Courier New" panose="02070309020205020404" pitchFamily="49" charset="0"/>
+              </a:rPr>
+              <a:t>For </a:t>
+            </a:r>
+            <a:r>
+              <a:rPr lang="nl-NL" sz="1400" dirty="0" err="1" smtClean="0">
+                <a:latin typeface="Courier New" panose="02070309020205020404" pitchFamily="49" charset="0"/>
+                <a:cs typeface="Courier New" panose="02070309020205020404" pitchFamily="49" charset="0"/>
+              </a:rPr>
+              <a:t>two</a:t>
+            </a:r>
+            <a:r>
+              <a:rPr lang="nl-NL" sz="1400" dirty="0" smtClean="0">
+                <a:latin typeface="Courier New" panose="02070309020205020404" pitchFamily="49" charset="0"/>
+                <a:cs typeface="Courier New" panose="02070309020205020404" pitchFamily="49" charset="0"/>
+              </a:rPr>
+              <a:t> of the variables, </a:t>
+            </a:r>
+            <a:r>
+              <a:rPr lang="nl-NL" sz="1400" dirty="0" err="1" smtClean="0">
+                <a:latin typeface="Courier New" panose="02070309020205020404" pitchFamily="49" charset="0"/>
+                <a:cs typeface="Courier New" panose="02070309020205020404" pitchFamily="49" charset="0"/>
+              </a:rPr>
+              <a:t>comment</a:t>
+            </a:r>
+            <a:r>
+              <a:rPr lang="nl-NL" sz="1400" dirty="0" smtClean="0">
+                <a:latin typeface="Courier New" panose="02070309020205020404" pitchFamily="49" charset="0"/>
+                <a:cs typeface="Courier New" panose="02070309020205020404" pitchFamily="49" charset="0"/>
+              </a:rPr>
+              <a:t> on </a:t>
+            </a:r>
+            <a:r>
+              <a:rPr lang="nl-NL" sz="1400" dirty="0" err="1" smtClean="0">
+                <a:latin typeface="Courier New" panose="02070309020205020404" pitchFamily="49" charset="0"/>
+                <a:cs typeface="Courier New" panose="02070309020205020404" pitchFamily="49" charset="0"/>
+              </a:rPr>
+              <a:t>modality</a:t>
+            </a:r>
+            <a:r>
+              <a:rPr lang="nl-NL" sz="1400" dirty="0">
+                <a:latin typeface="Courier New" panose="02070309020205020404" pitchFamily="49" charset="0"/>
+                <a:cs typeface="Courier New" panose="02070309020205020404" pitchFamily="49" charset="0"/>
+              </a:rPr>
+              <a:t> </a:t>
+            </a:r>
+            <a:r>
+              <a:rPr lang="nl-NL" sz="1400" dirty="0" err="1" smtClean="0">
+                <a:latin typeface="Courier New" panose="02070309020205020404" pitchFamily="49" charset="0"/>
+                <a:cs typeface="Courier New" panose="02070309020205020404" pitchFamily="49" charset="0"/>
+              </a:rPr>
+              <a:t>and</a:t>
+            </a:r>
+            <a:r>
+              <a:rPr lang="nl-NL" sz="1400" dirty="0" smtClean="0">
+                <a:latin typeface="Courier New" panose="02070309020205020404" pitchFamily="49" charset="0"/>
+                <a:cs typeface="Courier New" panose="02070309020205020404" pitchFamily="49" charset="0"/>
+              </a:rPr>
+              <a:t> </a:t>
+            </a:r>
+            <a:r>
+              <a:rPr lang="nl-NL" sz="1400" dirty="0" err="1" smtClean="0">
+                <a:latin typeface="Courier New" panose="02070309020205020404" pitchFamily="49" charset="0"/>
+                <a:cs typeface="Courier New" panose="02070309020205020404" pitchFamily="49" charset="0"/>
+              </a:rPr>
+              <a:t>skewness</a:t>
+            </a:r>
+            <a:r>
+              <a:rPr lang="nl-NL" sz="1400" dirty="0" smtClean="0">
+                <a:latin typeface="Courier New" panose="02070309020205020404" pitchFamily="49" charset="0"/>
+                <a:cs typeface="Courier New" panose="02070309020205020404" pitchFamily="49" charset="0"/>
+              </a:rPr>
+              <a:t>, </a:t>
+            </a:r>
+            <a:r>
+              <a:rPr lang="nl-NL" sz="1400" dirty="0" err="1" smtClean="0">
+                <a:latin typeface="Courier New" panose="02070309020205020404" pitchFamily="49" charset="0"/>
+                <a:cs typeface="Courier New" panose="02070309020205020404" pitchFamily="49" charset="0"/>
+              </a:rPr>
+              <a:t>outliers</a:t>
+            </a:r>
+            <a:endParaRPr lang="nl-NL" sz="1400" dirty="0" smtClean="0">
+              <a:latin typeface="Courier New" panose="02070309020205020404" pitchFamily="49" charset="0"/>
+              <a:cs typeface="Courier New" panose="02070309020205020404" pitchFamily="49" charset="0"/>
+            </a:endParaRPr>
+          </a:p>
+          <a:p>
+            <a:pPr lvl="1"/>
+            <a:endParaRPr lang="nl-NL" sz="1200" dirty="0">
+              <a:latin typeface="Courier New" panose="02070309020205020404" pitchFamily="49" charset="0"/>
+              <a:cs typeface="Courier New" panose="02070309020205020404" pitchFamily="49" charset="0"/>
+            </a:endParaRPr>
+          </a:p>
+          <a:p>
+            <a:pPr marL="0" indent="0">
+              <a:buNone/>
+            </a:pPr>
+            <a:r>
+              <a:rPr lang="nl-NL" sz="1400" dirty="0" err="1" smtClean="0">
+                <a:latin typeface="Courier New" panose="02070309020205020404" pitchFamily="49" charset="0"/>
+                <a:cs typeface="Courier New" panose="02070309020205020404" pitchFamily="49" charset="0"/>
+              </a:rPr>
+              <a:t>Notes</a:t>
+            </a:r>
+            <a:r>
+              <a:rPr lang="nl-NL" sz="1400" dirty="0" smtClean="0">
+                <a:latin typeface="Courier New" panose="02070309020205020404" pitchFamily="49" charset="0"/>
+                <a:cs typeface="Courier New" panose="02070309020205020404" pitchFamily="49" charset="0"/>
+              </a:rPr>
+              <a:t>:</a:t>
+            </a:r>
+          </a:p>
+          <a:p>
+            <a:r>
+              <a:rPr lang="nl-NL" sz="1400" dirty="0" err="1" smtClean="0">
+                <a:latin typeface="Courier New" panose="02070309020205020404" pitchFamily="49" charset="0"/>
+                <a:cs typeface="Courier New" panose="02070309020205020404" pitchFamily="49" charset="0"/>
+              </a:rPr>
+              <a:t>Use</a:t>
+            </a:r>
+            <a:r>
+              <a:rPr lang="nl-NL" sz="1400" dirty="0" smtClean="0">
+                <a:latin typeface="Courier New" panose="02070309020205020404" pitchFamily="49" charset="0"/>
+                <a:cs typeface="Courier New" panose="02070309020205020404" pitchFamily="49" charset="0"/>
+              </a:rPr>
+              <a:t> Seaborn </a:t>
+            </a:r>
+            <a:r>
+              <a:rPr lang="nl-NL" sz="1400" dirty="0" err="1" smtClean="0">
+                <a:latin typeface="Courier New" panose="02070309020205020404" pitchFamily="49" charset="0"/>
+                <a:cs typeface="Courier New" panose="02070309020205020404" pitchFamily="49" charset="0"/>
+              </a:rPr>
+              <a:t>for</a:t>
+            </a:r>
+            <a:r>
+              <a:rPr lang="nl-NL" sz="1400" dirty="0" smtClean="0">
+                <a:latin typeface="Courier New" panose="02070309020205020404" pitchFamily="49" charset="0"/>
+                <a:cs typeface="Courier New" panose="02070309020205020404" pitchFamily="49" charset="0"/>
+              </a:rPr>
+              <a:t> </a:t>
+            </a:r>
+            <a:r>
+              <a:rPr lang="nl-NL" sz="1400" dirty="0" err="1" smtClean="0">
+                <a:latin typeface="Courier New" panose="02070309020205020404" pitchFamily="49" charset="0"/>
+                <a:cs typeface="Courier New" panose="02070309020205020404" pitchFamily="49" charset="0"/>
+              </a:rPr>
+              <a:t>all</a:t>
+            </a:r>
+            <a:r>
+              <a:rPr lang="nl-NL" sz="1400" dirty="0" smtClean="0">
+                <a:latin typeface="Courier New" panose="02070309020205020404" pitchFamily="49" charset="0"/>
+                <a:cs typeface="Courier New" panose="02070309020205020404" pitchFamily="49" charset="0"/>
+              </a:rPr>
+              <a:t> </a:t>
+            </a:r>
+            <a:r>
+              <a:rPr lang="nl-NL" sz="1400" dirty="0" err="1" smtClean="0">
+                <a:latin typeface="Courier New" panose="02070309020205020404" pitchFamily="49" charset="0"/>
+                <a:cs typeface="Courier New" panose="02070309020205020404" pitchFamily="49" charset="0"/>
+              </a:rPr>
+              <a:t>visualizations</a:t>
+            </a:r>
+            <a:endParaRPr lang="nl-NL" sz="1400" dirty="0" smtClean="0">
+              <a:latin typeface="Courier New" panose="02070309020205020404" pitchFamily="49" charset="0"/>
+              <a:cs typeface="Courier New" panose="02070309020205020404" pitchFamily="49" charset="0"/>
+            </a:endParaRPr>
+          </a:p>
+          <a:p>
+            <a:r>
+              <a:rPr lang="nl-NL" sz="1400" dirty="0" smtClean="0">
+                <a:latin typeface="Courier New" panose="02070309020205020404" pitchFamily="49" charset="0"/>
+                <a:cs typeface="Courier New" panose="02070309020205020404" pitchFamily="49" charset="0"/>
+              </a:rPr>
+              <a:t>Label </a:t>
+            </a:r>
+            <a:r>
+              <a:rPr lang="nl-NL" sz="1400" dirty="0" err="1" smtClean="0">
+                <a:latin typeface="Courier New" panose="02070309020205020404" pitchFamily="49" charset="0"/>
+                <a:cs typeface="Courier New" panose="02070309020205020404" pitchFamily="49" charset="0"/>
+              </a:rPr>
+              <a:t>your</a:t>
+            </a:r>
+            <a:r>
+              <a:rPr lang="nl-NL" sz="1400" dirty="0" smtClean="0">
+                <a:latin typeface="Courier New" panose="02070309020205020404" pitchFamily="49" charset="0"/>
+                <a:cs typeface="Courier New" panose="02070309020205020404" pitchFamily="49" charset="0"/>
+              </a:rPr>
+              <a:t> </a:t>
+            </a:r>
+            <a:r>
+              <a:rPr lang="nl-NL" sz="1400" dirty="0" err="1" smtClean="0">
+                <a:latin typeface="Courier New" panose="02070309020205020404" pitchFamily="49" charset="0"/>
+                <a:cs typeface="Courier New" panose="02070309020205020404" pitchFamily="49" charset="0"/>
+              </a:rPr>
+              <a:t>axes</a:t>
+            </a:r>
+            <a:r>
+              <a:rPr lang="nl-NL" sz="1400" dirty="0" smtClean="0">
+                <a:latin typeface="Courier New" panose="02070309020205020404" pitchFamily="49" charset="0"/>
+                <a:cs typeface="Courier New" panose="02070309020205020404" pitchFamily="49" charset="0"/>
+              </a:rPr>
+              <a:t> </a:t>
+            </a:r>
+            <a:r>
+              <a:rPr lang="nl-NL" sz="1400" dirty="0" err="1" smtClean="0">
+                <a:latin typeface="Courier New" panose="02070309020205020404" pitchFamily="49" charset="0"/>
+                <a:cs typeface="Courier New" panose="02070309020205020404" pitchFamily="49" charset="0"/>
+              </a:rPr>
+              <a:t>and</a:t>
+            </a:r>
+            <a:r>
+              <a:rPr lang="nl-NL" sz="1400" dirty="0">
+                <a:latin typeface="Courier New" panose="02070309020205020404" pitchFamily="49" charset="0"/>
+                <a:cs typeface="Courier New" panose="02070309020205020404" pitchFamily="49" charset="0"/>
+              </a:rPr>
+              <a:t> </a:t>
+            </a:r>
+            <a:r>
+              <a:rPr lang="nl-NL" sz="1400" dirty="0" err="1" smtClean="0">
+                <a:latin typeface="Courier New" panose="02070309020205020404" pitchFamily="49" charset="0"/>
+                <a:cs typeface="Courier New" panose="02070309020205020404" pitchFamily="49" charset="0"/>
+              </a:rPr>
+              <a:t>give</a:t>
+            </a:r>
+            <a:r>
+              <a:rPr lang="nl-NL" sz="1400" dirty="0" smtClean="0">
+                <a:latin typeface="Courier New" panose="02070309020205020404" pitchFamily="49" charset="0"/>
+                <a:cs typeface="Courier New" panose="02070309020205020404" pitchFamily="49" charset="0"/>
+              </a:rPr>
+              <a:t> </a:t>
+            </a:r>
+            <a:r>
+              <a:rPr lang="nl-NL" sz="1400" dirty="0" err="1" smtClean="0">
+                <a:latin typeface="Courier New" panose="02070309020205020404" pitchFamily="49" charset="0"/>
+                <a:cs typeface="Courier New" panose="02070309020205020404" pitchFamily="49" charset="0"/>
+              </a:rPr>
+              <a:t>your</a:t>
+            </a:r>
+            <a:r>
+              <a:rPr lang="nl-NL" sz="1400" dirty="0" smtClean="0">
+                <a:latin typeface="Courier New" panose="02070309020205020404" pitchFamily="49" charset="0"/>
+                <a:cs typeface="Courier New" panose="02070309020205020404" pitchFamily="49" charset="0"/>
+              </a:rPr>
+              <a:t> </a:t>
+            </a:r>
+            <a:r>
+              <a:rPr lang="nl-NL" sz="1400" dirty="0" err="1" smtClean="0">
+                <a:latin typeface="Courier New" panose="02070309020205020404" pitchFamily="49" charset="0"/>
+                <a:cs typeface="Courier New" panose="02070309020205020404" pitchFamily="49" charset="0"/>
+              </a:rPr>
+              <a:t>figures</a:t>
+            </a:r>
+            <a:r>
+              <a:rPr lang="nl-NL" sz="1400" dirty="0" smtClean="0">
+                <a:latin typeface="Courier New" panose="02070309020205020404" pitchFamily="49" charset="0"/>
+                <a:cs typeface="Courier New" panose="02070309020205020404" pitchFamily="49" charset="0"/>
+              </a:rPr>
+              <a:t> a </a:t>
+            </a:r>
+            <a:r>
+              <a:rPr lang="nl-NL" sz="1400" dirty="0" err="1" smtClean="0">
+                <a:latin typeface="Courier New" panose="02070309020205020404" pitchFamily="49" charset="0"/>
+                <a:cs typeface="Courier New" panose="02070309020205020404" pitchFamily="49" charset="0"/>
+              </a:rPr>
+              <a:t>title</a:t>
+            </a:r>
+            <a:endParaRPr lang="nl-NL" sz="1400" dirty="0" smtClean="0">
+              <a:latin typeface="Courier New" panose="02070309020205020404" pitchFamily="49" charset="0"/>
+              <a:cs typeface="Courier New" panose="02070309020205020404" pitchFamily="49" charset="0"/>
+            </a:endParaRPr>
+          </a:p>
+          <a:p>
+            <a:r>
+              <a:rPr lang="nl-NL" sz="1400" dirty="0" smtClean="0">
+                <a:latin typeface="Courier New" panose="02070309020205020404" pitchFamily="49" charset="0"/>
+                <a:cs typeface="Courier New" panose="02070309020205020404" pitchFamily="49" charset="0"/>
+              </a:rPr>
+              <a:t>Plot the data points in </a:t>
+            </a:r>
+            <a:r>
+              <a:rPr lang="nl-NL" sz="1400" dirty="0" err="1" smtClean="0">
+                <a:latin typeface="Courier New" panose="02070309020205020404" pitchFamily="49" charset="0"/>
+                <a:cs typeface="Courier New" panose="02070309020205020404" pitchFamily="49" charset="0"/>
+              </a:rPr>
+              <a:t>some</a:t>
+            </a:r>
+            <a:r>
+              <a:rPr lang="nl-NL" sz="1400" dirty="0" smtClean="0">
+                <a:latin typeface="Courier New" panose="02070309020205020404" pitchFamily="49" charset="0"/>
+                <a:cs typeface="Courier New" panose="02070309020205020404" pitchFamily="49" charset="0"/>
+              </a:rPr>
+              <a:t> </a:t>
+            </a:r>
+            <a:r>
+              <a:rPr lang="nl-NL" sz="1400" dirty="0" err="1" smtClean="0">
+                <a:latin typeface="Courier New" panose="02070309020205020404" pitchFamily="49" charset="0"/>
+                <a:cs typeface="Courier New" panose="02070309020205020404" pitchFamily="49" charset="0"/>
+              </a:rPr>
+              <a:t>visualizations</a:t>
+            </a:r>
+            <a:r>
+              <a:rPr lang="nl-NL" sz="1400" dirty="0" smtClean="0">
+                <a:latin typeface="Courier New" panose="02070309020205020404" pitchFamily="49" charset="0"/>
+                <a:cs typeface="Courier New" panose="02070309020205020404" pitchFamily="49" charset="0"/>
+              </a:rPr>
+              <a:t>.</a:t>
+            </a:r>
+          </a:p>
+          <a:p>
+            <a:r>
+              <a:rPr lang="nl-NL" sz="1400" dirty="0" smtClean="0">
+                <a:latin typeface="Courier New" panose="02070309020205020404" pitchFamily="49" charset="0"/>
+                <a:cs typeface="Courier New" panose="02070309020205020404" pitchFamily="49" charset="0"/>
+              </a:rPr>
+              <a:t>Extra </a:t>
+            </a:r>
+            <a:r>
+              <a:rPr lang="nl-NL" sz="1400" dirty="0" err="1" smtClean="0">
+                <a:latin typeface="Courier New" panose="02070309020205020404" pitchFamily="49" charset="0"/>
+                <a:cs typeface="Courier New" panose="02070309020205020404" pitchFamily="49" charset="0"/>
+              </a:rPr>
+              <a:t>challenge</a:t>
+            </a:r>
+            <a:r>
+              <a:rPr lang="nl-NL" sz="1400" dirty="0" smtClean="0">
+                <a:latin typeface="Courier New" panose="02070309020205020404" pitchFamily="49" charset="0"/>
+                <a:cs typeface="Courier New" panose="02070309020205020404" pitchFamily="49" charset="0"/>
+              </a:rPr>
+              <a:t>: </a:t>
+            </a:r>
+            <a:r>
+              <a:rPr lang="nl-NL" sz="1400" dirty="0" err="1" smtClean="0">
+                <a:latin typeface="Courier New" panose="02070309020205020404" pitchFamily="49" charset="0"/>
+                <a:cs typeface="Courier New" panose="02070309020205020404" pitchFamily="49" charset="0"/>
+              </a:rPr>
+              <a:t>investigate</a:t>
+            </a:r>
+            <a:r>
+              <a:rPr lang="nl-NL" sz="1400" dirty="0" smtClean="0">
+                <a:latin typeface="Courier New" panose="02070309020205020404" pitchFamily="49" charset="0"/>
+                <a:cs typeface="Courier New" panose="02070309020205020404" pitchFamily="49" charset="0"/>
+              </a:rPr>
+              <a:t> relations </a:t>
+            </a:r>
+            <a:r>
+              <a:rPr lang="nl-NL" sz="1400" dirty="0" err="1" smtClean="0">
+                <a:latin typeface="Courier New" panose="02070309020205020404" pitchFamily="49" charset="0"/>
+                <a:cs typeface="Courier New" panose="02070309020205020404" pitchFamily="49" charset="0"/>
+              </a:rPr>
+              <a:t>between</a:t>
+            </a:r>
+            <a:r>
+              <a:rPr lang="nl-NL" sz="1400" dirty="0" smtClean="0">
+                <a:latin typeface="Courier New" panose="02070309020205020404" pitchFamily="49" charset="0"/>
+                <a:cs typeface="Courier New" panose="02070309020205020404" pitchFamily="49" charset="0"/>
+              </a:rPr>
+              <a:t> variables (we </a:t>
+            </a:r>
+            <a:r>
+              <a:rPr lang="nl-NL" sz="1400" dirty="0" err="1" smtClean="0">
+                <a:latin typeface="Courier New" panose="02070309020205020404" pitchFamily="49" charset="0"/>
+                <a:cs typeface="Courier New" panose="02070309020205020404" pitchFamily="49" charset="0"/>
+              </a:rPr>
+              <a:t>will</a:t>
+            </a:r>
+            <a:r>
+              <a:rPr lang="nl-NL" sz="1400" dirty="0" smtClean="0">
+                <a:latin typeface="Courier New" panose="02070309020205020404" pitchFamily="49" charset="0"/>
+                <a:cs typeface="Courier New" panose="02070309020205020404" pitchFamily="49" charset="0"/>
+              </a:rPr>
+              <a:t> continue </a:t>
+            </a:r>
+            <a:r>
+              <a:rPr lang="nl-NL" sz="1400" dirty="0" err="1" smtClean="0">
+                <a:latin typeface="Courier New" panose="02070309020205020404" pitchFamily="49" charset="0"/>
+                <a:cs typeface="Courier New" panose="02070309020205020404" pitchFamily="49" charset="0"/>
+              </a:rPr>
+              <a:t>with</a:t>
+            </a:r>
+            <a:r>
+              <a:rPr lang="nl-NL" sz="1400" dirty="0" smtClean="0">
+                <a:latin typeface="Courier New" panose="02070309020205020404" pitchFamily="49" charset="0"/>
+                <a:cs typeface="Courier New" panose="02070309020205020404" pitchFamily="49" charset="0"/>
+              </a:rPr>
+              <a:t> this next week)</a:t>
+            </a:r>
+          </a:p>
+          <a:p>
+            <a:pPr marL="0" indent="0">
+              <a:buNone/>
+            </a:pPr>
+            <a:endParaRPr lang="nl-NL" sz="1400" dirty="0" smtClean="0">
+              <a:latin typeface="Courier New" panose="02070309020205020404" pitchFamily="49" charset="0"/>
+              <a:cs typeface="Courier New" panose="02070309020205020404" pitchFamily="49" charset="0"/>
+            </a:endParaRPr>
+          </a:p>
+          <a:p>
+            <a:endParaRPr lang="nl-NL" sz="1400" dirty="0" smtClean="0">
+              <a:latin typeface="Courier New" panose="02070309020205020404" pitchFamily="49" charset="0"/>
+              <a:cs typeface="Courier New" panose="02070309020205020404" pitchFamily="49" charset="0"/>
+            </a:endParaRPr>
+          </a:p>
+          <a:p>
+            <a:endParaRPr lang="nl-NL" sz="1400" dirty="0">
+              <a:latin typeface="Courier New" panose="02070309020205020404" pitchFamily="49" charset="0"/>
+              <a:cs typeface="Courier New" panose="02070309020205020404" pitchFamily="49" charset="0"/>
+            </a:endParaRPr>
+          </a:p>
+          <a:p>
+            <a:endParaRPr lang="nl-NL" sz="1800" dirty="0"/>
+          </a:p>
+        </p:txBody>
+      </p:sp>
+    </p:spTree>
+    <p:extLst>
+      <p:ext uri="{BB962C8B-B14F-4D97-AF65-F5344CB8AC3E}">
+        <p14:creationId xmlns:p14="http://schemas.microsoft.com/office/powerpoint/2010/main" val="1247411762"/>
+      </p:ext>
+    </p:extLst>
+  </p:cSld>
+  <p:clrMapOvr>
+    <a:masterClrMapping/>
+  </p:clrMapOvr>
+  <p:timing>
+    <p:tnLst>
+      <p:par>
+        <p:cTn id="1" dur="indefinite" restart="never" nodeType="tmRoot"/>
+      </p:par>
+    </p:tnLst>
+  </p:timing>
+</p:sld>
+</file>
+
+<file path=ppt/slides/slide26.xml><?xml version="1.0" encoding="utf-8"?>
+<p:sld xmlns:a="http://schemas.openxmlformats.org/drawingml/2006/main" xmlns:r="http://schemas.openxmlformats.org/officeDocument/2006/relationships" xmlns:p="http://schemas.openxmlformats.org/presentationml/2006/main">
+  <p:cSld>
+    <p:spTree>
+      <p:nvGrpSpPr>
+        <p:cNvPr id="1" name=""/>
+        <p:cNvGrpSpPr/>
+        <p:nvPr/>
+      </p:nvGrpSpPr>
+      <p:grpSpPr>
+        <a:xfrm>
+          <a:off x="0" y="0"/>
+          <a:ext cx="0" cy="0"/>
+          <a:chOff x="0" y="0"/>
+          <a:chExt cx="0" cy="0"/>
+        </a:xfrm>
+      </p:grpSpPr>
+      <p:sp>
+        <p:nvSpPr>
+          <p:cNvPr id="2" name="Titel 1"/>
+          <p:cNvSpPr>
+            <a:spLocks noGrp="1"/>
+          </p:cNvSpPr>
+          <p:nvPr>
+            <p:ph type="title"/>
+          </p:nvPr>
+        </p:nvSpPr>
+        <p:spPr/>
+        <p:txBody>
+          <a:bodyPr/>
+          <a:lstStyle/>
+          <a:p>
+            <a:r>
               <a:rPr lang="nl-NL" dirty="0" smtClean="0"/>
               <a:t>Topics</a:t>
             </a:r>
@@ -19403,7 +20025,7 @@
 </p:sld>
 </file>
 
-<file path=ppt/slides/slide26.xml><?xml version="1.0" encoding="utf-8"?>
+<file path=ppt/slides/slide27.xml><?xml version="1.0" encoding="utf-8"?>
 <p:sld xmlns:a="http://schemas.openxmlformats.org/drawingml/2006/main" xmlns:r="http://schemas.openxmlformats.org/officeDocument/2006/relationships" xmlns:p="http://schemas.openxmlformats.org/presentationml/2006/main">
   <p:cSld>
     <p:spTree>
@@ -19667,6 +20289,157 @@
           <a:p>
             <a:r>
               <a:rPr lang="nl-NL" dirty="0" smtClean="0"/>
+              <a:t>Check-in</a:t>
+            </a:r>
+            <a:endParaRPr lang="nl-NL" dirty="0"/>
+          </a:p>
+        </p:txBody>
+      </p:sp>
+      <p:sp>
+        <p:nvSpPr>
+          <p:cNvPr id="9" name="Tijdelijke aanduiding voor inhoud 8"/>
+          <p:cNvSpPr>
+            <a:spLocks noGrp="1"/>
+          </p:cNvSpPr>
+          <p:nvPr>
+            <p:ph idx="1"/>
+          </p:nvPr>
+        </p:nvSpPr>
+        <p:spPr/>
+        <p:txBody>
+          <a:bodyPr/>
+          <a:lstStyle/>
+          <a:p>
+            <a:endParaRPr lang="nl-NL"/>
+          </a:p>
+        </p:txBody>
+      </p:sp>
+      <p:pic>
+        <p:nvPicPr>
+          <p:cNvPr id="12" name="Afbeelding 11"/>
+          <p:cNvPicPr>
+            <a:picLocks noChangeAspect="1"/>
+          </p:cNvPicPr>
+          <p:nvPr/>
+        </p:nvPicPr>
+        <p:blipFill>
+          <a:blip r:embed="rId2"/>
+          <a:stretch>
+            <a:fillRect/>
+          </a:stretch>
+        </p:blipFill>
+        <p:spPr>
+          <a:xfrm>
+            <a:off x="6156176" y="2492896"/>
+            <a:ext cx="2253070" cy="2016224"/>
+          </a:xfrm>
+          <a:prstGeom prst="rect">
+            <a:avLst/>
+          </a:prstGeom>
+        </p:spPr>
+      </p:pic>
+      <p:pic>
+        <p:nvPicPr>
+          <p:cNvPr id="13" name="Afbeelding 12"/>
+          <p:cNvPicPr>
+            <a:picLocks noChangeAspect="1"/>
+          </p:cNvPicPr>
+          <p:nvPr/>
+        </p:nvPicPr>
+        <p:blipFill>
+          <a:blip r:embed="rId3"/>
+          <a:stretch>
+            <a:fillRect/>
+          </a:stretch>
+        </p:blipFill>
+        <p:spPr>
+          <a:xfrm>
+            <a:off x="3491880" y="2616786"/>
+            <a:ext cx="2129219" cy="1988089"/>
+          </a:xfrm>
+          <a:prstGeom prst="rect">
+            <a:avLst/>
+          </a:prstGeom>
+        </p:spPr>
+      </p:pic>
+      <p:pic>
+        <p:nvPicPr>
+          <p:cNvPr id="14" name="Afbeelding 13"/>
+          <p:cNvPicPr>
+            <a:picLocks noChangeAspect="1"/>
+          </p:cNvPicPr>
+          <p:nvPr/>
+        </p:nvPicPr>
+        <p:blipFill>
+          <a:blip r:embed="rId4"/>
+          <a:stretch>
+            <a:fillRect/>
+          </a:stretch>
+        </p:blipFill>
+        <p:spPr>
+          <a:xfrm>
+            <a:off x="869217" y="2712543"/>
+            <a:ext cx="1873659" cy="1796577"/>
+          </a:xfrm>
+          <a:prstGeom prst="rect">
+            <a:avLst/>
+          </a:prstGeom>
+        </p:spPr>
+      </p:pic>
+    </p:spTree>
+    <p:extLst>
+      <p:ext uri="{BB962C8B-B14F-4D97-AF65-F5344CB8AC3E}">
+        <p14:creationId xmlns:p14="http://schemas.microsoft.com/office/powerpoint/2010/main" val="3898658124"/>
+      </p:ext>
+    </p:extLst>
+  </p:cSld>
+  <p:clrMapOvr>
+    <a:masterClrMapping/>
+  </p:clrMapOvr>
+  <p:timing>
+    <p:tnLst>
+      <p:par>
+        <p:cTn id="1" dur="indefinite" restart="never" nodeType="tmRoot"/>
+      </p:par>
+    </p:tnLst>
+  </p:timing>
+</p:sld>
+</file>
+
+<file path=ppt/slides/slide4.xml><?xml version="1.0" encoding="utf-8"?>
+<p:sld xmlns:a="http://schemas.openxmlformats.org/drawingml/2006/main" xmlns:r="http://schemas.openxmlformats.org/officeDocument/2006/relationships" xmlns:p="http://schemas.openxmlformats.org/presentationml/2006/main">
+  <p:cSld>
+    <p:spTree>
+      <p:nvGrpSpPr>
+        <p:cNvPr id="1" name=""/>
+        <p:cNvGrpSpPr/>
+        <p:nvPr/>
+      </p:nvGrpSpPr>
+      <p:grpSpPr>
+        <a:xfrm>
+          <a:off x="0" y="0"/>
+          <a:ext cx="0" cy="0"/>
+          <a:chOff x="0" y="0"/>
+          <a:chExt cx="0" cy="0"/>
+        </a:xfrm>
+      </p:grpSpPr>
+      <p:sp>
+        <p:nvSpPr>
+          <p:cNvPr id="2" name="Titel 1"/>
+          <p:cNvSpPr>
+            <a:spLocks noGrp="1"/>
+          </p:cNvSpPr>
+          <p:nvPr>
+            <p:ph type="title"/>
+          </p:nvPr>
+        </p:nvSpPr>
+        <p:spPr/>
+        <p:txBody>
+          <a:bodyPr/>
+          <a:lstStyle/>
+          <a:p>
+            <a:r>
+              <a:rPr lang="nl-NL" dirty="0" smtClean="0"/>
               <a:t>My background</a:t>
             </a:r>
             <a:endParaRPr lang="nl-NL" dirty="0"/>
@@ -19868,7 +20641,7 @@
 </p:sld>
 </file>
 
-<file path=ppt/slides/slide4.xml><?xml version="1.0" encoding="utf-8"?>
+<file path=ppt/slides/slide5.xml><?xml version="1.0" encoding="utf-8"?>
 <p:sld xmlns:a="http://schemas.openxmlformats.org/drawingml/2006/main" xmlns:r="http://schemas.openxmlformats.org/officeDocument/2006/relationships" xmlns:p="http://schemas.openxmlformats.org/presentationml/2006/main">
   <p:cSld>
     <p:spTree>
@@ -20052,7 +20825,7 @@
 </p:sld>
 </file>
 
-<file path=ppt/slides/slide5.xml><?xml version="1.0" encoding="utf-8"?>
+<file path=ppt/slides/slide6.xml><?xml version="1.0" encoding="utf-8"?>
 <p:sld xmlns:a="http://schemas.openxmlformats.org/drawingml/2006/main" xmlns:r="http://schemas.openxmlformats.org/officeDocument/2006/relationships" xmlns:p="http://schemas.openxmlformats.org/presentationml/2006/main">
   <p:cSld>
     <p:spTree>
@@ -20339,7 +21112,7 @@
 </p:sld>
 </file>
 
-<file path=ppt/slides/slide6.xml><?xml version="1.0" encoding="utf-8"?>
+<file path=ppt/slides/slide7.xml><?xml version="1.0" encoding="utf-8"?>
 <p:sld xmlns:a="http://schemas.openxmlformats.org/drawingml/2006/main" xmlns:r="http://schemas.openxmlformats.org/officeDocument/2006/relationships" xmlns:p="http://schemas.openxmlformats.org/presentationml/2006/main">
   <p:cSld>
     <p:spTree>
@@ -20626,311 +21399,6 @@
 </p:sld>
 </file>
 
-<file path=ppt/slides/slide7.xml><?xml version="1.0" encoding="utf-8"?>
-<p:sld xmlns:a="http://schemas.openxmlformats.org/drawingml/2006/main" xmlns:r="http://schemas.openxmlformats.org/officeDocument/2006/relationships" xmlns:p="http://schemas.openxmlformats.org/presentationml/2006/main">
-  <p:cSld>
-    <p:spTree>
-      <p:nvGrpSpPr>
-        <p:cNvPr id="1" name=""/>
-        <p:cNvGrpSpPr/>
-        <p:nvPr/>
-      </p:nvGrpSpPr>
-      <p:grpSpPr>
-        <a:xfrm>
-          <a:off x="0" y="0"/>
-          <a:ext cx="0" cy="0"/>
-          <a:chOff x="0" y="0"/>
-          <a:chExt cx="0" cy="0"/>
-        </a:xfrm>
-      </p:grpSpPr>
-      <p:sp>
-        <p:nvSpPr>
-          <p:cNvPr id="2" name="Titel 1"/>
-          <p:cNvSpPr>
-            <a:spLocks noGrp="1"/>
-          </p:cNvSpPr>
-          <p:nvPr>
-            <p:ph type="title"/>
-          </p:nvPr>
-        </p:nvSpPr>
-        <p:spPr/>
-        <p:txBody>
-          <a:bodyPr/>
-          <a:lstStyle/>
-          <a:p>
-            <a:r>
-              <a:rPr lang="nl-NL" dirty="0" smtClean="0"/>
-              <a:t>Course </a:t>
-            </a:r>
-            <a:r>
-              <a:rPr lang="nl-NL" dirty="0" err="1" smtClean="0"/>
-              <a:t>overview</a:t>
-            </a:r>
-            <a:endParaRPr lang="nl-NL" dirty="0"/>
-          </a:p>
-        </p:txBody>
-      </p:sp>
-      <p:sp>
-        <p:nvSpPr>
-          <p:cNvPr id="3" name="Tijdelijke aanduiding voor inhoud 2"/>
-          <p:cNvSpPr>
-            <a:spLocks noGrp="1"/>
-          </p:cNvSpPr>
-          <p:nvPr>
-            <p:ph idx="1"/>
-          </p:nvPr>
-        </p:nvSpPr>
-        <p:spPr>
-          <a:xfrm>
-            <a:off x="762000" y="1762125"/>
-            <a:ext cx="7881938" cy="6173998"/>
-          </a:xfrm>
-        </p:spPr>
-        <p:txBody>
-          <a:bodyPr/>
-          <a:lstStyle/>
-          <a:p>
-            <a:r>
-              <a:rPr lang="nl-NL" sz="2000" dirty="0" err="1" smtClean="0"/>
-              <a:t>Similar</a:t>
-            </a:r>
-            <a:r>
-              <a:rPr lang="nl-NL" sz="2000" dirty="0"/>
-              <a:t> </a:t>
-            </a:r>
-            <a:r>
-              <a:rPr lang="nl-NL" sz="2000" dirty="0" smtClean="0"/>
-              <a:t>set-up </a:t>
-            </a:r>
-            <a:r>
-              <a:rPr lang="nl-NL" sz="2000" dirty="0" err="1" smtClean="0"/>
-              <a:t>to</a:t>
-            </a:r>
-            <a:r>
-              <a:rPr lang="nl-NL" sz="2000" dirty="0" smtClean="0"/>
-              <a:t> </a:t>
-            </a:r>
-            <a:r>
-              <a:rPr lang="nl-NL" sz="2000" dirty="0" smtClean="0"/>
-              <a:t>Fundamentals of Data Science</a:t>
-            </a:r>
-            <a:endParaRPr lang="nl-NL" sz="2000" dirty="0" smtClean="0"/>
-          </a:p>
-          <a:p>
-            <a:endParaRPr lang="nl-NL" sz="2000" dirty="0" smtClean="0"/>
-          </a:p>
-          <a:p>
-            <a:r>
-              <a:rPr lang="nl-NL" sz="2000" dirty="0" smtClean="0"/>
-              <a:t>Portfolio </a:t>
-            </a:r>
-            <a:r>
-              <a:rPr lang="nl-NL" sz="2000" dirty="0" smtClean="0"/>
-              <a:t>of </a:t>
-            </a:r>
-            <a:r>
-              <a:rPr lang="nl-NL" sz="2000" dirty="0" err="1" smtClean="0"/>
-              <a:t>w</a:t>
-            </a:r>
-            <a:r>
-              <a:rPr lang="nl-NL" sz="2000" dirty="0" err="1" smtClean="0"/>
-              <a:t>eekly</a:t>
-            </a:r>
-            <a:r>
-              <a:rPr lang="nl-NL" sz="2000" dirty="0" smtClean="0"/>
-              <a:t> </a:t>
-            </a:r>
-            <a:r>
-              <a:rPr lang="nl-NL" sz="2000" dirty="0" err="1" smtClean="0"/>
-              <a:t>assignments</a:t>
-            </a:r>
-            <a:r>
-              <a:rPr lang="nl-NL" sz="2000" dirty="0" smtClean="0"/>
-              <a:t>, deadline on </a:t>
-            </a:r>
-            <a:r>
-              <a:rPr lang="nl-NL" sz="2000" dirty="0" err="1" smtClean="0"/>
-              <a:t>Tuesday</a:t>
-            </a:r>
-            <a:endParaRPr lang="nl-NL" sz="2000" dirty="0" smtClean="0"/>
-          </a:p>
-          <a:p>
-            <a:endParaRPr lang="nl-NL" sz="2000" dirty="0"/>
-          </a:p>
-          <a:p>
-            <a:r>
-              <a:rPr lang="nl-NL" sz="2000" dirty="0" err="1" smtClean="0"/>
-              <a:t>Final</a:t>
-            </a:r>
-            <a:r>
-              <a:rPr lang="nl-NL" sz="2000" dirty="0" smtClean="0"/>
-              <a:t> </a:t>
-            </a:r>
-            <a:r>
-              <a:rPr lang="nl-NL" sz="2000" dirty="0" err="1" smtClean="0"/>
-              <a:t>assignment</a:t>
-            </a:r>
-            <a:r>
-              <a:rPr lang="nl-NL" sz="2000" dirty="0" smtClean="0"/>
-              <a:t>: building a </a:t>
-            </a:r>
-            <a:r>
-              <a:rPr lang="nl-NL" sz="2000" dirty="0" err="1" smtClean="0"/>
-              <a:t>predictive</a:t>
-            </a:r>
-            <a:r>
-              <a:rPr lang="nl-NL" sz="2000" dirty="0" smtClean="0"/>
-              <a:t> model</a:t>
-            </a:r>
-          </a:p>
-          <a:p>
-            <a:endParaRPr lang="nl-NL" sz="2000" dirty="0"/>
-          </a:p>
-          <a:p>
-            <a:r>
-              <a:rPr lang="nl-NL" sz="2000" dirty="0" err="1" smtClean="0"/>
-              <a:t>Please</a:t>
-            </a:r>
-            <a:r>
-              <a:rPr lang="nl-NL" sz="2000" dirty="0" smtClean="0"/>
-              <a:t> </a:t>
-            </a:r>
-            <a:r>
-              <a:rPr lang="nl-NL" sz="2000" dirty="0" smtClean="0"/>
-              <a:t>post </a:t>
-            </a:r>
-            <a:r>
-              <a:rPr lang="nl-NL" sz="2000" dirty="0" err="1" smtClean="0"/>
-              <a:t>your</a:t>
-            </a:r>
-            <a:r>
-              <a:rPr lang="nl-NL" sz="2000" dirty="0" smtClean="0"/>
-              <a:t> </a:t>
-            </a:r>
-            <a:r>
-              <a:rPr lang="nl-NL" sz="2000" dirty="0" err="1" smtClean="0"/>
-              <a:t>exercises</a:t>
-            </a:r>
-            <a:r>
-              <a:rPr lang="nl-NL" sz="2000" dirty="0" smtClean="0"/>
-              <a:t> in the Slack (link </a:t>
-            </a:r>
-            <a:r>
-              <a:rPr lang="nl-NL" sz="2000" dirty="0" err="1" smtClean="0"/>
-              <a:t>to</a:t>
-            </a:r>
-            <a:r>
-              <a:rPr lang="nl-NL" sz="2000" dirty="0" smtClean="0"/>
-              <a:t> </a:t>
-            </a:r>
-            <a:r>
-              <a:rPr lang="nl-NL" sz="2000" dirty="0" err="1" smtClean="0"/>
-              <a:t>your</a:t>
-            </a:r>
-            <a:r>
-              <a:rPr lang="nl-NL" sz="2000" dirty="0" smtClean="0"/>
-              <a:t> solution on GitHub</a:t>
-            </a:r>
-            <a:r>
-              <a:rPr lang="nl-NL" sz="2000" dirty="0" smtClean="0"/>
-              <a:t>)</a:t>
-            </a:r>
-          </a:p>
-          <a:p>
-            <a:endParaRPr lang="nl-NL" sz="2000" dirty="0"/>
-          </a:p>
-          <a:p>
-            <a:r>
-              <a:rPr lang="nl-NL" sz="2000" dirty="0" err="1" smtClean="0"/>
-              <a:t>Note</a:t>
-            </a:r>
-            <a:r>
-              <a:rPr lang="nl-NL" sz="2000" dirty="0" smtClean="0"/>
-              <a:t>: slides </a:t>
-            </a:r>
-            <a:r>
-              <a:rPr lang="nl-NL" sz="2000" dirty="0" err="1" smtClean="0"/>
-              <a:t>and</a:t>
-            </a:r>
-            <a:r>
-              <a:rPr lang="nl-NL" sz="2000" dirty="0" smtClean="0"/>
-              <a:t> </a:t>
-            </a:r>
-            <a:r>
-              <a:rPr lang="nl-NL" sz="2000" dirty="0" err="1" smtClean="0"/>
-              <a:t>exercises</a:t>
-            </a:r>
-            <a:r>
-              <a:rPr lang="nl-NL" sz="2000" dirty="0" smtClean="0"/>
-              <a:t> are on GitHub</a:t>
-            </a:r>
-            <a:endParaRPr lang="nl-NL" sz="2000" dirty="0" smtClean="0"/>
-          </a:p>
-          <a:p>
-            <a:endParaRPr lang="nl-NL" sz="2000" dirty="0" smtClean="0"/>
-          </a:p>
-          <a:p>
-            <a:r>
-              <a:rPr lang="nl-NL" sz="2000" dirty="0" err="1" smtClean="0"/>
-              <a:t>We’re</a:t>
-            </a:r>
-            <a:r>
-              <a:rPr lang="nl-NL" sz="2000" dirty="0" smtClean="0"/>
-              <a:t> </a:t>
-            </a:r>
-            <a:r>
-              <a:rPr lang="nl-NL" sz="2000" dirty="0" err="1" smtClean="0"/>
-              <a:t>working</a:t>
-            </a:r>
-            <a:r>
-              <a:rPr lang="nl-NL" sz="2000" dirty="0" smtClean="0"/>
-              <a:t> in Jupyter </a:t>
-            </a:r>
-            <a:r>
-              <a:rPr lang="nl-NL" sz="2000" dirty="0" smtClean="0"/>
-              <a:t>Notebook </a:t>
-            </a:r>
-          </a:p>
-          <a:p>
-            <a:endParaRPr lang="nl-NL" sz="2400" dirty="0"/>
-          </a:p>
-          <a:p>
-            <a:pPr marL="0" indent="0">
-              <a:buNone/>
-            </a:pPr>
-            <a:endParaRPr lang="nl-NL" sz="2400" dirty="0" smtClean="0"/>
-          </a:p>
-          <a:p>
-            <a:pPr marL="0" indent="0">
-              <a:buNone/>
-            </a:pPr>
-            <a:endParaRPr lang="nl-NL" sz="2400" dirty="0"/>
-          </a:p>
-          <a:p>
-            <a:endParaRPr lang="nl-NL" sz="2400" dirty="0"/>
-          </a:p>
-        </p:txBody>
-      </p:sp>
-    </p:spTree>
-    <p:extLst>
-      <p:ext uri="{BB962C8B-B14F-4D97-AF65-F5344CB8AC3E}">
-        <p14:creationId xmlns:p14="http://schemas.microsoft.com/office/powerpoint/2010/main" val="3878499956"/>
-      </p:ext>
-    </p:extLst>
-  </p:cSld>
-  <p:clrMapOvr>
-    <a:masterClrMapping/>
-  </p:clrMapOvr>
-  <p:timing>
-    <p:tnLst>
-      <p:par>
-        <p:cTn id="1" dur="indefinite" restart="never" nodeType="tmRoot"/>
-      </p:par>
-    </p:tnLst>
-  </p:timing>
-</p:sld>
-</file>
-
 <file path=ppt/slides/slide8.xml><?xml version="1.0" encoding="utf-8"?>
 <p:sld xmlns:a="http://schemas.openxmlformats.org/drawingml/2006/main" xmlns:r="http://schemas.openxmlformats.org/officeDocument/2006/relationships" xmlns:p="http://schemas.openxmlformats.org/presentationml/2006/main">
   <p:cSld>
@@ -20964,16 +21432,12 @@
           <a:lstStyle/>
           <a:p>
             <a:r>
+              <a:rPr lang="nl-NL" dirty="0" smtClean="0"/>
+              <a:t>Course </a:t>
+            </a:r>
+            <a:r>
               <a:rPr lang="nl-NL" dirty="0" err="1" smtClean="0"/>
-              <a:t>Final</a:t>
-            </a:r>
-            <a:r>
-              <a:rPr lang="nl-NL" dirty="0" smtClean="0"/>
-              <a:t> </a:t>
-            </a:r>
-            <a:r>
-              <a:rPr lang="nl-NL" dirty="0" err="1" smtClean="0"/>
-              <a:t>assignment</a:t>
+              <a:t>overview</a:t>
             </a:r>
             <a:endParaRPr lang="nl-NL" dirty="0"/>
           </a:p>
@@ -20992,7 +21456,7 @@
         <p:spPr>
           <a:xfrm>
             <a:off x="762000" y="1762125"/>
-            <a:ext cx="7881938" cy="5472267"/>
+            <a:ext cx="7881938" cy="6173998"/>
           </a:xfrm>
         </p:spPr>
         <p:txBody>
@@ -21001,11 +21465,74 @@
           <a:p>
             <a:r>
               <a:rPr lang="nl-NL" sz="2000" dirty="0" err="1" smtClean="0"/>
-              <a:t>Build</a:t>
+              <a:t>Similar</a:t>
+            </a:r>
+            <a:r>
+              <a:rPr lang="nl-NL" sz="2000" dirty="0"/>
+              <a:t> </a:t>
             </a:r>
             <a:r>
               <a:rPr lang="nl-NL" sz="2000" dirty="0" smtClean="0"/>
-              <a:t> a </a:t>
+              <a:t>set-up </a:t>
+            </a:r>
+            <a:r>
+              <a:rPr lang="nl-NL" sz="2000" dirty="0" err="1" smtClean="0"/>
+              <a:t>to</a:t>
+            </a:r>
+            <a:r>
+              <a:rPr lang="nl-NL" sz="2000" dirty="0" smtClean="0"/>
+              <a:t> Fundamentals of Data Science</a:t>
+            </a:r>
+          </a:p>
+          <a:p>
+            <a:endParaRPr lang="nl-NL" sz="2000" dirty="0" smtClean="0"/>
+          </a:p>
+          <a:p>
+            <a:r>
+              <a:rPr lang="nl-NL" sz="2000" dirty="0" smtClean="0"/>
+              <a:t>Portfolio of </a:t>
+            </a:r>
+            <a:r>
+              <a:rPr lang="nl-NL" sz="2000" dirty="0" err="1" smtClean="0"/>
+              <a:t>weekly</a:t>
+            </a:r>
+            <a:r>
+              <a:rPr lang="nl-NL" sz="2000" dirty="0" smtClean="0"/>
+              <a:t> </a:t>
+            </a:r>
+            <a:r>
+              <a:rPr lang="nl-NL" sz="2000" dirty="0" err="1" smtClean="0"/>
+              <a:t>assignments</a:t>
+            </a:r>
+            <a:r>
+              <a:rPr lang="nl-NL" sz="2000" dirty="0" smtClean="0"/>
+              <a:t>, deadline on </a:t>
+            </a:r>
+            <a:r>
+              <a:rPr lang="nl-NL" sz="2000" dirty="0" err="1" smtClean="0"/>
+              <a:t>Tuesday</a:t>
+            </a:r>
+            <a:endParaRPr lang="nl-NL" sz="2000" dirty="0" smtClean="0"/>
+          </a:p>
+          <a:p>
+            <a:endParaRPr lang="nl-NL" sz="2000" dirty="0"/>
+          </a:p>
+          <a:p>
+            <a:r>
+              <a:rPr lang="nl-NL" sz="2000" dirty="0" err="1" smtClean="0"/>
+              <a:t>Final</a:t>
+            </a:r>
+            <a:r>
+              <a:rPr lang="nl-NL" sz="2000" dirty="0" smtClean="0"/>
+              <a:t> </a:t>
+            </a:r>
+            <a:r>
+              <a:rPr lang="nl-NL" sz="2000" dirty="0" err="1" smtClean="0"/>
+              <a:t>assignment</a:t>
+            </a:r>
+            <a:r>
+              <a:rPr lang="nl-NL" sz="2000" dirty="0" smtClean="0"/>
+              <a:t>: building a </a:t>
             </a:r>
             <a:r>
               <a:rPr lang="nl-NL" sz="2000" dirty="0" err="1" smtClean="0"/>
@@ -21013,7 +21540,36 @@
             </a:r>
             <a:r>
               <a:rPr lang="nl-NL" sz="2000" dirty="0" smtClean="0"/>
-              <a:t> model </a:t>
+              <a:t> model</a:t>
+            </a:r>
+          </a:p>
+          <a:p>
+            <a:endParaRPr lang="nl-NL" sz="2000" dirty="0"/>
+          </a:p>
+          <a:p>
+            <a:r>
+              <a:rPr lang="nl-NL" sz="2000" dirty="0" err="1" smtClean="0"/>
+              <a:t>Please</a:t>
+            </a:r>
+            <a:r>
+              <a:rPr lang="nl-NL" sz="2000" dirty="0" smtClean="0"/>
+              <a:t> post </a:t>
+            </a:r>
+            <a:r>
+              <a:rPr lang="nl-NL" sz="2000" dirty="0" err="1" smtClean="0"/>
+              <a:t>your</a:t>
+            </a:r>
+            <a:r>
+              <a:rPr lang="nl-NL" sz="2000" dirty="0" smtClean="0"/>
+              <a:t> </a:t>
+            </a:r>
+            <a:r>
+              <a:rPr lang="nl-NL" sz="2000" dirty="0" err="1" smtClean="0"/>
+              <a:t>exercises</a:t>
+            </a:r>
+            <a:r>
+              <a:rPr lang="nl-NL" sz="2000" dirty="0" smtClean="0"/>
+              <a:t> in the Slack (link </a:t>
             </a:r>
             <a:r>
               <a:rPr lang="nl-NL" sz="2000" dirty="0" err="1" smtClean="0"/>
@@ -21025,24 +21581,28 @@
             </a:r>
             <a:r>
               <a:rPr lang="nl-NL" sz="2000" dirty="0" err="1" smtClean="0"/>
-              <a:t>predict</a:t>
+              <a:t>your</a:t>
             </a:r>
             <a:r>
               <a:rPr lang="nl-NL" sz="2000" dirty="0" smtClean="0"/>
-              <a:t> user data</a:t>
-            </a:r>
-          </a:p>
-          <a:p>
-            <a:endParaRPr lang="nl-NL" sz="2000" dirty="0" smtClean="0"/>
-          </a:p>
-          <a:p>
+              <a:t> solution on GitHub)</a:t>
+            </a:r>
+          </a:p>
+          <a:p>
+            <a:endParaRPr lang="nl-NL" sz="2000" dirty="0"/>
+          </a:p>
+          <a:p>
+            <a:r>
+              <a:rPr lang="nl-NL" sz="2000" dirty="0" err="1" smtClean="0"/>
+              <a:t>Note</a:t>
+            </a:r>
             <a:r>
               <a:rPr lang="nl-NL" sz="2000" dirty="0" smtClean="0"/>
-              <a:t>Data set has </a:t>
+              <a:t>: slides </a:t>
             </a:r>
             <a:r>
               <a:rPr lang="nl-NL" sz="2000" dirty="0" err="1" smtClean="0"/>
-              <a:t>to</a:t>
+              <a:t>and</a:t>
             </a:r>
             <a:r>
               <a:rPr lang="nl-NL" sz="2000" dirty="0" smtClean="0"/>
@@ -21050,89 +21610,11 @@
             </a:r>
             <a:r>
               <a:rPr lang="nl-NL" sz="2000" dirty="0" err="1" smtClean="0"/>
-              <a:t>be</a:t>
+              <a:t>exercises</a:t>
             </a:r>
             <a:r>
               <a:rPr lang="nl-NL" sz="2000" dirty="0" smtClean="0"/>
-              <a:t> new, e.g.</a:t>
-            </a:r>
-          </a:p>
-          <a:p>
-            <a:pPr lvl="1"/>
-            <a:r>
-              <a:rPr lang="nl-NL" sz="1600" dirty="0" err="1"/>
-              <a:t>Scraping</a:t>
-            </a:r>
-            <a:endParaRPr lang="nl-NL" sz="1600" dirty="0"/>
-          </a:p>
-          <a:p>
-            <a:pPr lvl="1"/>
-            <a:r>
-              <a:rPr lang="nl-NL" sz="1600" dirty="0" err="1"/>
-              <a:t>Own</a:t>
-            </a:r>
-            <a:r>
-              <a:rPr lang="nl-NL" sz="1600" dirty="0"/>
-              <a:t> data or </a:t>
-            </a:r>
-            <a:r>
-              <a:rPr lang="nl-NL" sz="1600" dirty="0" err="1"/>
-              <a:t>own</a:t>
-            </a:r>
-            <a:r>
-              <a:rPr lang="nl-NL" sz="1600" dirty="0"/>
-              <a:t> platform data</a:t>
-            </a:r>
-          </a:p>
-          <a:p>
-            <a:pPr lvl="1"/>
-            <a:r>
-              <a:rPr lang="nl-NL" sz="1600" dirty="0" err="1"/>
-              <a:t>Collaboration</a:t>
-            </a:r>
-            <a:r>
-              <a:rPr lang="nl-NL" sz="1600" dirty="0"/>
-              <a:t> </a:t>
-            </a:r>
-            <a:r>
-              <a:rPr lang="nl-NL" sz="1600" dirty="0" err="1"/>
-              <a:t>with</a:t>
-            </a:r>
-            <a:r>
-              <a:rPr lang="nl-NL" sz="1600" dirty="0"/>
-              <a:t> company (make </a:t>
-            </a:r>
-            <a:r>
-              <a:rPr lang="nl-NL" sz="1600" dirty="0" err="1"/>
-              <a:t>sure</a:t>
-            </a:r>
-            <a:r>
-              <a:rPr lang="nl-NL" sz="1600" dirty="0"/>
-              <a:t> </a:t>
-            </a:r>
-            <a:r>
-              <a:rPr lang="nl-NL" sz="1600" dirty="0" err="1"/>
-              <a:t>you</a:t>
-            </a:r>
-            <a:r>
-              <a:rPr lang="nl-NL" sz="1600" dirty="0"/>
-              <a:t> </a:t>
-            </a:r>
-            <a:r>
-              <a:rPr lang="nl-NL" sz="1600" dirty="0" err="1"/>
-              <a:t>comply</a:t>
-            </a:r>
-            <a:r>
-              <a:rPr lang="nl-NL" sz="1600" dirty="0"/>
-              <a:t> </a:t>
-            </a:r>
-            <a:r>
-              <a:rPr lang="nl-NL" sz="1600" dirty="0" err="1"/>
-              <a:t>with</a:t>
-            </a:r>
-            <a:r>
-              <a:rPr lang="nl-NL" sz="1600" dirty="0"/>
-              <a:t> GDPR)</a:t>
+              <a:t> are on GitHub</a:t>
             </a:r>
           </a:p>
           <a:p>
@@ -21141,23 +21623,7 @@
           <a:p>
             <a:r>
               <a:rPr lang="nl-NL" sz="2000" dirty="0" err="1" smtClean="0"/>
-              <a:t>Work</a:t>
-            </a:r>
-            <a:r>
-              <a:rPr lang="nl-NL" sz="2000" dirty="0" smtClean="0"/>
-              <a:t> in peer feedback </a:t>
-            </a:r>
-            <a:r>
-              <a:rPr lang="nl-NL" sz="2000" dirty="0" err="1" smtClean="0"/>
-              <a:t>groups</a:t>
-            </a:r>
-            <a:r>
-              <a:rPr lang="nl-NL" sz="2000" dirty="0" smtClean="0"/>
-              <a:t> of 4 </a:t>
-            </a:r>
-            <a:r>
-              <a:rPr lang="nl-NL" sz="2000" dirty="0" err="1" smtClean="0"/>
-              <a:t>created</a:t>
+              <a:t>We’re</a:t>
             </a:r>
             <a:r>
               <a:rPr lang="nl-NL" sz="2000" dirty="0" smtClean="0"/>
@@ -21165,115 +21631,50 @@
             </a:r>
             <a:r>
               <a:rPr lang="nl-NL" sz="2000" dirty="0" err="1" smtClean="0"/>
-              <a:t>by</a:t>
+              <a:t>working</a:t>
             </a:r>
             <a:r>
               <a:rPr lang="nl-NL" sz="2000" dirty="0" smtClean="0"/>
-              <a:t> me</a:t>
-            </a:r>
-          </a:p>
-          <a:p>
-            <a:endParaRPr lang="nl-NL" sz="2000" dirty="0"/>
-          </a:p>
-          <a:p>
-            <a:r>
-              <a:rPr lang="nl-NL" sz="2000" dirty="0" smtClean="0"/>
-              <a:t>In </a:t>
-            </a:r>
-            <a:r>
-              <a:rPr lang="nl-NL" sz="2000" dirty="0" err="1" smtClean="0"/>
-              <a:t>your</a:t>
-            </a:r>
-            <a:r>
-              <a:rPr lang="nl-NL" sz="2000" dirty="0" smtClean="0"/>
-              <a:t> </a:t>
-            </a:r>
-            <a:r>
-              <a:rPr lang="nl-NL" sz="2000" dirty="0" err="1" smtClean="0"/>
-              <a:t>group</a:t>
-            </a:r>
-            <a:r>
-              <a:rPr lang="nl-NL" sz="2000" dirty="0" smtClean="0"/>
-              <a:t>, </a:t>
-            </a:r>
-            <a:r>
-              <a:rPr lang="nl-NL" sz="2000" dirty="0" err="1" smtClean="0"/>
-              <a:t>work</a:t>
-            </a:r>
-            <a:r>
-              <a:rPr lang="nl-NL" sz="2000" dirty="0" smtClean="0"/>
-              <a:t> on </a:t>
-            </a:r>
-            <a:r>
-              <a:rPr lang="nl-NL" sz="2000" dirty="0" err="1" smtClean="0"/>
-              <a:t>assignments</a:t>
-            </a:r>
-            <a:r>
-              <a:rPr lang="nl-NL" sz="2000" dirty="0" smtClean="0"/>
-              <a:t> </a:t>
-            </a:r>
-            <a:r>
-              <a:rPr lang="nl-NL" sz="2000" dirty="0" err="1" smtClean="0"/>
-              <a:t>during</a:t>
-            </a:r>
-            <a:r>
-              <a:rPr lang="nl-NL" sz="2000" dirty="0" smtClean="0"/>
-              <a:t> workshop </a:t>
-            </a:r>
-            <a:r>
-              <a:rPr lang="nl-NL" sz="2000" dirty="0" err="1" smtClean="0"/>
-              <a:t>hours</a:t>
-            </a:r>
-            <a:endParaRPr lang="nl-NL" sz="2000" dirty="0" smtClean="0"/>
-          </a:p>
-          <a:p>
-            <a:endParaRPr lang="nl-NL" sz="2000" dirty="0"/>
-          </a:p>
-          <a:p>
-            <a:r>
-              <a:rPr lang="nl-NL" sz="2000" dirty="0" smtClean="0"/>
-              <a:t>Poster </a:t>
-            </a:r>
-            <a:r>
-              <a:rPr lang="nl-NL" sz="2000" dirty="0" err="1" smtClean="0"/>
-              <a:t>presentation</a:t>
-            </a:r>
-            <a:r>
-              <a:rPr lang="nl-NL" sz="2000" dirty="0" smtClean="0"/>
-              <a:t> on </a:t>
-            </a:r>
-            <a:r>
-              <a:rPr lang="nl-NL" sz="2000" dirty="0" err="1" smtClean="0"/>
-              <a:t>Thursday</a:t>
-            </a:r>
-            <a:r>
-              <a:rPr lang="nl-NL" sz="2000" dirty="0" smtClean="0"/>
-              <a:t> week 9 (23 Jan), deadline Friday (24 Jan)</a:t>
-            </a:r>
-          </a:p>
-          <a:p>
-            <a:pPr lvl="1"/>
-            <a:endParaRPr lang="nl-NL" sz="1600" dirty="0"/>
-          </a:p>
-          <a:p>
-            <a:pPr lvl="2"/>
-            <a:endParaRPr lang="nl-NL" sz="1400" dirty="0"/>
-          </a:p>
-          <a:p>
-            <a:endParaRPr lang="nl-NL" sz="2000" dirty="0"/>
+              <a:t> in Jupyter Notebook </a:t>
+            </a:r>
+          </a:p>
+          <a:p>
+            <a:endParaRPr lang="nl-NL" sz="2400" dirty="0"/>
+          </a:p>
+          <a:p>
+            <a:pPr marL="0" indent="0">
+              <a:buNone/>
+            </a:pPr>
+            <a:endParaRPr lang="nl-NL" sz="2400" dirty="0" smtClean="0"/>
+          </a:p>
+          <a:p>
+            <a:pPr marL="0" indent="0">
+              <a:buNone/>
+            </a:pPr>
+            <a:endParaRPr lang="nl-NL" sz="2400" dirty="0"/>
+          </a:p>
+          <a:p>
+            <a:endParaRPr lang="nl-NL" sz="2400" dirty="0"/>
           </a:p>
         </p:txBody>
       </p:sp>
     </p:spTree>
     <p:extLst>
       <p:ext uri="{BB962C8B-B14F-4D97-AF65-F5344CB8AC3E}">
-        <p14:creationId xmlns:p14="http://schemas.microsoft.com/office/powerpoint/2010/main" val="1297744158"/>
+        <p14:creationId xmlns:p14="http://schemas.microsoft.com/office/powerpoint/2010/main" val="3878499956"/>
       </p:ext>
     </p:extLst>
   </p:cSld>
   <p:clrMapOvr>
     <a:masterClrMapping/>
   </p:clrMapOvr>
+  <p:timing>
+    <p:tnLst>
+      <p:par>
+        <p:cTn id="1" dur="indefinite" restart="never" nodeType="tmRoot"/>
+      </p:par>
+    </p:tnLst>
+  </p:timing>
 </p:sld>
 </file>
 
@@ -21310,550 +21711,316 @@
           <a:lstStyle/>
           <a:p>
             <a:r>
+              <a:rPr lang="nl-NL" dirty="0" err="1" smtClean="0"/>
+              <a:t>Final</a:t>
+            </a:r>
+            <a:r>
               <a:rPr lang="nl-NL" dirty="0" smtClean="0"/>
-              <a:t>Schedule</a:t>
+              <a:t> </a:t>
+            </a:r>
+            <a:r>
+              <a:rPr lang="nl-NL" dirty="0" err="1" smtClean="0"/>
+              <a:t>assignment</a:t>
             </a:r>
             <a:endParaRPr lang="nl-NL" dirty="0"/>
           </a:p>
         </p:txBody>
       </p:sp>
-      <p:graphicFrame>
-        <p:nvGraphicFramePr>
-          <p:cNvPr id="4" name="Tijdelijke aanduiding voor inhoud 3"/>
-          <p:cNvGraphicFramePr>
-            <a:graphicFrameLocks noGrp="1"/>
-          </p:cNvGraphicFramePr>
+      <p:sp>
+        <p:nvSpPr>
+          <p:cNvPr id="3" name="Tijdelijke aanduiding voor inhoud 2"/>
+          <p:cNvSpPr>
+            <a:spLocks noGrp="1"/>
+          </p:cNvSpPr>
           <p:nvPr>
             <p:ph idx="1"/>
-            <p:extLst>
-              <p:ext uri="{D42A27DB-BD31-4B8C-83A1-F6EECF244321}">
-                <p14:modId xmlns:p14="http://schemas.microsoft.com/office/powerpoint/2010/main" val="4136667673"/>
-              </p:ext>
-            </p:extLst>
           </p:nvPr>
-        </p:nvGraphicFramePr>
-        <p:xfrm>
-          <a:off x="762000" y="1762125"/>
-          <a:ext cx="7881938" cy="4251960"/>
-        </p:xfrm>
-        <a:graphic>
-          <a:graphicData uri="http://schemas.openxmlformats.org/drawingml/2006/table">
-            <a:tbl>
-              <a:tblPr firstRow="1" bandRow="1">
-                <a:tableStyleId>{5C22544A-7EE6-4342-B048-85BDC9FD1C3A}</a:tableStyleId>
-              </a:tblPr>
-              <a:tblGrid>
-                <a:gridCol w="1001688">
-                  <a:extLst>
-                    <a:ext uri="{9D8B030D-6E8A-4147-A177-3AD203B41FA5}">
-                      <a16:colId xmlns:a16="http://schemas.microsoft.com/office/drawing/2014/main" val="2263402625"/>
-                    </a:ext>
-                  </a:extLst>
-                </a:gridCol>
-                <a:gridCol w="6880250">
-                  <a:extLst>
-                    <a:ext uri="{9D8B030D-6E8A-4147-A177-3AD203B41FA5}">
-                      <a16:colId xmlns:a16="http://schemas.microsoft.com/office/drawing/2014/main" val="625629966"/>
-                    </a:ext>
-                  </a:extLst>
-                </a:gridCol>
-              </a:tblGrid>
-              <a:tr h="370840">
-                <a:tc>
-                  <a:txBody>
-                    <a:bodyPr/>
-                    <a:lstStyle/>
-                    <a:p>
-                      <a:r>
-                        <a:rPr lang="nl-NL" dirty="0" smtClean="0"/>
-                        <a:t>Week</a:t>
-                      </a:r>
-                      <a:endParaRPr lang="nl-NL" dirty="0"/>
-                    </a:p>
-                  </a:txBody>
-                  <a:tcPr/>
-                </a:tc>
-                <a:tc>
-                  <a:txBody>
-                    <a:bodyPr/>
-                    <a:lstStyle/>
-                    <a:p>
-                      <a:r>
-                        <a:rPr lang="nl-NL" dirty="0" smtClean="0"/>
-                        <a:t>Topics</a:t>
-                      </a:r>
-                      <a:endParaRPr lang="nl-NL" dirty="0"/>
-                    </a:p>
-                  </a:txBody>
-                  <a:tcPr/>
-                </a:tc>
-                <a:extLst>
-                  <a:ext uri="{0D108BD9-81ED-4DB2-BD59-A6C34878D82A}">
-                    <a16:rowId xmlns:a16="http://schemas.microsoft.com/office/drawing/2014/main" val="954133154"/>
-                  </a:ext>
-                </a:extLst>
-              </a:tr>
-              <a:tr h="370840">
-                <a:tc>
-                  <a:txBody>
-                    <a:bodyPr/>
-                    <a:lstStyle/>
-                    <a:p>
-                      <a:r>
-                        <a:rPr lang="nl-NL" dirty="0" smtClean="0"/>
-                        <a:t>1</a:t>
-                      </a:r>
-                      <a:endParaRPr lang="nl-NL" dirty="0"/>
-                    </a:p>
-                  </a:txBody>
-                  <a:tcPr/>
-                </a:tc>
-                <a:tc>
-                  <a:txBody>
-                    <a:bodyPr/>
-                    <a:lstStyle/>
-                    <a:p>
-                      <a:r>
-                        <a:rPr lang="nl-NL" dirty="0" smtClean="0"/>
-                        <a:t>Data </a:t>
-                      </a:r>
-                      <a:r>
-                        <a:rPr lang="nl-NL" dirty="0" err="1" smtClean="0"/>
-                        <a:t>and</a:t>
-                      </a:r>
-                      <a:r>
-                        <a:rPr lang="nl-NL" baseline="0" dirty="0" smtClean="0"/>
-                        <a:t> </a:t>
-                      </a:r>
-                      <a:r>
-                        <a:rPr lang="nl-NL" baseline="0" dirty="0" err="1" smtClean="0"/>
-                        <a:t>distributions</a:t>
-                      </a:r>
-                      <a:endParaRPr lang="nl-NL" dirty="0"/>
-                    </a:p>
-                  </a:txBody>
-                  <a:tcPr/>
-                </a:tc>
-                <a:extLst>
-                  <a:ext uri="{0D108BD9-81ED-4DB2-BD59-A6C34878D82A}">
-                    <a16:rowId xmlns:a16="http://schemas.microsoft.com/office/drawing/2014/main" val="68125015"/>
-                  </a:ext>
-                </a:extLst>
-              </a:tr>
-              <a:tr h="370840">
-                <a:tc>
-                  <a:txBody>
-                    <a:bodyPr/>
-                    <a:lstStyle/>
-                    <a:p>
-                      <a:r>
-                        <a:rPr lang="nl-NL" dirty="0" smtClean="0"/>
-                        <a:t>2</a:t>
-                      </a:r>
-                      <a:endParaRPr lang="nl-NL" dirty="0"/>
-                    </a:p>
-                  </a:txBody>
-                  <a:tcPr/>
-                </a:tc>
-                <a:tc>
-                  <a:txBody>
-                    <a:bodyPr/>
-                    <a:lstStyle/>
-                    <a:p>
-                      <a:r>
-                        <a:rPr lang="nl-NL" dirty="0" err="1" smtClean="0"/>
-                        <a:t>Exploratory</a:t>
-                      </a:r>
-                      <a:r>
-                        <a:rPr lang="nl-NL" baseline="0" dirty="0" smtClean="0"/>
-                        <a:t> data analysis</a:t>
-                      </a:r>
-                      <a:endParaRPr lang="nl-NL" baseline="0" dirty="0" smtClean="0"/>
-                    </a:p>
-                  </a:txBody>
-                  <a:tcPr/>
-                </a:tc>
-                <a:extLst>
-                  <a:ext uri="{0D108BD9-81ED-4DB2-BD59-A6C34878D82A}">
-                    <a16:rowId xmlns:a16="http://schemas.microsoft.com/office/drawing/2014/main" val="2009332889"/>
-                  </a:ext>
-                </a:extLst>
-              </a:tr>
-              <a:tr h="370840">
-                <a:tc>
-                  <a:txBody>
-                    <a:bodyPr/>
-                    <a:lstStyle/>
-                    <a:p>
-                      <a:r>
-                        <a:rPr lang="nl-NL" dirty="0" smtClean="0"/>
-                        <a:t>3</a:t>
-                      </a:r>
-                      <a:endParaRPr lang="nl-NL" dirty="0"/>
-                    </a:p>
-                  </a:txBody>
-                  <a:tcPr/>
-                </a:tc>
-                <a:tc>
-                  <a:txBody>
-                    <a:bodyPr/>
-                    <a:lstStyle/>
-                    <a:p>
-                      <a:r>
-                        <a:rPr lang="nl-NL" dirty="0" err="1" smtClean="0"/>
-                        <a:t>Linear</a:t>
-                      </a:r>
-                      <a:r>
-                        <a:rPr lang="nl-NL" dirty="0" smtClean="0"/>
-                        <a:t> </a:t>
-                      </a:r>
-                      <a:r>
-                        <a:rPr lang="nl-NL" dirty="0" err="1" smtClean="0"/>
-                        <a:t>regression</a:t>
-                      </a:r>
-                      <a:endParaRPr lang="nl-NL" dirty="0"/>
-                    </a:p>
-                  </a:txBody>
-                  <a:tcPr/>
-                </a:tc>
-                <a:extLst>
-                  <a:ext uri="{0D108BD9-81ED-4DB2-BD59-A6C34878D82A}">
-                    <a16:rowId xmlns:a16="http://schemas.microsoft.com/office/drawing/2014/main" val="1153920674"/>
-                  </a:ext>
-                </a:extLst>
-              </a:tr>
-              <a:tr h="370840">
-                <a:tc>
-                  <a:txBody>
-                    <a:bodyPr/>
-                    <a:lstStyle/>
-                    <a:p>
-                      <a:r>
-                        <a:rPr lang="nl-NL" dirty="0" smtClean="0"/>
-                        <a:t>4</a:t>
-                      </a:r>
-                      <a:endParaRPr lang="nl-NL" dirty="0"/>
-                    </a:p>
-                  </a:txBody>
-                  <a:tcPr/>
-                </a:tc>
-                <a:tc>
-                  <a:txBody>
-                    <a:bodyPr/>
-                    <a:lstStyle/>
-                    <a:p>
-                      <a:r>
-                        <a:rPr lang="nl-NL" dirty="0" smtClean="0"/>
-                        <a:t>Machine </a:t>
-                      </a:r>
-                      <a:r>
-                        <a:rPr lang="nl-NL" dirty="0" err="1" smtClean="0"/>
-                        <a:t>learning</a:t>
-                      </a:r>
-                      <a:endParaRPr lang="nl-NL" dirty="0"/>
-                    </a:p>
-                  </a:txBody>
-                  <a:tcPr/>
-                </a:tc>
-                <a:extLst>
-                  <a:ext uri="{0D108BD9-81ED-4DB2-BD59-A6C34878D82A}">
-                    <a16:rowId xmlns:a16="http://schemas.microsoft.com/office/drawing/2014/main" val="646979147"/>
-                  </a:ext>
-                </a:extLst>
-              </a:tr>
-              <a:tr h="370840">
-                <a:tc>
-                  <a:txBody>
-                    <a:bodyPr/>
-                    <a:lstStyle/>
-                    <a:p>
-                      <a:r>
-                        <a:rPr lang="nl-NL" dirty="0" smtClean="0"/>
-                        <a:t>5</a:t>
-                      </a:r>
-                      <a:endParaRPr lang="nl-NL" dirty="0"/>
-                    </a:p>
-                  </a:txBody>
-                  <a:tcPr/>
-                </a:tc>
-                <a:tc>
-                  <a:txBody>
-                    <a:bodyPr/>
-                    <a:lstStyle/>
-                    <a:p>
-                      <a:r>
-                        <a:rPr lang="nl-NL" dirty="0" smtClean="0"/>
-                        <a:t>Machine </a:t>
-                      </a:r>
-                      <a:r>
-                        <a:rPr lang="nl-NL" dirty="0" err="1" smtClean="0"/>
-                        <a:t>learning</a:t>
-                      </a:r>
-                      <a:endParaRPr lang="nl-NL" dirty="0"/>
-                    </a:p>
-                  </a:txBody>
-                  <a:tcPr/>
-                </a:tc>
-                <a:extLst>
-                  <a:ext uri="{0D108BD9-81ED-4DB2-BD59-A6C34878D82A}">
-                    <a16:rowId xmlns:a16="http://schemas.microsoft.com/office/drawing/2014/main" val="3191290804"/>
-                  </a:ext>
-                </a:extLst>
-              </a:tr>
-              <a:tr h="370840">
-                <a:tc>
-                  <a:txBody>
-                    <a:bodyPr/>
-                    <a:lstStyle/>
-                    <a:p>
-                      <a:r>
-                        <a:rPr lang="nl-NL" dirty="0" smtClean="0"/>
-                        <a:t>6</a:t>
-                      </a:r>
-                      <a:endParaRPr lang="nl-NL" dirty="0"/>
-                    </a:p>
-                  </a:txBody>
-                  <a:tcPr/>
-                </a:tc>
-                <a:tc>
-                  <a:txBody>
-                    <a:bodyPr/>
-                    <a:lstStyle/>
-                    <a:p>
-                      <a:pPr marL="0" marR="0" lvl="0" indent="0" algn="l" defTabSz="914400" rtl="0" eaLnBrk="1" fontAlgn="auto" latinLnBrk="0" hangingPunct="1">
-                        <a:lnSpc>
-                          <a:spcPct val="100000"/>
-                        </a:lnSpc>
-                        <a:spcBef>
-                          <a:spcPts val="0"/>
-                        </a:spcBef>
-                        <a:spcAft>
-                          <a:spcPts val="0"/>
-                        </a:spcAft>
-                        <a:buClrTx/>
-                        <a:buSzTx/>
-                        <a:buFontTx/>
-                        <a:buNone/>
-                        <a:tabLst/>
-                        <a:defRPr/>
-                      </a:pPr>
-                      <a:r>
-                        <a:rPr lang="nl-NL" dirty="0" smtClean="0"/>
-                        <a:t>Text</a:t>
-                      </a:r>
-                      <a:r>
-                        <a:rPr lang="nl-NL" baseline="0" dirty="0" smtClean="0"/>
-                        <a:t> </a:t>
-                      </a:r>
-                      <a:r>
-                        <a:rPr lang="nl-NL" baseline="0" dirty="0" err="1" smtClean="0"/>
-                        <a:t>mining</a:t>
-                      </a:r>
-                      <a:endParaRPr lang="nl-NL" dirty="0" smtClean="0"/>
-                    </a:p>
-                  </a:txBody>
-                  <a:tcPr/>
-                </a:tc>
-                <a:extLst>
-                  <a:ext uri="{0D108BD9-81ED-4DB2-BD59-A6C34878D82A}">
-                    <a16:rowId xmlns:a16="http://schemas.microsoft.com/office/drawing/2014/main" val="3669320408"/>
-                  </a:ext>
-                </a:extLst>
-              </a:tr>
-              <a:tr h="370840">
-                <a:tc>
-                  <a:txBody>
-                    <a:bodyPr/>
-                    <a:lstStyle/>
-                    <a:p>
-                      <a:r>
-                        <a:rPr lang="nl-NL" dirty="0" smtClean="0"/>
-                        <a:t>7</a:t>
-                      </a:r>
-                      <a:endParaRPr lang="nl-NL" dirty="0"/>
-                    </a:p>
-                  </a:txBody>
-                  <a:tcPr/>
-                </a:tc>
-                <a:tc>
-                  <a:txBody>
-                    <a:bodyPr/>
-                    <a:lstStyle/>
-                    <a:p>
-                      <a:r>
-                        <a:rPr lang="nl-NL" dirty="0" err="1" smtClean="0"/>
-                        <a:t>Unsupervised</a:t>
-                      </a:r>
-                      <a:r>
-                        <a:rPr lang="nl-NL" baseline="0" dirty="0" smtClean="0"/>
-                        <a:t> </a:t>
-                      </a:r>
-                      <a:r>
-                        <a:rPr lang="nl-NL" baseline="0" dirty="0" err="1" smtClean="0"/>
-                        <a:t>learning</a:t>
-                      </a:r>
-                      <a:endParaRPr lang="nl-NL" dirty="0"/>
-                    </a:p>
-                  </a:txBody>
-                  <a:tcPr/>
-                </a:tc>
-                <a:extLst>
-                  <a:ext uri="{0D108BD9-81ED-4DB2-BD59-A6C34878D82A}">
-                    <a16:rowId xmlns:a16="http://schemas.microsoft.com/office/drawing/2014/main" val="863875913"/>
-                  </a:ext>
-                </a:extLst>
-              </a:tr>
-              <a:tr h="370840">
-                <a:tc>
-                  <a:txBody>
-                    <a:bodyPr/>
-                    <a:lstStyle/>
-                    <a:p>
-                      <a:r>
-                        <a:rPr lang="nl-NL" dirty="0" smtClean="0"/>
-                        <a:t>8</a:t>
-                      </a:r>
-                      <a:endParaRPr lang="nl-NL" dirty="0"/>
-                    </a:p>
-                  </a:txBody>
-                  <a:tcPr/>
-                </a:tc>
-                <a:tc>
-                  <a:txBody>
-                    <a:bodyPr/>
-                    <a:lstStyle/>
-                    <a:p>
-                      <a:pPr marL="0" marR="0" lvl="0" indent="0" algn="l" defTabSz="914400" rtl="0" eaLnBrk="1" fontAlgn="auto" latinLnBrk="0" hangingPunct="1">
-                        <a:lnSpc>
-                          <a:spcPct val="100000"/>
-                        </a:lnSpc>
-                        <a:spcBef>
-                          <a:spcPts val="0"/>
-                        </a:spcBef>
-                        <a:spcAft>
-                          <a:spcPts val="0"/>
-                        </a:spcAft>
-                        <a:buClrTx/>
-                        <a:buSzTx/>
-                        <a:buFontTx/>
-                        <a:buNone/>
-                        <a:tabLst/>
-                        <a:defRPr/>
-                      </a:pPr>
-                      <a:r>
-                        <a:rPr lang="nl-NL" dirty="0" err="1" smtClean="0"/>
-                        <a:t>Work</a:t>
-                      </a:r>
-                      <a:r>
-                        <a:rPr lang="nl-NL" baseline="0" dirty="0" smtClean="0"/>
-                        <a:t> in class on project</a:t>
-                      </a:r>
-                      <a:endParaRPr lang="nl-NL" dirty="0" smtClean="0"/>
-                    </a:p>
-                  </a:txBody>
-                  <a:tcPr/>
-                </a:tc>
-                <a:extLst>
-                  <a:ext uri="{0D108BD9-81ED-4DB2-BD59-A6C34878D82A}">
-                    <a16:rowId xmlns:a16="http://schemas.microsoft.com/office/drawing/2014/main" val="4274217143"/>
-                  </a:ext>
-                </a:extLst>
-              </a:tr>
-              <a:tr h="370840">
-                <a:tc>
-                  <a:txBody>
-                    <a:bodyPr/>
-                    <a:lstStyle/>
-                    <a:p>
-                      <a:r>
-                        <a:rPr lang="nl-NL" dirty="0" smtClean="0"/>
-                        <a:t>9</a:t>
-                      </a:r>
-                      <a:endParaRPr lang="nl-NL" dirty="0"/>
-                    </a:p>
-                  </a:txBody>
-                  <a:tcPr/>
-                </a:tc>
-                <a:tc>
-                  <a:txBody>
-                    <a:bodyPr/>
-                    <a:lstStyle/>
-                    <a:p>
-                      <a:pPr marL="0" marR="0" lvl="0" indent="0" algn="l" defTabSz="914400" rtl="0" eaLnBrk="1" fontAlgn="auto" latinLnBrk="0" hangingPunct="1">
-                        <a:lnSpc>
-                          <a:spcPct val="100000"/>
-                        </a:lnSpc>
-                        <a:spcBef>
-                          <a:spcPts val="0"/>
-                        </a:spcBef>
-                        <a:spcAft>
-                          <a:spcPts val="0"/>
-                        </a:spcAft>
-                        <a:buClrTx/>
-                        <a:buSzTx/>
-                        <a:buFontTx/>
-                        <a:buNone/>
-                        <a:tabLst/>
-                        <a:defRPr/>
-                      </a:pPr>
-                      <a:r>
-                        <a:rPr lang="nl-NL" dirty="0" err="1" smtClean="0"/>
-                        <a:t>Work</a:t>
-                      </a:r>
-                      <a:r>
-                        <a:rPr lang="nl-NL" baseline="0" dirty="0" smtClean="0"/>
-                        <a:t> in class on project</a:t>
-                      </a:r>
-                      <a:endParaRPr lang="nl-NL" dirty="0" smtClean="0"/>
-                    </a:p>
-                    <a:p>
-                      <a:r>
-                        <a:rPr lang="nl-NL" dirty="0" smtClean="0"/>
-                        <a:t>Poster </a:t>
-                      </a:r>
-                      <a:r>
-                        <a:rPr lang="nl-NL" dirty="0" err="1" smtClean="0"/>
-                        <a:t>presentations</a:t>
-                      </a:r>
-                      <a:endParaRPr lang="nl-NL" dirty="0" smtClean="0"/>
-                    </a:p>
-                    <a:p>
-                      <a:r>
-                        <a:rPr lang="nl-NL" dirty="0" smtClean="0"/>
-                        <a:t>Deadline</a:t>
-                      </a:r>
-                      <a:endParaRPr lang="nl-NL" dirty="0"/>
-                    </a:p>
-                  </a:txBody>
-                  <a:tcPr/>
-                </a:tc>
-                <a:extLst>
-                  <a:ext uri="{0D108BD9-81ED-4DB2-BD59-A6C34878D82A}">
-                    <a16:rowId xmlns:a16="http://schemas.microsoft.com/office/drawing/2014/main" val="400350585"/>
-                  </a:ext>
-                </a:extLst>
-              </a:tr>
-            </a:tbl>
-          </a:graphicData>
-        </a:graphic>
-      </p:graphicFrame>
+        </p:nvSpPr>
+        <p:spPr>
+          <a:xfrm>
+            <a:off x="762000" y="1762125"/>
+            <a:ext cx="7881938" cy="5472267"/>
+          </a:xfrm>
+        </p:spPr>
+        <p:txBody>
+          <a:bodyPr/>
+          <a:lstStyle/>
+          <a:p>
+            <a:r>
+              <a:rPr lang="nl-NL" sz="2000" dirty="0" err="1" smtClean="0"/>
+              <a:t>Build</a:t>
+            </a:r>
+            <a:r>
+              <a:rPr lang="nl-NL" sz="2000" dirty="0" smtClean="0"/>
+              <a:t> a </a:t>
+            </a:r>
+            <a:r>
+              <a:rPr lang="nl-NL" sz="2000" dirty="0" err="1" smtClean="0"/>
+              <a:t>predictive</a:t>
+            </a:r>
+            <a:r>
+              <a:rPr lang="nl-NL" sz="2000" dirty="0" smtClean="0"/>
+              <a:t> model </a:t>
+            </a:r>
+            <a:r>
+              <a:rPr lang="nl-NL" sz="2000" dirty="0" err="1" smtClean="0"/>
+              <a:t>to</a:t>
+            </a:r>
+            <a:r>
+              <a:rPr lang="nl-NL" sz="2000" dirty="0" smtClean="0"/>
+              <a:t> </a:t>
+            </a:r>
+            <a:r>
+              <a:rPr lang="nl-NL" sz="2000" dirty="0" err="1" smtClean="0"/>
+              <a:t>predict</a:t>
+            </a:r>
+            <a:r>
+              <a:rPr lang="nl-NL" sz="2000" dirty="0" smtClean="0"/>
+              <a:t> user data</a:t>
+            </a:r>
+          </a:p>
+          <a:p>
+            <a:endParaRPr lang="nl-NL" sz="2000" dirty="0" smtClean="0"/>
+          </a:p>
+          <a:p>
+            <a:r>
+              <a:rPr lang="nl-NL" sz="2000" dirty="0" smtClean="0"/>
+              <a:t>Data set has </a:t>
+            </a:r>
+            <a:r>
+              <a:rPr lang="nl-NL" sz="2000" dirty="0" err="1" smtClean="0"/>
+              <a:t>to</a:t>
+            </a:r>
+            <a:r>
+              <a:rPr lang="nl-NL" sz="2000" dirty="0" smtClean="0"/>
+              <a:t> </a:t>
+            </a:r>
+            <a:r>
+              <a:rPr lang="nl-NL" sz="2000" dirty="0" err="1" smtClean="0"/>
+              <a:t>be</a:t>
+            </a:r>
+            <a:r>
+              <a:rPr lang="nl-NL" sz="2000" dirty="0" smtClean="0"/>
+              <a:t> new, e.g.</a:t>
+            </a:r>
+          </a:p>
+          <a:p>
+            <a:pPr lvl="1"/>
+            <a:r>
+              <a:rPr lang="nl-NL" sz="1600" dirty="0" err="1"/>
+              <a:t>Scraping</a:t>
+            </a:r>
+            <a:endParaRPr lang="nl-NL" sz="1600" dirty="0"/>
+          </a:p>
+          <a:p>
+            <a:pPr lvl="1"/>
+            <a:r>
+              <a:rPr lang="nl-NL" sz="1600" dirty="0" err="1"/>
+              <a:t>Own</a:t>
+            </a:r>
+            <a:r>
+              <a:rPr lang="nl-NL" sz="1600" dirty="0"/>
+              <a:t> data or </a:t>
+            </a:r>
+            <a:r>
+              <a:rPr lang="nl-NL" sz="1600" dirty="0" err="1"/>
+              <a:t>own</a:t>
+            </a:r>
+            <a:r>
+              <a:rPr lang="nl-NL" sz="1600" dirty="0"/>
+              <a:t> platform data</a:t>
+            </a:r>
+          </a:p>
+          <a:p>
+            <a:pPr lvl="1"/>
+            <a:r>
+              <a:rPr lang="nl-NL" sz="1600" dirty="0" err="1"/>
+              <a:t>Collaboration</a:t>
+            </a:r>
+            <a:r>
+              <a:rPr lang="nl-NL" sz="1600" dirty="0"/>
+              <a:t> </a:t>
+            </a:r>
+            <a:r>
+              <a:rPr lang="nl-NL" sz="1600" dirty="0" err="1"/>
+              <a:t>with</a:t>
+            </a:r>
+            <a:r>
+              <a:rPr lang="nl-NL" sz="1600" dirty="0"/>
+              <a:t> company (make </a:t>
+            </a:r>
+            <a:r>
+              <a:rPr lang="nl-NL" sz="1600" dirty="0" err="1"/>
+              <a:t>sure</a:t>
+            </a:r>
+            <a:r>
+              <a:rPr lang="nl-NL" sz="1600" dirty="0"/>
+              <a:t> </a:t>
+            </a:r>
+            <a:r>
+              <a:rPr lang="nl-NL" sz="1600" dirty="0" err="1"/>
+              <a:t>you</a:t>
+            </a:r>
+            <a:r>
+              <a:rPr lang="nl-NL" sz="1600" dirty="0"/>
+              <a:t> </a:t>
+            </a:r>
+            <a:r>
+              <a:rPr lang="nl-NL" sz="1600" dirty="0" err="1"/>
+              <a:t>comply</a:t>
+            </a:r>
+            <a:r>
+              <a:rPr lang="nl-NL" sz="1600" dirty="0"/>
+              <a:t> </a:t>
+            </a:r>
+            <a:r>
+              <a:rPr lang="nl-NL" sz="1600" dirty="0" err="1"/>
+              <a:t>with</a:t>
+            </a:r>
+            <a:r>
+              <a:rPr lang="nl-NL" sz="1600" dirty="0"/>
+              <a:t> GDPR)</a:t>
+            </a:r>
+          </a:p>
+          <a:p>
+            <a:endParaRPr lang="nl-NL" sz="2000" dirty="0" smtClean="0"/>
+          </a:p>
+          <a:p>
+            <a:r>
+              <a:rPr lang="nl-NL" sz="2000" dirty="0" err="1" smtClean="0"/>
+              <a:t>Work</a:t>
+            </a:r>
+            <a:r>
+              <a:rPr lang="nl-NL" sz="2000" dirty="0" smtClean="0"/>
+              <a:t> in peer feedback </a:t>
+            </a:r>
+            <a:r>
+              <a:rPr lang="nl-NL" sz="2000" dirty="0" err="1" smtClean="0"/>
+              <a:t>groups</a:t>
+            </a:r>
+            <a:r>
+              <a:rPr lang="nl-NL" sz="2000" dirty="0" smtClean="0"/>
+              <a:t> of 4 </a:t>
+            </a:r>
+            <a:r>
+              <a:rPr lang="nl-NL" sz="2000" dirty="0" err="1" smtClean="0"/>
+              <a:t>created</a:t>
+            </a:r>
+            <a:r>
+              <a:rPr lang="nl-NL" sz="2000" dirty="0" smtClean="0"/>
+              <a:t> </a:t>
+            </a:r>
+            <a:r>
+              <a:rPr lang="nl-NL" sz="2000" dirty="0" err="1" smtClean="0"/>
+              <a:t>by</a:t>
+            </a:r>
+            <a:r>
+              <a:rPr lang="nl-NL" sz="2000" dirty="0" smtClean="0"/>
+              <a:t> me</a:t>
+            </a:r>
+          </a:p>
+          <a:p>
+            <a:endParaRPr lang="nl-NL" sz="2000" dirty="0"/>
+          </a:p>
+          <a:p>
+            <a:r>
+              <a:rPr lang="nl-NL" sz="2000" dirty="0" smtClean="0"/>
+              <a:t>In </a:t>
+            </a:r>
+            <a:r>
+              <a:rPr lang="nl-NL" sz="2000" dirty="0" err="1" smtClean="0"/>
+              <a:t>your</a:t>
+            </a:r>
+            <a:r>
+              <a:rPr lang="nl-NL" sz="2000" dirty="0" smtClean="0"/>
+              <a:t> </a:t>
+            </a:r>
+            <a:r>
+              <a:rPr lang="nl-NL" sz="2000" dirty="0" err="1" smtClean="0"/>
+              <a:t>group</a:t>
+            </a:r>
+            <a:r>
+              <a:rPr lang="nl-NL" sz="2000" dirty="0" smtClean="0"/>
+              <a:t>, </a:t>
+            </a:r>
+            <a:r>
+              <a:rPr lang="nl-NL" sz="2000" dirty="0" err="1" smtClean="0"/>
+              <a:t>work</a:t>
+            </a:r>
+            <a:r>
+              <a:rPr lang="nl-NL" sz="2000" dirty="0" smtClean="0"/>
+              <a:t> on </a:t>
+            </a:r>
+            <a:r>
+              <a:rPr lang="nl-NL" sz="2000" dirty="0" err="1" smtClean="0"/>
+              <a:t>assignments</a:t>
+            </a:r>
+            <a:r>
+              <a:rPr lang="nl-NL" sz="2000" dirty="0" smtClean="0"/>
+              <a:t> </a:t>
+            </a:r>
+            <a:r>
+              <a:rPr lang="nl-NL" sz="2000" dirty="0" err="1" smtClean="0"/>
+              <a:t>during</a:t>
+            </a:r>
+            <a:r>
+              <a:rPr lang="nl-NL" sz="2000" dirty="0" smtClean="0"/>
+              <a:t> workshop </a:t>
+            </a:r>
+            <a:r>
+              <a:rPr lang="nl-NL" sz="2000" dirty="0" err="1" smtClean="0"/>
+              <a:t>hours</a:t>
+            </a:r>
+            <a:endParaRPr lang="nl-NL" sz="2000" dirty="0" smtClean="0"/>
+          </a:p>
+          <a:p>
+            <a:endParaRPr lang="nl-NL" sz="2000" dirty="0"/>
+          </a:p>
+          <a:p>
+            <a:r>
+              <a:rPr lang="nl-NL" sz="2000" dirty="0" smtClean="0"/>
+              <a:t>Poster </a:t>
+            </a:r>
+            <a:r>
+              <a:rPr lang="nl-NL" sz="2000" dirty="0" err="1" smtClean="0"/>
+              <a:t>presentation</a:t>
+            </a:r>
+            <a:r>
+              <a:rPr lang="nl-NL" sz="2000" dirty="0" smtClean="0"/>
+              <a:t> on </a:t>
+            </a:r>
+            <a:r>
+              <a:rPr lang="nl-NL" sz="2000" dirty="0" err="1" smtClean="0"/>
+              <a:t>Thursday</a:t>
+            </a:r>
+            <a:r>
+              <a:rPr lang="nl-NL" sz="2000" dirty="0" smtClean="0"/>
+              <a:t> week 9 (23 Jan), deadline Friday (24 Jan)</a:t>
+            </a:r>
+          </a:p>
+          <a:p>
+            <a:pPr lvl="1"/>
+            <a:endParaRPr lang="nl-NL" sz="1600" dirty="0"/>
+          </a:p>
+          <a:p>
+            <a:pPr lvl="2"/>
+            <a:endParaRPr lang="nl-NL" sz="1400" dirty="0"/>
+          </a:p>
+          <a:p>
+            <a:endParaRPr lang="nl-NL" sz="2000" dirty="0"/>
+          </a:p>
+        </p:txBody>
+      </p:sp>
     </p:spTree>
     <p:extLst>
       <p:ext uri="{BB962C8B-B14F-4D97-AF65-F5344CB8AC3E}">
-        <p14:creationId xmlns:p14="http://schemas.microsoft.com/office/powerpoint/2010/main" val="2643987728"/>
+        <p14:creationId xmlns:p14="http://schemas.microsoft.com/office/powerpoint/2010/main" val="1297744158"/>
       </p:ext>
     </p:extLst>
   </p:cSld>
   <p:clrMapOvr>
     <a:masterClrMapping/>
   </p:clrMapOvr>
-  <p:timing>
-    <p:tnLst>
-      <p:par>
-        <p:cTn id="1" dur="indefinite" restart="never" nodeType="tmRoot"/>
-      </p:par>
-    </p:tnLst>
-  </p:timing>
 </p:sld>
 </file>
 

--- a/slides/Week 1.pptx
+++ b/slides/Week 1.pptx
@@ -5,10 +5,10 @@
     <p:sldMasterId id="2147483649" r:id="rId1"/>
   </p:sldMasterIdLst>
   <p:notesMasterIdLst>
-    <p:notesMasterId r:id="rId29"/>
+    <p:notesMasterId r:id="rId30"/>
   </p:notesMasterIdLst>
   <p:handoutMasterIdLst>
-    <p:handoutMasterId r:id="rId30"/>
+    <p:handoutMasterId r:id="rId31"/>
   </p:handoutMasterIdLst>
   <p:sldIdLst>
     <p:sldId id="256" r:id="rId2"/>
@@ -27,17 +27,18 @@
     <p:sldId id="274" r:id="rId15"/>
     <p:sldId id="276" r:id="rId16"/>
     <p:sldId id="267" r:id="rId17"/>
-    <p:sldId id="273" r:id="rId18"/>
-    <p:sldId id="289" r:id="rId19"/>
-    <p:sldId id="288" r:id="rId20"/>
-    <p:sldId id="278" r:id="rId21"/>
-    <p:sldId id="277" r:id="rId22"/>
-    <p:sldId id="291" r:id="rId23"/>
-    <p:sldId id="280" r:id="rId24"/>
-    <p:sldId id="279" r:id="rId25"/>
-    <p:sldId id="266" r:id="rId26"/>
-    <p:sldId id="270" r:id="rId27"/>
-    <p:sldId id="283" r:id="rId28"/>
+    <p:sldId id="296" r:id="rId18"/>
+    <p:sldId id="297" r:id="rId19"/>
+    <p:sldId id="273" r:id="rId20"/>
+    <p:sldId id="289" r:id="rId21"/>
+    <p:sldId id="288" r:id="rId22"/>
+    <p:sldId id="278" r:id="rId23"/>
+    <p:sldId id="277" r:id="rId24"/>
+    <p:sldId id="291" r:id="rId25"/>
+    <p:sldId id="280" r:id="rId26"/>
+    <p:sldId id="279" r:id="rId27"/>
+    <p:sldId id="266" r:id="rId28"/>
+    <p:sldId id="283" r:id="rId29"/>
   </p:sldIdLst>
   <p:sldSz cx="9144000" cy="6858000" type="screen4x3"/>
   <p:notesSz cx="6858000" cy="9144000"/>
@@ -3374,7 +3375,7 @@
             <a:fld id="{373F1B60-BDF4-4D63-AD79-99D5A5B1DF99}" type="datetime1">
               <a:rPr lang="en-US"/>
               <a:pPr/>
-              <a:t>11/11/2019</a:t>
+              <a:t>11/12/2019</a:t>
             </a:fld>
             <a:endParaRPr lang="en-US"/>
           </a:p>
@@ -3593,7 +3594,7 @@
             <a:fld id="{4387A7AA-DFE9-4771-BEDE-3294FCEBFB02}" type="datetime1">
               <a:rPr lang="en-US"/>
               <a:pPr/>
-              <a:t>11/11/2019</a:t>
+              <a:t>11/12/2019</a:t>
             </a:fld>
             <a:endParaRPr lang="en-US"/>
           </a:p>
@@ -3984,7 +3985,7 @@
             <a:fld id="{8541E2CD-DBF4-40F9-B6F8-EEFD0DF8A138}" type="datetime1">
               <a:rPr lang="en-US"/>
               <a:pPr/>
-              <a:t>11/11/2019</a:t>
+              <a:t>11/12/2019</a:t>
             </a:fld>
             <a:endParaRPr lang="en-US"/>
           </a:p>
@@ -4199,7 +4200,7 @@
             <a:fld id="{93F21019-3A00-48AC-9663-40DF67A83229}" type="datetime1">
               <a:rPr lang="en-US"/>
               <a:pPr/>
-              <a:t>11/11/2019</a:t>
+              <a:t>11/12/2019</a:t>
             </a:fld>
             <a:endParaRPr lang="en-US">
               <a:solidFill>
@@ -4385,7 +4386,7 @@
             <a:fld id="{8B2EF9C8-0AC3-4A53-9A61-1834A571F420}" type="datetime1">
               <a:rPr lang="en-US"/>
               <a:pPr/>
-              <a:t>11/11/2019</a:t>
+              <a:t>11/12/2019</a:t>
             </a:fld>
             <a:endParaRPr lang="en-US" sz="1400">
               <a:solidFill>
@@ -4582,7 +4583,7 @@
             <a:fld id="{F02960F3-A385-4905-A491-FDC17E063DD1}" type="datetime1">
               <a:rPr lang="en-US"/>
               <a:pPr/>
-              <a:t>11/11/2019</a:t>
+              <a:t>11/12/2019</a:t>
             </a:fld>
             <a:endParaRPr lang="en-US" sz="1400">
               <a:solidFill>
@@ -4841,7 +4842,7 @@
             <a:fld id="{CD3AD70A-8E2A-47B5-AC18-ABBB5A8E737D}" type="datetime1">
               <a:rPr lang="en-US"/>
               <a:pPr/>
-              <a:t>11/11/2019</a:t>
+              <a:t>11/12/2019</a:t>
             </a:fld>
             <a:endParaRPr lang="en-US" sz="1400">
               <a:solidFill>
@@ -5077,7 +5078,7 @@
             <a:fld id="{07008C2E-9BD6-496B-BFC3-B4A975EBC85E}" type="datetime1">
               <a:rPr lang="en-US"/>
               <a:pPr/>
-              <a:t>11/11/2019</a:t>
+              <a:t>11/12/2019</a:t>
             </a:fld>
             <a:endParaRPr lang="en-US" sz="1400">
               <a:solidFill>
@@ -5256,7 +5257,7 @@
             <a:fld id="{1AA2C3CF-866C-4FDE-B76D-4E9536901630}" type="datetime1">
               <a:rPr lang="en-US"/>
               <a:pPr/>
-              <a:t>11/11/2019</a:t>
+              <a:t>11/12/2019</a:t>
             </a:fld>
             <a:endParaRPr lang="en-US" sz="1400">
               <a:solidFill>
@@ -5435,7 +5436,7 @@
             <a:fld id="{555EE259-FE08-4558-B721-B189FFE77284}" type="datetime1">
               <a:rPr lang="en-US"/>
               <a:pPr/>
-              <a:t>11/11/2019</a:t>
+              <a:t>11/12/2019</a:t>
             </a:fld>
             <a:endParaRPr lang="en-US" sz="1400">
               <a:solidFill>
@@ -5704,7 +5705,7 @@
             <a:fld id="{0AF4064E-5624-49AB-B7C6-E301A8F6B1FF}" type="datetime1">
               <a:rPr lang="en-US"/>
               <a:pPr/>
-              <a:t>11/11/2019</a:t>
+              <a:t>11/12/2019</a:t>
             </a:fld>
             <a:endParaRPr lang="en-US" sz="1400">
               <a:solidFill>
@@ -5901,7 +5902,7 @@
             <a:fld id="{CBC97FCD-6C54-4833-B032-BFBCDFA8379D}" type="datetime1">
               <a:rPr lang="en-US"/>
               <a:pPr/>
-              <a:t>11/11/2019</a:t>
+              <a:t>11/12/2019</a:t>
             </a:fld>
             <a:endParaRPr lang="en-US" sz="1400">
               <a:solidFill>
@@ -6110,7 +6111,7 @@
             <a:fld id="{F04AA577-515A-431F-98B6-3B03494ABB11}" type="datetime1">
               <a:rPr lang="en-US"/>
               <a:pPr/>
-              <a:t>11/11/2019</a:t>
+              <a:t>11/12/2019</a:t>
             </a:fld>
             <a:endParaRPr lang="en-US" sz="1400">
               <a:solidFill>
@@ -6415,7 +6416,7 @@
             <a:fld id="{6475F1A4-C474-4345-A800-2F40B0E4E70C}" type="datetime1">
               <a:rPr lang="en-US"/>
               <a:pPr/>
-              <a:t>11/11/2019</a:t>
+              <a:t>11/12/2019</a:t>
             </a:fld>
             <a:endParaRPr lang="en-US" sz="1400">
               <a:solidFill>
@@ -6859,7 +6860,7 @@
             <a:fld id="{7BA535AB-820E-4207-9DA8-5F37106C7AF4}" type="datetime1">
               <a:rPr lang="en-US"/>
               <a:pPr/>
-              <a:t>11/11/2019</a:t>
+              <a:t>11/12/2019</a:t>
             </a:fld>
             <a:endParaRPr lang="en-US" sz="1400">
               <a:solidFill>
@@ -6994,7 +6995,7 @@
             <a:fld id="{0A7E69FA-D7EE-42C0-9117-1971B541885F}" type="datetime1">
               <a:rPr lang="en-US"/>
               <a:pPr/>
-              <a:t>11/11/2019</a:t>
+              <a:t>11/12/2019</a:t>
             </a:fld>
             <a:endParaRPr lang="en-US" sz="1400">
               <a:solidFill>
@@ -7106,7 +7107,7 @@
             <a:fld id="{10D7644E-1B5D-4325-BA79-338DF2B89B56}" type="datetime1">
               <a:rPr lang="en-US"/>
               <a:pPr/>
-              <a:t>11/11/2019</a:t>
+              <a:t>11/12/2019</a:t>
             </a:fld>
             <a:endParaRPr lang="en-US" sz="1400">
               <a:solidFill>
@@ -7400,7 +7401,7 @@
             <a:fld id="{B790C882-0B74-4932-8998-E9ABB8AF1740}" type="datetime1">
               <a:rPr lang="en-US"/>
               <a:pPr/>
-              <a:t>11/11/2019</a:t>
+              <a:t>11/12/2019</a:t>
             </a:fld>
             <a:endParaRPr lang="en-US" sz="1400">
               <a:solidFill>
@@ -7670,7 +7671,7 @@
             <a:fld id="{9DC585DC-AE7D-44C1-90AB-C3A391DEA065}" type="datetime1">
               <a:rPr lang="en-US"/>
               <a:pPr/>
-              <a:t>11/11/2019</a:t>
+              <a:t>11/12/2019</a:t>
             </a:fld>
             <a:endParaRPr lang="en-US" sz="1400">
               <a:solidFill>
@@ -7934,7 +7935,7 @@
             <a:fld id="{256CE565-1940-4E5F-9190-C0815CEAAA9D}" type="datetime1">
               <a:rPr lang="en-US"/>
               <a:pPr/>
-              <a:t>11/11/2019</a:t>
+              <a:t>11/12/2019</a:t>
             </a:fld>
             <a:endParaRPr lang="en-US"/>
           </a:p>
@@ -11031,7 +11032,21 @@
                 <a:latin typeface="Courier New" panose="02070309020205020404" pitchFamily="49" charset="0"/>
                 <a:cs typeface="Courier New" panose="02070309020205020404" pitchFamily="49" charset="0"/>
               </a:rPr>
-              <a:t> project (</a:t>
+              <a:t> project </a:t>
+            </a:r>
+            <a:r>
+              <a:rPr lang="nl-NL" sz="1600" b="1" dirty="0" smtClean="0">
+                <a:latin typeface="Courier New" panose="02070309020205020404" pitchFamily="49" charset="0"/>
+                <a:cs typeface="Courier New" panose="02070309020205020404" pitchFamily="49" charset="0"/>
+              </a:rPr>
+              <a:t>on Canvas (Week 1) </a:t>
+            </a:r>
+            <a:r>
+              <a:rPr lang="nl-NL" sz="1600" dirty="0" smtClean="0">
+                <a:latin typeface="Courier New" panose="02070309020205020404" pitchFamily="49" charset="0"/>
+                <a:cs typeface="Courier New" panose="02070309020205020404" pitchFamily="49" charset="0"/>
+              </a:rPr>
+              <a:t> (</a:t>
             </a:r>
             <a:r>
               <a:rPr lang="nl-NL" sz="1600" i="1" dirty="0" smtClean="0">
@@ -11248,14 +11263,14 @@
                 <a:latin typeface="Courier New" panose="02070309020205020404" pitchFamily="49" charset="0"/>
                 <a:cs typeface="Courier New" panose="02070309020205020404" pitchFamily="49" charset="0"/>
               </a:rPr>
-              <a:t> data </a:t>
+              <a:t> data for the </a:t>
             </a:r>
             <a:r>
               <a:rPr lang="nl-NL" sz="1600" dirty="0" err="1" smtClean="0">
                 <a:latin typeface="Courier New" panose="02070309020205020404" pitchFamily="49" charset="0"/>
                 <a:cs typeface="Courier New" panose="02070309020205020404" pitchFamily="49" charset="0"/>
               </a:rPr>
-              <a:t>for</a:t>
+              <a:t>weekly</a:t>
             </a:r>
             <a:r>
               <a:rPr lang="nl-NL" sz="1600" dirty="0" smtClean="0">
@@ -11269,14 +11284,14 @@
                 <a:latin typeface="Courier New" panose="02070309020205020404" pitchFamily="49" charset="0"/>
                 <a:cs typeface="Courier New" panose="02070309020205020404" pitchFamily="49" charset="0"/>
               </a:rPr>
-              <a:t>Assignment</a:t>
+              <a:t>assignment</a:t>
             </a:r>
             <a:r>
               <a:rPr lang="nl-NL" sz="1600" dirty="0" smtClean="0">
                 <a:latin typeface="Courier New" panose="02070309020205020404" pitchFamily="49" charset="0"/>
                 <a:cs typeface="Courier New" panose="02070309020205020404" pitchFamily="49" charset="0"/>
               </a:rPr>
-              <a:t> 1. See Canvas for the data.</a:t>
+              <a:t>.</a:t>
             </a:r>
           </a:p>
           <a:p>
@@ -11539,21 +11554,7 @@
                 <a:latin typeface="Courier New" panose="02070309020205020404" pitchFamily="49" charset="0"/>
                 <a:cs typeface="Courier New" panose="02070309020205020404" pitchFamily="49" charset="0"/>
               </a:rPr>
-              <a:t> in the files? Look in the </a:t>
-            </a:r>
-            <a:r>
-              <a:rPr lang="nl-NL" sz="1600" dirty="0" err="1">
-                <a:latin typeface="Courier New" panose="02070309020205020404" pitchFamily="49" charset="0"/>
-                <a:cs typeface="Courier New" panose="02070309020205020404" pitchFamily="49" charset="0"/>
-              </a:rPr>
-              <a:t>documentation</a:t>
-            </a:r>
-            <a:r>
-              <a:rPr lang="nl-NL" sz="1600" dirty="0">
-                <a:latin typeface="Courier New" panose="02070309020205020404" pitchFamily="49" charset="0"/>
-                <a:cs typeface="Courier New" panose="02070309020205020404" pitchFamily="49" charset="0"/>
-              </a:rPr>
-              <a:t> </a:t>
+              <a:t> in the files? Look in the documentation </a:t>
             </a:r>
             <a:r>
               <a:rPr lang="nl-NL" sz="1600" dirty="0" smtClean="0">
@@ -11907,6 +11908,463 @@
           <a:p>
             <a:r>
               <a:rPr lang="nl-NL" dirty="0" smtClean="0"/>
+              <a:t>Seaborn</a:t>
+            </a:r>
+            <a:endParaRPr lang="nl-NL" dirty="0"/>
+          </a:p>
+        </p:txBody>
+      </p:sp>
+      <p:pic>
+        <p:nvPicPr>
+          <p:cNvPr id="5" name="Afbeelding 4"/>
+          <p:cNvPicPr>
+            <a:picLocks noChangeAspect="1"/>
+          </p:cNvPicPr>
+          <p:nvPr/>
+        </p:nvPicPr>
+        <p:blipFill rotWithShape="1">
+          <a:blip r:embed="rId2"/>
+          <a:srcRect t="3895"/>
+          <a:stretch/>
+        </p:blipFill>
+        <p:spPr>
+          <a:xfrm>
+            <a:off x="798848" y="1419470"/>
+            <a:ext cx="4929563" cy="2499178"/>
+          </a:xfrm>
+          <a:prstGeom prst="rect">
+            <a:avLst/>
+          </a:prstGeom>
+        </p:spPr>
+      </p:pic>
+      <p:pic>
+        <p:nvPicPr>
+          <p:cNvPr id="6" name="Afbeelding 5"/>
+          <p:cNvPicPr>
+            <a:picLocks noChangeAspect="1"/>
+          </p:cNvPicPr>
+          <p:nvPr/>
+        </p:nvPicPr>
+        <p:blipFill>
+          <a:blip r:embed="rId3"/>
+          <a:stretch>
+            <a:fillRect/>
+          </a:stretch>
+        </p:blipFill>
+        <p:spPr>
+          <a:xfrm>
+            <a:off x="798848" y="4149080"/>
+            <a:ext cx="3979260" cy="2562811"/>
+          </a:xfrm>
+          <a:prstGeom prst="rect">
+            <a:avLst/>
+          </a:prstGeom>
+        </p:spPr>
+      </p:pic>
+      <p:sp>
+        <p:nvSpPr>
+          <p:cNvPr id="7" name="Tekstvak 6"/>
+          <p:cNvSpPr txBox="1"/>
+          <p:nvPr/>
+        </p:nvSpPr>
+        <p:spPr>
+          <a:xfrm>
+            <a:off x="6732240" y="5949280"/>
+            <a:ext cx="2088232" cy="400110"/>
+          </a:xfrm>
+          <a:prstGeom prst="rect">
+            <a:avLst/>
+          </a:prstGeom>
+          <a:noFill/>
+        </p:spPr>
+        <p:txBody>
+          <a:bodyPr wrap="square" rtlCol="0">
+            <a:spAutoFit/>
+          </a:bodyPr>
+          <a:lstStyle/>
+          <a:p>
+            <a:r>
+              <a:rPr lang="nl-NL" sz="2000" dirty="0" smtClean="0">
+                <a:hlinkClick r:id="rId4"/>
+              </a:rPr>
+              <a:t>Tutorial</a:t>
+            </a:r>
+            <a:endParaRPr lang="nl-NL" sz="2000" dirty="0"/>
+          </a:p>
+        </p:txBody>
+      </p:sp>
+    </p:spTree>
+    <p:extLst>
+      <p:ext uri="{BB962C8B-B14F-4D97-AF65-F5344CB8AC3E}">
+        <p14:creationId xmlns:p14="http://schemas.microsoft.com/office/powerpoint/2010/main" val="745785724"/>
+      </p:ext>
+    </p:extLst>
+  </p:cSld>
+  <p:clrMapOvr>
+    <a:masterClrMapping/>
+  </p:clrMapOvr>
+</p:sld>
+</file>
+
+<file path=ppt/slides/slide18.xml><?xml version="1.0" encoding="utf-8"?>
+<p:sld xmlns:a="http://schemas.openxmlformats.org/drawingml/2006/main" xmlns:r="http://schemas.openxmlformats.org/officeDocument/2006/relationships" xmlns:p="http://schemas.openxmlformats.org/presentationml/2006/main">
+  <p:cSld>
+    <p:spTree>
+      <p:nvGrpSpPr>
+        <p:cNvPr id="1" name=""/>
+        <p:cNvGrpSpPr/>
+        <p:nvPr/>
+      </p:nvGrpSpPr>
+      <p:grpSpPr>
+        <a:xfrm>
+          <a:off x="0" y="0"/>
+          <a:ext cx="0" cy="0"/>
+          <a:chOff x="0" y="0"/>
+          <a:chExt cx="0" cy="0"/>
+        </a:xfrm>
+      </p:grpSpPr>
+      <p:sp>
+        <p:nvSpPr>
+          <p:cNvPr id="2" name="Titel 1"/>
+          <p:cNvSpPr>
+            <a:spLocks noGrp="1"/>
+          </p:cNvSpPr>
+          <p:nvPr>
+            <p:ph type="title"/>
+          </p:nvPr>
+        </p:nvSpPr>
+        <p:spPr/>
+        <p:txBody>
+          <a:bodyPr/>
+          <a:lstStyle/>
+          <a:p>
+            <a:r>
+              <a:rPr lang="nl-NL" dirty="0" smtClean="0"/>
+              <a:t>Seaborn: 2 </a:t>
+            </a:r>
+            <a:r>
+              <a:rPr lang="nl-NL" dirty="0" err="1" smtClean="0"/>
+              <a:t>syntaxes</a:t>
+            </a:r>
+            <a:endParaRPr lang="nl-NL" dirty="0"/>
+          </a:p>
+        </p:txBody>
+      </p:sp>
+      <p:pic>
+        <p:nvPicPr>
+          <p:cNvPr id="6" name="Afbeelding 5"/>
+          <p:cNvPicPr>
+            <a:picLocks noChangeAspect="1"/>
+          </p:cNvPicPr>
+          <p:nvPr/>
+        </p:nvPicPr>
+        <p:blipFill>
+          <a:blip r:embed="rId2"/>
+          <a:stretch>
+            <a:fillRect/>
+          </a:stretch>
+        </p:blipFill>
+        <p:spPr>
+          <a:xfrm>
+            <a:off x="467544" y="1284674"/>
+            <a:ext cx="3968308" cy="4259560"/>
+          </a:xfrm>
+          <a:prstGeom prst="rect">
+            <a:avLst/>
+          </a:prstGeom>
+        </p:spPr>
+      </p:pic>
+      <p:pic>
+        <p:nvPicPr>
+          <p:cNvPr id="7" name="Afbeelding 6"/>
+          <p:cNvPicPr>
+            <a:picLocks noChangeAspect="1"/>
+          </p:cNvPicPr>
+          <p:nvPr/>
+        </p:nvPicPr>
+        <p:blipFill>
+          <a:blip r:embed="rId3"/>
+          <a:stretch>
+            <a:fillRect/>
+          </a:stretch>
+        </p:blipFill>
+        <p:spPr>
+          <a:xfrm>
+            <a:off x="4716016" y="1340768"/>
+            <a:ext cx="3894077" cy="3827512"/>
+          </a:xfrm>
+          <a:prstGeom prst="rect">
+            <a:avLst/>
+          </a:prstGeom>
+        </p:spPr>
+      </p:pic>
+      <p:sp>
+        <p:nvSpPr>
+          <p:cNvPr id="9" name="Tekstvak 8"/>
+          <p:cNvSpPr txBox="1"/>
+          <p:nvPr/>
+        </p:nvSpPr>
+        <p:spPr>
+          <a:xfrm>
+            <a:off x="4636772" y="5445224"/>
+            <a:ext cx="4483920" cy="1077218"/>
+          </a:xfrm>
+          <a:prstGeom prst="rect">
+            <a:avLst/>
+          </a:prstGeom>
+          <a:noFill/>
+        </p:spPr>
+        <p:txBody>
+          <a:bodyPr wrap="none" rtlCol="0">
+            <a:spAutoFit/>
+          </a:bodyPr>
+          <a:lstStyle/>
+          <a:p>
+            <a:pPr marL="285750" indent="-285750">
+              <a:buFont typeface="Arial" panose="020B0604020202020204" pitchFamily="34" charset="0"/>
+              <a:buChar char="•"/>
+            </a:pPr>
+            <a:r>
+              <a:rPr lang="nl-NL" sz="1600" dirty="0" err="1" smtClean="0"/>
+              <a:t>Use</a:t>
+            </a:r>
+            <a:r>
+              <a:rPr lang="nl-NL" sz="1600" dirty="0" smtClean="0"/>
+              <a:t> column </a:t>
+            </a:r>
+            <a:r>
+              <a:rPr lang="nl-NL" sz="1600" dirty="0" err="1" smtClean="0"/>
+              <a:t>names</a:t>
+            </a:r>
+            <a:r>
+              <a:rPr lang="nl-NL" sz="1600" dirty="0" smtClean="0"/>
+              <a:t> from data frame</a:t>
+            </a:r>
+          </a:p>
+          <a:p>
+            <a:pPr marL="285750" indent="-285750">
+              <a:buFont typeface="Arial" panose="020B0604020202020204" pitchFamily="34" charset="0"/>
+              <a:buChar char="•"/>
+            </a:pPr>
+            <a:r>
+              <a:rPr lang="nl-NL" sz="1600" dirty="0" err="1" smtClean="0"/>
+              <a:t>Generic</a:t>
+            </a:r>
+            <a:r>
+              <a:rPr lang="nl-NL" sz="1600" dirty="0" smtClean="0"/>
+              <a:t> </a:t>
+            </a:r>
+            <a:r>
+              <a:rPr lang="nl-NL" sz="1600" dirty="0" err="1" smtClean="0"/>
+              <a:t>functions</a:t>
+            </a:r>
+            <a:r>
+              <a:rPr lang="nl-NL" sz="1600" dirty="0" smtClean="0"/>
+              <a:t> (</a:t>
+            </a:r>
+            <a:r>
+              <a:rPr lang="nl-NL" sz="1600" dirty="0" err="1" smtClean="0"/>
+              <a:t>catplot</a:t>
+            </a:r>
+            <a:r>
+              <a:rPr lang="nl-NL" sz="1600" dirty="0" smtClean="0"/>
+              <a:t> = </a:t>
+            </a:r>
+            <a:r>
+              <a:rPr lang="nl-NL" sz="1600" dirty="0" err="1" smtClean="0"/>
+              <a:t>categorical</a:t>
+            </a:r>
+            <a:r>
+              <a:rPr lang="nl-NL" sz="1600" dirty="0" smtClean="0"/>
+              <a:t> plot)</a:t>
+            </a:r>
+          </a:p>
+          <a:p>
+            <a:pPr marL="285750" indent="-285750">
+              <a:buFont typeface="Arial" panose="020B0604020202020204" pitchFamily="34" charset="0"/>
+              <a:buChar char="•"/>
+            </a:pPr>
+            <a:r>
+              <a:rPr lang="nl-NL" sz="1600" dirty="0" err="1" smtClean="0"/>
+              <a:t>Ideal</a:t>
+            </a:r>
+            <a:r>
+              <a:rPr lang="nl-NL" sz="1600" dirty="0" smtClean="0"/>
+              <a:t> for </a:t>
+            </a:r>
+            <a:r>
+              <a:rPr lang="nl-NL" sz="1600" dirty="0" err="1" smtClean="0"/>
+              <a:t>investigating</a:t>
+            </a:r>
+            <a:r>
+              <a:rPr lang="nl-NL" sz="1600" dirty="0" smtClean="0"/>
+              <a:t> relations</a:t>
+            </a:r>
+          </a:p>
+          <a:p>
+            <a:pPr marL="285750" indent="-285750">
+              <a:buFont typeface="Arial" panose="020B0604020202020204" pitchFamily="34" charset="0"/>
+              <a:buChar char="•"/>
+            </a:pPr>
+            <a:r>
+              <a:rPr lang="nl-NL" sz="1600" dirty="0" smtClean="0"/>
+              <a:t>Next week!</a:t>
+            </a:r>
+            <a:endParaRPr lang="nl-NL" sz="1600" dirty="0"/>
+          </a:p>
+        </p:txBody>
+      </p:sp>
+      <p:sp>
+        <p:nvSpPr>
+          <p:cNvPr id="10" name="Rechthoek 9"/>
+          <p:cNvSpPr/>
+          <p:nvPr/>
+        </p:nvSpPr>
+        <p:spPr>
+          <a:xfrm>
+            <a:off x="323528" y="5476002"/>
+            <a:ext cx="4572000" cy="1046440"/>
+          </a:xfrm>
+          <a:prstGeom prst="rect">
+            <a:avLst/>
+          </a:prstGeom>
+        </p:spPr>
+        <p:txBody>
+          <a:bodyPr>
+            <a:spAutoFit/>
+          </a:bodyPr>
+          <a:lstStyle/>
+          <a:p>
+            <a:pPr marL="285750" indent="-285750">
+              <a:buFont typeface="Arial" panose="020B0604020202020204" pitchFamily="34" charset="0"/>
+              <a:buChar char="•"/>
+            </a:pPr>
+            <a:r>
+              <a:rPr lang="nl-NL" sz="1600" dirty="0" err="1"/>
+              <a:t>Use</a:t>
+            </a:r>
+            <a:r>
+              <a:rPr lang="nl-NL" sz="1600" dirty="0"/>
+              <a:t> column </a:t>
+            </a:r>
+            <a:r>
+              <a:rPr lang="nl-NL" sz="1600" dirty="0" err="1"/>
+              <a:t>names</a:t>
+            </a:r>
+            <a:r>
+              <a:rPr lang="nl-NL" sz="1600" dirty="0"/>
+              <a:t> from data frame</a:t>
+            </a:r>
+          </a:p>
+          <a:p>
+            <a:pPr marL="285750" indent="-285750">
+              <a:buFont typeface="Arial" panose="020B0604020202020204" pitchFamily="34" charset="0"/>
+              <a:buChar char="•"/>
+            </a:pPr>
+            <a:r>
+              <a:rPr lang="nl-NL" sz="1600" dirty="0" err="1"/>
+              <a:t>Specific</a:t>
+            </a:r>
+            <a:r>
+              <a:rPr lang="nl-NL" sz="1600" dirty="0"/>
+              <a:t> </a:t>
+            </a:r>
+            <a:r>
+              <a:rPr lang="nl-NL" sz="1600" dirty="0" err="1"/>
+              <a:t>functions</a:t>
+            </a:r>
+            <a:r>
+              <a:rPr lang="nl-NL" sz="1600" dirty="0"/>
+              <a:t> for </a:t>
+            </a:r>
+            <a:r>
+              <a:rPr lang="nl-NL" sz="1600" dirty="0" err="1"/>
+              <a:t>each</a:t>
+            </a:r>
+            <a:r>
+              <a:rPr lang="nl-NL" sz="1600" dirty="0"/>
+              <a:t> plot type</a:t>
+            </a:r>
+          </a:p>
+          <a:p>
+            <a:pPr marL="285750" indent="-285750">
+              <a:buFont typeface="Arial" panose="020B0604020202020204" pitchFamily="34" charset="0"/>
+              <a:buChar char="•"/>
+            </a:pPr>
+            <a:r>
+              <a:rPr lang="nl-NL" sz="1600" dirty="0"/>
+              <a:t>Simple </a:t>
+            </a:r>
+            <a:r>
+              <a:rPr lang="nl-NL" sz="1600" dirty="0" err="1"/>
+              <a:t>and</a:t>
+            </a:r>
+            <a:r>
+              <a:rPr lang="nl-NL" sz="1600" dirty="0"/>
+              <a:t> </a:t>
+            </a:r>
+            <a:r>
+              <a:rPr lang="nl-NL" sz="1600" dirty="0" err="1"/>
+              <a:t>quick</a:t>
+            </a:r>
+            <a:endParaRPr lang="nl-NL" sz="1600" dirty="0"/>
+          </a:p>
+          <a:p>
+            <a:pPr marL="285750" indent="-285750">
+              <a:buFont typeface="Arial" panose="020B0604020202020204" pitchFamily="34" charset="0"/>
+              <a:buChar char="•"/>
+            </a:pPr>
+            <a:endParaRPr lang="nl-NL" dirty="0"/>
+          </a:p>
+        </p:txBody>
+      </p:sp>
+    </p:spTree>
+    <p:extLst>
+      <p:ext uri="{BB962C8B-B14F-4D97-AF65-F5344CB8AC3E}">
+        <p14:creationId xmlns:p14="http://schemas.microsoft.com/office/powerpoint/2010/main" val="1175780558"/>
+      </p:ext>
+    </p:extLst>
+  </p:cSld>
+  <p:clrMapOvr>
+    <a:masterClrMapping/>
+  </p:clrMapOvr>
+</p:sld>
+</file>
+
+<file path=ppt/slides/slide19.xml><?xml version="1.0" encoding="utf-8"?>
+<p:sld xmlns:a="http://schemas.openxmlformats.org/drawingml/2006/main" xmlns:r="http://schemas.openxmlformats.org/officeDocument/2006/relationships" xmlns:p="http://schemas.openxmlformats.org/presentationml/2006/main">
+  <p:cSld>
+    <p:spTree>
+      <p:nvGrpSpPr>
+        <p:cNvPr id="1" name=""/>
+        <p:cNvGrpSpPr/>
+        <p:nvPr/>
+      </p:nvGrpSpPr>
+      <p:grpSpPr>
+        <a:xfrm>
+          <a:off x="0" y="0"/>
+          <a:ext cx="0" cy="0"/>
+          <a:chOff x="0" y="0"/>
+          <a:chExt cx="0" cy="0"/>
+        </a:xfrm>
+      </p:grpSpPr>
+      <p:sp>
+        <p:nvSpPr>
+          <p:cNvPr id="2" name="Titel 1"/>
+          <p:cNvSpPr>
+            <a:spLocks noGrp="1"/>
+          </p:cNvSpPr>
+          <p:nvPr>
+            <p:ph type="title"/>
+          </p:nvPr>
+        </p:nvSpPr>
+        <p:spPr/>
+        <p:txBody>
+          <a:bodyPr/>
+          <a:lstStyle/>
+          <a:p>
+            <a:r>
+              <a:rPr lang="nl-NL" dirty="0" smtClean="0"/>
               <a:t>Topics</a:t>
             </a:r>
             <a:endParaRPr lang="nl-NL" dirty="0"/>
@@ -12057,7 +12515,216 @@
 </p:sld>
 </file>
 
-<file path=ppt/slides/slide18.xml><?xml version="1.0" encoding="utf-8"?>
+<file path=ppt/slides/slide2.xml><?xml version="1.0" encoding="utf-8"?>
+<p:sld xmlns:a="http://schemas.openxmlformats.org/drawingml/2006/main" xmlns:r="http://schemas.openxmlformats.org/officeDocument/2006/relationships" xmlns:p="http://schemas.openxmlformats.org/presentationml/2006/main">
+  <p:cSld>
+    <p:spTree>
+      <p:nvGrpSpPr>
+        <p:cNvPr id="1" name=""/>
+        <p:cNvGrpSpPr/>
+        <p:nvPr/>
+      </p:nvGrpSpPr>
+      <p:grpSpPr>
+        <a:xfrm>
+          <a:off x="0" y="0"/>
+          <a:ext cx="0" cy="0"/>
+          <a:chOff x="0" y="0"/>
+          <a:chExt cx="0" cy="0"/>
+        </a:xfrm>
+      </p:grpSpPr>
+      <p:pic>
+        <p:nvPicPr>
+          <p:cNvPr id="4" name="Tijdelijke aanduiding voor inhoud 3"/>
+          <p:cNvPicPr>
+            <a:picLocks noGrp="1" noChangeAspect="1"/>
+          </p:cNvPicPr>
+          <p:nvPr>
+            <p:ph idx="1"/>
+          </p:nvPr>
+        </p:nvPicPr>
+        <p:blipFill>
+          <a:blip r:embed="rId2">
+            <a:extLst>
+              <a:ext uri="{28A0092B-C50C-407E-A947-70E740481C1C}">
+                <a14:useLocalDpi xmlns:a14="http://schemas.microsoft.com/office/drawing/2010/main" val="0"/>
+              </a:ext>
+            </a:extLst>
+          </a:blip>
+          <a:stretch>
+            <a:fillRect/>
+          </a:stretch>
+        </p:blipFill>
+        <p:spPr>
+          <a:xfrm>
+            <a:off x="2159503" y="3789040"/>
+            <a:ext cx="4657078" cy="2627313"/>
+          </a:xfrm>
+        </p:spPr>
+      </p:pic>
+      <p:pic>
+        <p:nvPicPr>
+          <p:cNvPr id="5" name="Afbeelding 4"/>
+          <p:cNvPicPr>
+            <a:picLocks noChangeAspect="1"/>
+          </p:cNvPicPr>
+          <p:nvPr/>
+        </p:nvPicPr>
+        <p:blipFill>
+          <a:blip r:embed="rId3">
+            <a:extLst>
+              <a:ext uri="{28A0092B-C50C-407E-A947-70E740481C1C}">
+                <a14:useLocalDpi xmlns:a14="http://schemas.microsoft.com/office/drawing/2010/main" val="0"/>
+              </a:ext>
+            </a:extLst>
+          </a:blip>
+          <a:stretch>
+            <a:fillRect/>
+          </a:stretch>
+        </p:blipFill>
+        <p:spPr>
+          <a:xfrm>
+            <a:off x="2267744" y="1052736"/>
+            <a:ext cx="4577443" cy="2356037"/>
+          </a:xfrm>
+          <a:prstGeom prst="rect">
+            <a:avLst/>
+          </a:prstGeom>
+        </p:spPr>
+      </p:pic>
+    </p:spTree>
+    <p:extLst>
+      <p:ext uri="{BB962C8B-B14F-4D97-AF65-F5344CB8AC3E}">
+        <p14:creationId xmlns:p14="http://schemas.microsoft.com/office/powerpoint/2010/main" val="3651140958"/>
+      </p:ext>
+    </p:extLst>
+  </p:cSld>
+  <p:clrMapOvr>
+    <a:masterClrMapping/>
+  </p:clrMapOvr>
+  <p:timing>
+    <p:tnLst>
+      <p:par>
+        <p:cTn id="1" dur="indefinite" restart="never" nodeType="tmRoot">
+          <p:childTnLst>
+            <p:seq concurrent="1" nextAc="seek">
+              <p:cTn id="2" dur="indefinite" nodeType="mainSeq">
+                <p:childTnLst>
+                  <p:par>
+                    <p:cTn id="3" fill="hold">
+                      <p:stCondLst>
+                        <p:cond delay="indefinite"/>
+                      </p:stCondLst>
+                      <p:childTnLst>
+                        <p:par>
+                          <p:cTn id="4" fill="hold">
+                            <p:stCondLst>
+                              <p:cond delay="0"/>
+                            </p:stCondLst>
+                            <p:childTnLst>
+                              <p:par>
+                                <p:cTn id="5" presetID="1" presetClass="entr" presetSubtype="0" fill="hold" nodeType="clickEffect">
+                                  <p:stCondLst>
+                                    <p:cond delay="0"/>
+                                  </p:stCondLst>
+                                  <p:childTnLst>
+                                    <p:set>
+                                      <p:cBhvr>
+                                        <p:cTn id="6" dur="1" fill="hold">
+                                          <p:stCondLst>
+                                            <p:cond delay="0"/>
+                                          </p:stCondLst>
+                                        </p:cTn>
+                                        <p:tgtEl>
+                                          <p:spTgt spid="5"/>
+                                        </p:tgtEl>
+                                        <p:attrNameLst>
+                                          <p:attrName>style.visibility</p:attrName>
+                                        </p:attrNameLst>
+                                      </p:cBhvr>
+                                      <p:to>
+                                        <p:strVal val="visible"/>
+                                      </p:to>
+                                    </p:set>
+                                  </p:childTnLst>
+                                </p:cTn>
+                              </p:par>
+                            </p:childTnLst>
+                          </p:cTn>
+                        </p:par>
+                      </p:childTnLst>
+                    </p:cTn>
+                  </p:par>
+                  <p:par>
+                    <p:cTn id="7" fill="hold">
+                      <p:stCondLst>
+                        <p:cond delay="indefinite"/>
+                      </p:stCondLst>
+                      <p:childTnLst>
+                        <p:par>
+                          <p:cTn id="8" fill="hold">
+                            <p:stCondLst>
+                              <p:cond delay="0"/>
+                            </p:stCondLst>
+                            <p:childTnLst>
+                              <p:par>
+                                <p:cTn id="9" presetID="1" presetClass="entr" presetSubtype="0" fill="hold" nodeType="clickEffect">
+                                  <p:stCondLst>
+                                    <p:cond delay="0"/>
+                                  </p:stCondLst>
+                                  <p:childTnLst>
+                                    <p:set>
+                                      <p:cBhvr>
+                                        <p:cTn id="10" dur="1" fill="hold">
+                                          <p:stCondLst>
+                                            <p:cond delay="0"/>
+                                          </p:stCondLst>
+                                        </p:cTn>
+                                        <p:tgtEl>
+                                          <p:spTgt spid="4"/>
+                                        </p:tgtEl>
+                                        <p:attrNameLst>
+                                          <p:attrName>style.visibility</p:attrName>
+                                        </p:attrNameLst>
+                                      </p:cBhvr>
+                                      <p:to>
+                                        <p:strVal val="visible"/>
+                                      </p:to>
+                                    </p:set>
+                                  </p:childTnLst>
+                                </p:cTn>
+                              </p:par>
+                            </p:childTnLst>
+                          </p:cTn>
+                        </p:par>
+                      </p:childTnLst>
+                    </p:cTn>
+                  </p:par>
+                </p:childTnLst>
+              </p:cTn>
+              <p:prevCondLst>
+                <p:cond evt="onPrev" delay="0">
+                  <p:tgtEl>
+                    <p:sldTgt/>
+                  </p:tgtEl>
+                </p:cond>
+              </p:prevCondLst>
+              <p:nextCondLst>
+                <p:cond evt="onNext" delay="0">
+                  <p:tgtEl>
+                    <p:sldTgt/>
+                  </p:tgtEl>
+                </p:cond>
+              </p:nextCondLst>
+            </p:seq>
+          </p:childTnLst>
+        </p:cTn>
+      </p:par>
+    </p:tnLst>
+  </p:timing>
+</p:sld>
+</file>
+
+<file path=ppt/slides/slide20.xml><?xml version="1.0" encoding="utf-8"?>
 <p:sld xmlns:a="http://schemas.openxmlformats.org/drawingml/2006/main" xmlns:r="http://schemas.openxmlformats.org/officeDocument/2006/relationships" xmlns:p="http://schemas.openxmlformats.org/presentationml/2006/main">
   <p:cSld>
     <p:spTree>
@@ -12143,7 +12810,7 @@
 </p:sld>
 </file>
 
-<file path=ppt/slides/slide19.xml><?xml version="1.0" encoding="utf-8"?>
+<file path=ppt/slides/slide21.xml><?xml version="1.0" encoding="utf-8"?>
 <p:sld xmlns:a="http://schemas.openxmlformats.org/drawingml/2006/main" xmlns:r="http://schemas.openxmlformats.org/officeDocument/2006/relationships" xmlns:p="http://schemas.openxmlformats.org/presentationml/2006/main">
   <p:cSld>
     <p:spTree>
@@ -15074,7 +15741,7 @@
 </p:sld>
 </file>
 
-<file path=ppt/slides/slide2.xml><?xml version="1.0" encoding="utf-8"?>
+<file path=ppt/slides/slide22.xml><?xml version="1.0" encoding="utf-8"?>
 <p:sld xmlns:a="http://schemas.openxmlformats.org/drawingml/2006/main" xmlns:r="http://schemas.openxmlformats.org/officeDocument/2006/relationships" xmlns:p="http://schemas.openxmlformats.org/presentationml/2006/main">
   <p:cSld>
     <p:spTree>
@@ -15106,234 +15773,6 @@
           <a:bodyPr/>
           <a:lstStyle/>
           <a:p>
-            <a:endParaRPr lang="nl-NL"/>
-          </a:p>
-        </p:txBody>
-      </p:sp>
-      <p:pic>
-        <p:nvPicPr>
-          <p:cNvPr id="4" name="Tijdelijke aanduiding voor inhoud 3"/>
-          <p:cNvPicPr>
-            <a:picLocks noGrp="1" noChangeAspect="1"/>
-          </p:cNvPicPr>
-          <p:nvPr>
-            <p:ph idx="1"/>
-          </p:nvPr>
-        </p:nvPicPr>
-        <p:blipFill>
-          <a:blip r:embed="rId2">
-            <a:extLst>
-              <a:ext uri="{28A0092B-C50C-407E-A947-70E740481C1C}">
-                <a14:useLocalDpi xmlns:a14="http://schemas.microsoft.com/office/drawing/2010/main" val="0"/>
-              </a:ext>
-            </a:extLst>
-          </a:blip>
-          <a:stretch>
-            <a:fillRect/>
-          </a:stretch>
-        </p:blipFill>
-        <p:spPr>
-          <a:xfrm>
-            <a:off x="2159503" y="3789040"/>
-            <a:ext cx="4657078" cy="2627313"/>
-          </a:xfrm>
-        </p:spPr>
-      </p:pic>
-      <p:pic>
-        <p:nvPicPr>
-          <p:cNvPr id="5" name="Afbeelding 4"/>
-          <p:cNvPicPr>
-            <a:picLocks noChangeAspect="1"/>
-          </p:cNvPicPr>
-          <p:nvPr/>
-        </p:nvPicPr>
-        <p:blipFill>
-          <a:blip r:embed="rId3">
-            <a:extLst>
-              <a:ext uri="{28A0092B-C50C-407E-A947-70E740481C1C}">
-                <a14:useLocalDpi xmlns:a14="http://schemas.microsoft.com/office/drawing/2010/main" val="0"/>
-              </a:ext>
-            </a:extLst>
-          </a:blip>
-          <a:stretch>
-            <a:fillRect/>
-          </a:stretch>
-        </p:blipFill>
-        <p:spPr>
-          <a:xfrm>
-            <a:off x="2267744" y="1052736"/>
-            <a:ext cx="4577443" cy="2356037"/>
-          </a:xfrm>
-          <a:prstGeom prst="rect">
-            <a:avLst/>
-          </a:prstGeom>
-        </p:spPr>
-      </p:pic>
-    </p:spTree>
-    <p:extLst>
-      <p:ext uri="{BB962C8B-B14F-4D97-AF65-F5344CB8AC3E}">
-        <p14:creationId xmlns:p14="http://schemas.microsoft.com/office/powerpoint/2010/main" val="3651140958"/>
-      </p:ext>
-    </p:extLst>
-  </p:cSld>
-  <p:clrMapOvr>
-    <a:masterClrMapping/>
-  </p:clrMapOvr>
-  <p:timing>
-    <p:tnLst>
-      <p:par>
-        <p:cTn id="1" dur="indefinite" restart="never" nodeType="tmRoot">
-          <p:childTnLst>
-            <p:seq concurrent="1" nextAc="seek">
-              <p:cTn id="2" dur="indefinite" nodeType="mainSeq">
-                <p:childTnLst>
-                  <p:par>
-                    <p:cTn id="3" fill="hold">
-                      <p:stCondLst>
-                        <p:cond delay="indefinite"/>
-                      </p:stCondLst>
-                      <p:childTnLst>
-                        <p:par>
-                          <p:cTn id="4" fill="hold">
-                            <p:stCondLst>
-                              <p:cond delay="0"/>
-                            </p:stCondLst>
-                            <p:childTnLst>
-                              <p:par>
-                                <p:cTn id="5" presetID="1" presetClass="entr" presetSubtype="0" fill="hold" nodeType="clickEffect">
-                                  <p:stCondLst>
-                                    <p:cond delay="0"/>
-                                  </p:stCondLst>
-                                  <p:childTnLst>
-                                    <p:set>
-                                      <p:cBhvr>
-                                        <p:cTn id="6" dur="1" fill="hold">
-                                          <p:stCondLst>
-                                            <p:cond delay="0"/>
-                                          </p:stCondLst>
-                                        </p:cTn>
-                                        <p:tgtEl>
-                                          <p:spTgt spid="5"/>
-                                        </p:tgtEl>
-                                        <p:attrNameLst>
-                                          <p:attrName>style.visibility</p:attrName>
-                                        </p:attrNameLst>
-                                      </p:cBhvr>
-                                      <p:to>
-                                        <p:strVal val="visible"/>
-                                      </p:to>
-                                    </p:set>
-                                  </p:childTnLst>
-                                </p:cTn>
-                              </p:par>
-                            </p:childTnLst>
-                          </p:cTn>
-                        </p:par>
-                      </p:childTnLst>
-                    </p:cTn>
-                  </p:par>
-                  <p:par>
-                    <p:cTn id="7" fill="hold">
-                      <p:stCondLst>
-                        <p:cond delay="indefinite"/>
-                      </p:stCondLst>
-                      <p:childTnLst>
-                        <p:par>
-                          <p:cTn id="8" fill="hold">
-                            <p:stCondLst>
-                              <p:cond delay="0"/>
-                            </p:stCondLst>
-                            <p:childTnLst>
-                              <p:par>
-                                <p:cTn id="9" presetID="1" presetClass="entr" presetSubtype="0" fill="hold" nodeType="clickEffect">
-                                  <p:stCondLst>
-                                    <p:cond delay="0"/>
-                                  </p:stCondLst>
-                                  <p:childTnLst>
-                                    <p:set>
-                                      <p:cBhvr>
-                                        <p:cTn id="10" dur="1" fill="hold">
-                                          <p:stCondLst>
-                                            <p:cond delay="0"/>
-                                          </p:stCondLst>
-                                        </p:cTn>
-                                        <p:tgtEl>
-                                          <p:spTgt spid="4"/>
-                                        </p:tgtEl>
-                                        <p:attrNameLst>
-                                          <p:attrName>style.visibility</p:attrName>
-                                        </p:attrNameLst>
-                                      </p:cBhvr>
-                                      <p:to>
-                                        <p:strVal val="visible"/>
-                                      </p:to>
-                                    </p:set>
-                                  </p:childTnLst>
-                                </p:cTn>
-                              </p:par>
-                            </p:childTnLst>
-                          </p:cTn>
-                        </p:par>
-                      </p:childTnLst>
-                    </p:cTn>
-                  </p:par>
-                </p:childTnLst>
-              </p:cTn>
-              <p:prevCondLst>
-                <p:cond evt="onPrev" delay="0">
-                  <p:tgtEl>
-                    <p:sldTgt/>
-                  </p:tgtEl>
-                </p:cond>
-              </p:prevCondLst>
-              <p:nextCondLst>
-                <p:cond evt="onNext" delay="0">
-                  <p:tgtEl>
-                    <p:sldTgt/>
-                  </p:tgtEl>
-                </p:cond>
-              </p:nextCondLst>
-            </p:seq>
-          </p:childTnLst>
-        </p:cTn>
-      </p:par>
-    </p:tnLst>
-  </p:timing>
-</p:sld>
-</file>
-
-<file path=ppt/slides/slide20.xml><?xml version="1.0" encoding="utf-8"?>
-<p:sld xmlns:a="http://schemas.openxmlformats.org/drawingml/2006/main" xmlns:r="http://schemas.openxmlformats.org/officeDocument/2006/relationships" xmlns:p="http://schemas.openxmlformats.org/presentationml/2006/main">
-  <p:cSld>
-    <p:spTree>
-      <p:nvGrpSpPr>
-        <p:cNvPr id="1" name=""/>
-        <p:cNvGrpSpPr/>
-        <p:nvPr/>
-      </p:nvGrpSpPr>
-      <p:grpSpPr>
-        <a:xfrm>
-          <a:off x="0" y="0"/>
-          <a:ext cx="0" cy="0"/>
-          <a:chOff x="0" y="0"/>
-          <a:chExt cx="0" cy="0"/>
-        </a:xfrm>
-      </p:grpSpPr>
-      <p:sp>
-        <p:nvSpPr>
-          <p:cNvPr id="2" name="Titel 1"/>
-          <p:cNvSpPr>
-            <a:spLocks noGrp="1"/>
-          </p:cNvSpPr>
-          <p:nvPr>
-            <p:ph type="title"/>
-          </p:nvPr>
-        </p:nvSpPr>
-        <p:spPr/>
-        <p:txBody>
-          <a:bodyPr/>
-          <a:lstStyle/>
-          <a:p>
             <a:r>
               <a:rPr lang="nl-NL" dirty="0" smtClean="0"/>
               <a:t>Mean, </a:t>
@@ -15598,7 +16037,7 @@
 </p:sld>
 </file>
 
-<file path=ppt/slides/slide21.xml><?xml version="1.0" encoding="utf-8"?>
+<file path=ppt/slides/slide23.xml><?xml version="1.0" encoding="utf-8"?>
 <p:sld xmlns:a="http://schemas.openxmlformats.org/drawingml/2006/main" xmlns:r="http://schemas.openxmlformats.org/officeDocument/2006/relationships" xmlns:p="http://schemas.openxmlformats.org/presentationml/2006/main">
   <p:cSld>
     <p:spTree>
@@ -15685,7 +16124,7 @@
           <a:graphicData uri="http://schemas.openxmlformats.org/presentationml/2006/ole">
             <mc:AlternateContent xmlns:mc="http://schemas.openxmlformats.org/markup-compatibility/2006">
               <mc:Choice xmlns:v="urn:schemas-microsoft-com:vml" Requires="v">
-                <p:oleObj spid="_x0000_s1094" name="Vergelijking" r:id="rId3" imgW="3454200" imgH="1193760" progId="Equation.3">
+                <p:oleObj spid="_x0000_s1104" name="Vergelijking" r:id="rId3" imgW="3454200" imgH="1193760" progId="Equation.3">
                   <p:embed/>
                 </p:oleObj>
               </mc:Choice>
@@ -15991,7 +16430,7 @@
           <a:graphicData uri="http://schemas.openxmlformats.org/presentationml/2006/ole">
             <mc:AlternateContent xmlns:mc="http://schemas.openxmlformats.org/markup-compatibility/2006">
               <mc:Choice xmlns:v="urn:schemas-microsoft-com:vml" Requires="v">
-                <p:oleObj spid="_x0000_s1095" name="Vergelijking" r:id="rId5" imgW="672840" imgH="317160" progId="Equation.3">
+                <p:oleObj spid="_x0000_s1105" name="Vergelijking" r:id="rId5" imgW="672840" imgH="317160" progId="Equation.3">
                   <p:embed/>
                 </p:oleObj>
               </mc:Choice>
@@ -16085,7 +16524,7 @@
 </p:sld>
 </file>
 
-<file path=ppt/slides/slide22.xml><?xml version="1.0" encoding="utf-8"?>
+<file path=ppt/slides/slide24.xml><?xml version="1.0" encoding="utf-8"?>
 <p:sld xmlns:a="http://schemas.openxmlformats.org/drawingml/2006/main" xmlns:r="http://schemas.openxmlformats.org/officeDocument/2006/relationships" xmlns:p="http://schemas.openxmlformats.org/presentationml/2006/main">
   <p:cSld>
     <p:spTree>
@@ -16707,7 +17146,7 @@
 </p:sld>
 </file>
 
-<file path=ppt/slides/slide23.xml><?xml version="1.0" encoding="utf-8"?>
+<file path=ppt/slides/slide25.xml><?xml version="1.0" encoding="utf-8"?>
 <p:sld xmlns:a="http://schemas.openxmlformats.org/drawingml/2006/main" xmlns:r="http://schemas.openxmlformats.org/officeDocument/2006/relationships" xmlns:p="http://schemas.openxmlformats.org/presentationml/2006/main">
   <p:cSld>
     <p:spTree>
@@ -18505,7 +18944,7 @@
 </p:sld>
 </file>
 
-<file path=ppt/slides/slide24.xml><?xml version="1.0" encoding="utf-8"?>
+<file path=ppt/slides/slide26.xml><?xml version="1.0" encoding="utf-8"?>
 <p:sld xmlns:a="http://schemas.openxmlformats.org/drawingml/2006/main" xmlns:r="http://schemas.openxmlformats.org/officeDocument/2006/relationships" xmlns:p="http://schemas.openxmlformats.org/presentationml/2006/main">
   <p:cSld>
     <p:spTree>
@@ -18836,7 +19275,7 @@
 </p:sld>
 </file>
 
-<file path=ppt/slides/slide25.xml><?xml version="1.0" encoding="utf-8"?>
+<file path=ppt/slides/slide27.xml><?xml version="1.0" encoding="utf-8"?>
 <p:sld xmlns:a="http://schemas.openxmlformats.org/drawingml/2006/main" xmlns:r="http://schemas.openxmlformats.org/officeDocument/2006/relationships" xmlns:p="http://schemas.openxmlformats.org/presentationml/2006/main">
   <p:cSld>
     <p:spTree>
@@ -18999,7 +19438,38 @@
                 <a:latin typeface="Courier New" panose="02070309020205020404" pitchFamily="49" charset="0"/>
                 <a:cs typeface="Courier New" panose="02070309020205020404" pitchFamily="49" charset="0"/>
               </a:rPr>
-              <a:t> () </a:t>
+              <a:t> </a:t>
+            </a:r>
+            <a:r>
+              <a:rPr lang="nl-NL" sz="1400" dirty="0">
+                <a:solidFill>
+                  <a:schemeClr val="tx1"/>
+                </a:solidFill>
+                <a:latin typeface="Courier New" panose="02070309020205020404" pitchFamily="49" charset="0"/>
+                <a:cs typeface="Courier New" panose="02070309020205020404" pitchFamily="49" charset="0"/>
+              </a:rPr>
+              <a:t>(</a:t>
+            </a:r>
+            <a:r>
+              <a:rPr lang="nl-NL" sz="1400" dirty="0">
+                <a:solidFill>
+                  <a:schemeClr val="tx1"/>
+                </a:solidFill>
+                <a:latin typeface="Courier New" panose="02070309020205020404" pitchFamily="49" charset="0"/>
+                <a:cs typeface="Courier New" panose="02070309020205020404" pitchFamily="49" charset="0"/>
+                <a:hlinkClick r:id="rId2"/>
+              </a:rPr>
+              <a:t>https://bit.ly/2MTisu0</a:t>
+            </a:r>
+            <a:r>
+              <a:rPr lang="nl-NL" sz="1400" dirty="0">
+                <a:solidFill>
+                  <a:schemeClr val="tx1"/>
+                </a:solidFill>
+                <a:latin typeface="Courier New" panose="02070309020205020404" pitchFamily="49" charset="0"/>
+                <a:cs typeface="Courier New" panose="02070309020205020404" pitchFamily="49" charset="0"/>
+              </a:rPr>
+              <a:t>) </a:t>
             </a:r>
             <a:r>
               <a:rPr lang="nl-NL" sz="1400" dirty="0" err="1" smtClean="0">
@@ -19841,191 +20311,7 @@
 </p:sld>
 </file>
 
-<file path=ppt/slides/slide26.xml><?xml version="1.0" encoding="utf-8"?>
-<p:sld xmlns:a="http://schemas.openxmlformats.org/drawingml/2006/main" xmlns:r="http://schemas.openxmlformats.org/officeDocument/2006/relationships" xmlns:p="http://schemas.openxmlformats.org/presentationml/2006/main">
-  <p:cSld>
-    <p:spTree>
-      <p:nvGrpSpPr>
-        <p:cNvPr id="1" name=""/>
-        <p:cNvGrpSpPr/>
-        <p:nvPr/>
-      </p:nvGrpSpPr>
-      <p:grpSpPr>
-        <a:xfrm>
-          <a:off x="0" y="0"/>
-          <a:ext cx="0" cy="0"/>
-          <a:chOff x="0" y="0"/>
-          <a:chExt cx="0" cy="0"/>
-        </a:xfrm>
-      </p:grpSpPr>
-      <p:sp>
-        <p:nvSpPr>
-          <p:cNvPr id="2" name="Titel 1"/>
-          <p:cNvSpPr>
-            <a:spLocks noGrp="1"/>
-          </p:cNvSpPr>
-          <p:nvPr>
-            <p:ph type="title"/>
-          </p:nvPr>
-        </p:nvSpPr>
-        <p:spPr/>
-        <p:txBody>
-          <a:bodyPr/>
-          <a:lstStyle/>
-          <a:p>
-            <a:r>
-              <a:rPr lang="nl-NL" dirty="0" smtClean="0"/>
-              <a:t>Topics</a:t>
-            </a:r>
-            <a:endParaRPr lang="nl-NL" dirty="0"/>
-          </a:p>
-        </p:txBody>
-      </p:sp>
-      <p:sp>
-        <p:nvSpPr>
-          <p:cNvPr id="3" name="Tijdelijke aanduiding voor inhoud 2"/>
-          <p:cNvSpPr>
-            <a:spLocks noGrp="1"/>
-          </p:cNvSpPr>
-          <p:nvPr>
-            <p:ph idx="1"/>
-          </p:nvPr>
-        </p:nvSpPr>
-        <p:spPr>
-          <a:xfrm>
-            <a:off x="762000" y="1762125"/>
-            <a:ext cx="7881938" cy="5115246"/>
-          </a:xfrm>
-        </p:spPr>
-        <p:txBody>
-          <a:bodyPr/>
-          <a:lstStyle/>
-          <a:p>
-            <a:r>
-              <a:rPr lang="nl-NL" sz="2400" dirty="0" err="1" smtClean="0">
-                <a:solidFill>
-                  <a:schemeClr val="tx1"/>
-                </a:solidFill>
-              </a:rPr>
-              <a:t>Example</a:t>
-            </a:r>
-            <a:endParaRPr lang="nl-NL" sz="2400" dirty="0" smtClean="0">
-              <a:solidFill>
-                <a:schemeClr val="tx1"/>
-              </a:solidFill>
-            </a:endParaRPr>
-          </a:p>
-          <a:p>
-            <a:endParaRPr lang="nl-NL" sz="2400" dirty="0"/>
-          </a:p>
-          <a:p>
-            <a:r>
-              <a:rPr lang="nl-NL" sz="2400" dirty="0" smtClean="0"/>
-              <a:t>Course </a:t>
-            </a:r>
-            <a:r>
-              <a:rPr lang="nl-NL" sz="2400" dirty="0" err="1" smtClean="0"/>
-              <a:t>overview</a:t>
-            </a:r>
-            <a:endParaRPr lang="nl-NL" sz="2400" dirty="0" smtClean="0"/>
-          </a:p>
-          <a:p>
-            <a:endParaRPr lang="nl-NL" sz="2400" dirty="0"/>
-          </a:p>
-          <a:p>
-            <a:r>
-              <a:rPr lang="nl-NL" sz="2400" dirty="0" smtClean="0"/>
-              <a:t>Data cleaning </a:t>
-            </a:r>
-            <a:r>
-              <a:rPr lang="nl-NL" sz="2400" dirty="0" err="1" smtClean="0"/>
-              <a:t>and</a:t>
-            </a:r>
-            <a:r>
-              <a:rPr lang="nl-NL" sz="2400" dirty="0" smtClean="0"/>
-              <a:t> ‘</a:t>
-            </a:r>
-            <a:r>
-              <a:rPr lang="nl-NL" sz="2400" dirty="0" err="1" smtClean="0"/>
-              <a:t>munging</a:t>
-            </a:r>
-            <a:r>
-              <a:rPr lang="nl-NL" sz="2400" dirty="0" smtClean="0"/>
-              <a:t>’</a:t>
-            </a:r>
-          </a:p>
-          <a:p>
-            <a:endParaRPr lang="nl-NL" sz="2400" dirty="0" smtClean="0"/>
-          </a:p>
-          <a:p>
-            <a:r>
-              <a:rPr lang="nl-NL" sz="2400" dirty="0" err="1" smtClean="0"/>
-              <a:t>Distributions</a:t>
-            </a:r>
-            <a:endParaRPr lang="nl-NL" sz="2400" dirty="0" smtClean="0"/>
-          </a:p>
-          <a:p>
-            <a:endParaRPr lang="nl-NL" sz="2400" dirty="0"/>
-          </a:p>
-          <a:p>
-            <a:r>
-              <a:rPr lang="nl-NL" sz="2400" dirty="0" smtClean="0"/>
-              <a:t>Sampling </a:t>
-            </a:r>
-            <a:r>
-              <a:rPr lang="nl-NL" sz="2400" dirty="0" err="1" smtClean="0"/>
-              <a:t>and</a:t>
-            </a:r>
-            <a:r>
-              <a:rPr lang="nl-NL" sz="2400" dirty="0" smtClean="0"/>
-              <a:t> the </a:t>
-            </a:r>
-            <a:r>
-              <a:rPr lang="nl-NL" sz="2400" dirty="0" err="1" smtClean="0"/>
-              <a:t>normal</a:t>
-            </a:r>
-            <a:r>
-              <a:rPr lang="nl-NL" sz="2400" dirty="0" smtClean="0"/>
-              <a:t> </a:t>
-            </a:r>
-            <a:r>
-              <a:rPr lang="nl-NL" sz="2400" dirty="0" err="1" smtClean="0"/>
-              <a:t>distribution</a:t>
-            </a:r>
-            <a:endParaRPr lang="nl-NL" sz="2400" dirty="0" smtClean="0"/>
-          </a:p>
-          <a:p>
-            <a:endParaRPr lang="nl-NL" sz="2000" dirty="0" smtClean="0"/>
-          </a:p>
-          <a:p>
-            <a:endParaRPr lang="nl-NL" sz="2000" dirty="0"/>
-          </a:p>
-          <a:p>
-            <a:endParaRPr lang="nl-NL" sz="2000" dirty="0"/>
-          </a:p>
-        </p:txBody>
-      </p:sp>
-    </p:spTree>
-    <p:extLst>
-      <p:ext uri="{BB962C8B-B14F-4D97-AF65-F5344CB8AC3E}">
-        <p14:creationId xmlns:p14="http://schemas.microsoft.com/office/powerpoint/2010/main" val="228217684"/>
-      </p:ext>
-    </p:extLst>
-  </p:cSld>
-  <p:clrMapOvr>
-    <a:masterClrMapping/>
-  </p:clrMapOvr>
-  <p:timing>
-    <p:tnLst>
-      <p:par>
-        <p:cTn id="1" dur="indefinite" restart="never" nodeType="tmRoot"/>
-      </p:par>
-    </p:tnLst>
-  </p:timing>
-</p:sld>
-</file>
-
-<file path=ppt/slides/slide27.xml><?xml version="1.0" encoding="utf-8"?>
+<file path=ppt/slides/slide28.xml><?xml version="1.0" encoding="utf-8"?>
 <p:sld xmlns:a="http://schemas.openxmlformats.org/drawingml/2006/main" xmlns:r="http://schemas.openxmlformats.org/officeDocument/2006/relationships" xmlns:p="http://schemas.openxmlformats.org/presentationml/2006/main">
   <p:cSld>
     <p:spTree>

--- a/slides/Week 1.pptx
+++ b/slides/Week 1.pptx
@@ -3375,7 +3375,7 @@
             <a:fld id="{373F1B60-BDF4-4D63-AD79-99D5A5B1DF99}" type="datetime1">
               <a:rPr lang="en-US"/>
               <a:pPr/>
-              <a:t>11/12/2019</a:t>
+              <a:t>11/18/2019</a:t>
             </a:fld>
             <a:endParaRPr lang="en-US"/>
           </a:p>
@@ -3594,7 +3594,7 @@
             <a:fld id="{4387A7AA-DFE9-4771-BEDE-3294FCEBFB02}" type="datetime1">
               <a:rPr lang="en-US"/>
               <a:pPr/>
-              <a:t>11/12/2019</a:t>
+              <a:t>11/18/2019</a:t>
             </a:fld>
             <a:endParaRPr lang="en-US"/>
           </a:p>
@@ -3985,7 +3985,7 @@
             <a:fld id="{8541E2CD-DBF4-40F9-B6F8-EEFD0DF8A138}" type="datetime1">
               <a:rPr lang="en-US"/>
               <a:pPr/>
-              <a:t>11/12/2019</a:t>
+              <a:t>11/18/2019</a:t>
             </a:fld>
             <a:endParaRPr lang="en-US"/>
           </a:p>
@@ -4200,7 +4200,7 @@
             <a:fld id="{93F21019-3A00-48AC-9663-40DF67A83229}" type="datetime1">
               <a:rPr lang="en-US"/>
               <a:pPr/>
-              <a:t>11/12/2019</a:t>
+              <a:t>11/18/2019</a:t>
             </a:fld>
             <a:endParaRPr lang="en-US">
               <a:solidFill>
@@ -4386,7 +4386,7 @@
             <a:fld id="{8B2EF9C8-0AC3-4A53-9A61-1834A571F420}" type="datetime1">
               <a:rPr lang="en-US"/>
               <a:pPr/>
-              <a:t>11/12/2019</a:t>
+              <a:t>11/18/2019</a:t>
             </a:fld>
             <a:endParaRPr lang="en-US" sz="1400">
               <a:solidFill>
@@ -4583,7 +4583,7 @@
             <a:fld id="{F02960F3-A385-4905-A491-FDC17E063DD1}" type="datetime1">
               <a:rPr lang="en-US"/>
               <a:pPr/>
-              <a:t>11/12/2019</a:t>
+              <a:t>11/18/2019</a:t>
             </a:fld>
             <a:endParaRPr lang="en-US" sz="1400">
               <a:solidFill>
@@ -4842,7 +4842,7 @@
             <a:fld id="{CD3AD70A-8E2A-47B5-AC18-ABBB5A8E737D}" type="datetime1">
               <a:rPr lang="en-US"/>
               <a:pPr/>
-              <a:t>11/12/2019</a:t>
+              <a:t>11/18/2019</a:t>
             </a:fld>
             <a:endParaRPr lang="en-US" sz="1400">
               <a:solidFill>
@@ -5078,7 +5078,7 @@
             <a:fld id="{07008C2E-9BD6-496B-BFC3-B4A975EBC85E}" type="datetime1">
               <a:rPr lang="en-US"/>
               <a:pPr/>
-              <a:t>11/12/2019</a:t>
+              <a:t>11/18/2019</a:t>
             </a:fld>
             <a:endParaRPr lang="en-US" sz="1400">
               <a:solidFill>
@@ -5257,7 +5257,7 @@
             <a:fld id="{1AA2C3CF-866C-4FDE-B76D-4E9536901630}" type="datetime1">
               <a:rPr lang="en-US"/>
               <a:pPr/>
-              <a:t>11/12/2019</a:t>
+              <a:t>11/18/2019</a:t>
             </a:fld>
             <a:endParaRPr lang="en-US" sz="1400">
               <a:solidFill>
@@ -5436,7 +5436,7 @@
             <a:fld id="{555EE259-FE08-4558-B721-B189FFE77284}" type="datetime1">
               <a:rPr lang="en-US"/>
               <a:pPr/>
-              <a:t>11/12/2019</a:t>
+              <a:t>11/18/2019</a:t>
             </a:fld>
             <a:endParaRPr lang="en-US" sz="1400">
               <a:solidFill>
@@ -5705,7 +5705,7 @@
             <a:fld id="{0AF4064E-5624-49AB-B7C6-E301A8F6B1FF}" type="datetime1">
               <a:rPr lang="en-US"/>
               <a:pPr/>
-              <a:t>11/12/2019</a:t>
+              <a:t>11/18/2019</a:t>
             </a:fld>
             <a:endParaRPr lang="en-US" sz="1400">
               <a:solidFill>
@@ -5902,7 +5902,7 @@
             <a:fld id="{CBC97FCD-6C54-4833-B032-BFBCDFA8379D}" type="datetime1">
               <a:rPr lang="en-US"/>
               <a:pPr/>
-              <a:t>11/12/2019</a:t>
+              <a:t>11/18/2019</a:t>
             </a:fld>
             <a:endParaRPr lang="en-US" sz="1400">
               <a:solidFill>
@@ -6111,7 +6111,7 @@
             <a:fld id="{F04AA577-515A-431F-98B6-3B03494ABB11}" type="datetime1">
               <a:rPr lang="en-US"/>
               <a:pPr/>
-              <a:t>11/12/2019</a:t>
+              <a:t>11/18/2019</a:t>
             </a:fld>
             <a:endParaRPr lang="en-US" sz="1400">
               <a:solidFill>
@@ -6416,7 +6416,7 @@
             <a:fld id="{6475F1A4-C474-4345-A800-2F40B0E4E70C}" type="datetime1">
               <a:rPr lang="en-US"/>
               <a:pPr/>
-              <a:t>11/12/2019</a:t>
+              <a:t>11/18/2019</a:t>
             </a:fld>
             <a:endParaRPr lang="en-US" sz="1400">
               <a:solidFill>
@@ -6860,7 +6860,7 @@
             <a:fld id="{7BA535AB-820E-4207-9DA8-5F37106C7AF4}" type="datetime1">
               <a:rPr lang="en-US"/>
               <a:pPr/>
-              <a:t>11/12/2019</a:t>
+              <a:t>11/18/2019</a:t>
             </a:fld>
             <a:endParaRPr lang="en-US" sz="1400">
               <a:solidFill>
@@ -6995,7 +6995,7 @@
             <a:fld id="{0A7E69FA-D7EE-42C0-9117-1971B541885F}" type="datetime1">
               <a:rPr lang="en-US"/>
               <a:pPr/>
-              <a:t>11/12/2019</a:t>
+              <a:t>11/18/2019</a:t>
             </a:fld>
             <a:endParaRPr lang="en-US" sz="1400">
               <a:solidFill>
@@ -7107,7 +7107,7 @@
             <a:fld id="{10D7644E-1B5D-4325-BA79-338DF2B89B56}" type="datetime1">
               <a:rPr lang="en-US"/>
               <a:pPr/>
-              <a:t>11/12/2019</a:t>
+              <a:t>11/18/2019</a:t>
             </a:fld>
             <a:endParaRPr lang="en-US" sz="1400">
               <a:solidFill>
@@ -7401,7 +7401,7 @@
             <a:fld id="{B790C882-0B74-4932-8998-E9ABB8AF1740}" type="datetime1">
               <a:rPr lang="en-US"/>
               <a:pPr/>
-              <a:t>11/12/2019</a:t>
+              <a:t>11/18/2019</a:t>
             </a:fld>
             <a:endParaRPr lang="en-US" sz="1400">
               <a:solidFill>
@@ -7671,7 +7671,7 @@
             <a:fld id="{9DC585DC-AE7D-44C1-90AB-C3A391DEA065}" type="datetime1">
               <a:rPr lang="en-US"/>
               <a:pPr/>
-              <a:t>11/12/2019</a:t>
+              <a:t>11/18/2019</a:t>
             </a:fld>
             <a:endParaRPr lang="en-US" sz="1400">
               <a:solidFill>
@@ -7935,7 +7935,7 @@
             <a:fld id="{256CE565-1940-4E5F-9190-C0815CEAAA9D}" type="datetime1">
               <a:rPr lang="en-US"/>
               <a:pPr/>
-              <a:t>11/12/2019</a:t>
+              <a:t>11/18/2019</a:t>
             </a:fld>
             <a:endParaRPr lang="en-US"/>
           </a:p>
@@ -10983,8 +10983,19 @@
                 <a:latin typeface="Courier New" panose="02070309020205020404" pitchFamily="49" charset="0"/>
                 <a:cs typeface="Courier New" panose="02070309020205020404" pitchFamily="49" charset="0"/>
               </a:rPr>
-              <a:t> Notebook: data cleaning</a:t>
-            </a:r>
+              <a:t> Notebook: </a:t>
+            </a:r>
+            <a:r>
+              <a:rPr lang="nl-NL" sz="1600" i="1" dirty="0" err="1" smtClean="0">
+                <a:latin typeface="Courier New" panose="02070309020205020404" pitchFamily="49" charset="0"/>
+                <a:cs typeface="Courier New" panose="02070309020205020404" pitchFamily="49" charset="0"/>
+              </a:rPr>
+              <a:t>data_cleaning</a:t>
+            </a:r>
+            <a:endParaRPr lang="nl-NL" sz="1600" i="1" dirty="0" smtClean="0">
+              <a:latin typeface="Courier New" panose="02070309020205020404" pitchFamily="49" charset="0"/>
+              <a:cs typeface="Courier New" panose="02070309020205020404" pitchFamily="49" charset="0"/>
+            </a:endParaRPr>
           </a:p>
           <a:p>
             <a:pPr marL="0" indent="0">
@@ -16124,7 +16135,7 @@
           <a:graphicData uri="http://schemas.openxmlformats.org/presentationml/2006/ole">
             <mc:AlternateContent xmlns:mc="http://schemas.openxmlformats.org/markup-compatibility/2006">
               <mc:Choice xmlns:v="urn:schemas-microsoft-com:vml" Requires="v">
-                <p:oleObj spid="_x0000_s1104" name="Vergelijking" r:id="rId3" imgW="3454200" imgH="1193760" progId="Equation.3">
+                <p:oleObj spid="_x0000_s1110" name="Vergelijking" r:id="rId3" imgW="3454200" imgH="1193760" progId="Equation.3">
                   <p:embed/>
                 </p:oleObj>
               </mc:Choice>
@@ -16430,7 +16441,7 @@
           <a:graphicData uri="http://schemas.openxmlformats.org/presentationml/2006/ole">
             <mc:AlternateContent xmlns:mc="http://schemas.openxmlformats.org/markup-compatibility/2006">
               <mc:Choice xmlns:v="urn:schemas-microsoft-com:vml" Requires="v">
-                <p:oleObj spid="_x0000_s1105" name="Vergelijking" r:id="rId5" imgW="672840" imgH="317160" progId="Equation.3">
+                <p:oleObj spid="_x0000_s1111" name="Vergelijking" r:id="rId5" imgW="672840" imgH="317160" progId="Equation.3">
                   <p:embed/>
                 </p:oleObj>
               </mc:Choice>
@@ -19372,13 +19383,13 @@
               <a:t> Notebook: </a:t>
             </a:r>
             <a:r>
-              <a:rPr lang="nl-NL" sz="1400" dirty="0" err="1" smtClean="0">
+              <a:rPr lang="nl-NL" sz="1400" i="1" dirty="0" err="1" smtClean="0">
                 <a:latin typeface="Courier New" panose="02070309020205020404" pitchFamily="49" charset="0"/>
                 <a:cs typeface="Courier New" panose="02070309020205020404" pitchFamily="49" charset="0"/>
               </a:rPr>
-              <a:t>distributions</a:t>
-            </a:r>
-            <a:endParaRPr lang="nl-NL" sz="1400" dirty="0" smtClean="0">
+              <a:t>visualizing_distributions</a:t>
+            </a:r>
+            <a:endParaRPr lang="nl-NL" sz="1400" i="1" dirty="0" smtClean="0">
               <a:latin typeface="Courier New" panose="02070309020205020404" pitchFamily="49" charset="0"/>
               <a:cs typeface="Courier New" panose="02070309020205020404" pitchFamily="49" charset="0"/>
             </a:endParaRPr>
